--- a/Instructions/Instruction for observers.pptx
+++ b/Instructions/Instruction for observers.pptx
@@ -5,8 +5,20 @@
     <p:sldMasterId id="2147483648" r:id="rId1"/>
   </p:sldMasterIdLst>
   <p:sldIdLst>
-    <p:sldId id="256" r:id="rId2"/>
-    <p:sldId id="257" r:id="rId3"/>
+    <p:sldId id="258" r:id="rId2"/>
+    <p:sldId id="256" r:id="rId3"/>
+    <p:sldId id="257" r:id="rId4"/>
+    <p:sldId id="263" r:id="rId5"/>
+    <p:sldId id="259" r:id="rId6"/>
+    <p:sldId id="261" r:id="rId7"/>
+    <p:sldId id="264" r:id="rId8"/>
+    <p:sldId id="260" r:id="rId9"/>
+    <p:sldId id="262" r:id="rId10"/>
+    <p:sldId id="265" r:id="rId11"/>
+    <p:sldId id="266" r:id="rId12"/>
+    <p:sldId id="269" r:id="rId13"/>
+    <p:sldId id="268" r:id="rId14"/>
+    <p:sldId id="270" r:id="rId15"/>
   </p:sldIdLst>
   <p:sldSz cx="12192000" cy="6858000"/>
   <p:notesSz cx="6858000" cy="9144000"/>
@@ -155,7 +167,7 @@
           </a:lstStyle>
           <a:p>
             <a:r>
-              <a:rPr lang="ko-KR" altLang="en-US" smtClean="0"/>
+              <a:rPr lang="ko-KR" altLang="en-US"/>
               <a:t>마스터 제목 스타일 편집</a:t>
             </a:r>
             <a:endParaRPr lang="en-US"/>
@@ -220,7 +232,7 @@
           </a:lstStyle>
           <a:p>
             <a:r>
-              <a:rPr lang="ko-KR" altLang="en-US" smtClean="0"/>
+              <a:rPr lang="ko-KR" altLang="en-US"/>
               <a:t>클릭하여 마스터 부제목 스타일 편집</a:t>
             </a:r>
             <a:endParaRPr lang="en-US"/>
@@ -244,7 +256,7 @@
           <a:p>
             <a:fld id="{D1CB3D34-4A5F-4479-84DC-395EB63EC8BA}" type="datetimeFigureOut">
               <a:rPr lang="en-US" smtClean="0"/>
-              <a:t>5/4/2020</a:t>
+              <a:t>22.07.2020</a:t>
             </a:fld>
             <a:endParaRPr lang="en-US"/>
           </a:p>
@@ -338,7 +350,7 @@
           <a:lstStyle/>
           <a:p>
             <a:r>
-              <a:rPr lang="ko-KR" altLang="en-US" smtClean="0"/>
+              <a:rPr lang="ko-KR" altLang="en-US"/>
               <a:t>마스터 제목 스타일 편집</a:t>
             </a:r>
             <a:endParaRPr lang="en-US"/>
@@ -362,35 +374,35 @@
           <a:p>
             <a:pPr lvl="0"/>
             <a:r>
-              <a:rPr lang="ko-KR" altLang="en-US" smtClean="0"/>
+              <a:rPr lang="ko-KR" altLang="en-US"/>
               <a:t>마스터 텍스트 스타일 편집</a:t>
             </a:r>
           </a:p>
           <a:p>
             <a:pPr lvl="1"/>
             <a:r>
-              <a:rPr lang="ko-KR" altLang="en-US" smtClean="0"/>
+              <a:rPr lang="ko-KR" altLang="en-US"/>
               <a:t>둘째 수준</a:t>
             </a:r>
           </a:p>
           <a:p>
             <a:pPr lvl="2"/>
             <a:r>
-              <a:rPr lang="ko-KR" altLang="en-US" smtClean="0"/>
+              <a:rPr lang="ko-KR" altLang="en-US"/>
               <a:t>셋째 수준</a:t>
             </a:r>
           </a:p>
           <a:p>
             <a:pPr lvl="3"/>
             <a:r>
-              <a:rPr lang="ko-KR" altLang="en-US" smtClean="0"/>
+              <a:rPr lang="ko-KR" altLang="en-US"/>
               <a:t>넷째 수준</a:t>
             </a:r>
           </a:p>
           <a:p>
             <a:pPr lvl="4"/>
             <a:r>
-              <a:rPr lang="ko-KR" altLang="en-US" smtClean="0"/>
+              <a:rPr lang="ko-KR" altLang="en-US"/>
               <a:t>다섯째 수준</a:t>
             </a:r>
             <a:endParaRPr lang="en-US"/>
@@ -414,7 +426,7 @@
           <a:p>
             <a:fld id="{D1CB3D34-4A5F-4479-84DC-395EB63EC8BA}" type="datetimeFigureOut">
               <a:rPr lang="en-US" smtClean="0"/>
-              <a:t>5/4/2020</a:t>
+              <a:t>22.07.2020</a:t>
             </a:fld>
             <a:endParaRPr lang="en-US"/>
           </a:p>
@@ -513,7 +525,7 @@
           <a:lstStyle/>
           <a:p>
             <a:r>
-              <a:rPr lang="ko-KR" altLang="en-US" smtClean="0"/>
+              <a:rPr lang="ko-KR" altLang="en-US"/>
               <a:t>마스터 제목 스타일 편집</a:t>
             </a:r>
             <a:endParaRPr lang="en-US"/>
@@ -542,35 +554,35 @@
           <a:p>
             <a:pPr lvl="0"/>
             <a:r>
-              <a:rPr lang="ko-KR" altLang="en-US" smtClean="0"/>
+              <a:rPr lang="ko-KR" altLang="en-US"/>
               <a:t>마스터 텍스트 스타일 편집</a:t>
             </a:r>
           </a:p>
           <a:p>
             <a:pPr lvl="1"/>
             <a:r>
-              <a:rPr lang="ko-KR" altLang="en-US" smtClean="0"/>
+              <a:rPr lang="ko-KR" altLang="en-US"/>
               <a:t>둘째 수준</a:t>
             </a:r>
           </a:p>
           <a:p>
             <a:pPr lvl="2"/>
             <a:r>
-              <a:rPr lang="ko-KR" altLang="en-US" smtClean="0"/>
+              <a:rPr lang="ko-KR" altLang="en-US"/>
               <a:t>셋째 수준</a:t>
             </a:r>
           </a:p>
           <a:p>
             <a:pPr lvl="3"/>
             <a:r>
-              <a:rPr lang="ko-KR" altLang="en-US" smtClean="0"/>
+              <a:rPr lang="ko-KR" altLang="en-US"/>
               <a:t>넷째 수준</a:t>
             </a:r>
           </a:p>
           <a:p>
             <a:pPr lvl="4"/>
             <a:r>
-              <a:rPr lang="ko-KR" altLang="en-US" smtClean="0"/>
+              <a:rPr lang="ko-KR" altLang="en-US"/>
               <a:t>다섯째 수준</a:t>
             </a:r>
             <a:endParaRPr lang="en-US"/>
@@ -594,7 +606,7 @@
           <a:p>
             <a:fld id="{D1CB3D34-4A5F-4479-84DC-395EB63EC8BA}" type="datetimeFigureOut">
               <a:rPr lang="en-US" smtClean="0"/>
-              <a:t>5/4/2020</a:t>
+              <a:t>22.07.2020</a:t>
             </a:fld>
             <a:endParaRPr lang="en-US"/>
           </a:p>
@@ -688,7 +700,7 @@
           <a:lstStyle/>
           <a:p>
             <a:r>
-              <a:rPr lang="ko-KR" altLang="en-US" smtClean="0"/>
+              <a:rPr lang="ko-KR" altLang="en-US"/>
               <a:t>마스터 제목 스타일 편집</a:t>
             </a:r>
             <a:endParaRPr lang="en-US"/>
@@ -712,35 +724,35 @@
           <a:p>
             <a:pPr lvl="0"/>
             <a:r>
-              <a:rPr lang="ko-KR" altLang="en-US" smtClean="0"/>
+              <a:rPr lang="ko-KR" altLang="en-US"/>
               <a:t>마스터 텍스트 스타일 편집</a:t>
             </a:r>
           </a:p>
           <a:p>
             <a:pPr lvl="1"/>
             <a:r>
-              <a:rPr lang="ko-KR" altLang="en-US" smtClean="0"/>
+              <a:rPr lang="ko-KR" altLang="en-US"/>
               <a:t>둘째 수준</a:t>
             </a:r>
           </a:p>
           <a:p>
             <a:pPr lvl="2"/>
             <a:r>
-              <a:rPr lang="ko-KR" altLang="en-US" smtClean="0"/>
+              <a:rPr lang="ko-KR" altLang="en-US"/>
               <a:t>셋째 수준</a:t>
             </a:r>
           </a:p>
           <a:p>
             <a:pPr lvl="3"/>
             <a:r>
-              <a:rPr lang="ko-KR" altLang="en-US" smtClean="0"/>
+              <a:rPr lang="ko-KR" altLang="en-US"/>
               <a:t>넷째 수준</a:t>
             </a:r>
           </a:p>
           <a:p>
             <a:pPr lvl="4"/>
             <a:r>
-              <a:rPr lang="ko-KR" altLang="en-US" smtClean="0"/>
+              <a:rPr lang="ko-KR" altLang="en-US"/>
               <a:t>다섯째 수준</a:t>
             </a:r>
             <a:endParaRPr lang="en-US"/>
@@ -764,7 +776,7 @@
           <a:p>
             <a:fld id="{D1CB3D34-4A5F-4479-84DC-395EB63EC8BA}" type="datetimeFigureOut">
               <a:rPr lang="en-US" smtClean="0"/>
-              <a:t>5/4/2020</a:t>
+              <a:t>22.07.2020</a:t>
             </a:fld>
             <a:endParaRPr lang="en-US"/>
           </a:p>
@@ -867,7 +879,7 @@
           </a:lstStyle>
           <a:p>
             <a:r>
-              <a:rPr lang="ko-KR" altLang="en-US" smtClean="0"/>
+              <a:rPr lang="ko-KR" altLang="en-US"/>
               <a:t>마스터 제목 스타일 편집</a:t>
             </a:r>
             <a:endParaRPr lang="en-US"/>
@@ -987,7 +999,7 @@
           <a:p>
             <a:pPr lvl="0"/>
             <a:r>
-              <a:rPr lang="ko-KR" altLang="en-US" smtClean="0"/>
+              <a:rPr lang="ko-KR" altLang="en-US"/>
               <a:t>마스터 텍스트 스타일 편집</a:t>
             </a:r>
           </a:p>
@@ -1010,7 +1022,7 @@
           <a:p>
             <a:fld id="{D1CB3D34-4A5F-4479-84DC-395EB63EC8BA}" type="datetimeFigureOut">
               <a:rPr lang="en-US" smtClean="0"/>
-              <a:t>5/4/2020</a:t>
+              <a:t>22.07.2020</a:t>
             </a:fld>
             <a:endParaRPr lang="en-US"/>
           </a:p>
@@ -1104,7 +1116,7 @@
           <a:lstStyle/>
           <a:p>
             <a:r>
-              <a:rPr lang="ko-KR" altLang="en-US" smtClean="0"/>
+              <a:rPr lang="ko-KR" altLang="en-US"/>
               <a:t>마스터 제목 스타일 편집</a:t>
             </a:r>
             <a:endParaRPr lang="en-US"/>
@@ -1133,35 +1145,35 @@
           <a:p>
             <a:pPr lvl="0"/>
             <a:r>
-              <a:rPr lang="ko-KR" altLang="en-US" smtClean="0"/>
+              <a:rPr lang="ko-KR" altLang="en-US"/>
               <a:t>마스터 텍스트 스타일 편집</a:t>
             </a:r>
           </a:p>
           <a:p>
             <a:pPr lvl="1"/>
             <a:r>
-              <a:rPr lang="ko-KR" altLang="en-US" smtClean="0"/>
+              <a:rPr lang="ko-KR" altLang="en-US"/>
               <a:t>둘째 수준</a:t>
             </a:r>
           </a:p>
           <a:p>
             <a:pPr lvl="2"/>
             <a:r>
-              <a:rPr lang="ko-KR" altLang="en-US" smtClean="0"/>
+              <a:rPr lang="ko-KR" altLang="en-US"/>
               <a:t>셋째 수준</a:t>
             </a:r>
           </a:p>
           <a:p>
             <a:pPr lvl="3"/>
             <a:r>
-              <a:rPr lang="ko-KR" altLang="en-US" smtClean="0"/>
+              <a:rPr lang="ko-KR" altLang="en-US"/>
               <a:t>넷째 수준</a:t>
             </a:r>
           </a:p>
           <a:p>
             <a:pPr lvl="4"/>
             <a:r>
-              <a:rPr lang="ko-KR" altLang="en-US" smtClean="0"/>
+              <a:rPr lang="ko-KR" altLang="en-US"/>
               <a:t>다섯째 수준</a:t>
             </a:r>
             <a:endParaRPr lang="en-US"/>
@@ -1190,35 +1202,35 @@
           <a:p>
             <a:pPr lvl="0"/>
             <a:r>
-              <a:rPr lang="ko-KR" altLang="en-US" smtClean="0"/>
+              <a:rPr lang="ko-KR" altLang="en-US"/>
               <a:t>마스터 텍스트 스타일 편집</a:t>
             </a:r>
           </a:p>
           <a:p>
             <a:pPr lvl="1"/>
             <a:r>
-              <a:rPr lang="ko-KR" altLang="en-US" smtClean="0"/>
+              <a:rPr lang="ko-KR" altLang="en-US"/>
               <a:t>둘째 수준</a:t>
             </a:r>
           </a:p>
           <a:p>
             <a:pPr lvl="2"/>
             <a:r>
-              <a:rPr lang="ko-KR" altLang="en-US" smtClean="0"/>
+              <a:rPr lang="ko-KR" altLang="en-US"/>
               <a:t>셋째 수준</a:t>
             </a:r>
           </a:p>
           <a:p>
             <a:pPr lvl="3"/>
             <a:r>
-              <a:rPr lang="ko-KR" altLang="en-US" smtClean="0"/>
+              <a:rPr lang="ko-KR" altLang="en-US"/>
               <a:t>넷째 수준</a:t>
             </a:r>
           </a:p>
           <a:p>
             <a:pPr lvl="4"/>
             <a:r>
-              <a:rPr lang="ko-KR" altLang="en-US" smtClean="0"/>
+              <a:rPr lang="ko-KR" altLang="en-US"/>
               <a:t>다섯째 수준</a:t>
             </a:r>
             <a:endParaRPr lang="en-US"/>
@@ -1242,7 +1254,7 @@
           <a:p>
             <a:fld id="{D1CB3D34-4A5F-4479-84DC-395EB63EC8BA}" type="datetimeFigureOut">
               <a:rPr lang="en-US" smtClean="0"/>
-              <a:t>5/4/2020</a:t>
+              <a:t>22.07.2020</a:t>
             </a:fld>
             <a:endParaRPr lang="en-US"/>
           </a:p>
@@ -1341,7 +1353,7 @@
           <a:lstStyle/>
           <a:p>
             <a:r>
-              <a:rPr lang="ko-KR" altLang="en-US" smtClean="0"/>
+              <a:rPr lang="ko-KR" altLang="en-US"/>
               <a:t>마스터 제목 스타일 편집</a:t>
             </a:r>
             <a:endParaRPr lang="en-US"/>
@@ -1407,7 +1419,7 @@
           <a:p>
             <a:pPr lvl="0"/>
             <a:r>
-              <a:rPr lang="ko-KR" altLang="en-US" smtClean="0"/>
+              <a:rPr lang="ko-KR" altLang="en-US"/>
               <a:t>마스터 텍스트 스타일 편집</a:t>
             </a:r>
           </a:p>
@@ -1435,35 +1447,35 @@
           <a:p>
             <a:pPr lvl="0"/>
             <a:r>
-              <a:rPr lang="ko-KR" altLang="en-US" smtClean="0"/>
+              <a:rPr lang="ko-KR" altLang="en-US"/>
               <a:t>마스터 텍스트 스타일 편집</a:t>
             </a:r>
           </a:p>
           <a:p>
             <a:pPr lvl="1"/>
             <a:r>
-              <a:rPr lang="ko-KR" altLang="en-US" smtClean="0"/>
+              <a:rPr lang="ko-KR" altLang="en-US"/>
               <a:t>둘째 수준</a:t>
             </a:r>
           </a:p>
           <a:p>
             <a:pPr lvl="2"/>
             <a:r>
-              <a:rPr lang="ko-KR" altLang="en-US" smtClean="0"/>
+              <a:rPr lang="ko-KR" altLang="en-US"/>
               <a:t>셋째 수준</a:t>
             </a:r>
           </a:p>
           <a:p>
             <a:pPr lvl="3"/>
             <a:r>
-              <a:rPr lang="ko-KR" altLang="en-US" smtClean="0"/>
+              <a:rPr lang="ko-KR" altLang="en-US"/>
               <a:t>넷째 수준</a:t>
             </a:r>
           </a:p>
           <a:p>
             <a:pPr lvl="4"/>
             <a:r>
-              <a:rPr lang="ko-KR" altLang="en-US" smtClean="0"/>
+              <a:rPr lang="ko-KR" altLang="en-US"/>
               <a:t>다섯째 수준</a:t>
             </a:r>
             <a:endParaRPr lang="en-US"/>
@@ -1529,7 +1541,7 @@
           <a:p>
             <a:pPr lvl="0"/>
             <a:r>
-              <a:rPr lang="ko-KR" altLang="en-US" smtClean="0"/>
+              <a:rPr lang="ko-KR" altLang="en-US"/>
               <a:t>마스터 텍스트 스타일 편집</a:t>
             </a:r>
           </a:p>
@@ -1557,35 +1569,35 @@
           <a:p>
             <a:pPr lvl="0"/>
             <a:r>
-              <a:rPr lang="ko-KR" altLang="en-US" smtClean="0"/>
+              <a:rPr lang="ko-KR" altLang="en-US"/>
               <a:t>마스터 텍스트 스타일 편집</a:t>
             </a:r>
           </a:p>
           <a:p>
             <a:pPr lvl="1"/>
             <a:r>
-              <a:rPr lang="ko-KR" altLang="en-US" smtClean="0"/>
+              <a:rPr lang="ko-KR" altLang="en-US"/>
               <a:t>둘째 수준</a:t>
             </a:r>
           </a:p>
           <a:p>
             <a:pPr lvl="2"/>
             <a:r>
-              <a:rPr lang="ko-KR" altLang="en-US" smtClean="0"/>
+              <a:rPr lang="ko-KR" altLang="en-US"/>
               <a:t>셋째 수준</a:t>
             </a:r>
           </a:p>
           <a:p>
             <a:pPr lvl="3"/>
             <a:r>
-              <a:rPr lang="ko-KR" altLang="en-US" smtClean="0"/>
+              <a:rPr lang="ko-KR" altLang="en-US"/>
               <a:t>넷째 수준</a:t>
             </a:r>
           </a:p>
           <a:p>
             <a:pPr lvl="4"/>
             <a:r>
-              <a:rPr lang="ko-KR" altLang="en-US" smtClean="0"/>
+              <a:rPr lang="ko-KR" altLang="en-US"/>
               <a:t>다섯째 수준</a:t>
             </a:r>
             <a:endParaRPr lang="en-US"/>
@@ -1609,7 +1621,7 @@
           <a:p>
             <a:fld id="{D1CB3D34-4A5F-4479-84DC-395EB63EC8BA}" type="datetimeFigureOut">
               <a:rPr lang="en-US" smtClean="0"/>
-              <a:t>5/4/2020</a:t>
+              <a:t>22.07.2020</a:t>
             </a:fld>
             <a:endParaRPr lang="en-US"/>
           </a:p>
@@ -1703,7 +1715,7 @@
           <a:lstStyle/>
           <a:p>
             <a:r>
-              <a:rPr lang="ko-KR" altLang="en-US" smtClean="0"/>
+              <a:rPr lang="ko-KR" altLang="en-US"/>
               <a:t>마스터 제목 스타일 편집</a:t>
             </a:r>
             <a:endParaRPr lang="en-US"/>
@@ -1727,7 +1739,7 @@
           <a:p>
             <a:fld id="{D1CB3D34-4A5F-4479-84DC-395EB63EC8BA}" type="datetimeFigureOut">
               <a:rPr lang="en-US" smtClean="0"/>
-              <a:t>5/4/2020</a:t>
+              <a:t>22.07.2020</a:t>
             </a:fld>
             <a:endParaRPr lang="en-US"/>
           </a:p>
@@ -1822,7 +1834,7 @@
           <a:p>
             <a:fld id="{D1CB3D34-4A5F-4479-84DC-395EB63EC8BA}" type="datetimeFigureOut">
               <a:rPr lang="en-US" smtClean="0"/>
-              <a:t>5/4/2020</a:t>
+              <a:t>22.07.2020</a:t>
             </a:fld>
             <a:endParaRPr lang="en-US"/>
           </a:p>
@@ -1925,7 +1937,7 @@
           </a:lstStyle>
           <a:p>
             <a:r>
-              <a:rPr lang="ko-KR" altLang="en-US" smtClean="0"/>
+              <a:rPr lang="ko-KR" altLang="en-US"/>
               <a:t>마스터 제목 스타일 편집</a:t>
             </a:r>
             <a:endParaRPr lang="en-US"/>
@@ -1982,35 +1994,35 @@
           <a:p>
             <a:pPr lvl="0"/>
             <a:r>
-              <a:rPr lang="ko-KR" altLang="en-US" smtClean="0"/>
+              <a:rPr lang="ko-KR" altLang="en-US"/>
               <a:t>마스터 텍스트 스타일 편집</a:t>
             </a:r>
           </a:p>
           <a:p>
             <a:pPr lvl="1"/>
             <a:r>
-              <a:rPr lang="ko-KR" altLang="en-US" smtClean="0"/>
+              <a:rPr lang="ko-KR" altLang="en-US"/>
               <a:t>둘째 수준</a:t>
             </a:r>
           </a:p>
           <a:p>
             <a:pPr lvl="2"/>
             <a:r>
-              <a:rPr lang="ko-KR" altLang="en-US" smtClean="0"/>
+              <a:rPr lang="ko-KR" altLang="en-US"/>
               <a:t>셋째 수준</a:t>
             </a:r>
           </a:p>
           <a:p>
             <a:pPr lvl="3"/>
             <a:r>
-              <a:rPr lang="ko-KR" altLang="en-US" smtClean="0"/>
+              <a:rPr lang="ko-KR" altLang="en-US"/>
               <a:t>넷째 수준</a:t>
             </a:r>
           </a:p>
           <a:p>
             <a:pPr lvl="4"/>
             <a:r>
-              <a:rPr lang="ko-KR" altLang="en-US" smtClean="0"/>
+              <a:rPr lang="ko-KR" altLang="en-US"/>
               <a:t>다섯째 수준</a:t>
             </a:r>
             <a:endParaRPr lang="en-US"/>
@@ -2076,7 +2088,7 @@
           <a:p>
             <a:pPr lvl="0"/>
             <a:r>
-              <a:rPr lang="ko-KR" altLang="en-US" smtClean="0"/>
+              <a:rPr lang="ko-KR" altLang="en-US"/>
               <a:t>마스터 텍스트 스타일 편집</a:t>
             </a:r>
           </a:p>
@@ -2099,7 +2111,7 @@
           <a:p>
             <a:fld id="{D1CB3D34-4A5F-4479-84DC-395EB63EC8BA}" type="datetimeFigureOut">
               <a:rPr lang="en-US" smtClean="0"/>
-              <a:t>5/4/2020</a:t>
+              <a:t>22.07.2020</a:t>
             </a:fld>
             <a:endParaRPr lang="en-US"/>
           </a:p>
@@ -2202,7 +2214,7 @@
           </a:lstStyle>
           <a:p>
             <a:r>
-              <a:rPr lang="ko-KR" altLang="en-US" smtClean="0"/>
+              <a:rPr lang="ko-KR" altLang="en-US"/>
               <a:t>마스터 제목 스타일 편집</a:t>
             </a:r>
             <a:endParaRPr lang="en-US"/>
@@ -2329,7 +2341,7 @@
           <a:p>
             <a:pPr lvl="0"/>
             <a:r>
-              <a:rPr lang="ko-KR" altLang="en-US" smtClean="0"/>
+              <a:rPr lang="ko-KR" altLang="en-US"/>
               <a:t>마스터 텍스트 스타일 편집</a:t>
             </a:r>
           </a:p>
@@ -2352,7 +2364,7 @@
           <a:p>
             <a:fld id="{D1CB3D34-4A5F-4479-84DC-395EB63EC8BA}" type="datetimeFigureOut">
               <a:rPr lang="en-US" smtClean="0"/>
-              <a:t>5/4/2020</a:t>
+              <a:t>22.07.2020</a:t>
             </a:fld>
             <a:endParaRPr lang="en-US"/>
           </a:p>
@@ -2461,7 +2473,7 @@
           <a:lstStyle/>
           <a:p>
             <a:r>
-              <a:rPr lang="ko-KR" altLang="en-US" smtClean="0"/>
+              <a:rPr lang="ko-KR" altLang="en-US"/>
               <a:t>마스터 제목 스타일 편집</a:t>
             </a:r>
             <a:endParaRPr lang="en-US"/>
@@ -2495,35 +2507,35 @@
           <a:p>
             <a:pPr lvl="0"/>
             <a:r>
-              <a:rPr lang="ko-KR" altLang="en-US" smtClean="0"/>
+              <a:rPr lang="ko-KR" altLang="en-US"/>
               <a:t>마스터 텍스트 스타일 편집</a:t>
             </a:r>
           </a:p>
           <a:p>
             <a:pPr lvl="1"/>
             <a:r>
-              <a:rPr lang="ko-KR" altLang="en-US" smtClean="0"/>
+              <a:rPr lang="ko-KR" altLang="en-US"/>
               <a:t>둘째 수준</a:t>
             </a:r>
           </a:p>
           <a:p>
             <a:pPr lvl="2"/>
             <a:r>
-              <a:rPr lang="ko-KR" altLang="en-US" smtClean="0"/>
+              <a:rPr lang="ko-KR" altLang="en-US"/>
               <a:t>셋째 수준</a:t>
             </a:r>
           </a:p>
           <a:p>
             <a:pPr lvl="3"/>
             <a:r>
-              <a:rPr lang="ko-KR" altLang="en-US" smtClean="0"/>
+              <a:rPr lang="ko-KR" altLang="en-US"/>
               <a:t>넷째 수준</a:t>
             </a:r>
           </a:p>
           <a:p>
             <a:pPr lvl="4"/>
             <a:r>
-              <a:rPr lang="ko-KR" altLang="en-US" smtClean="0"/>
+              <a:rPr lang="ko-KR" altLang="en-US"/>
               <a:t>다섯째 수준</a:t>
             </a:r>
             <a:endParaRPr lang="en-US"/>
@@ -2565,7 +2577,7 @@
           <a:p>
             <a:fld id="{D1CB3D34-4A5F-4479-84DC-395EB63EC8BA}" type="datetimeFigureOut">
               <a:rPr lang="en-US" smtClean="0"/>
-              <a:t>5/4/2020</a:t>
+              <a:t>22.07.2020</a:t>
             </a:fld>
             <a:endParaRPr lang="en-US"/>
           </a:p>
@@ -2970,6 +2982,2189 @@
           <a:chExt cx="0" cy="0"/>
         </a:xfrm>
       </p:grpSpPr>
+      <p:grpSp>
+        <p:nvGrpSpPr>
+          <p:cNvPr id="4" name="Group 3">
+            <a:extLst>
+              <a:ext uri="{FF2B5EF4-FFF2-40B4-BE49-F238E27FC236}">
+                <a16:creationId xmlns:a16="http://schemas.microsoft.com/office/drawing/2014/main" id="{C35D5BF1-3963-4FAD-AC0D-DF000284EB4F}"/>
+              </a:ext>
+            </a:extLst>
+          </p:cNvPr>
+          <p:cNvGrpSpPr/>
+          <p:nvPr/>
+        </p:nvGrpSpPr>
+        <p:grpSpPr>
+          <a:xfrm>
+            <a:off x="4986803" y="2739072"/>
+            <a:ext cx="2218394" cy="1379857"/>
+            <a:chOff x="4986803" y="3008419"/>
+            <a:chExt cx="2218394" cy="1379857"/>
+          </a:xfrm>
+        </p:grpSpPr>
+        <p:sp>
+          <p:nvSpPr>
+            <p:cNvPr id="2" name="직사각형 14">
+              <a:extLst>
+                <a:ext uri="{FF2B5EF4-FFF2-40B4-BE49-F238E27FC236}">
+                  <a16:creationId xmlns:a16="http://schemas.microsoft.com/office/drawing/2014/main" id="{9616FF99-4C4D-4CAE-B119-907E525711D1}"/>
+                </a:ext>
+              </a:extLst>
+            </p:cNvPr>
+            <p:cNvSpPr/>
+            <p:nvPr/>
+          </p:nvSpPr>
+          <p:spPr>
+            <a:xfrm>
+              <a:off x="4986803" y="3008419"/>
+              <a:ext cx="2218394" cy="1379857"/>
+            </a:xfrm>
+            <a:prstGeom prst="rect">
+              <a:avLst/>
+            </a:prstGeom>
+            <a:solidFill>
+              <a:schemeClr val="bg1">
+                <a:lumMod val="65000"/>
+              </a:schemeClr>
+            </a:solidFill>
+            <a:ln w="57150">
+              <a:solidFill>
+                <a:schemeClr val="tx1"/>
+              </a:solidFill>
+            </a:ln>
+          </p:spPr>
+          <p:style>
+            <a:lnRef idx="2">
+              <a:schemeClr val="accent1">
+                <a:shade val="50000"/>
+              </a:schemeClr>
+            </a:lnRef>
+            <a:fillRef idx="1">
+              <a:schemeClr val="accent1"/>
+            </a:fillRef>
+            <a:effectRef idx="0">
+              <a:schemeClr val="accent1"/>
+            </a:effectRef>
+            <a:fontRef idx="minor">
+              <a:schemeClr val="lt1"/>
+            </a:fontRef>
+          </p:style>
+          <p:txBody>
+            <a:bodyPr rtlCol="0" anchor="ctr"/>
+            <a:lstStyle/>
+            <a:p>
+              <a:pPr algn="ctr"/>
+              <a:endParaRPr lang="en-US" sz="1600"/>
+            </a:p>
+          </p:txBody>
+        </p:sp>
+        <p:pic>
+          <p:nvPicPr>
+            <p:cNvPr id="3" name="그림 23">
+              <a:extLst>
+                <a:ext uri="{FF2B5EF4-FFF2-40B4-BE49-F238E27FC236}">
+                  <a16:creationId xmlns:a16="http://schemas.microsoft.com/office/drawing/2014/main" id="{7C624E11-7170-42D9-80EE-2CB220357C6E}"/>
+                </a:ext>
+              </a:extLst>
+            </p:cNvPr>
+            <p:cNvPicPr>
+              <a:picLocks noChangeAspect="1"/>
+            </p:cNvPicPr>
+            <p:nvPr/>
+          </p:nvPicPr>
+          <p:blipFill>
+            <a:blip r:embed="rId2" cstate="print">
+              <a:extLst>
+                <a:ext uri="{28A0092B-C50C-407E-A947-70E740481C1C}">
+                  <a14:useLocalDpi xmlns:a14="http://schemas.microsoft.com/office/drawing/2010/main" val="0"/>
+                </a:ext>
+              </a:extLst>
+            </a:blip>
+            <a:stretch>
+              <a:fillRect/>
+            </a:stretch>
+          </p:blipFill>
+          <p:spPr>
+            <a:xfrm>
+              <a:off x="5674302" y="3276650"/>
+              <a:ext cx="843395" cy="843395"/>
+            </a:xfrm>
+            <a:prstGeom prst="rect">
+              <a:avLst/>
+            </a:prstGeom>
+          </p:spPr>
+        </p:pic>
+      </p:grpSp>
+      <p:sp>
+        <p:nvSpPr>
+          <p:cNvPr id="5" name="TextBox 4">
+            <a:extLst>
+              <a:ext uri="{FF2B5EF4-FFF2-40B4-BE49-F238E27FC236}">
+                <a16:creationId xmlns:a16="http://schemas.microsoft.com/office/drawing/2014/main" id="{E13F2944-4F71-4E67-BE19-231CBC51675F}"/>
+              </a:ext>
+            </a:extLst>
+          </p:cNvPr>
+          <p:cNvSpPr txBox="1"/>
+          <p:nvPr/>
+        </p:nvSpPr>
+        <p:spPr>
+          <a:xfrm>
+            <a:off x="4035287" y="2107094"/>
+            <a:ext cx="4121426" cy="461665"/>
+          </a:xfrm>
+          <a:prstGeom prst="rect">
+            <a:avLst/>
+          </a:prstGeom>
+          <a:noFill/>
+        </p:spPr>
+        <p:txBody>
+          <a:bodyPr wrap="square" rtlCol="0">
+            <a:spAutoFit/>
+          </a:bodyPr>
+          <a:lstStyle/>
+          <a:p>
+            <a:pPr algn="ctr"/>
+            <a:r>
+              <a:rPr lang="en-US" sz="2400" b="1" dirty="0"/>
+              <a:t>1 DISK CONDITION</a:t>
+            </a:r>
+          </a:p>
+        </p:txBody>
+      </p:sp>
+    </p:spTree>
+    <p:extLst>
+      <p:ext uri="{BB962C8B-B14F-4D97-AF65-F5344CB8AC3E}">
+        <p14:creationId xmlns:p14="http://schemas.microsoft.com/office/powerpoint/2010/main" val="2876714614"/>
+      </p:ext>
+    </p:extLst>
+  </p:cSld>
+  <p:clrMapOvr>
+    <a:masterClrMapping/>
+  </p:clrMapOvr>
+</p:sld>
+</file>
+
+<file path=ppt/slides/slide10.xml><?xml version="1.0" encoding="utf-8"?>
+<p:sld xmlns:a="http://schemas.openxmlformats.org/drawingml/2006/main" xmlns:r="http://schemas.openxmlformats.org/officeDocument/2006/relationships" xmlns:p="http://schemas.openxmlformats.org/presentationml/2006/main">
+  <p:cSld>
+    <p:bg>
+      <p:bgPr>
+        <a:solidFill>
+          <a:srgbClr val="7F7F7F"/>
+        </a:solidFill>
+        <a:effectLst/>
+      </p:bgPr>
+    </p:bg>
+    <p:spTree>
+      <p:nvGrpSpPr>
+        <p:cNvPr id="1" name=""/>
+        <p:cNvGrpSpPr/>
+        <p:nvPr/>
+      </p:nvGrpSpPr>
+      <p:grpSpPr>
+        <a:xfrm>
+          <a:off x="0" y="0"/>
+          <a:ext cx="0" cy="0"/>
+          <a:chOff x="0" y="0"/>
+          <a:chExt cx="0" cy="0"/>
+        </a:xfrm>
+      </p:grpSpPr>
+      <p:sp>
+        <p:nvSpPr>
+          <p:cNvPr id="2" name="TextBox 1">
+            <a:extLst>
+              <a:ext uri="{FF2B5EF4-FFF2-40B4-BE49-F238E27FC236}">
+                <a16:creationId xmlns:a16="http://schemas.microsoft.com/office/drawing/2014/main" id="{111A9637-10FB-4F35-81B8-74F40C5B099B}"/>
+              </a:ext>
+            </a:extLst>
+          </p:cNvPr>
+          <p:cNvSpPr txBox="1"/>
+          <p:nvPr/>
+        </p:nvSpPr>
+        <p:spPr>
+          <a:xfrm>
+            <a:off x="458679" y="435005"/>
+            <a:ext cx="11274642" cy="923330"/>
+          </a:xfrm>
+          <a:prstGeom prst="rect">
+            <a:avLst/>
+          </a:prstGeom>
+          <a:noFill/>
+        </p:spPr>
+        <p:txBody>
+          <a:bodyPr wrap="square" rtlCol="0">
+            <a:spAutoFit/>
+          </a:bodyPr>
+          <a:lstStyle/>
+          <a:p>
+            <a:r>
+              <a:rPr lang="en-US" b="1" dirty="0"/>
+              <a:t>Example </a:t>
+            </a:r>
+          </a:p>
+          <a:p>
+            <a:endParaRPr lang="en-US" dirty="0"/>
+          </a:p>
+          <a:p>
+            <a:pPr algn="ctr"/>
+            <a:r>
+              <a:rPr lang="en-US" dirty="0"/>
+              <a:t>Task: Report the Same (left) / Opposite (right) tilt of the target bar (15</a:t>
+            </a:r>
+            <a:r>
+              <a:rPr lang="en-US" baseline="30000" dirty="0"/>
+              <a:t>◦</a:t>
+            </a:r>
+            <a:r>
+              <a:rPr lang="en-US" dirty="0"/>
+              <a:t>) in the middle disk</a:t>
+            </a:r>
+          </a:p>
+        </p:txBody>
+      </p:sp>
+      <p:pic>
+        <p:nvPicPr>
+          <p:cNvPr id="4" name="Picture 3">
+            <a:extLst>
+              <a:ext uri="{FF2B5EF4-FFF2-40B4-BE49-F238E27FC236}">
+                <a16:creationId xmlns:a16="http://schemas.microsoft.com/office/drawing/2014/main" id="{B088ADA7-E87C-4B4A-8AFD-761F11988A37}"/>
+              </a:ext>
+            </a:extLst>
+          </p:cNvPr>
+          <p:cNvPicPr>
+            <a:picLocks noChangeAspect="1"/>
+          </p:cNvPicPr>
+          <p:nvPr/>
+        </p:nvPicPr>
+        <p:blipFill>
+          <a:blip r:embed="rId2">
+            <a:extLst>
+              <a:ext uri="{28A0092B-C50C-407E-A947-70E740481C1C}">
+                <a14:useLocalDpi xmlns:a14="http://schemas.microsoft.com/office/drawing/2010/main" val="0"/>
+              </a:ext>
+            </a:extLst>
+          </a:blip>
+          <a:stretch>
+            <a:fillRect/>
+          </a:stretch>
+        </p:blipFill>
+        <p:spPr>
+          <a:xfrm>
+            <a:off x="2286000" y="2476500"/>
+            <a:ext cx="7620000" cy="1905000"/>
+          </a:xfrm>
+          <a:prstGeom prst="rect">
+            <a:avLst/>
+          </a:prstGeom>
+        </p:spPr>
+      </p:pic>
+    </p:spTree>
+    <p:extLst>
+      <p:ext uri="{BB962C8B-B14F-4D97-AF65-F5344CB8AC3E}">
+        <p14:creationId xmlns:p14="http://schemas.microsoft.com/office/powerpoint/2010/main" val="3985348252"/>
+      </p:ext>
+    </p:extLst>
+  </p:cSld>
+  <p:clrMapOvr>
+    <a:masterClrMapping/>
+  </p:clrMapOvr>
+</p:sld>
+</file>
+
+<file path=ppt/slides/slide11.xml><?xml version="1.0" encoding="utf-8"?>
+<p:sld xmlns:a="http://schemas.openxmlformats.org/drawingml/2006/main" xmlns:r="http://schemas.openxmlformats.org/officeDocument/2006/relationships" xmlns:p="http://schemas.openxmlformats.org/presentationml/2006/main">
+  <p:cSld>
+    <p:spTree>
+      <p:nvGrpSpPr>
+        <p:cNvPr id="1" name=""/>
+        <p:cNvGrpSpPr/>
+        <p:nvPr/>
+      </p:nvGrpSpPr>
+      <p:grpSpPr>
+        <a:xfrm>
+          <a:off x="0" y="0"/>
+          <a:ext cx="0" cy="0"/>
+          <a:chOff x="0" y="0"/>
+          <a:chExt cx="0" cy="0"/>
+        </a:xfrm>
+      </p:grpSpPr>
+      <p:sp>
+        <p:nvSpPr>
+          <p:cNvPr id="5" name="TextBox 4">
+            <a:extLst>
+              <a:ext uri="{FF2B5EF4-FFF2-40B4-BE49-F238E27FC236}">
+                <a16:creationId xmlns:a16="http://schemas.microsoft.com/office/drawing/2014/main" id="{E13F2944-4F71-4E67-BE19-231CBC51675F}"/>
+              </a:ext>
+            </a:extLst>
+          </p:cNvPr>
+          <p:cNvSpPr txBox="1"/>
+          <p:nvPr/>
+        </p:nvSpPr>
+        <p:spPr>
+          <a:xfrm>
+            <a:off x="4035287" y="1431234"/>
+            <a:ext cx="4121426" cy="461665"/>
+          </a:xfrm>
+          <a:prstGeom prst="rect">
+            <a:avLst/>
+          </a:prstGeom>
+          <a:noFill/>
+        </p:spPr>
+        <p:txBody>
+          <a:bodyPr wrap="square" rtlCol="0">
+            <a:spAutoFit/>
+          </a:bodyPr>
+          <a:lstStyle/>
+          <a:p>
+            <a:pPr algn="ctr"/>
+            <a:r>
+              <a:rPr lang="en-US" sz="2400" b="1" dirty="0"/>
+              <a:t>3 DISK RET CONDITION</a:t>
+            </a:r>
+          </a:p>
+        </p:txBody>
+      </p:sp>
+      <p:pic>
+        <p:nvPicPr>
+          <p:cNvPr id="4" name="Picture 3">
+            <a:extLst>
+              <a:ext uri="{FF2B5EF4-FFF2-40B4-BE49-F238E27FC236}">
+                <a16:creationId xmlns:a16="http://schemas.microsoft.com/office/drawing/2014/main" id="{731984E8-B77D-4CE7-B541-46B7A2D864DC}"/>
+              </a:ext>
+            </a:extLst>
+          </p:cNvPr>
+          <p:cNvPicPr>
+            <a:picLocks noChangeAspect="1"/>
+          </p:cNvPicPr>
+          <p:nvPr/>
+        </p:nvPicPr>
+        <p:blipFill>
+          <a:blip r:embed="rId2">
+            <a:extLst>
+              <a:ext uri="{28A0092B-C50C-407E-A947-70E740481C1C}">
+                <a14:useLocalDpi xmlns:a14="http://schemas.microsoft.com/office/drawing/2010/main" val="0"/>
+              </a:ext>
+            </a:extLst>
+          </a:blip>
+          <a:stretch>
+            <a:fillRect/>
+          </a:stretch>
+        </p:blipFill>
+        <p:spPr>
+          <a:xfrm>
+            <a:off x="4206643" y="2196228"/>
+            <a:ext cx="3780000" cy="2835000"/>
+          </a:xfrm>
+          <a:prstGeom prst="rect">
+            <a:avLst/>
+          </a:prstGeom>
+          <a:ln w="38100">
+            <a:solidFill>
+              <a:schemeClr val="tx1"/>
+            </a:solidFill>
+          </a:ln>
+        </p:spPr>
+      </p:pic>
+    </p:spTree>
+    <p:extLst>
+      <p:ext uri="{BB962C8B-B14F-4D97-AF65-F5344CB8AC3E}">
+        <p14:creationId xmlns:p14="http://schemas.microsoft.com/office/powerpoint/2010/main" val="3525966069"/>
+      </p:ext>
+    </p:extLst>
+  </p:cSld>
+  <p:clrMapOvr>
+    <a:masterClrMapping/>
+  </p:clrMapOvr>
+</p:sld>
+</file>
+
+<file path=ppt/slides/slide12.xml><?xml version="1.0" encoding="utf-8"?>
+<p:sld xmlns:a="http://schemas.openxmlformats.org/drawingml/2006/main" xmlns:r="http://schemas.openxmlformats.org/officeDocument/2006/relationships" xmlns:p="http://schemas.openxmlformats.org/presentationml/2006/main">
+  <p:cSld>
+    <p:spTree>
+      <p:nvGrpSpPr>
+        <p:cNvPr id="1" name=""/>
+        <p:cNvGrpSpPr/>
+        <p:nvPr/>
+      </p:nvGrpSpPr>
+      <p:grpSpPr>
+        <a:xfrm>
+          <a:off x="0" y="0"/>
+          <a:ext cx="0" cy="0"/>
+          <a:chOff x="0" y="0"/>
+          <a:chExt cx="0" cy="0"/>
+        </a:xfrm>
+      </p:grpSpPr>
+      <p:sp>
+        <p:nvSpPr>
+          <p:cNvPr id="22" name="직사각형 13">
+            <a:extLst>
+              <a:ext uri="{FF2B5EF4-FFF2-40B4-BE49-F238E27FC236}">
+                <a16:creationId xmlns:a16="http://schemas.microsoft.com/office/drawing/2014/main" id="{75B78F1D-18FC-4690-B0FD-F4B366095DBC}"/>
+              </a:ext>
+            </a:extLst>
+          </p:cNvPr>
+          <p:cNvSpPr/>
+          <p:nvPr/>
+        </p:nvSpPr>
+        <p:spPr>
+          <a:xfrm>
+            <a:off x="279086" y="166598"/>
+            <a:ext cx="1879432" cy="1169020"/>
+          </a:xfrm>
+          <a:prstGeom prst="rect">
+            <a:avLst/>
+          </a:prstGeom>
+          <a:solidFill>
+            <a:schemeClr val="bg1">
+              <a:lumMod val="65000"/>
+            </a:schemeClr>
+          </a:solidFill>
+          <a:ln w="57150">
+            <a:solidFill>
+              <a:schemeClr val="tx1"/>
+            </a:solidFill>
+          </a:ln>
+        </p:spPr>
+        <p:style>
+          <a:lnRef idx="2">
+            <a:schemeClr val="accent1">
+              <a:shade val="50000"/>
+            </a:schemeClr>
+          </a:lnRef>
+          <a:fillRef idx="1">
+            <a:schemeClr val="accent1"/>
+          </a:fillRef>
+          <a:effectRef idx="0">
+            <a:schemeClr val="accent1"/>
+          </a:effectRef>
+          <a:fontRef idx="minor">
+            <a:schemeClr val="lt1"/>
+          </a:fontRef>
+        </p:style>
+        <p:txBody>
+          <a:bodyPr rtlCol="0" anchor="ctr"/>
+          <a:lstStyle/>
+          <a:p>
+            <a:pPr algn="ctr"/>
+            <a:endParaRPr lang="en-US" sz="1600"/>
+          </a:p>
+        </p:txBody>
+      </p:sp>
+      <p:sp>
+        <p:nvSpPr>
+          <p:cNvPr id="8" name="Oval 7">
+            <a:extLst>
+              <a:ext uri="{FF2B5EF4-FFF2-40B4-BE49-F238E27FC236}">
+                <a16:creationId xmlns:a16="http://schemas.microsoft.com/office/drawing/2014/main" id="{5BE6E4CF-9021-4B4E-B76D-DC2689E7151A}"/>
+              </a:ext>
+            </a:extLst>
+          </p:cNvPr>
+          <p:cNvSpPr/>
+          <p:nvPr/>
+        </p:nvSpPr>
+        <p:spPr>
+          <a:xfrm>
+            <a:off x="1203552" y="735858"/>
+            <a:ext cx="30499" cy="30499"/>
+          </a:xfrm>
+          <a:prstGeom prst="ellipse">
+            <a:avLst/>
+          </a:prstGeom>
+          <a:solidFill>
+            <a:srgbClr val="FF0000"/>
+          </a:solidFill>
+          <a:ln>
+            <a:noFill/>
+          </a:ln>
+        </p:spPr>
+        <p:style>
+          <a:lnRef idx="2">
+            <a:schemeClr val="accent1">
+              <a:shade val="50000"/>
+            </a:schemeClr>
+          </a:lnRef>
+          <a:fillRef idx="1">
+            <a:schemeClr val="accent1"/>
+          </a:fillRef>
+          <a:effectRef idx="0">
+            <a:schemeClr val="accent1"/>
+          </a:effectRef>
+          <a:fontRef idx="minor">
+            <a:schemeClr val="lt1"/>
+          </a:fontRef>
+        </p:style>
+        <p:txBody>
+          <a:bodyPr rtlCol="0" anchor="ctr"/>
+          <a:lstStyle/>
+          <a:p>
+            <a:pPr algn="ctr"/>
+            <a:endParaRPr lang="en-US"/>
+          </a:p>
+        </p:txBody>
+      </p:sp>
+      <p:cxnSp>
+        <p:nvCxnSpPr>
+          <p:cNvPr id="19" name="직선 화살표 연결선 19">
+            <a:extLst>
+              <a:ext uri="{FF2B5EF4-FFF2-40B4-BE49-F238E27FC236}">
+                <a16:creationId xmlns:a16="http://schemas.microsoft.com/office/drawing/2014/main" id="{D8A0B464-9B94-40E7-9BEB-DC9D862B73AA}"/>
+              </a:ext>
+            </a:extLst>
+          </p:cNvPr>
+          <p:cNvCxnSpPr>
+            <a:cxnSpLocks/>
+          </p:cNvCxnSpPr>
+          <p:nvPr/>
+        </p:nvCxnSpPr>
+        <p:spPr>
+          <a:xfrm>
+            <a:off x="2361462" y="194736"/>
+            <a:ext cx="0" cy="6484336"/>
+          </a:xfrm>
+          <a:prstGeom prst="straightConnector1">
+            <a:avLst/>
+          </a:prstGeom>
+          <a:ln w="38100">
+            <a:solidFill>
+              <a:schemeClr val="tx1"/>
+            </a:solidFill>
+            <a:tailEnd type="triangle"/>
+          </a:ln>
+        </p:spPr>
+        <p:style>
+          <a:lnRef idx="1">
+            <a:schemeClr val="accent1"/>
+          </a:lnRef>
+          <a:fillRef idx="0">
+            <a:schemeClr val="accent1"/>
+          </a:fillRef>
+          <a:effectRef idx="0">
+            <a:schemeClr val="accent1"/>
+          </a:effectRef>
+          <a:fontRef idx="minor">
+            <a:schemeClr val="tx1"/>
+          </a:fontRef>
+        </p:style>
+      </p:cxnSp>
+      <p:sp>
+        <p:nvSpPr>
+          <p:cNvPr id="20" name="TextBox 19">
+            <a:extLst>
+              <a:ext uri="{FF2B5EF4-FFF2-40B4-BE49-F238E27FC236}">
+                <a16:creationId xmlns:a16="http://schemas.microsoft.com/office/drawing/2014/main" id="{49BC803D-28FC-414A-94C1-6E70220B8F70}"/>
+              </a:ext>
+            </a:extLst>
+          </p:cNvPr>
+          <p:cNvSpPr txBox="1"/>
+          <p:nvPr/>
+        </p:nvSpPr>
+        <p:spPr>
+          <a:xfrm>
+            <a:off x="1857626" y="6267180"/>
+            <a:ext cx="804728" cy="338554"/>
+          </a:xfrm>
+          <a:prstGeom prst="rect">
+            <a:avLst/>
+          </a:prstGeom>
+          <a:noFill/>
+        </p:spPr>
+        <p:txBody>
+          <a:bodyPr wrap="square" rtlCol="0">
+            <a:spAutoFit/>
+          </a:bodyPr>
+          <a:lstStyle/>
+          <a:p>
+            <a:pPr algn="r"/>
+            <a:r>
+              <a:rPr lang="en-US" sz="1600" dirty="0"/>
+              <a:t>t</a:t>
+            </a:r>
+          </a:p>
+        </p:txBody>
+      </p:sp>
+      <p:sp>
+        <p:nvSpPr>
+          <p:cNvPr id="35" name="직사각형 13">
+            <a:extLst>
+              <a:ext uri="{FF2B5EF4-FFF2-40B4-BE49-F238E27FC236}">
+                <a16:creationId xmlns:a16="http://schemas.microsoft.com/office/drawing/2014/main" id="{D7F7242A-DCF5-42D6-9012-277A3DD96E64}"/>
+              </a:ext>
+            </a:extLst>
+          </p:cNvPr>
+          <p:cNvSpPr/>
+          <p:nvPr/>
+        </p:nvSpPr>
+        <p:spPr>
+          <a:xfrm>
+            <a:off x="279086" y="2838326"/>
+            <a:ext cx="1879432" cy="1169020"/>
+          </a:xfrm>
+          <a:prstGeom prst="rect">
+            <a:avLst/>
+          </a:prstGeom>
+          <a:solidFill>
+            <a:schemeClr val="bg1">
+              <a:lumMod val="65000"/>
+            </a:schemeClr>
+          </a:solidFill>
+          <a:ln w="57150">
+            <a:solidFill>
+              <a:schemeClr val="tx1"/>
+            </a:solidFill>
+          </a:ln>
+        </p:spPr>
+        <p:style>
+          <a:lnRef idx="2">
+            <a:schemeClr val="accent1">
+              <a:shade val="50000"/>
+            </a:schemeClr>
+          </a:lnRef>
+          <a:fillRef idx="1">
+            <a:schemeClr val="accent1"/>
+          </a:fillRef>
+          <a:effectRef idx="0">
+            <a:schemeClr val="accent1"/>
+          </a:effectRef>
+          <a:fontRef idx="minor">
+            <a:schemeClr val="lt1"/>
+          </a:fontRef>
+        </p:style>
+        <p:txBody>
+          <a:bodyPr rtlCol="0" anchor="ctr"/>
+          <a:lstStyle/>
+          <a:p>
+            <a:pPr algn="ctr"/>
+            <a:endParaRPr lang="en-US" sz="1600"/>
+          </a:p>
+        </p:txBody>
+      </p:sp>
+      <p:sp>
+        <p:nvSpPr>
+          <p:cNvPr id="38" name="Oval 37">
+            <a:extLst>
+              <a:ext uri="{FF2B5EF4-FFF2-40B4-BE49-F238E27FC236}">
+                <a16:creationId xmlns:a16="http://schemas.microsoft.com/office/drawing/2014/main" id="{2C6AAB42-C71D-4D93-9737-B7B3E848F24D}"/>
+              </a:ext>
+            </a:extLst>
+          </p:cNvPr>
+          <p:cNvSpPr/>
+          <p:nvPr/>
+        </p:nvSpPr>
+        <p:spPr>
+          <a:xfrm>
+            <a:off x="1203552" y="3407586"/>
+            <a:ext cx="30499" cy="30499"/>
+          </a:xfrm>
+          <a:prstGeom prst="ellipse">
+            <a:avLst/>
+          </a:prstGeom>
+          <a:solidFill>
+            <a:srgbClr val="FF0000"/>
+          </a:solidFill>
+          <a:ln>
+            <a:noFill/>
+          </a:ln>
+        </p:spPr>
+        <p:style>
+          <a:lnRef idx="2">
+            <a:schemeClr val="accent1">
+              <a:shade val="50000"/>
+            </a:schemeClr>
+          </a:lnRef>
+          <a:fillRef idx="1">
+            <a:schemeClr val="accent1"/>
+          </a:fillRef>
+          <a:effectRef idx="0">
+            <a:schemeClr val="accent1"/>
+          </a:effectRef>
+          <a:fontRef idx="minor">
+            <a:schemeClr val="lt1"/>
+          </a:fontRef>
+        </p:style>
+        <p:txBody>
+          <a:bodyPr rtlCol="0" anchor="ctr"/>
+          <a:lstStyle/>
+          <a:p>
+            <a:pPr algn="ctr"/>
+            <a:endParaRPr lang="en-US"/>
+          </a:p>
+        </p:txBody>
+      </p:sp>
+      <p:sp>
+        <p:nvSpPr>
+          <p:cNvPr id="39" name="직사각형 13">
+            <a:extLst>
+              <a:ext uri="{FF2B5EF4-FFF2-40B4-BE49-F238E27FC236}">
+                <a16:creationId xmlns:a16="http://schemas.microsoft.com/office/drawing/2014/main" id="{65458511-5A9D-4CEB-96CC-138660E7BFDE}"/>
+              </a:ext>
+            </a:extLst>
+          </p:cNvPr>
+          <p:cNvSpPr/>
+          <p:nvPr/>
+        </p:nvSpPr>
+        <p:spPr>
+          <a:xfrm>
+            <a:off x="279086" y="4174190"/>
+            <a:ext cx="1879432" cy="1169020"/>
+          </a:xfrm>
+          <a:prstGeom prst="rect">
+            <a:avLst/>
+          </a:prstGeom>
+          <a:solidFill>
+            <a:schemeClr val="bg1">
+              <a:lumMod val="65000"/>
+            </a:schemeClr>
+          </a:solidFill>
+          <a:ln w="57150">
+            <a:solidFill>
+              <a:schemeClr val="tx1"/>
+            </a:solidFill>
+          </a:ln>
+        </p:spPr>
+        <p:style>
+          <a:lnRef idx="2">
+            <a:schemeClr val="accent1">
+              <a:shade val="50000"/>
+            </a:schemeClr>
+          </a:lnRef>
+          <a:fillRef idx="1">
+            <a:schemeClr val="accent1"/>
+          </a:fillRef>
+          <a:effectRef idx="0">
+            <a:schemeClr val="accent1"/>
+          </a:effectRef>
+          <a:fontRef idx="minor">
+            <a:schemeClr val="lt1"/>
+          </a:fontRef>
+        </p:style>
+        <p:txBody>
+          <a:bodyPr rtlCol="0" anchor="ctr"/>
+          <a:lstStyle/>
+          <a:p>
+            <a:pPr algn="ctr"/>
+            <a:endParaRPr lang="en-US" sz="1600"/>
+          </a:p>
+        </p:txBody>
+      </p:sp>
+      <p:sp>
+        <p:nvSpPr>
+          <p:cNvPr id="42" name="Oval 41">
+            <a:extLst>
+              <a:ext uri="{FF2B5EF4-FFF2-40B4-BE49-F238E27FC236}">
+                <a16:creationId xmlns:a16="http://schemas.microsoft.com/office/drawing/2014/main" id="{333F7DF6-9BA0-46A7-AB8D-F4464856D712}"/>
+              </a:ext>
+            </a:extLst>
+          </p:cNvPr>
+          <p:cNvSpPr/>
+          <p:nvPr/>
+        </p:nvSpPr>
+        <p:spPr>
+          <a:xfrm>
+            <a:off x="1203552" y="4743450"/>
+            <a:ext cx="30499" cy="30499"/>
+          </a:xfrm>
+          <a:prstGeom prst="ellipse">
+            <a:avLst/>
+          </a:prstGeom>
+          <a:solidFill>
+            <a:srgbClr val="FF0000"/>
+          </a:solidFill>
+          <a:ln>
+            <a:noFill/>
+          </a:ln>
+        </p:spPr>
+        <p:style>
+          <a:lnRef idx="2">
+            <a:schemeClr val="accent1">
+              <a:shade val="50000"/>
+            </a:schemeClr>
+          </a:lnRef>
+          <a:fillRef idx="1">
+            <a:schemeClr val="accent1"/>
+          </a:fillRef>
+          <a:effectRef idx="0">
+            <a:schemeClr val="accent1"/>
+          </a:effectRef>
+          <a:fontRef idx="minor">
+            <a:schemeClr val="lt1"/>
+          </a:fontRef>
+        </p:style>
+        <p:txBody>
+          <a:bodyPr rtlCol="0" anchor="ctr"/>
+          <a:lstStyle/>
+          <a:p>
+            <a:pPr algn="ctr"/>
+            <a:endParaRPr lang="en-US"/>
+          </a:p>
+        </p:txBody>
+      </p:sp>
+      <p:sp>
+        <p:nvSpPr>
+          <p:cNvPr id="24" name="직사각형 14">
+            <a:extLst>
+              <a:ext uri="{FF2B5EF4-FFF2-40B4-BE49-F238E27FC236}">
+                <a16:creationId xmlns:a16="http://schemas.microsoft.com/office/drawing/2014/main" id="{39B8DE6B-3D95-4905-8F41-2F5EEB7A138F}"/>
+              </a:ext>
+            </a:extLst>
+          </p:cNvPr>
+          <p:cNvSpPr/>
+          <p:nvPr/>
+        </p:nvSpPr>
+        <p:spPr>
+          <a:xfrm>
+            <a:off x="279086" y="1502462"/>
+            <a:ext cx="1879432" cy="1169020"/>
+          </a:xfrm>
+          <a:prstGeom prst="rect">
+            <a:avLst/>
+          </a:prstGeom>
+          <a:solidFill>
+            <a:schemeClr val="bg1">
+              <a:lumMod val="65000"/>
+            </a:schemeClr>
+          </a:solidFill>
+          <a:ln w="57150">
+            <a:solidFill>
+              <a:schemeClr val="tx1"/>
+            </a:solidFill>
+          </a:ln>
+        </p:spPr>
+        <p:style>
+          <a:lnRef idx="2">
+            <a:schemeClr val="accent1">
+              <a:shade val="50000"/>
+            </a:schemeClr>
+          </a:lnRef>
+          <a:fillRef idx="1">
+            <a:schemeClr val="accent1"/>
+          </a:fillRef>
+          <a:effectRef idx="0">
+            <a:schemeClr val="accent1"/>
+          </a:effectRef>
+          <a:fontRef idx="minor">
+            <a:schemeClr val="lt1"/>
+          </a:fontRef>
+        </p:style>
+        <p:txBody>
+          <a:bodyPr rtlCol="0" anchor="ctr"/>
+          <a:lstStyle/>
+          <a:p>
+            <a:pPr algn="ctr"/>
+            <a:endParaRPr lang="en-US" sz="1600"/>
+          </a:p>
+        </p:txBody>
+      </p:sp>
+      <p:pic>
+        <p:nvPicPr>
+          <p:cNvPr id="55" name="그림 10">
+            <a:extLst>
+              <a:ext uri="{FF2B5EF4-FFF2-40B4-BE49-F238E27FC236}">
+                <a16:creationId xmlns:a16="http://schemas.microsoft.com/office/drawing/2014/main" id="{2AF5113E-DFCA-4319-802A-CEDF4E07468F}"/>
+              </a:ext>
+            </a:extLst>
+          </p:cNvPr>
+          <p:cNvPicPr>
+            <a:picLocks noChangeAspect="1"/>
+          </p:cNvPicPr>
+          <p:nvPr/>
+        </p:nvPicPr>
+        <p:blipFill>
+          <a:blip r:embed="rId2" cstate="print">
+            <a:extLst>
+              <a:ext uri="{28A0092B-C50C-407E-A947-70E740481C1C}">
+                <a14:useLocalDpi xmlns:a14="http://schemas.microsoft.com/office/drawing/2010/main" val="0"/>
+              </a:ext>
+            </a:extLst>
+          </a:blip>
+          <a:stretch>
+            <a:fillRect/>
+          </a:stretch>
+        </p:blipFill>
+        <p:spPr>
+          <a:xfrm>
+            <a:off x="856141" y="1930372"/>
+            <a:ext cx="313200" cy="313200"/>
+          </a:xfrm>
+          <a:prstGeom prst="rect">
+            <a:avLst/>
+          </a:prstGeom>
+        </p:spPr>
+      </p:pic>
+      <p:pic>
+        <p:nvPicPr>
+          <p:cNvPr id="33" name="Picture 32">
+            <a:extLst>
+              <a:ext uri="{FF2B5EF4-FFF2-40B4-BE49-F238E27FC236}">
+                <a16:creationId xmlns:a16="http://schemas.microsoft.com/office/drawing/2014/main" id="{F1AA9580-8694-4A70-A91B-DD306F179949}"/>
+              </a:ext>
+            </a:extLst>
+          </p:cNvPr>
+          <p:cNvPicPr>
+            <a:picLocks noChangeAspect="1"/>
+          </p:cNvPicPr>
+          <p:nvPr/>
+        </p:nvPicPr>
+        <p:blipFill>
+          <a:blip r:embed="rId3" cstate="print">
+            <a:extLst>
+              <a:ext uri="{28A0092B-C50C-407E-A947-70E740481C1C}">
+                <a14:useLocalDpi xmlns:a14="http://schemas.microsoft.com/office/drawing/2010/main" val="0"/>
+              </a:ext>
+            </a:extLst>
+          </a:blip>
+          <a:stretch>
+            <a:fillRect/>
+          </a:stretch>
+        </p:blipFill>
+        <p:spPr>
+          <a:xfrm>
+            <a:off x="1268861" y="1930372"/>
+            <a:ext cx="313200" cy="313200"/>
+          </a:xfrm>
+          <a:prstGeom prst="rect">
+            <a:avLst/>
+          </a:prstGeom>
+        </p:spPr>
+      </p:pic>
+      <p:sp>
+        <p:nvSpPr>
+          <p:cNvPr id="34" name="Oval 33">
+            <a:extLst>
+              <a:ext uri="{FF2B5EF4-FFF2-40B4-BE49-F238E27FC236}">
+                <a16:creationId xmlns:a16="http://schemas.microsoft.com/office/drawing/2014/main" id="{E15A8C35-7D13-40BF-9B18-B20090FC958D}"/>
+              </a:ext>
+            </a:extLst>
+          </p:cNvPr>
+          <p:cNvSpPr/>
+          <p:nvPr/>
+        </p:nvSpPr>
+        <p:spPr>
+          <a:xfrm>
+            <a:off x="1203552" y="2072137"/>
+            <a:ext cx="30499" cy="30499"/>
+          </a:xfrm>
+          <a:prstGeom prst="ellipse">
+            <a:avLst/>
+          </a:prstGeom>
+          <a:solidFill>
+            <a:srgbClr val="FF0000"/>
+          </a:solidFill>
+          <a:ln>
+            <a:noFill/>
+          </a:ln>
+        </p:spPr>
+        <p:style>
+          <a:lnRef idx="2">
+            <a:schemeClr val="accent1">
+              <a:shade val="50000"/>
+            </a:schemeClr>
+          </a:lnRef>
+          <a:fillRef idx="1">
+            <a:schemeClr val="accent1"/>
+          </a:fillRef>
+          <a:effectRef idx="0">
+            <a:schemeClr val="accent1"/>
+          </a:effectRef>
+          <a:fontRef idx="minor">
+            <a:schemeClr val="lt1"/>
+          </a:fontRef>
+        </p:style>
+        <p:txBody>
+          <a:bodyPr rtlCol="0" anchor="ctr"/>
+          <a:lstStyle/>
+          <a:p>
+            <a:pPr algn="ctr"/>
+            <a:endParaRPr lang="en-US"/>
+          </a:p>
+        </p:txBody>
+      </p:sp>
+      <p:pic>
+        <p:nvPicPr>
+          <p:cNvPr id="44" name="Picture 43">
+            <a:extLst>
+              <a:ext uri="{FF2B5EF4-FFF2-40B4-BE49-F238E27FC236}">
+                <a16:creationId xmlns:a16="http://schemas.microsoft.com/office/drawing/2014/main" id="{A33CECE6-ACD0-4A04-A2F3-15097E6922EB}"/>
+              </a:ext>
+            </a:extLst>
+          </p:cNvPr>
+          <p:cNvPicPr>
+            <a:picLocks noChangeAspect="1"/>
+          </p:cNvPicPr>
+          <p:nvPr/>
+        </p:nvPicPr>
+        <p:blipFill>
+          <a:blip r:embed="rId3" cstate="print">
+            <a:extLst>
+              <a:ext uri="{28A0092B-C50C-407E-A947-70E740481C1C}">
+                <a14:useLocalDpi xmlns:a14="http://schemas.microsoft.com/office/drawing/2010/main" val="0"/>
+              </a:ext>
+            </a:extLst>
+          </a:blip>
+          <a:stretch>
+            <a:fillRect/>
+          </a:stretch>
+        </p:blipFill>
+        <p:spPr>
+          <a:xfrm>
+            <a:off x="1679787" y="1929504"/>
+            <a:ext cx="313200" cy="313200"/>
+          </a:xfrm>
+          <a:prstGeom prst="rect">
+            <a:avLst/>
+          </a:prstGeom>
+        </p:spPr>
+      </p:pic>
+      <p:sp>
+        <p:nvSpPr>
+          <p:cNvPr id="45" name="Oval 44">
+            <a:extLst>
+              <a:ext uri="{FF2B5EF4-FFF2-40B4-BE49-F238E27FC236}">
+                <a16:creationId xmlns:a16="http://schemas.microsoft.com/office/drawing/2014/main" id="{13CC0D9D-C793-4312-8A7B-01ECF4BBDBA7}"/>
+              </a:ext>
+            </a:extLst>
+          </p:cNvPr>
+          <p:cNvSpPr/>
+          <p:nvPr/>
+        </p:nvSpPr>
+        <p:spPr>
+          <a:xfrm>
+            <a:off x="1203552" y="2072137"/>
+            <a:ext cx="30499" cy="30499"/>
+          </a:xfrm>
+          <a:prstGeom prst="ellipse">
+            <a:avLst/>
+          </a:prstGeom>
+          <a:solidFill>
+            <a:srgbClr val="FF0000"/>
+          </a:solidFill>
+          <a:ln>
+            <a:noFill/>
+          </a:ln>
+        </p:spPr>
+        <p:style>
+          <a:lnRef idx="2">
+            <a:schemeClr val="accent1">
+              <a:shade val="50000"/>
+            </a:schemeClr>
+          </a:lnRef>
+          <a:fillRef idx="1">
+            <a:schemeClr val="accent1"/>
+          </a:fillRef>
+          <a:effectRef idx="0">
+            <a:schemeClr val="accent1"/>
+          </a:effectRef>
+          <a:fontRef idx="minor">
+            <a:schemeClr val="lt1"/>
+          </a:fontRef>
+        </p:style>
+        <p:txBody>
+          <a:bodyPr rtlCol="0" anchor="ctr"/>
+          <a:lstStyle/>
+          <a:p>
+            <a:pPr algn="ctr"/>
+            <a:endParaRPr lang="en-US"/>
+          </a:p>
+        </p:txBody>
+      </p:sp>
+      <p:sp>
+        <p:nvSpPr>
+          <p:cNvPr id="46" name="직사각형 14">
+            <a:extLst>
+              <a:ext uri="{FF2B5EF4-FFF2-40B4-BE49-F238E27FC236}">
+                <a16:creationId xmlns:a16="http://schemas.microsoft.com/office/drawing/2014/main" id="{B7E04F9F-7715-444C-9A31-EE25368AEBBE}"/>
+              </a:ext>
+            </a:extLst>
+          </p:cNvPr>
+          <p:cNvSpPr/>
+          <p:nvPr/>
+        </p:nvSpPr>
+        <p:spPr>
+          <a:xfrm>
+            <a:off x="279086" y="5510052"/>
+            <a:ext cx="1879432" cy="1169020"/>
+          </a:xfrm>
+          <a:prstGeom prst="rect">
+            <a:avLst/>
+          </a:prstGeom>
+          <a:solidFill>
+            <a:schemeClr val="bg1">
+              <a:lumMod val="65000"/>
+            </a:schemeClr>
+          </a:solidFill>
+          <a:ln w="57150">
+            <a:solidFill>
+              <a:schemeClr val="tx1"/>
+            </a:solidFill>
+          </a:ln>
+        </p:spPr>
+        <p:style>
+          <a:lnRef idx="2">
+            <a:schemeClr val="accent1">
+              <a:shade val="50000"/>
+            </a:schemeClr>
+          </a:lnRef>
+          <a:fillRef idx="1">
+            <a:schemeClr val="accent1"/>
+          </a:fillRef>
+          <a:effectRef idx="0">
+            <a:schemeClr val="accent1"/>
+          </a:effectRef>
+          <a:fontRef idx="minor">
+            <a:schemeClr val="lt1"/>
+          </a:fontRef>
+        </p:style>
+        <p:txBody>
+          <a:bodyPr rtlCol="0" anchor="ctr"/>
+          <a:lstStyle/>
+          <a:p>
+            <a:pPr algn="ctr"/>
+            <a:endParaRPr lang="en-US" sz="1600"/>
+          </a:p>
+        </p:txBody>
+      </p:sp>
+      <p:pic>
+        <p:nvPicPr>
+          <p:cNvPr id="47" name="그림 22">
+            <a:extLst>
+              <a:ext uri="{FF2B5EF4-FFF2-40B4-BE49-F238E27FC236}">
+                <a16:creationId xmlns:a16="http://schemas.microsoft.com/office/drawing/2014/main" id="{CE5D51BA-3F4B-454B-ABB3-D39B97AF9D8C}"/>
+              </a:ext>
+            </a:extLst>
+          </p:cNvPr>
+          <p:cNvPicPr>
+            <a:picLocks noChangeAspect="1"/>
+          </p:cNvPicPr>
+          <p:nvPr/>
+        </p:nvPicPr>
+        <p:blipFill>
+          <a:blip r:embed="rId4" cstate="print">
+            <a:extLst>
+              <a:ext uri="{28A0092B-C50C-407E-A947-70E740481C1C}">
+                <a14:useLocalDpi xmlns:a14="http://schemas.microsoft.com/office/drawing/2010/main" val="0"/>
+              </a:ext>
+            </a:extLst>
+          </a:blip>
+          <a:stretch>
+            <a:fillRect/>
+          </a:stretch>
+        </p:blipFill>
+        <p:spPr>
+          <a:xfrm>
+            <a:off x="856141" y="5937962"/>
+            <a:ext cx="313200" cy="313200"/>
+          </a:xfrm>
+          <a:prstGeom prst="rect">
+            <a:avLst/>
+          </a:prstGeom>
+        </p:spPr>
+      </p:pic>
+      <p:pic>
+        <p:nvPicPr>
+          <p:cNvPr id="48" name="Picture 47">
+            <a:extLst>
+              <a:ext uri="{FF2B5EF4-FFF2-40B4-BE49-F238E27FC236}">
+                <a16:creationId xmlns:a16="http://schemas.microsoft.com/office/drawing/2014/main" id="{542257EB-9B78-4B9A-A59C-BF1A14143067}"/>
+              </a:ext>
+            </a:extLst>
+          </p:cNvPr>
+          <p:cNvPicPr>
+            <a:picLocks noChangeAspect="1"/>
+          </p:cNvPicPr>
+          <p:nvPr/>
+        </p:nvPicPr>
+        <p:blipFill>
+          <a:blip r:embed="rId3" cstate="print">
+            <a:extLst>
+              <a:ext uri="{28A0092B-C50C-407E-A947-70E740481C1C}">
+                <a14:useLocalDpi xmlns:a14="http://schemas.microsoft.com/office/drawing/2010/main" val="0"/>
+              </a:ext>
+            </a:extLst>
+          </a:blip>
+          <a:stretch>
+            <a:fillRect/>
+          </a:stretch>
+        </p:blipFill>
+        <p:spPr>
+          <a:xfrm>
+            <a:off x="1267665" y="5944020"/>
+            <a:ext cx="313200" cy="313200"/>
+          </a:xfrm>
+          <a:prstGeom prst="rect">
+            <a:avLst/>
+          </a:prstGeom>
+        </p:spPr>
+      </p:pic>
+      <p:sp>
+        <p:nvSpPr>
+          <p:cNvPr id="49" name="Oval 48">
+            <a:extLst>
+              <a:ext uri="{FF2B5EF4-FFF2-40B4-BE49-F238E27FC236}">
+                <a16:creationId xmlns:a16="http://schemas.microsoft.com/office/drawing/2014/main" id="{BDA042D7-7561-4285-A79D-AF1BA918A3D1}"/>
+              </a:ext>
+            </a:extLst>
+          </p:cNvPr>
+          <p:cNvSpPr/>
+          <p:nvPr/>
+        </p:nvSpPr>
+        <p:spPr>
+          <a:xfrm>
+            <a:off x="1203552" y="6079727"/>
+            <a:ext cx="30499" cy="30499"/>
+          </a:xfrm>
+          <a:prstGeom prst="ellipse">
+            <a:avLst/>
+          </a:prstGeom>
+          <a:solidFill>
+            <a:srgbClr val="FF0000"/>
+          </a:solidFill>
+          <a:ln>
+            <a:noFill/>
+          </a:ln>
+        </p:spPr>
+        <p:style>
+          <a:lnRef idx="2">
+            <a:schemeClr val="accent1">
+              <a:shade val="50000"/>
+            </a:schemeClr>
+          </a:lnRef>
+          <a:fillRef idx="1">
+            <a:schemeClr val="accent1"/>
+          </a:fillRef>
+          <a:effectRef idx="0">
+            <a:schemeClr val="accent1"/>
+          </a:effectRef>
+          <a:fontRef idx="minor">
+            <a:schemeClr val="lt1"/>
+          </a:fontRef>
+        </p:style>
+        <p:txBody>
+          <a:bodyPr rtlCol="0" anchor="ctr"/>
+          <a:lstStyle/>
+          <a:p>
+            <a:pPr algn="ctr"/>
+            <a:endParaRPr lang="en-US"/>
+          </a:p>
+        </p:txBody>
+      </p:sp>
+      <p:sp>
+        <p:nvSpPr>
+          <p:cNvPr id="13" name="TextBox 12">
+            <a:extLst>
+              <a:ext uri="{FF2B5EF4-FFF2-40B4-BE49-F238E27FC236}">
+                <a16:creationId xmlns:a16="http://schemas.microsoft.com/office/drawing/2014/main" id="{65ACDFFD-6C6C-41F5-AB08-F4BB062AD5E9}"/>
+              </a:ext>
+            </a:extLst>
+          </p:cNvPr>
+          <p:cNvSpPr txBox="1"/>
+          <p:nvPr/>
+        </p:nvSpPr>
+        <p:spPr>
+          <a:xfrm>
+            <a:off x="1780474" y="1523977"/>
+            <a:ext cx="1260000" cy="338554"/>
+          </a:xfrm>
+          <a:prstGeom prst="rect">
+            <a:avLst/>
+          </a:prstGeom>
+          <a:solidFill>
+            <a:schemeClr val="bg1"/>
+          </a:solidFill>
+          <a:ln w="19050">
+            <a:solidFill>
+              <a:schemeClr val="bg1">
+                <a:lumMod val="50000"/>
+              </a:schemeClr>
+            </a:solidFill>
+          </a:ln>
+          <a:effectLst>
+            <a:outerShdw blurRad="50800" dist="38100" dir="2700000" algn="tl" rotWithShape="0">
+              <a:prstClr val="black">
+                <a:alpha val="40000"/>
+              </a:prstClr>
+            </a:outerShdw>
+          </a:effectLst>
+        </p:spPr>
+        <p:txBody>
+          <a:bodyPr wrap="square" rtlCol="0">
+            <a:spAutoFit/>
+          </a:bodyPr>
+          <a:lstStyle/>
+          <a:p>
+            <a:pPr algn="ctr"/>
+            <a:r>
+              <a:rPr lang="en-US" sz="1600" b="1" dirty="0"/>
+              <a:t>cue frame</a:t>
+            </a:r>
+          </a:p>
+        </p:txBody>
+      </p:sp>
+      <p:sp>
+        <p:nvSpPr>
+          <p:cNvPr id="14" name="TextBox 13">
+            <a:extLst>
+              <a:ext uri="{FF2B5EF4-FFF2-40B4-BE49-F238E27FC236}">
+                <a16:creationId xmlns:a16="http://schemas.microsoft.com/office/drawing/2014/main" id="{4637171F-B00D-42D3-AA36-EC535880E451}"/>
+              </a:ext>
+            </a:extLst>
+          </p:cNvPr>
+          <p:cNvSpPr txBox="1"/>
+          <p:nvPr/>
+        </p:nvSpPr>
+        <p:spPr>
+          <a:xfrm>
+            <a:off x="1780474" y="5541191"/>
+            <a:ext cx="1260000" cy="338554"/>
+          </a:xfrm>
+          <a:prstGeom prst="rect">
+            <a:avLst/>
+          </a:prstGeom>
+          <a:solidFill>
+            <a:schemeClr val="bg1"/>
+          </a:solidFill>
+          <a:ln w="19050">
+            <a:solidFill>
+              <a:schemeClr val="bg1">
+                <a:lumMod val="50000"/>
+              </a:schemeClr>
+            </a:solidFill>
+          </a:ln>
+          <a:effectLst>
+            <a:outerShdw blurRad="50800" dist="38100" dir="2700000" algn="tl" rotWithShape="0">
+              <a:prstClr val="black">
+                <a:alpha val="40000"/>
+              </a:prstClr>
+            </a:outerShdw>
+          </a:effectLst>
+        </p:spPr>
+        <p:txBody>
+          <a:bodyPr wrap="square" rtlCol="0">
+            <a:spAutoFit/>
+          </a:bodyPr>
+          <a:lstStyle/>
+          <a:p>
+            <a:pPr algn="ctr"/>
+            <a:r>
+              <a:rPr lang="en-US" sz="1600" b="1" dirty="0"/>
+              <a:t>probe frame</a:t>
+            </a:r>
+          </a:p>
+        </p:txBody>
+      </p:sp>
+      <p:pic>
+        <p:nvPicPr>
+          <p:cNvPr id="23" name="그림 24">
+            <a:extLst>
+              <a:ext uri="{FF2B5EF4-FFF2-40B4-BE49-F238E27FC236}">
+                <a16:creationId xmlns:a16="http://schemas.microsoft.com/office/drawing/2014/main" id="{7B97E8BF-BE32-4CB4-89DF-B7720F39400E}"/>
+              </a:ext>
+            </a:extLst>
+          </p:cNvPr>
+          <p:cNvPicPr>
+            <a:picLocks noChangeAspect="1"/>
+          </p:cNvPicPr>
+          <p:nvPr/>
+        </p:nvPicPr>
+        <p:blipFill>
+          <a:blip r:embed="rId5" cstate="print">
+            <a:extLst>
+              <a:ext uri="{28A0092B-C50C-407E-A947-70E740481C1C}">
+                <a14:useLocalDpi xmlns:a14="http://schemas.microsoft.com/office/drawing/2010/main" val="0"/>
+              </a:ext>
+            </a:extLst>
+          </a:blip>
+          <a:stretch>
+            <a:fillRect/>
+          </a:stretch>
+        </p:blipFill>
+        <p:spPr>
+          <a:xfrm>
+            <a:off x="443422" y="578660"/>
+            <a:ext cx="314395" cy="314395"/>
+          </a:xfrm>
+          <a:prstGeom prst="rect">
+            <a:avLst/>
+          </a:prstGeom>
+        </p:spPr>
+      </p:pic>
+      <p:pic>
+        <p:nvPicPr>
+          <p:cNvPr id="32" name="그림 24">
+            <a:extLst>
+              <a:ext uri="{FF2B5EF4-FFF2-40B4-BE49-F238E27FC236}">
+                <a16:creationId xmlns:a16="http://schemas.microsoft.com/office/drawing/2014/main" id="{5BF9551C-C3B9-4FB0-8AA6-2B57142EA28E}"/>
+              </a:ext>
+            </a:extLst>
+          </p:cNvPr>
+          <p:cNvPicPr>
+            <a:picLocks noChangeAspect="1"/>
+          </p:cNvPicPr>
+          <p:nvPr/>
+        </p:nvPicPr>
+        <p:blipFill>
+          <a:blip r:embed="rId5" cstate="print">
+            <a:extLst>
+              <a:ext uri="{28A0092B-C50C-407E-A947-70E740481C1C}">
+                <a14:useLocalDpi xmlns:a14="http://schemas.microsoft.com/office/drawing/2010/main" val="0"/>
+              </a:ext>
+            </a:extLst>
+          </a:blip>
+          <a:stretch>
+            <a:fillRect/>
+          </a:stretch>
+        </p:blipFill>
+        <p:spPr>
+          <a:xfrm>
+            <a:off x="855544" y="578660"/>
+            <a:ext cx="314395" cy="314395"/>
+          </a:xfrm>
+          <a:prstGeom prst="rect">
+            <a:avLst/>
+          </a:prstGeom>
+        </p:spPr>
+      </p:pic>
+      <p:pic>
+        <p:nvPicPr>
+          <p:cNvPr id="43" name="그림 24">
+            <a:extLst>
+              <a:ext uri="{FF2B5EF4-FFF2-40B4-BE49-F238E27FC236}">
+                <a16:creationId xmlns:a16="http://schemas.microsoft.com/office/drawing/2014/main" id="{DD4D70E1-9EA6-43EB-810A-AEB26AC04620}"/>
+              </a:ext>
+            </a:extLst>
+          </p:cNvPr>
+          <p:cNvPicPr>
+            <a:picLocks noChangeAspect="1"/>
+          </p:cNvPicPr>
+          <p:nvPr/>
+        </p:nvPicPr>
+        <p:blipFill>
+          <a:blip r:embed="rId5" cstate="print">
+            <a:extLst>
+              <a:ext uri="{28A0092B-C50C-407E-A947-70E740481C1C}">
+                <a14:useLocalDpi xmlns:a14="http://schemas.microsoft.com/office/drawing/2010/main" val="0"/>
+              </a:ext>
+            </a:extLst>
+          </a:blip>
+          <a:stretch>
+            <a:fillRect/>
+          </a:stretch>
+        </p:blipFill>
+        <p:spPr>
+          <a:xfrm>
+            <a:off x="1267666" y="578660"/>
+            <a:ext cx="314395" cy="314395"/>
+          </a:xfrm>
+          <a:prstGeom prst="rect">
+            <a:avLst/>
+          </a:prstGeom>
+        </p:spPr>
+      </p:pic>
+      <p:grpSp>
+        <p:nvGrpSpPr>
+          <p:cNvPr id="6" name="Group 5">
+            <a:extLst>
+              <a:ext uri="{FF2B5EF4-FFF2-40B4-BE49-F238E27FC236}">
+                <a16:creationId xmlns:a16="http://schemas.microsoft.com/office/drawing/2014/main" id="{68A38A60-3CC7-4A5F-B308-D231E7A4F3D5}"/>
+              </a:ext>
+            </a:extLst>
+          </p:cNvPr>
+          <p:cNvGrpSpPr/>
+          <p:nvPr/>
+        </p:nvGrpSpPr>
+        <p:grpSpPr>
+          <a:xfrm>
+            <a:off x="443421" y="3265637"/>
+            <a:ext cx="1138639" cy="314395"/>
+            <a:chOff x="595822" y="731060"/>
+            <a:chExt cx="1138639" cy="314395"/>
+          </a:xfrm>
+        </p:grpSpPr>
+        <p:pic>
+          <p:nvPicPr>
+            <p:cNvPr id="56" name="그림 24">
+              <a:extLst>
+                <a:ext uri="{FF2B5EF4-FFF2-40B4-BE49-F238E27FC236}">
+                  <a16:creationId xmlns:a16="http://schemas.microsoft.com/office/drawing/2014/main" id="{08EFE96A-A956-45E2-8B8E-19739D9F32AB}"/>
+                </a:ext>
+              </a:extLst>
+            </p:cNvPr>
+            <p:cNvPicPr>
+              <a:picLocks noChangeAspect="1"/>
+            </p:cNvPicPr>
+            <p:nvPr/>
+          </p:nvPicPr>
+          <p:blipFill>
+            <a:blip r:embed="rId5" cstate="print">
+              <a:extLst>
+                <a:ext uri="{28A0092B-C50C-407E-A947-70E740481C1C}">
+                  <a14:useLocalDpi xmlns:a14="http://schemas.microsoft.com/office/drawing/2010/main" val="0"/>
+                </a:ext>
+              </a:extLst>
+            </a:blip>
+            <a:stretch>
+              <a:fillRect/>
+            </a:stretch>
+          </p:blipFill>
+          <p:spPr>
+            <a:xfrm>
+              <a:off x="595822" y="731060"/>
+              <a:ext cx="314395" cy="314395"/>
+            </a:xfrm>
+            <a:prstGeom prst="rect">
+              <a:avLst/>
+            </a:prstGeom>
+          </p:spPr>
+        </p:pic>
+        <p:pic>
+          <p:nvPicPr>
+            <p:cNvPr id="57" name="그림 24">
+              <a:extLst>
+                <a:ext uri="{FF2B5EF4-FFF2-40B4-BE49-F238E27FC236}">
+                  <a16:creationId xmlns:a16="http://schemas.microsoft.com/office/drawing/2014/main" id="{AB8BDD13-C67E-463F-B154-6EF71A90A5E6}"/>
+                </a:ext>
+              </a:extLst>
+            </p:cNvPr>
+            <p:cNvPicPr>
+              <a:picLocks noChangeAspect="1"/>
+            </p:cNvPicPr>
+            <p:nvPr/>
+          </p:nvPicPr>
+          <p:blipFill>
+            <a:blip r:embed="rId5" cstate="print">
+              <a:extLst>
+                <a:ext uri="{28A0092B-C50C-407E-A947-70E740481C1C}">
+                  <a14:useLocalDpi xmlns:a14="http://schemas.microsoft.com/office/drawing/2010/main" val="0"/>
+                </a:ext>
+              </a:extLst>
+            </a:blip>
+            <a:stretch>
+              <a:fillRect/>
+            </a:stretch>
+          </p:blipFill>
+          <p:spPr>
+            <a:xfrm>
+              <a:off x="1007944" y="731060"/>
+              <a:ext cx="314395" cy="314395"/>
+            </a:xfrm>
+            <a:prstGeom prst="rect">
+              <a:avLst/>
+            </a:prstGeom>
+          </p:spPr>
+        </p:pic>
+        <p:pic>
+          <p:nvPicPr>
+            <p:cNvPr id="58" name="그림 24">
+              <a:extLst>
+                <a:ext uri="{FF2B5EF4-FFF2-40B4-BE49-F238E27FC236}">
+                  <a16:creationId xmlns:a16="http://schemas.microsoft.com/office/drawing/2014/main" id="{BF19EEF4-FD6E-43EE-B9DC-3BC7ACC9FE28}"/>
+                </a:ext>
+              </a:extLst>
+            </p:cNvPr>
+            <p:cNvPicPr>
+              <a:picLocks noChangeAspect="1"/>
+            </p:cNvPicPr>
+            <p:nvPr/>
+          </p:nvPicPr>
+          <p:blipFill>
+            <a:blip r:embed="rId5" cstate="print">
+              <a:extLst>
+                <a:ext uri="{28A0092B-C50C-407E-A947-70E740481C1C}">
+                  <a14:useLocalDpi xmlns:a14="http://schemas.microsoft.com/office/drawing/2010/main" val="0"/>
+                </a:ext>
+              </a:extLst>
+            </a:blip>
+            <a:stretch>
+              <a:fillRect/>
+            </a:stretch>
+          </p:blipFill>
+          <p:spPr>
+            <a:xfrm>
+              <a:off x="1420066" y="731060"/>
+              <a:ext cx="314395" cy="314395"/>
+            </a:xfrm>
+            <a:prstGeom prst="rect">
+              <a:avLst/>
+            </a:prstGeom>
+          </p:spPr>
+        </p:pic>
+      </p:grpSp>
+      <p:grpSp>
+        <p:nvGrpSpPr>
+          <p:cNvPr id="7" name="Group 6">
+            <a:extLst>
+              <a:ext uri="{FF2B5EF4-FFF2-40B4-BE49-F238E27FC236}">
+                <a16:creationId xmlns:a16="http://schemas.microsoft.com/office/drawing/2014/main" id="{7A9862EA-C92B-4506-B2F6-B5677C265C96}"/>
+              </a:ext>
+            </a:extLst>
+          </p:cNvPr>
+          <p:cNvGrpSpPr/>
+          <p:nvPr/>
+        </p:nvGrpSpPr>
+        <p:grpSpPr>
+          <a:xfrm>
+            <a:off x="855543" y="4601501"/>
+            <a:ext cx="1138639" cy="314395"/>
+            <a:chOff x="595822" y="731060"/>
+            <a:chExt cx="1138639" cy="314395"/>
+          </a:xfrm>
+        </p:grpSpPr>
+        <p:pic>
+          <p:nvPicPr>
+            <p:cNvPr id="59" name="그림 24">
+              <a:extLst>
+                <a:ext uri="{FF2B5EF4-FFF2-40B4-BE49-F238E27FC236}">
+                  <a16:creationId xmlns:a16="http://schemas.microsoft.com/office/drawing/2014/main" id="{052B1C1F-601B-451F-80BD-E03108FA126A}"/>
+                </a:ext>
+              </a:extLst>
+            </p:cNvPr>
+            <p:cNvPicPr>
+              <a:picLocks noChangeAspect="1"/>
+            </p:cNvPicPr>
+            <p:nvPr/>
+          </p:nvPicPr>
+          <p:blipFill>
+            <a:blip r:embed="rId5" cstate="print">
+              <a:extLst>
+                <a:ext uri="{28A0092B-C50C-407E-A947-70E740481C1C}">
+                  <a14:useLocalDpi xmlns:a14="http://schemas.microsoft.com/office/drawing/2010/main" val="0"/>
+                </a:ext>
+              </a:extLst>
+            </a:blip>
+            <a:stretch>
+              <a:fillRect/>
+            </a:stretch>
+          </p:blipFill>
+          <p:spPr>
+            <a:xfrm>
+              <a:off x="595822" y="731060"/>
+              <a:ext cx="314395" cy="314395"/>
+            </a:xfrm>
+            <a:prstGeom prst="rect">
+              <a:avLst/>
+            </a:prstGeom>
+          </p:spPr>
+        </p:pic>
+        <p:pic>
+          <p:nvPicPr>
+            <p:cNvPr id="60" name="그림 24">
+              <a:extLst>
+                <a:ext uri="{FF2B5EF4-FFF2-40B4-BE49-F238E27FC236}">
+                  <a16:creationId xmlns:a16="http://schemas.microsoft.com/office/drawing/2014/main" id="{0AF2BE88-31E4-474A-895A-123D75E392ED}"/>
+                </a:ext>
+              </a:extLst>
+            </p:cNvPr>
+            <p:cNvPicPr>
+              <a:picLocks noChangeAspect="1"/>
+            </p:cNvPicPr>
+            <p:nvPr/>
+          </p:nvPicPr>
+          <p:blipFill>
+            <a:blip r:embed="rId5" cstate="print">
+              <a:extLst>
+                <a:ext uri="{28A0092B-C50C-407E-A947-70E740481C1C}">
+                  <a14:useLocalDpi xmlns:a14="http://schemas.microsoft.com/office/drawing/2010/main" val="0"/>
+                </a:ext>
+              </a:extLst>
+            </a:blip>
+            <a:stretch>
+              <a:fillRect/>
+            </a:stretch>
+          </p:blipFill>
+          <p:spPr>
+            <a:xfrm>
+              <a:off x="1007944" y="731060"/>
+              <a:ext cx="314395" cy="314395"/>
+            </a:xfrm>
+            <a:prstGeom prst="rect">
+              <a:avLst/>
+            </a:prstGeom>
+          </p:spPr>
+        </p:pic>
+        <p:pic>
+          <p:nvPicPr>
+            <p:cNvPr id="61" name="그림 24">
+              <a:extLst>
+                <a:ext uri="{FF2B5EF4-FFF2-40B4-BE49-F238E27FC236}">
+                  <a16:creationId xmlns:a16="http://schemas.microsoft.com/office/drawing/2014/main" id="{B23F39B2-1A92-47FF-95FB-01E21E9E0FC4}"/>
+                </a:ext>
+              </a:extLst>
+            </p:cNvPr>
+            <p:cNvPicPr>
+              <a:picLocks noChangeAspect="1"/>
+            </p:cNvPicPr>
+            <p:nvPr/>
+          </p:nvPicPr>
+          <p:blipFill>
+            <a:blip r:embed="rId5" cstate="print">
+              <a:extLst>
+                <a:ext uri="{28A0092B-C50C-407E-A947-70E740481C1C}">
+                  <a14:useLocalDpi xmlns:a14="http://schemas.microsoft.com/office/drawing/2010/main" val="0"/>
+                </a:ext>
+              </a:extLst>
+            </a:blip>
+            <a:stretch>
+              <a:fillRect/>
+            </a:stretch>
+          </p:blipFill>
+          <p:spPr>
+            <a:xfrm>
+              <a:off x="1420066" y="731060"/>
+              <a:ext cx="314395" cy="314395"/>
+            </a:xfrm>
+            <a:prstGeom prst="rect">
+              <a:avLst/>
+            </a:prstGeom>
+          </p:spPr>
+        </p:pic>
+      </p:grpSp>
+      <p:pic>
+        <p:nvPicPr>
+          <p:cNvPr id="62" name="Picture 61">
+            <a:extLst>
+              <a:ext uri="{FF2B5EF4-FFF2-40B4-BE49-F238E27FC236}">
+                <a16:creationId xmlns:a16="http://schemas.microsoft.com/office/drawing/2014/main" id="{98A52D0E-F4D2-4504-A569-17010E59CF00}"/>
+              </a:ext>
+            </a:extLst>
+          </p:cNvPr>
+          <p:cNvPicPr>
+            <a:picLocks noChangeAspect="1"/>
+          </p:cNvPicPr>
+          <p:nvPr/>
+        </p:nvPicPr>
+        <p:blipFill>
+          <a:blip r:embed="rId3" cstate="print">
+            <a:extLst>
+              <a:ext uri="{28A0092B-C50C-407E-A947-70E740481C1C}">
+                <a14:useLocalDpi xmlns:a14="http://schemas.microsoft.com/office/drawing/2010/main" val="0"/>
+              </a:ext>
+            </a:extLst>
+          </a:blip>
+          <a:stretch>
+            <a:fillRect/>
+          </a:stretch>
+        </p:blipFill>
+        <p:spPr>
+          <a:xfrm>
+            <a:off x="443421" y="5937962"/>
+            <a:ext cx="313200" cy="313200"/>
+          </a:xfrm>
+          <a:prstGeom prst="rect">
+            <a:avLst/>
+          </a:prstGeom>
+        </p:spPr>
+      </p:pic>
+      <p:sp>
+        <p:nvSpPr>
+          <p:cNvPr id="36" name="TextBox 35">
+            <a:extLst>
+              <a:ext uri="{FF2B5EF4-FFF2-40B4-BE49-F238E27FC236}">
+                <a16:creationId xmlns:a16="http://schemas.microsoft.com/office/drawing/2014/main" id="{E17D369A-DB03-4264-A486-D812C598B75A}"/>
+              </a:ext>
+            </a:extLst>
+          </p:cNvPr>
+          <p:cNvSpPr txBox="1"/>
+          <p:nvPr/>
+        </p:nvSpPr>
+        <p:spPr>
+          <a:xfrm>
+            <a:off x="3657206" y="1523977"/>
+            <a:ext cx="8091373" cy="3508653"/>
+          </a:xfrm>
+          <a:prstGeom prst="rect">
+            <a:avLst/>
+          </a:prstGeom>
+          <a:noFill/>
+        </p:spPr>
+        <p:txBody>
+          <a:bodyPr wrap="square" rtlCol="0">
+            <a:spAutoFit/>
+          </a:bodyPr>
+          <a:lstStyle/>
+          <a:p>
+            <a:pPr marL="285750" indent="-285750">
+              <a:spcAft>
+                <a:spcPts val="1200"/>
+              </a:spcAft>
+              <a:buFontTx/>
+              <a:buChar char="-"/>
+            </a:pPr>
+            <a:r>
+              <a:rPr lang="en-US" dirty="0"/>
+              <a:t>Please fixate your eyes on </a:t>
+            </a:r>
+            <a:r>
+              <a:rPr lang="en-US" b="1" dirty="0">
+                <a:solidFill>
+                  <a:srgbClr val="FF0000"/>
+                </a:solidFill>
+              </a:rPr>
+              <a:t>the red fixation dot</a:t>
+            </a:r>
+            <a:r>
+              <a:rPr lang="en-US" dirty="0"/>
+              <a:t> all the time</a:t>
+            </a:r>
+          </a:p>
+          <a:p>
+            <a:pPr marL="285750" indent="-285750">
+              <a:spcAft>
+                <a:spcPts val="1200"/>
+              </a:spcAft>
+              <a:buFontTx/>
+              <a:buChar char="-"/>
+            </a:pPr>
+            <a:r>
+              <a:rPr lang="en-US" dirty="0"/>
+              <a:t>Your task is the same, except the tilted bars will be presented in different disks</a:t>
+            </a:r>
+          </a:p>
+          <a:p>
+            <a:pPr marL="285750" indent="-285750">
+              <a:spcAft>
+                <a:spcPts val="1200"/>
+              </a:spcAft>
+              <a:buFontTx/>
+              <a:buChar char="-"/>
+            </a:pPr>
+            <a:r>
+              <a:rPr lang="en-US" dirty="0"/>
+              <a:t>In the cue frame, tilted bars will be presented in the left most disk</a:t>
+            </a:r>
+          </a:p>
+          <a:p>
+            <a:pPr marL="285750" indent="-285750">
+              <a:spcAft>
+                <a:spcPts val="1200"/>
+              </a:spcAft>
+              <a:buFontTx/>
+              <a:buChar char="-"/>
+            </a:pPr>
+            <a:r>
+              <a:rPr lang="en-US" dirty="0"/>
+              <a:t>In the probe frame, tilted bars will be presented in the middle disk</a:t>
+            </a:r>
+          </a:p>
+          <a:p>
+            <a:pPr marL="285750" indent="-285750">
+              <a:spcAft>
+                <a:spcPts val="1200"/>
+              </a:spcAft>
+              <a:buFontTx/>
+              <a:buChar char="-"/>
+            </a:pPr>
+            <a:r>
+              <a:rPr lang="en-US" dirty="0"/>
+              <a:t>Thus, the tilted bars are always presented in the disk on the left side of the fixation dot</a:t>
+            </a:r>
+          </a:p>
+          <a:p>
+            <a:pPr marL="285750" indent="-285750">
+              <a:spcAft>
+                <a:spcPts val="1200"/>
+              </a:spcAft>
+              <a:buFontTx/>
+              <a:buChar char="-"/>
+            </a:pPr>
+            <a:r>
+              <a:rPr lang="en-US" dirty="0"/>
+              <a:t>Your task is to detect either the target bars (15</a:t>
+            </a:r>
+            <a:r>
+              <a:rPr lang="en-US" baseline="30000" dirty="0"/>
+              <a:t>◦ </a:t>
+            </a:r>
+            <a:r>
+              <a:rPr lang="en-US" dirty="0"/>
+              <a:t>tilted bars) in cue and probe frames are tilted in the same direction (left button) or not (right button)</a:t>
+            </a:r>
+          </a:p>
+          <a:p>
+            <a:pPr marL="285750" indent="-285750">
+              <a:spcAft>
+                <a:spcPts val="1200"/>
+              </a:spcAft>
+              <a:buFontTx/>
+              <a:buChar char="-"/>
+            </a:pPr>
+            <a:r>
+              <a:rPr lang="en-US" dirty="0"/>
+              <a:t>Again, you have to ignore the 45</a:t>
+            </a:r>
+            <a:r>
+              <a:rPr lang="en-US" baseline="30000" dirty="0"/>
+              <a:t>◦</a:t>
+            </a:r>
+            <a:r>
+              <a:rPr lang="en-US" dirty="0"/>
+              <a:t>(distractor) bar in the cue frame</a:t>
+            </a:r>
+          </a:p>
+        </p:txBody>
+      </p:sp>
+    </p:spTree>
+    <p:extLst>
+      <p:ext uri="{BB962C8B-B14F-4D97-AF65-F5344CB8AC3E}">
+        <p14:creationId xmlns:p14="http://schemas.microsoft.com/office/powerpoint/2010/main" val="12927611"/>
+      </p:ext>
+    </p:extLst>
+  </p:cSld>
+  <p:clrMapOvr>
+    <a:masterClrMapping/>
+  </p:clrMapOvr>
+</p:sld>
+</file>
+
+<file path=ppt/slides/slide13.xml><?xml version="1.0" encoding="utf-8"?>
+<p:sld xmlns:a="http://schemas.openxmlformats.org/drawingml/2006/main" xmlns:r="http://schemas.openxmlformats.org/officeDocument/2006/relationships" xmlns:p="http://schemas.openxmlformats.org/presentationml/2006/main">
+  <p:cSld>
+    <p:bg>
+      <p:bgPr>
+        <a:solidFill>
+          <a:srgbClr val="7F7F7F"/>
+        </a:solidFill>
+        <a:effectLst/>
+      </p:bgPr>
+    </p:bg>
+    <p:spTree>
+      <p:nvGrpSpPr>
+        <p:cNvPr id="1" name=""/>
+        <p:cNvGrpSpPr/>
+        <p:nvPr/>
+      </p:nvGrpSpPr>
+      <p:grpSpPr>
+        <a:xfrm>
+          <a:off x="0" y="0"/>
+          <a:ext cx="0" cy="0"/>
+          <a:chOff x="0" y="0"/>
+          <a:chExt cx="0" cy="0"/>
+        </a:xfrm>
+      </p:grpSpPr>
+      <p:sp>
+        <p:nvSpPr>
+          <p:cNvPr id="2" name="TextBox 1">
+            <a:extLst>
+              <a:ext uri="{FF2B5EF4-FFF2-40B4-BE49-F238E27FC236}">
+                <a16:creationId xmlns:a16="http://schemas.microsoft.com/office/drawing/2014/main" id="{111A9637-10FB-4F35-81B8-74F40C5B099B}"/>
+              </a:ext>
+            </a:extLst>
+          </p:cNvPr>
+          <p:cNvSpPr txBox="1"/>
+          <p:nvPr/>
+        </p:nvSpPr>
+        <p:spPr>
+          <a:xfrm>
+            <a:off x="458679" y="435005"/>
+            <a:ext cx="11274642" cy="1415772"/>
+          </a:xfrm>
+          <a:prstGeom prst="rect">
+            <a:avLst/>
+          </a:prstGeom>
+          <a:noFill/>
+        </p:spPr>
+        <p:txBody>
+          <a:bodyPr wrap="square" rtlCol="0">
+            <a:spAutoFit/>
+          </a:bodyPr>
+          <a:lstStyle/>
+          <a:p>
+            <a:r>
+              <a:rPr lang="en-US" b="1" dirty="0"/>
+              <a:t>Example </a:t>
+            </a:r>
+          </a:p>
+          <a:p>
+            <a:endParaRPr lang="en-US" dirty="0"/>
+          </a:p>
+          <a:p>
+            <a:pPr algn="ctr"/>
+            <a:r>
+              <a:rPr lang="en-US" dirty="0"/>
+              <a:t>Task: Report the Same (left) / Opposite (right) tilt of the target bar (15</a:t>
+            </a:r>
+            <a:r>
+              <a:rPr lang="en-US" baseline="30000" dirty="0"/>
+              <a:t>◦</a:t>
+            </a:r>
+            <a:r>
+              <a:rPr lang="en-US" dirty="0"/>
+              <a:t>) in the target disks</a:t>
+            </a:r>
+          </a:p>
+          <a:p>
+            <a:pPr algn="ctr"/>
+            <a:endParaRPr lang="en-US" sz="1600" dirty="0"/>
+          </a:p>
+          <a:p>
+            <a:pPr algn="ctr"/>
+            <a:r>
+              <a:rPr lang="en-US" sz="1600" dirty="0"/>
+              <a:t>The cue frame’s target disk is the </a:t>
+            </a:r>
+            <a:r>
+              <a:rPr lang="en-US" sz="1600" i="1" dirty="0"/>
+              <a:t>left most </a:t>
+            </a:r>
+            <a:r>
+              <a:rPr lang="en-US" sz="1600" dirty="0"/>
+              <a:t>disk and the probe frame’s target disk is the </a:t>
+            </a:r>
+            <a:r>
+              <a:rPr lang="en-US" sz="1600" i="1" dirty="0"/>
+              <a:t>middle</a:t>
+            </a:r>
+            <a:r>
+              <a:rPr lang="en-US" sz="1600" dirty="0"/>
+              <a:t> disk</a:t>
+            </a:r>
+          </a:p>
+        </p:txBody>
+      </p:sp>
+      <p:pic>
+        <p:nvPicPr>
+          <p:cNvPr id="4" name="Picture 3">
+            <a:extLst>
+              <a:ext uri="{FF2B5EF4-FFF2-40B4-BE49-F238E27FC236}">
+                <a16:creationId xmlns:a16="http://schemas.microsoft.com/office/drawing/2014/main" id="{DCDD6BFC-DA4C-408E-A6F6-9A83A706E664}"/>
+              </a:ext>
+            </a:extLst>
+          </p:cNvPr>
+          <p:cNvPicPr>
+            <a:picLocks noChangeAspect="1"/>
+          </p:cNvPicPr>
+          <p:nvPr/>
+        </p:nvPicPr>
+        <p:blipFill>
+          <a:blip r:embed="rId2">
+            <a:extLst>
+              <a:ext uri="{28A0092B-C50C-407E-A947-70E740481C1C}">
+                <a14:useLocalDpi xmlns:a14="http://schemas.microsoft.com/office/drawing/2010/main" val="0"/>
+              </a:ext>
+            </a:extLst>
+          </a:blip>
+          <a:stretch>
+            <a:fillRect/>
+          </a:stretch>
+        </p:blipFill>
+        <p:spPr>
+          <a:xfrm>
+            <a:off x="2286000" y="2476500"/>
+            <a:ext cx="7620000" cy="1905000"/>
+          </a:xfrm>
+          <a:prstGeom prst="rect">
+            <a:avLst/>
+          </a:prstGeom>
+        </p:spPr>
+      </p:pic>
+    </p:spTree>
+    <p:extLst>
+      <p:ext uri="{BB962C8B-B14F-4D97-AF65-F5344CB8AC3E}">
+        <p14:creationId xmlns:p14="http://schemas.microsoft.com/office/powerpoint/2010/main" val="3550245318"/>
+      </p:ext>
+    </p:extLst>
+  </p:cSld>
+  <p:clrMapOvr>
+    <a:masterClrMapping/>
+  </p:clrMapOvr>
+</p:sld>
+</file>
+
+<file path=ppt/slides/slide14.xml><?xml version="1.0" encoding="utf-8"?>
+<p:sld xmlns:a="http://schemas.openxmlformats.org/drawingml/2006/main" xmlns:r="http://schemas.openxmlformats.org/officeDocument/2006/relationships" xmlns:p="http://schemas.openxmlformats.org/presentationml/2006/main">
+  <p:cSld>
+    <p:spTree>
+      <p:nvGrpSpPr>
+        <p:cNvPr id="1" name=""/>
+        <p:cNvGrpSpPr/>
+        <p:nvPr/>
+      </p:nvGrpSpPr>
+      <p:grpSpPr>
+        <a:xfrm>
+          <a:off x="0" y="0"/>
+          <a:ext cx="0" cy="0"/>
+          <a:chOff x="0" y="0"/>
+          <a:chExt cx="0" cy="0"/>
+        </a:xfrm>
+      </p:grpSpPr>
+      <p:sp>
+        <p:nvSpPr>
+          <p:cNvPr id="2" name="TextBox 1">
+            <a:extLst>
+              <a:ext uri="{FF2B5EF4-FFF2-40B4-BE49-F238E27FC236}">
+                <a16:creationId xmlns:a16="http://schemas.microsoft.com/office/drawing/2014/main" id="{91DED56B-F350-4B0D-8686-B325ECBED80E}"/>
+              </a:ext>
+            </a:extLst>
+          </p:cNvPr>
+          <p:cNvSpPr txBox="1"/>
+          <p:nvPr/>
+        </p:nvSpPr>
+        <p:spPr>
+          <a:xfrm>
+            <a:off x="269966" y="452846"/>
+            <a:ext cx="11390811" cy="1200329"/>
+          </a:xfrm>
+          <a:prstGeom prst="rect">
+            <a:avLst/>
+          </a:prstGeom>
+          <a:noFill/>
+        </p:spPr>
+        <p:txBody>
+          <a:bodyPr wrap="square" rtlCol="0">
+            <a:spAutoFit/>
+          </a:bodyPr>
+          <a:lstStyle/>
+          <a:p>
+            <a:r>
+              <a:rPr lang="en-US" dirty="0"/>
+              <a:t>Additional question after the experiment </a:t>
+            </a:r>
+          </a:p>
+          <a:p>
+            <a:endParaRPr lang="en-US" dirty="0"/>
+          </a:p>
+          <a:p>
+            <a:r>
+              <a:rPr lang="en-US" dirty="0"/>
+              <a:t>1. Were the disks flickering (on/off) or moving left-and-right as a group? </a:t>
+            </a:r>
+          </a:p>
+          <a:p>
+            <a:r>
+              <a:rPr lang="en-US" dirty="0"/>
+              <a:t>     (1) each disk was flickering on and off --------------------------------- (5) three disks were moving left-and-right as a group</a:t>
+            </a:r>
+          </a:p>
+        </p:txBody>
+      </p:sp>
+    </p:spTree>
+    <p:extLst>
+      <p:ext uri="{BB962C8B-B14F-4D97-AF65-F5344CB8AC3E}">
+        <p14:creationId xmlns:p14="http://schemas.microsoft.com/office/powerpoint/2010/main" val="3214161767"/>
+      </p:ext>
+    </p:extLst>
+  </p:cSld>
+  <p:clrMapOvr>
+    <a:masterClrMapping/>
+  </p:clrMapOvr>
+</p:sld>
+</file>
+
+<file path=ppt/slides/slide2.xml><?xml version="1.0" encoding="utf-8"?>
+<p:sld xmlns:a="http://schemas.openxmlformats.org/drawingml/2006/main" xmlns:r="http://schemas.openxmlformats.org/officeDocument/2006/relationships" xmlns:p="http://schemas.openxmlformats.org/presentationml/2006/main">
+  <p:cSld>
+    <p:spTree>
+      <p:nvGrpSpPr>
+        <p:cNvPr id="1" name=""/>
+        <p:cNvGrpSpPr/>
+        <p:nvPr/>
+      </p:nvGrpSpPr>
+      <p:grpSpPr>
+        <a:xfrm>
+          <a:off x="0" y="0"/>
+          <a:ext cx="0" cy="0"/>
+          <a:chOff x="0" y="0"/>
+          <a:chExt cx="0" cy="0"/>
+        </a:xfrm>
+      </p:grpSpPr>
       <p:sp>
         <p:nvSpPr>
           <p:cNvPr id="10" name="TextBox 9"/>
@@ -2979,7 +5174,7 @@
         <p:spPr>
           <a:xfrm>
             <a:off x="341496" y="160421"/>
-            <a:ext cx="11374253" cy="923330"/>
+            <a:ext cx="11374253" cy="880369"/>
           </a:xfrm>
           <a:prstGeom prst="rect">
             <a:avLst/>
@@ -3000,28 +5195,8 @@
               <a:buChar char="-"/>
             </a:pPr>
             <a:r>
-              <a:rPr lang="en-US" dirty="0" smtClean="0"/>
-              <a:t>In each frame, 1 </a:t>
-            </a:r>
-            <a:r>
-              <a:rPr lang="en-US" dirty="0" smtClean="0"/>
-              <a:t>disk will be presented in the middle of the screen, and you will see 5, 7, 9</a:t>
-            </a:r>
-            <a:r>
-              <a:rPr lang="en-US" dirty="0" smtClean="0"/>
-              <a:t>, or </a:t>
-            </a:r>
-            <a:r>
-              <a:rPr lang="en-US" dirty="0" smtClean="0"/>
-              <a:t>11 frames </a:t>
-            </a:r>
-            <a:r>
-              <a:rPr lang="en-US" dirty="0" smtClean="0"/>
-              <a:t>in </a:t>
-            </a:r>
-            <a:r>
-              <a:rPr lang="en-US" dirty="0" smtClean="0"/>
-              <a:t>each trial</a:t>
+              <a:rPr lang="en-US" dirty="0"/>
+              <a:t>In each frame, 1 disk will be presented in the middle of the screen, and you will see 5 frames in each trial</a:t>
             </a:r>
           </a:p>
           <a:p>
@@ -3033,40 +5208,9 @@
               <a:buChar char="-"/>
             </a:pPr>
             <a:r>
-              <a:rPr lang="en-US" dirty="0" smtClean="0"/>
+              <a:rPr lang="en-US" dirty="0"/>
               <a:t>In each trial, in the second and the last frame, multiple bars will be presented on the disk as shown below </a:t>
             </a:r>
-            <a:endParaRPr lang="en-US" dirty="0"/>
-          </a:p>
-        </p:txBody>
-      </p:sp>
-      <p:sp>
-        <p:nvSpPr>
-          <p:cNvPr id="13" name="TextBox 12"/>
-          <p:cNvSpPr txBox="1"/>
-          <p:nvPr/>
-        </p:nvSpPr>
-        <p:spPr>
-          <a:xfrm>
-            <a:off x="456294" y="1436370"/>
-            <a:ext cx="2600325" cy="369332"/>
-          </a:xfrm>
-          <a:prstGeom prst="rect">
-            <a:avLst/>
-          </a:prstGeom>
-          <a:noFill/>
-        </p:spPr>
-        <p:txBody>
-          <a:bodyPr wrap="square" rtlCol="0">
-            <a:spAutoFit/>
-          </a:bodyPr>
-          <a:lstStyle/>
-          <a:p>
-            <a:r>
-              <a:rPr lang="en-US" dirty="0" smtClean="0"/>
-              <a:t>ex) 5 frames condition</a:t>
-            </a:r>
-            <a:endParaRPr lang="en-US" dirty="0"/>
           </a:p>
         </p:txBody>
       </p:sp>
@@ -3100,19 +5244,19 @@
               <a:buChar char="-"/>
             </a:pPr>
             <a:r>
-              <a:rPr lang="en-US" dirty="0" smtClean="0"/>
+              <a:rPr lang="en-US" dirty="0"/>
               <a:t>The second frame is called </a:t>
             </a:r>
             <a:r>
-              <a:rPr lang="en-US" b="1" dirty="0" smtClean="0"/>
+              <a:rPr lang="en-US" b="1" dirty="0"/>
               <a:t>cue frame</a:t>
             </a:r>
             <a:r>
-              <a:rPr lang="en-US" dirty="0" smtClean="0"/>
+              <a:rPr lang="en-US" dirty="0"/>
               <a:t>, and the last frame is called </a:t>
             </a:r>
             <a:r>
-              <a:rPr lang="en-US" b="1" dirty="0" smtClean="0"/>
+              <a:rPr lang="en-US" b="1" dirty="0"/>
               <a:t>probe frame</a:t>
             </a:r>
           </a:p>
@@ -3125,26 +5269,25 @@
               <a:buChar char="-"/>
             </a:pPr>
             <a:r>
-              <a:rPr lang="en-US" dirty="0" smtClean="0"/>
+              <a:rPr lang="en-US" dirty="0"/>
               <a:t>In the cue frame, there will be two tilted bars, one in 15</a:t>
             </a:r>
             <a:r>
-              <a:rPr lang="en-US" baseline="30000" dirty="0" smtClean="0"/>
+              <a:rPr lang="en-US" baseline="30000" dirty="0"/>
               <a:t>◦</a:t>
             </a:r>
             <a:r>
-              <a:rPr lang="en-US" dirty="0" smtClean="0"/>
+              <a:rPr lang="en-US" dirty="0"/>
               <a:t> (target) and the other in 45</a:t>
             </a:r>
             <a:r>
-              <a:rPr lang="en-US" baseline="30000" dirty="0" smtClean="0"/>
+              <a:rPr lang="en-US" baseline="30000" dirty="0"/>
               <a:t>◦</a:t>
             </a:r>
             <a:r>
-              <a:rPr lang="en-US" dirty="0" smtClean="0"/>
+              <a:rPr lang="en-US" dirty="0"/>
               <a:t>(distractor)</a:t>
             </a:r>
-            <a:endParaRPr lang="en-US" dirty="0"/>
           </a:p>
           <a:p>
             <a:pPr marL="285750" indent="-285750">
@@ -3155,15 +5298,15 @@
               <a:buChar char="-"/>
             </a:pPr>
             <a:r>
-              <a:rPr lang="en-US" dirty="0" smtClean="0"/>
+              <a:rPr lang="en-US" dirty="0"/>
               <a:t>In the probe frame, one bar will be tilted in 15</a:t>
             </a:r>
             <a:r>
-              <a:rPr lang="en-US" baseline="30000" dirty="0" smtClean="0"/>
+              <a:rPr lang="en-US" baseline="30000" dirty="0"/>
               <a:t>◦</a:t>
             </a:r>
             <a:r>
-              <a:rPr lang="en-US" dirty="0" smtClean="0"/>
+              <a:rPr lang="en-US" dirty="0"/>
               <a:t>(target) </a:t>
             </a:r>
           </a:p>
@@ -3176,16 +5319,8 @@
               <a:buChar char="-"/>
             </a:pPr>
             <a:r>
-              <a:rPr lang="en-US" dirty="0" smtClean="0"/>
-              <a:t>Each bar can be tilted </a:t>
-            </a:r>
-            <a:r>
-              <a:rPr lang="en-US" dirty="0" smtClean="0"/>
-              <a:t>either in clockwise </a:t>
-            </a:r>
-            <a:r>
-              <a:rPr lang="en-US" dirty="0" smtClean="0"/>
-              <a:t>or counter-clockwise manner from upward</a:t>
+              <a:rPr lang="en-US" dirty="0"/>
+              <a:t>Each bar can be tilted either in clockwise or counter-clockwise manner from upward</a:t>
             </a:r>
           </a:p>
           <a:p>
@@ -3197,27 +5332,15 @@
               <a:buChar char="-"/>
             </a:pPr>
             <a:r>
-              <a:rPr lang="en-US" dirty="0" smtClean="0"/>
-              <a:t>Your task is to </a:t>
-            </a:r>
-            <a:r>
-              <a:rPr lang="en-US" dirty="0" smtClean="0"/>
-              <a:t>detect</a:t>
-            </a:r>
-            <a:r>
-              <a:rPr lang="en-US" dirty="0" smtClean="0"/>
-              <a:t> </a:t>
-            </a:r>
-            <a:r>
-              <a:rPr lang="en-US" dirty="0" smtClean="0"/>
-              <a:t>either the target bars (15</a:t>
-            </a:r>
-            <a:r>
-              <a:rPr lang="en-US" baseline="30000" dirty="0" smtClean="0"/>
+              <a:rPr lang="en-US" dirty="0"/>
+              <a:t>Your task is to detect either the target bars (15</a:t>
+            </a:r>
+            <a:r>
+              <a:rPr lang="en-US" baseline="30000" dirty="0"/>
               <a:t>◦ </a:t>
             </a:r>
             <a:r>
-              <a:rPr lang="en-US" dirty="0" smtClean="0"/>
+              <a:rPr lang="en-US" dirty="0"/>
               <a:t>tilted bars) in cue and probe frames are tilted in the same direction or not</a:t>
             </a:r>
           </a:p>
@@ -3230,15 +5353,15 @@
               <a:buChar char="-"/>
             </a:pPr>
             <a:r>
-              <a:rPr lang="en-US" dirty="0" smtClean="0"/>
+              <a:rPr lang="en-US" dirty="0"/>
               <a:t>You have to ignore the 45</a:t>
             </a:r>
             <a:r>
-              <a:rPr lang="en-US" baseline="30000" dirty="0" smtClean="0"/>
+              <a:rPr lang="en-US" baseline="30000" dirty="0"/>
               <a:t>◦</a:t>
             </a:r>
             <a:r>
-              <a:rPr lang="en-US" dirty="0" smtClean="0"/>
+              <a:rPr lang="en-US" dirty="0"/>
               <a:t>(distractor) bar in the cue frame</a:t>
             </a:r>
           </a:p>
@@ -3251,24 +5374,15 @@
               <a:buChar char="-"/>
             </a:pPr>
             <a:r>
-              <a:rPr lang="en-US" dirty="0" smtClean="0"/>
-              <a:t>If both are tilted in a same direction (both clockwise </a:t>
-            </a:r>
-            <a:r>
-              <a:rPr lang="en-US" dirty="0" smtClean="0"/>
-              <a:t>and </a:t>
-            </a:r>
-            <a:r>
-              <a:rPr lang="en-US" dirty="0" smtClean="0"/>
-              <a:t>counter-clockwise) press the left button, the right button for the different directions</a:t>
-            </a:r>
-            <a:endParaRPr lang="en-US" dirty="0"/>
+              <a:rPr lang="en-US" dirty="0"/>
+              <a:t>If both are tilted in a same direction (both clockwise or counter-clockwise) press the left button, the right button for the different directions</a:t>
+            </a:r>
           </a:p>
         </p:txBody>
       </p:sp>
       <p:grpSp>
         <p:nvGrpSpPr>
-          <p:cNvPr id="44" name="그룹 43"/>
+          <p:cNvPr id="38" name="그룹 37"/>
           <p:cNvGrpSpPr/>
           <p:nvPr/>
         </p:nvGrpSpPr>
@@ -3276,672 +5390,419 @@
           <a:xfrm>
             <a:off x="341497" y="1338063"/>
             <a:ext cx="5744129" cy="4626877"/>
-            <a:chOff x="341497" y="1338063"/>
-            <a:chExt cx="5744129" cy="4626877"/>
+            <a:chOff x="562879" y="1123900"/>
+            <a:chExt cx="6357686" cy="5121095"/>
           </a:xfrm>
         </p:grpSpPr>
         <p:grpSp>
           <p:nvGrpSpPr>
-            <p:cNvPr id="38" name="그룹 37"/>
+            <p:cNvPr id="34" name="그룹 33"/>
             <p:cNvGrpSpPr/>
             <p:nvPr/>
           </p:nvGrpSpPr>
           <p:grpSpPr>
             <a:xfrm>
-              <a:off x="341497" y="1338063"/>
-              <a:ext cx="5744129" cy="4626877"/>
-              <a:chOff x="562879" y="1123900"/>
-              <a:chExt cx="6357686" cy="5121095"/>
+              <a:off x="562879" y="1486977"/>
+              <a:ext cx="6357686" cy="4758018"/>
+              <a:chOff x="476251" y="1515852"/>
+              <a:chExt cx="6733071" cy="5038952"/>
             </a:xfrm>
           </p:grpSpPr>
           <p:grpSp>
             <p:nvGrpSpPr>
-              <p:cNvPr id="34" name="그룹 33"/>
+              <p:cNvPr id="29" name="그룹 28"/>
               <p:cNvGrpSpPr/>
               <p:nvPr/>
             </p:nvGrpSpPr>
             <p:grpSpPr>
               <a:xfrm>
-                <a:off x="562879" y="1486977"/>
-                <a:ext cx="6357686" cy="4758018"/>
-                <a:chOff x="476251" y="1515852"/>
-                <a:chExt cx="6733071" cy="5038952"/>
+                <a:off x="4356145" y="1515852"/>
+                <a:ext cx="2600325" cy="1617421"/>
+                <a:chOff x="4356145" y="1515852"/>
+                <a:chExt cx="2600325" cy="1617421"/>
               </a:xfrm>
             </p:grpSpPr>
-            <p:grpSp>
-              <p:nvGrpSpPr>
-                <p:cNvPr id="29" name="그룹 28"/>
-                <p:cNvGrpSpPr/>
+            <p:sp>
+              <p:nvSpPr>
+                <p:cNvPr id="18" name="직사각형 17"/>
+                <p:cNvSpPr/>
                 <p:nvPr/>
-              </p:nvGrpSpPr>
-              <p:grpSpPr>
+              </p:nvSpPr>
+              <p:spPr>
                 <a:xfrm>
                   <a:off x="4356145" y="1515852"/>
                   <a:ext cx="2600325" cy="1617421"/>
-                  <a:chOff x="4356145" y="1515852"/>
-                  <a:chExt cx="2600325" cy="1617421"/>
                 </a:xfrm>
-              </p:grpSpPr>
-              <p:sp>
-                <p:nvSpPr>
-                  <p:cNvPr id="18" name="직사각형 17"/>
-                  <p:cNvSpPr/>
-                  <p:nvPr/>
-                </p:nvSpPr>
-                <p:spPr>
-                  <a:xfrm>
-                    <a:off x="4356145" y="1515852"/>
-                    <a:ext cx="2600325" cy="1617421"/>
-                  </a:xfrm>
-                  <a:prstGeom prst="rect">
-                    <a:avLst/>
-                  </a:prstGeom>
-                  <a:solidFill>
-                    <a:schemeClr val="bg1">
-                      <a:lumMod val="65000"/>
-                    </a:schemeClr>
-                  </a:solidFill>
-                  <a:ln w="57150">
-                    <a:solidFill>
-                      <a:schemeClr val="tx1"/>
-                    </a:solidFill>
-                  </a:ln>
-                </p:spPr>
-                <p:style>
-                  <a:lnRef idx="2">
-                    <a:schemeClr val="accent1">
-                      <a:shade val="50000"/>
-                    </a:schemeClr>
-                  </a:lnRef>
-                  <a:fillRef idx="1">
-                    <a:schemeClr val="accent1"/>
-                  </a:fillRef>
-                  <a:effectRef idx="0">
-                    <a:schemeClr val="accent1"/>
-                  </a:effectRef>
-                  <a:fontRef idx="minor">
-                    <a:schemeClr val="lt1"/>
-                  </a:fontRef>
-                </p:style>
-                <p:txBody>
-                  <a:bodyPr rtlCol="0" anchor="ctr"/>
-                  <a:lstStyle/>
-                  <a:p>
-                    <a:pPr algn="ctr"/>
-                    <a:endParaRPr lang="en-US" sz="1600"/>
-                  </a:p>
-                </p:txBody>
-              </p:sp>
-              <p:pic>
-                <p:nvPicPr>
-                  <p:cNvPr id="23" name="그림 22"/>
-                  <p:cNvPicPr>
-                    <a:picLocks noChangeAspect="1"/>
-                  </p:cNvPicPr>
-                  <p:nvPr/>
-                </p:nvPicPr>
-                <p:blipFill>
-                  <a:blip r:embed="rId2" cstate="print">
-                    <a:extLst>
-                      <a:ext uri="{28A0092B-C50C-407E-A947-70E740481C1C}">
-                        <a14:useLocalDpi xmlns:a14="http://schemas.microsoft.com/office/drawing/2010/main" val="0"/>
-                      </a:ext>
-                    </a:extLst>
-                  </a:blip>
-                  <a:stretch>
-                    <a:fillRect/>
-                  </a:stretch>
-                </p:blipFill>
-                <p:spPr>
-                  <a:xfrm>
-                    <a:off x="5162008" y="1830263"/>
-                    <a:ext cx="988599" cy="988599"/>
-                  </a:xfrm>
-                  <a:prstGeom prst="rect">
-                    <a:avLst/>
-                  </a:prstGeom>
-                </p:spPr>
-              </p:pic>
-            </p:grpSp>
-            <p:grpSp>
-              <p:nvGrpSpPr>
-                <p:cNvPr id="30" name="그룹 29"/>
-                <p:cNvGrpSpPr/>
-                <p:nvPr/>
-              </p:nvGrpSpPr>
-              <p:grpSpPr>
-                <a:xfrm>
-                  <a:off x="3386170" y="2299221"/>
-                  <a:ext cx="2600325" cy="1617421"/>
-                  <a:chOff x="3386170" y="2299221"/>
-                  <a:chExt cx="2600325" cy="1617421"/>
-                </a:xfrm>
-              </p:grpSpPr>
-              <p:sp>
-                <p:nvSpPr>
-                  <p:cNvPr id="17" name="직사각형 16"/>
-                  <p:cNvSpPr/>
-                  <p:nvPr/>
-                </p:nvSpPr>
-                <p:spPr>
-                  <a:xfrm>
-                    <a:off x="3386170" y="2299221"/>
-                    <a:ext cx="2600325" cy="1617421"/>
-                  </a:xfrm>
-                  <a:prstGeom prst="rect">
-                    <a:avLst/>
-                  </a:prstGeom>
-                  <a:solidFill>
-                    <a:schemeClr val="bg1">
-                      <a:lumMod val="65000"/>
-                    </a:schemeClr>
-                  </a:solidFill>
-                  <a:ln w="57150">
-                    <a:solidFill>
-                      <a:schemeClr val="tx1"/>
-                    </a:solidFill>
-                  </a:ln>
-                </p:spPr>
-                <p:style>
-                  <a:lnRef idx="2">
-                    <a:schemeClr val="accent1">
-                      <a:shade val="50000"/>
-                    </a:schemeClr>
-                  </a:lnRef>
-                  <a:fillRef idx="1">
-                    <a:schemeClr val="accent1"/>
-                  </a:fillRef>
-                  <a:effectRef idx="0">
-                    <a:schemeClr val="accent1"/>
-                  </a:effectRef>
-                  <a:fontRef idx="minor">
-                    <a:schemeClr val="lt1"/>
-                  </a:fontRef>
-                </p:style>
-                <p:txBody>
-                  <a:bodyPr rtlCol="0" anchor="ctr"/>
-                  <a:lstStyle/>
-                  <a:p>
-                    <a:pPr algn="ctr"/>
-                    <a:endParaRPr lang="en-US" sz="1600"/>
-                  </a:p>
-                </p:txBody>
-              </p:sp>
-              <p:pic>
-                <p:nvPicPr>
-                  <p:cNvPr id="27" name="그림 26"/>
-                  <p:cNvPicPr>
-                    <a:picLocks noChangeAspect="1"/>
-                  </p:cNvPicPr>
-                  <p:nvPr/>
-                </p:nvPicPr>
-                <p:blipFill>
-                  <a:blip r:embed="rId3" cstate="print">
-                    <a:extLst>
-                      <a:ext uri="{28A0092B-C50C-407E-A947-70E740481C1C}">
-                        <a14:useLocalDpi xmlns:a14="http://schemas.microsoft.com/office/drawing/2010/main" val="0"/>
-                      </a:ext>
-                    </a:extLst>
-                  </a:blip>
-                  <a:stretch>
-                    <a:fillRect/>
-                  </a:stretch>
-                </p:blipFill>
-                <p:spPr>
-                  <a:xfrm>
-                    <a:off x="4192033" y="2613632"/>
-                    <a:ext cx="988599" cy="988599"/>
-                  </a:xfrm>
-                  <a:prstGeom prst="rect">
-                    <a:avLst/>
-                  </a:prstGeom>
-                </p:spPr>
-              </p:pic>
-            </p:grpSp>
-            <p:grpSp>
-              <p:nvGrpSpPr>
-                <p:cNvPr id="31" name="그룹 30"/>
-                <p:cNvGrpSpPr/>
-                <p:nvPr/>
-              </p:nvGrpSpPr>
-              <p:grpSpPr>
-                <a:xfrm>
-                  <a:off x="2416197" y="3082590"/>
-                  <a:ext cx="2600325" cy="1617421"/>
-                  <a:chOff x="2416197" y="3082590"/>
-                  <a:chExt cx="2600325" cy="1617421"/>
-                </a:xfrm>
-              </p:grpSpPr>
-              <p:sp>
-                <p:nvSpPr>
-                  <p:cNvPr id="16" name="직사각형 15"/>
-                  <p:cNvSpPr/>
-                  <p:nvPr/>
-                </p:nvSpPr>
-                <p:spPr>
-                  <a:xfrm>
-                    <a:off x="2416197" y="3082590"/>
-                    <a:ext cx="2600325" cy="1617421"/>
-                  </a:xfrm>
-                  <a:prstGeom prst="rect">
-                    <a:avLst/>
-                  </a:prstGeom>
-                  <a:solidFill>
-                    <a:schemeClr val="bg1">
-                      <a:lumMod val="65000"/>
-                    </a:schemeClr>
-                  </a:solidFill>
-                  <a:ln w="57150">
-                    <a:solidFill>
-                      <a:schemeClr val="tx1"/>
-                    </a:solidFill>
-                  </a:ln>
-                </p:spPr>
-                <p:style>
-                  <a:lnRef idx="2">
-                    <a:schemeClr val="accent1">
-                      <a:shade val="50000"/>
-                    </a:schemeClr>
-                  </a:lnRef>
-                  <a:fillRef idx="1">
-                    <a:schemeClr val="accent1"/>
-                  </a:fillRef>
-                  <a:effectRef idx="0">
-                    <a:schemeClr val="accent1"/>
-                  </a:effectRef>
-                  <a:fontRef idx="minor">
-                    <a:schemeClr val="lt1"/>
-                  </a:fontRef>
-                </p:style>
-                <p:txBody>
-                  <a:bodyPr rtlCol="0" anchor="ctr"/>
-                  <a:lstStyle/>
-                  <a:p>
-                    <a:pPr algn="ctr"/>
-                    <a:endParaRPr lang="en-US" sz="1600"/>
-                  </a:p>
-                </p:txBody>
-              </p:sp>
-              <p:pic>
-                <p:nvPicPr>
-                  <p:cNvPr id="26" name="그림 25"/>
-                  <p:cNvPicPr>
-                    <a:picLocks noChangeAspect="1"/>
-                  </p:cNvPicPr>
-                  <p:nvPr/>
-                </p:nvPicPr>
-                <p:blipFill>
-                  <a:blip r:embed="rId3" cstate="print">
-                    <a:extLst>
-                      <a:ext uri="{28A0092B-C50C-407E-A947-70E740481C1C}">
-                        <a14:useLocalDpi xmlns:a14="http://schemas.microsoft.com/office/drawing/2010/main" val="0"/>
-                      </a:ext>
-                    </a:extLst>
-                  </a:blip>
-                  <a:stretch>
-                    <a:fillRect/>
-                  </a:stretch>
-                </p:blipFill>
-                <p:spPr>
-                  <a:xfrm>
-                    <a:off x="3222060" y="3397001"/>
-                    <a:ext cx="988599" cy="988599"/>
-                  </a:xfrm>
-                  <a:prstGeom prst="rect">
-                    <a:avLst/>
-                  </a:prstGeom>
-                </p:spPr>
-              </p:pic>
-            </p:grpSp>
-            <p:grpSp>
-              <p:nvGrpSpPr>
-                <p:cNvPr id="32" name="그룹 31"/>
-                <p:cNvGrpSpPr/>
-                <p:nvPr/>
-              </p:nvGrpSpPr>
-              <p:grpSpPr>
-                <a:xfrm>
-                  <a:off x="1446224" y="3865959"/>
-                  <a:ext cx="2600325" cy="1617421"/>
-                  <a:chOff x="1446224" y="3865959"/>
-                  <a:chExt cx="2600325" cy="1617421"/>
-                </a:xfrm>
-              </p:grpSpPr>
-              <p:sp>
-                <p:nvSpPr>
-                  <p:cNvPr id="15" name="직사각형 14"/>
-                  <p:cNvSpPr/>
-                  <p:nvPr/>
-                </p:nvSpPr>
-                <p:spPr>
-                  <a:xfrm>
-                    <a:off x="1446224" y="3865959"/>
-                    <a:ext cx="2600325" cy="1617421"/>
-                  </a:xfrm>
-                  <a:prstGeom prst="rect">
-                    <a:avLst/>
-                  </a:prstGeom>
-                  <a:solidFill>
-                    <a:schemeClr val="bg1">
-                      <a:lumMod val="65000"/>
-                    </a:schemeClr>
-                  </a:solidFill>
-                  <a:ln w="57150">
-                    <a:solidFill>
-                      <a:schemeClr val="tx1"/>
-                    </a:solidFill>
-                  </a:ln>
-                </p:spPr>
-                <p:style>
-                  <a:lnRef idx="2">
-                    <a:schemeClr val="accent1">
-                      <a:shade val="50000"/>
-                    </a:schemeClr>
-                  </a:lnRef>
-                  <a:fillRef idx="1">
-                    <a:schemeClr val="accent1"/>
-                  </a:fillRef>
-                  <a:effectRef idx="0">
-                    <a:schemeClr val="accent1"/>
-                  </a:effectRef>
-                  <a:fontRef idx="minor">
-                    <a:schemeClr val="lt1"/>
-                  </a:fontRef>
-                </p:style>
-                <p:txBody>
-                  <a:bodyPr rtlCol="0" anchor="ctr"/>
-                  <a:lstStyle/>
-                  <a:p>
-                    <a:pPr algn="ctr"/>
-                    <a:endParaRPr lang="en-US" sz="1600"/>
-                  </a:p>
-                </p:txBody>
-              </p:sp>
-              <p:pic>
-                <p:nvPicPr>
-                  <p:cNvPr id="24" name="그림 23"/>
-                  <p:cNvPicPr>
-                    <a:picLocks noChangeAspect="1"/>
-                  </p:cNvPicPr>
-                  <p:nvPr/>
-                </p:nvPicPr>
-                <p:blipFill>
-                  <a:blip r:embed="rId4" cstate="print">
-                    <a:extLst>
-                      <a:ext uri="{28A0092B-C50C-407E-A947-70E740481C1C}">
-                        <a14:useLocalDpi xmlns:a14="http://schemas.microsoft.com/office/drawing/2010/main" val="0"/>
-                      </a:ext>
-                    </a:extLst>
-                  </a:blip>
-                  <a:stretch>
-                    <a:fillRect/>
-                  </a:stretch>
-                </p:blipFill>
-                <p:spPr>
-                  <a:xfrm>
-                    <a:off x="2252087" y="4180370"/>
-                    <a:ext cx="988599" cy="988599"/>
-                  </a:xfrm>
-                  <a:prstGeom prst="rect">
-                    <a:avLst/>
-                  </a:prstGeom>
-                </p:spPr>
-              </p:pic>
-            </p:grpSp>
-            <p:cxnSp>
-              <p:nvCxnSpPr>
-                <p:cNvPr id="20" name="직선 화살표 연결선 19"/>
-                <p:cNvCxnSpPr/>
-                <p:nvPr/>
-              </p:nvCxnSpPr>
-              <p:spPr>
-                <a:xfrm flipV="1">
-                  <a:off x="3386170" y="3320716"/>
-                  <a:ext cx="3823152" cy="3234088"/>
-                </a:xfrm>
-                <a:prstGeom prst="straightConnector1">
+                <a:prstGeom prst="rect">
                   <a:avLst/>
                 </a:prstGeom>
-                <a:ln w="38100">
+                <a:solidFill>
+                  <a:schemeClr val="bg1">
+                    <a:lumMod val="65000"/>
+                  </a:schemeClr>
+                </a:solidFill>
+                <a:ln w="57150">
                   <a:solidFill>
                     <a:schemeClr val="tx1"/>
                   </a:solidFill>
-                  <a:tailEnd type="triangle"/>
                 </a:ln>
               </p:spPr>
               <p:style>
-                <a:lnRef idx="1">
-                  <a:schemeClr val="accent1"/>
+                <a:lnRef idx="2">
+                  <a:schemeClr val="accent1">
+                    <a:shade val="50000"/>
+                  </a:schemeClr>
                 </a:lnRef>
-                <a:fillRef idx="0">
+                <a:fillRef idx="1">
                   <a:schemeClr val="accent1"/>
                 </a:fillRef>
                 <a:effectRef idx="0">
                   <a:schemeClr val="accent1"/>
                 </a:effectRef>
                 <a:fontRef idx="minor">
-                  <a:schemeClr val="tx1"/>
+                  <a:schemeClr val="lt1"/>
                 </a:fontRef>
               </p:style>
-            </p:cxnSp>
+              <p:txBody>
+                <a:bodyPr rtlCol="0" anchor="ctr"/>
+                <a:lstStyle/>
+                <a:p>
+                  <a:pPr algn="ctr"/>
+                  <a:endParaRPr lang="en-US" sz="1600"/>
+                </a:p>
+              </p:txBody>
+            </p:sp>
+            <p:pic>
+              <p:nvPicPr>
+                <p:cNvPr id="23" name="그림 22"/>
+                <p:cNvPicPr>
+                  <a:picLocks noChangeAspect="1"/>
+                </p:cNvPicPr>
+                <p:nvPr/>
+              </p:nvPicPr>
+              <p:blipFill>
+                <a:blip r:embed="rId2" cstate="print">
+                  <a:extLst>
+                    <a:ext uri="{28A0092B-C50C-407E-A947-70E740481C1C}">
+                      <a14:useLocalDpi xmlns:a14="http://schemas.microsoft.com/office/drawing/2010/main" val="0"/>
+                    </a:ext>
+                  </a:extLst>
+                </a:blip>
+                <a:stretch>
+                  <a:fillRect/>
+                </a:stretch>
+              </p:blipFill>
+              <p:spPr>
+                <a:xfrm>
+                  <a:off x="5162008" y="1830263"/>
+                  <a:ext cx="988599" cy="988599"/>
+                </a:xfrm>
+                <a:prstGeom prst="rect">
+                  <a:avLst/>
+                </a:prstGeom>
+              </p:spPr>
+            </p:pic>
+          </p:grpSp>
+          <p:grpSp>
+            <p:nvGrpSpPr>
+              <p:cNvPr id="30" name="그룹 29"/>
+              <p:cNvGrpSpPr/>
+              <p:nvPr/>
+            </p:nvGrpSpPr>
+            <p:grpSpPr>
+              <a:xfrm>
+                <a:off x="3386170" y="2299221"/>
+                <a:ext cx="2600325" cy="1617421"/>
+                <a:chOff x="3386170" y="2299221"/>
+                <a:chExt cx="2600325" cy="1617421"/>
+              </a:xfrm>
+            </p:grpSpPr>
             <p:sp>
               <p:nvSpPr>
-                <p:cNvPr id="21" name="TextBox 20"/>
-                <p:cNvSpPr txBox="1"/>
+                <p:cNvPr id="17" name="직사각형 16"/>
+                <p:cNvSpPr/>
                 <p:nvPr/>
               </p:nvSpPr>
               <p:spPr>
                 <a:xfrm>
-                  <a:off x="5514857" y="4913620"/>
-                  <a:ext cx="943275" cy="396841"/>
+                  <a:off x="3386170" y="2299221"/>
+                  <a:ext cx="2600325" cy="1617421"/>
                 </a:xfrm>
                 <a:prstGeom prst="rect">
                   <a:avLst/>
                 </a:prstGeom>
-                <a:noFill/>
+                <a:solidFill>
+                  <a:schemeClr val="bg1">
+                    <a:lumMod val="65000"/>
+                  </a:schemeClr>
+                </a:solidFill>
+                <a:ln w="57150">
+                  <a:solidFill>
+                    <a:schemeClr val="tx1"/>
+                  </a:solidFill>
+                </a:ln>
               </p:spPr>
+              <p:style>
+                <a:lnRef idx="2">
+                  <a:schemeClr val="accent1">
+                    <a:shade val="50000"/>
+                  </a:schemeClr>
+                </a:lnRef>
+                <a:fillRef idx="1">
+                  <a:schemeClr val="accent1"/>
+                </a:fillRef>
+                <a:effectRef idx="0">
+                  <a:schemeClr val="accent1"/>
+                </a:effectRef>
+                <a:fontRef idx="minor">
+                  <a:schemeClr val="lt1"/>
+                </a:fontRef>
+              </p:style>
               <p:txBody>
-                <a:bodyPr wrap="square" rtlCol="0">
-                  <a:spAutoFit/>
-                </a:bodyPr>
+                <a:bodyPr rtlCol="0" anchor="ctr"/>
                 <a:lstStyle/>
                 <a:p>
-                  <a:r>
-                    <a:rPr lang="en-US" sz="1600" dirty="0" smtClean="0"/>
-                    <a:t>t</a:t>
-                  </a:r>
-                  <a:endParaRPr lang="en-US" sz="1600" dirty="0"/>
+                  <a:pPr algn="ctr"/>
+                  <a:endParaRPr lang="en-US" sz="1600"/>
                 </a:p>
               </p:txBody>
             </p:sp>
-            <p:grpSp>
-              <p:nvGrpSpPr>
-                <p:cNvPr id="33" name="그룹 32"/>
-                <p:cNvGrpSpPr/>
+            <p:pic>
+              <p:nvPicPr>
+                <p:cNvPr id="27" name="그림 26"/>
+                <p:cNvPicPr>
+                  <a:picLocks noChangeAspect="1"/>
+                </p:cNvPicPr>
                 <p:nvPr/>
-              </p:nvGrpSpPr>
-              <p:grpSpPr>
+              </p:nvPicPr>
+              <p:blipFill>
+                <a:blip r:embed="rId3" cstate="print">
+                  <a:extLst>
+                    <a:ext uri="{28A0092B-C50C-407E-A947-70E740481C1C}">
+                      <a14:useLocalDpi xmlns:a14="http://schemas.microsoft.com/office/drawing/2010/main" val="0"/>
+                    </a:ext>
+                  </a:extLst>
+                </a:blip>
+                <a:stretch>
+                  <a:fillRect/>
+                </a:stretch>
+              </p:blipFill>
+              <p:spPr>
                 <a:xfrm>
-                  <a:off x="476251" y="4649328"/>
+                  <a:off x="4192033" y="2613632"/>
+                  <a:ext cx="988599" cy="988599"/>
+                </a:xfrm>
+                <a:prstGeom prst="rect">
+                  <a:avLst/>
+                </a:prstGeom>
+              </p:spPr>
+            </p:pic>
+          </p:grpSp>
+          <p:grpSp>
+            <p:nvGrpSpPr>
+              <p:cNvPr id="31" name="그룹 30"/>
+              <p:cNvGrpSpPr/>
+              <p:nvPr/>
+            </p:nvGrpSpPr>
+            <p:grpSpPr>
+              <a:xfrm>
+                <a:off x="2416197" y="3082590"/>
+                <a:ext cx="2600325" cy="1617421"/>
+                <a:chOff x="2416197" y="3082590"/>
+                <a:chExt cx="2600325" cy="1617421"/>
+              </a:xfrm>
+            </p:grpSpPr>
+            <p:sp>
+              <p:nvSpPr>
+                <p:cNvPr id="16" name="직사각형 15"/>
+                <p:cNvSpPr/>
+                <p:nvPr/>
+              </p:nvSpPr>
+              <p:spPr>
+                <a:xfrm>
+                  <a:off x="2416197" y="3082590"/>
                   <a:ext cx="2600325" cy="1617421"/>
-                  <a:chOff x="476251" y="4649328"/>
-                  <a:chExt cx="2600325" cy="1617421"/>
                 </a:xfrm>
-              </p:grpSpPr>
-              <p:sp>
-                <p:nvSpPr>
-                  <p:cNvPr id="14" name="직사각형 13"/>
-                  <p:cNvSpPr/>
-                  <p:nvPr/>
-                </p:nvSpPr>
-                <p:spPr>
-                  <a:xfrm>
-                    <a:off x="476251" y="4649328"/>
-                    <a:ext cx="2600325" cy="1617421"/>
-                  </a:xfrm>
-                  <a:prstGeom prst="rect">
-                    <a:avLst/>
-                  </a:prstGeom>
+                <a:prstGeom prst="rect">
+                  <a:avLst/>
+                </a:prstGeom>
+                <a:solidFill>
+                  <a:schemeClr val="bg1">
+                    <a:lumMod val="65000"/>
+                  </a:schemeClr>
+                </a:solidFill>
+                <a:ln w="57150">
                   <a:solidFill>
-                    <a:schemeClr val="bg1">
-                      <a:lumMod val="65000"/>
-                    </a:schemeClr>
+                    <a:schemeClr val="tx1"/>
                   </a:solidFill>
-                  <a:ln w="57150">
-                    <a:solidFill>
-                      <a:schemeClr val="tx1"/>
-                    </a:solidFill>
-                  </a:ln>
-                </p:spPr>
-                <p:style>
-                  <a:lnRef idx="2">
-                    <a:schemeClr val="accent1">
-                      <a:shade val="50000"/>
-                    </a:schemeClr>
-                  </a:lnRef>
-                  <a:fillRef idx="1">
-                    <a:schemeClr val="accent1"/>
-                  </a:fillRef>
-                  <a:effectRef idx="0">
-                    <a:schemeClr val="accent1"/>
-                  </a:effectRef>
-                  <a:fontRef idx="minor">
-                    <a:schemeClr val="lt1"/>
-                  </a:fontRef>
-                </p:style>
-                <p:txBody>
-                  <a:bodyPr rtlCol="0" anchor="ctr"/>
-                  <a:lstStyle/>
-                  <a:p>
-                    <a:pPr algn="ctr"/>
-                    <a:endParaRPr lang="en-US" sz="1600"/>
-                  </a:p>
-                </p:txBody>
-              </p:sp>
-              <p:pic>
-                <p:nvPicPr>
-                  <p:cNvPr id="25" name="그림 24"/>
-                  <p:cNvPicPr>
-                    <a:picLocks noChangeAspect="1"/>
-                  </p:cNvPicPr>
-                  <p:nvPr/>
-                </p:nvPicPr>
-                <p:blipFill>
-                  <a:blip r:embed="rId3" cstate="print">
-                    <a:extLst>
-                      <a:ext uri="{28A0092B-C50C-407E-A947-70E740481C1C}">
-                        <a14:useLocalDpi xmlns:a14="http://schemas.microsoft.com/office/drawing/2010/main" val="0"/>
-                      </a:ext>
-                    </a:extLst>
-                  </a:blip>
-                  <a:stretch>
-                    <a:fillRect/>
-                  </a:stretch>
-                </p:blipFill>
-                <p:spPr>
-                  <a:xfrm>
-                    <a:off x="1282114" y="4963739"/>
-                    <a:ext cx="988599" cy="988599"/>
-                  </a:xfrm>
-                  <a:prstGeom prst="rect">
-                    <a:avLst/>
-                  </a:prstGeom>
-                </p:spPr>
-              </p:pic>
-            </p:grpSp>
+                </a:ln>
+              </p:spPr>
+              <p:style>
+                <a:lnRef idx="2">
+                  <a:schemeClr val="accent1">
+                    <a:shade val="50000"/>
+                  </a:schemeClr>
+                </a:lnRef>
+                <a:fillRef idx="1">
+                  <a:schemeClr val="accent1"/>
+                </a:fillRef>
+                <a:effectRef idx="0">
+                  <a:schemeClr val="accent1"/>
+                </a:effectRef>
+                <a:fontRef idx="minor">
+                  <a:schemeClr val="lt1"/>
+                </a:fontRef>
+              </p:style>
+              <p:txBody>
+                <a:bodyPr rtlCol="0" anchor="ctr"/>
+                <a:lstStyle/>
+                <a:p>
+                  <a:pPr algn="ctr"/>
+                  <a:endParaRPr lang="en-US" sz="1600"/>
+                </a:p>
+              </p:txBody>
+            </p:sp>
+            <p:pic>
+              <p:nvPicPr>
+                <p:cNvPr id="26" name="그림 25"/>
+                <p:cNvPicPr>
+                  <a:picLocks noChangeAspect="1"/>
+                </p:cNvPicPr>
+                <p:nvPr/>
+              </p:nvPicPr>
+              <p:blipFill>
+                <a:blip r:embed="rId3" cstate="print">
+                  <a:extLst>
+                    <a:ext uri="{28A0092B-C50C-407E-A947-70E740481C1C}">
+                      <a14:useLocalDpi xmlns:a14="http://schemas.microsoft.com/office/drawing/2010/main" val="0"/>
+                    </a:ext>
+                  </a:extLst>
+                </a:blip>
+                <a:stretch>
+                  <a:fillRect/>
+                </a:stretch>
+              </p:blipFill>
+              <p:spPr>
+                <a:xfrm>
+                  <a:off x="3222060" y="3397001"/>
+                  <a:ext cx="988599" cy="988599"/>
+                </a:xfrm>
+                <a:prstGeom prst="rect">
+                  <a:avLst/>
+                </a:prstGeom>
+              </p:spPr>
+            </p:pic>
           </p:grpSp>
-          <p:sp>
-            <p:nvSpPr>
-              <p:cNvPr id="36" name="TextBox 35"/>
-              <p:cNvSpPr txBox="1"/>
+          <p:grpSp>
+            <p:nvGrpSpPr>
+              <p:cNvPr id="32" name="그룹 31"/>
+              <p:cNvGrpSpPr/>
               <p:nvPr/>
-            </p:nvSpPr>
-            <p:spPr>
+            </p:nvGrpSpPr>
+            <p:grpSpPr>
               <a:xfrm>
-                <a:off x="741048" y="3344876"/>
-                <a:ext cx="1356058" cy="374717"/>
+                <a:off x="1446224" y="3865959"/>
+                <a:ext cx="2600325" cy="1617421"/>
+                <a:chOff x="1446224" y="3865959"/>
+                <a:chExt cx="2600325" cy="1617421"/>
               </a:xfrm>
-              <a:prstGeom prst="rect">
-                <a:avLst/>
-              </a:prstGeom>
-              <a:noFill/>
-            </p:spPr>
-            <p:txBody>
-              <a:bodyPr wrap="square" rtlCol="0">
-                <a:spAutoFit/>
-              </a:bodyPr>
-              <a:lstStyle/>
-              <a:p>
-                <a:pPr algn="r"/>
-                <a:r>
-                  <a:rPr lang="en-US" sz="1600" b="1" dirty="0" smtClean="0"/>
-                  <a:t>cue frame</a:t>
-                </a:r>
-                <a:endParaRPr lang="en-US" sz="1600" b="1" dirty="0"/>
-              </a:p>
-            </p:txBody>
-          </p:sp>
-          <p:sp>
-            <p:nvSpPr>
-              <p:cNvPr id="37" name="TextBox 36"/>
-              <p:cNvSpPr txBox="1"/>
-              <p:nvPr/>
-            </p:nvSpPr>
-            <p:spPr>
-              <a:xfrm>
-                <a:off x="3310563" y="1123900"/>
-                <a:ext cx="1539456" cy="374717"/>
-              </a:xfrm>
-              <a:prstGeom prst="rect">
-                <a:avLst/>
-              </a:prstGeom>
-              <a:noFill/>
-            </p:spPr>
-            <p:txBody>
-              <a:bodyPr wrap="square" rtlCol="0">
-                <a:spAutoFit/>
-              </a:bodyPr>
-              <a:lstStyle/>
-              <a:p>
-                <a:pPr algn="r"/>
-                <a:r>
-                  <a:rPr lang="en-US" sz="1600" b="1" dirty="0" smtClean="0"/>
-                  <a:t>probe frame</a:t>
-                </a:r>
-                <a:endParaRPr lang="en-US" sz="1600" b="1" dirty="0"/>
-              </a:p>
-            </p:txBody>
-          </p:sp>
-        </p:grpSp>
-        <p:grpSp>
-          <p:nvGrpSpPr>
-            <p:cNvPr id="43" name="그룹 42"/>
-            <p:cNvGrpSpPr/>
-            <p:nvPr/>
-          </p:nvGrpSpPr>
-          <p:grpSpPr>
-            <a:xfrm>
-              <a:off x="1240767" y="2134598"/>
-              <a:ext cx="1431230" cy="810025"/>
-              <a:chOff x="1342046" y="1981385"/>
-              <a:chExt cx="1686184" cy="954320"/>
-            </a:xfrm>
-          </p:grpSpPr>
+            </p:grpSpPr>
+            <p:sp>
+              <p:nvSpPr>
+                <p:cNvPr id="15" name="직사각형 14"/>
+                <p:cNvSpPr/>
+                <p:nvPr/>
+              </p:nvSpPr>
+              <p:spPr>
+                <a:xfrm>
+                  <a:off x="1446224" y="3865959"/>
+                  <a:ext cx="2600325" cy="1617421"/>
+                </a:xfrm>
+                <a:prstGeom prst="rect">
+                  <a:avLst/>
+                </a:prstGeom>
+                <a:solidFill>
+                  <a:schemeClr val="bg1">
+                    <a:lumMod val="65000"/>
+                  </a:schemeClr>
+                </a:solidFill>
+                <a:ln w="57150">
+                  <a:solidFill>
+                    <a:schemeClr val="tx1"/>
+                  </a:solidFill>
+                </a:ln>
+              </p:spPr>
+              <p:style>
+                <a:lnRef idx="2">
+                  <a:schemeClr val="accent1">
+                    <a:shade val="50000"/>
+                  </a:schemeClr>
+                </a:lnRef>
+                <a:fillRef idx="1">
+                  <a:schemeClr val="accent1"/>
+                </a:fillRef>
+                <a:effectRef idx="0">
+                  <a:schemeClr val="accent1"/>
+                </a:effectRef>
+                <a:fontRef idx="minor">
+                  <a:schemeClr val="lt1"/>
+                </a:fontRef>
+              </p:style>
+              <p:txBody>
+                <a:bodyPr rtlCol="0" anchor="ctr"/>
+                <a:lstStyle/>
+                <a:p>
+                  <a:pPr algn="ctr"/>
+                  <a:endParaRPr lang="en-US" sz="1600"/>
+                </a:p>
+              </p:txBody>
+            </p:sp>
+            <p:pic>
+              <p:nvPicPr>
+                <p:cNvPr id="24" name="그림 23"/>
+                <p:cNvPicPr>
+                  <a:picLocks noChangeAspect="1"/>
+                </p:cNvPicPr>
+                <p:nvPr/>
+              </p:nvPicPr>
+              <p:blipFill>
+                <a:blip r:embed="rId4" cstate="print">
+                  <a:extLst>
+                    <a:ext uri="{28A0092B-C50C-407E-A947-70E740481C1C}">
+                      <a14:useLocalDpi xmlns:a14="http://schemas.microsoft.com/office/drawing/2010/main" val="0"/>
+                    </a:ext>
+                  </a:extLst>
+                </a:blip>
+                <a:stretch>
+                  <a:fillRect/>
+                </a:stretch>
+              </p:blipFill>
+              <p:spPr>
+                <a:xfrm>
+                  <a:off x="2252087" y="4180370"/>
+                  <a:ext cx="988599" cy="988599"/>
+                </a:xfrm>
+                <a:prstGeom prst="rect">
+                  <a:avLst/>
+                </a:prstGeom>
+              </p:spPr>
+            </p:pic>
+          </p:grpSp>
           <p:cxnSp>
             <p:nvCxnSpPr>
-              <p:cNvPr id="41" name="직선 화살표 연결선 40"/>
+              <p:cNvPr id="20" name="직선 화살표 연결선 19"/>
               <p:cNvCxnSpPr/>
               <p:nvPr/>
             </p:nvCxnSpPr>
             <p:spPr>
               <a:xfrm flipV="1">
-                <a:off x="2086075" y="2156059"/>
-                <a:ext cx="942155" cy="779646"/>
+                <a:off x="3386170" y="3320716"/>
+                <a:ext cx="3823152" cy="3234088"/>
               </a:xfrm>
               <a:prstGeom prst="straightConnector1">
                 <a:avLst/>
               </a:prstGeom>
-              <a:ln w="19050">
+              <a:ln w="38100">
                 <a:solidFill>
                   <a:schemeClr val="tx1"/>
                 </a:solidFill>
@@ -3965,14 +5826,14 @@
           </p:cxnSp>
           <p:sp>
             <p:nvSpPr>
-              <p:cNvPr id="42" name="TextBox 41"/>
+              <p:cNvPr id="21" name="TextBox 20"/>
               <p:cNvSpPr txBox="1"/>
               <p:nvPr/>
             </p:nvSpPr>
             <p:spPr>
               <a:xfrm>
-                <a:off x="1342046" y="1981385"/>
-                <a:ext cx="1215106" cy="688945"/>
+                <a:off x="5514857" y="4913620"/>
+                <a:ext cx="943275" cy="396841"/>
               </a:xfrm>
               <a:prstGeom prst="rect">
                 <a:avLst/>
@@ -3985,16 +5846,169 @@
               </a:bodyPr>
               <a:lstStyle/>
               <a:p>
-                <a:pPr algn="r"/>
                 <a:r>
-                  <a:rPr lang="en-US" sz="1600" dirty="0" smtClean="0"/>
-                  <a:t>2,4,6, or 8 frames</a:t>
+                  <a:rPr lang="en-US" sz="1600" dirty="0"/>
+                  <a:t>t</a:t>
                 </a:r>
-                <a:endParaRPr lang="en-US" sz="1600" dirty="0"/>
               </a:p>
             </p:txBody>
           </p:sp>
+          <p:grpSp>
+            <p:nvGrpSpPr>
+              <p:cNvPr id="33" name="그룹 32"/>
+              <p:cNvGrpSpPr/>
+              <p:nvPr/>
+            </p:nvGrpSpPr>
+            <p:grpSpPr>
+              <a:xfrm>
+                <a:off x="476251" y="4649328"/>
+                <a:ext cx="2600325" cy="1617421"/>
+                <a:chOff x="476251" y="4649328"/>
+                <a:chExt cx="2600325" cy="1617421"/>
+              </a:xfrm>
+            </p:grpSpPr>
+            <p:sp>
+              <p:nvSpPr>
+                <p:cNvPr id="14" name="직사각형 13"/>
+                <p:cNvSpPr/>
+                <p:nvPr/>
+              </p:nvSpPr>
+              <p:spPr>
+                <a:xfrm>
+                  <a:off x="476251" y="4649328"/>
+                  <a:ext cx="2600325" cy="1617421"/>
+                </a:xfrm>
+                <a:prstGeom prst="rect">
+                  <a:avLst/>
+                </a:prstGeom>
+                <a:solidFill>
+                  <a:schemeClr val="bg1">
+                    <a:lumMod val="65000"/>
+                  </a:schemeClr>
+                </a:solidFill>
+                <a:ln w="57150">
+                  <a:solidFill>
+                    <a:schemeClr val="tx1"/>
+                  </a:solidFill>
+                </a:ln>
+              </p:spPr>
+              <p:style>
+                <a:lnRef idx="2">
+                  <a:schemeClr val="accent1">
+                    <a:shade val="50000"/>
+                  </a:schemeClr>
+                </a:lnRef>
+                <a:fillRef idx="1">
+                  <a:schemeClr val="accent1"/>
+                </a:fillRef>
+                <a:effectRef idx="0">
+                  <a:schemeClr val="accent1"/>
+                </a:effectRef>
+                <a:fontRef idx="minor">
+                  <a:schemeClr val="lt1"/>
+                </a:fontRef>
+              </p:style>
+              <p:txBody>
+                <a:bodyPr rtlCol="0" anchor="ctr"/>
+                <a:lstStyle/>
+                <a:p>
+                  <a:pPr algn="ctr"/>
+                  <a:endParaRPr lang="en-US" sz="1600"/>
+                </a:p>
+              </p:txBody>
+            </p:sp>
+            <p:pic>
+              <p:nvPicPr>
+                <p:cNvPr id="25" name="그림 24"/>
+                <p:cNvPicPr>
+                  <a:picLocks noChangeAspect="1"/>
+                </p:cNvPicPr>
+                <p:nvPr/>
+              </p:nvPicPr>
+              <p:blipFill>
+                <a:blip r:embed="rId3" cstate="print">
+                  <a:extLst>
+                    <a:ext uri="{28A0092B-C50C-407E-A947-70E740481C1C}">
+                      <a14:useLocalDpi xmlns:a14="http://schemas.microsoft.com/office/drawing/2010/main" val="0"/>
+                    </a:ext>
+                  </a:extLst>
+                </a:blip>
+                <a:stretch>
+                  <a:fillRect/>
+                </a:stretch>
+              </p:blipFill>
+              <p:spPr>
+                <a:xfrm>
+                  <a:off x="1282114" y="4963739"/>
+                  <a:ext cx="988599" cy="988599"/>
+                </a:xfrm>
+                <a:prstGeom prst="rect">
+                  <a:avLst/>
+                </a:prstGeom>
+              </p:spPr>
+            </p:pic>
+          </p:grpSp>
         </p:grpSp>
+        <p:sp>
+          <p:nvSpPr>
+            <p:cNvPr id="36" name="TextBox 35"/>
+            <p:cNvSpPr txBox="1"/>
+            <p:nvPr/>
+          </p:nvSpPr>
+          <p:spPr>
+            <a:xfrm>
+              <a:off x="741048" y="3344876"/>
+              <a:ext cx="1356058" cy="374717"/>
+            </a:xfrm>
+            <a:prstGeom prst="rect">
+              <a:avLst/>
+            </a:prstGeom>
+            <a:noFill/>
+          </p:spPr>
+          <p:txBody>
+            <a:bodyPr wrap="square" rtlCol="0">
+              <a:spAutoFit/>
+            </a:bodyPr>
+            <a:lstStyle/>
+            <a:p>
+              <a:pPr algn="r"/>
+              <a:r>
+                <a:rPr lang="en-US" sz="1600" b="1" dirty="0"/>
+                <a:t>cue frame</a:t>
+              </a:r>
+            </a:p>
+          </p:txBody>
+        </p:sp>
+        <p:sp>
+          <p:nvSpPr>
+            <p:cNvPr id="37" name="TextBox 36"/>
+            <p:cNvSpPr txBox="1"/>
+            <p:nvPr/>
+          </p:nvSpPr>
+          <p:spPr>
+            <a:xfrm>
+              <a:off x="3310563" y="1123900"/>
+              <a:ext cx="1539456" cy="374717"/>
+            </a:xfrm>
+            <a:prstGeom prst="rect">
+              <a:avLst/>
+            </a:prstGeom>
+            <a:noFill/>
+          </p:spPr>
+          <p:txBody>
+            <a:bodyPr wrap="square" rtlCol="0">
+              <a:spAutoFit/>
+            </a:bodyPr>
+            <a:lstStyle/>
+            <a:p>
+              <a:pPr algn="r"/>
+              <a:r>
+                <a:rPr lang="en-US" sz="1600" b="1" dirty="0"/>
+                <a:t>probe frame</a:t>
+              </a:r>
+            </a:p>
+          </p:txBody>
+        </p:sp>
       </p:grpSp>
       <p:sp>
         <p:nvSpPr>
@@ -4020,10 +6034,9 @@
           <a:p>
             <a:pPr algn="r"/>
             <a:r>
-              <a:rPr lang="en-US" dirty="0" smtClean="0"/>
+              <a:rPr lang="en-US" dirty="0"/>
               <a:t>Continue … </a:t>
             </a:r>
-            <a:endParaRPr lang="en-US" dirty="0"/>
           </a:p>
         </p:txBody>
       </p:sp>
@@ -4040,7 +6053,7 @@
 </p:sld>
 </file>
 
-<file path=ppt/slides/slide2.xml><?xml version="1.0" encoding="utf-8"?>
+<file path=ppt/slides/slide3.xml><?xml version="1.0" encoding="utf-8"?>
 <p:sld xmlns:a="http://schemas.openxmlformats.org/drawingml/2006/main" xmlns:r="http://schemas.openxmlformats.org/officeDocument/2006/relationships" xmlns:p="http://schemas.openxmlformats.org/presentationml/2006/main">
   <p:cSld>
     <p:spTree>
@@ -4177,7 +6190,7 @@
               <a:buChar char="-"/>
             </a:pPr>
             <a:r>
-              <a:rPr lang="en-US" dirty="0" smtClean="0"/>
+              <a:rPr lang="en-US" dirty="0"/>
               <a:t>There are three possible positions for the tilted bars (red circles)</a:t>
             </a:r>
           </a:p>
@@ -4190,32 +6203,24 @@
               <a:buChar char="-"/>
             </a:pPr>
             <a:r>
-              <a:rPr lang="en-US" dirty="0" smtClean="0"/>
+              <a:rPr lang="en-US" dirty="0"/>
               <a:t>In the cue frame, the target bar (15</a:t>
             </a:r>
             <a:r>
-              <a:rPr lang="en-US" baseline="30000" dirty="0" smtClean="0"/>
+              <a:rPr lang="en-US" baseline="30000" dirty="0"/>
               <a:t>◦</a:t>
             </a:r>
             <a:r>
-              <a:rPr lang="en-US" dirty="0" smtClean="0"/>
+              <a:rPr lang="en-US" dirty="0"/>
               <a:t>) and the distractor bar (45</a:t>
             </a:r>
             <a:r>
-              <a:rPr lang="en-US" baseline="30000" dirty="0" smtClean="0"/>
+              <a:rPr lang="en-US" baseline="30000" dirty="0"/>
               <a:t>◦</a:t>
             </a:r>
             <a:r>
-              <a:rPr lang="en-US" dirty="0" smtClean="0"/>
-              <a:t>) are presented in the </a:t>
-            </a:r>
-            <a:r>
-              <a:rPr lang="en-US" dirty="0" smtClean="0"/>
-              <a:t>two different </a:t>
-            </a:r>
-            <a:r>
-              <a:rPr lang="en-US" dirty="0" smtClean="0"/>
-              <a:t>positions</a:t>
+              <a:rPr lang="en-US" dirty="0"/>
+              <a:t>) are presented in the two different positions</a:t>
             </a:r>
           </a:p>
           <a:p>
@@ -4227,18 +6232,17 @@
               <a:buChar char="-"/>
             </a:pPr>
             <a:r>
-              <a:rPr lang="en-US" dirty="0" smtClean="0"/>
+              <a:rPr lang="en-US" dirty="0"/>
               <a:t>In the probe frame, the target bar (15</a:t>
             </a:r>
             <a:r>
-              <a:rPr lang="en-US" baseline="30000" dirty="0" smtClean="0"/>
+              <a:rPr lang="en-US" baseline="30000" dirty="0"/>
               <a:t>◦</a:t>
             </a:r>
             <a:r>
-              <a:rPr lang="en-US" dirty="0" smtClean="0"/>
+              <a:rPr lang="en-US" dirty="0"/>
               <a:t>) can be presented in any of three positions, therefore, it will be in the same position as cue-target position, cue-distractor position, or the third position</a:t>
             </a:r>
-            <a:endParaRPr lang="en-US" dirty="0"/>
           </a:p>
         </p:txBody>
       </p:sp>
@@ -4403,10 +6407,9 @@
           <a:lstStyle/>
           <a:p>
             <a:r>
-              <a:rPr lang="en-US" dirty="0" smtClean="0"/>
+              <a:rPr lang="en-US" dirty="0"/>
               <a:t>ex. Cue frame and Probe frames</a:t>
             </a:r>
-            <a:endParaRPr lang="en-US" dirty="0"/>
           </a:p>
         </p:txBody>
       </p:sp>
@@ -4507,7 +6510,7 @@
             <a:lstStyle/>
             <a:p>
               <a:r>
-                <a:rPr lang="en-US" sz="1400" b="1" dirty="0" smtClean="0">
+                <a:rPr lang="en-US" sz="1400" b="1" dirty="0">
                   <a:solidFill>
                     <a:srgbClr val="FF0000"/>
                   </a:solidFill>
@@ -4515,7 +6518,7 @@
                 <a:t>Target </a:t>
               </a:r>
               <a:r>
-                <a:rPr lang="en-US" sz="1400" b="1" dirty="0" smtClean="0">
+                <a:rPr lang="en-US" sz="1400" b="1" dirty="0">
                   <a:solidFill>
                     <a:srgbClr val="FF0000"/>
                   </a:solidFill>
@@ -4554,7 +6557,7 @@
             <a:lstStyle/>
             <a:p>
               <a:r>
-                <a:rPr lang="en-US" sz="1400" b="1" dirty="0" smtClean="0">
+                <a:rPr lang="en-US" sz="1400" b="1" dirty="0">
                   <a:solidFill>
                     <a:srgbClr val="FF0000"/>
                   </a:solidFill>
@@ -4563,18 +6566,13 @@
                 <a:t> </a:t>
               </a:r>
               <a:r>
-                <a:rPr lang="en-US" sz="1400" b="1" dirty="0" smtClean="0">
+                <a:rPr lang="en-US" sz="1400" b="1" dirty="0">
                   <a:solidFill>
                     <a:srgbClr val="FF0000"/>
                   </a:solidFill>
                 </a:rPr>
                 <a:t>distractor</a:t>
               </a:r>
-              <a:endParaRPr lang="en-US" sz="1400" b="1" dirty="0">
-                <a:solidFill>
-                  <a:srgbClr val="FF0000"/>
-                </a:solidFill>
-              </a:endParaRPr>
             </a:p>
           </p:txBody>
         </p:sp>
@@ -4602,10 +6600,9 @@
           <a:lstStyle/>
           <a:p>
             <a:r>
-              <a:rPr lang="en-US" sz="1600" b="1" u="sng" dirty="0" smtClean="0"/>
+              <a:rPr lang="en-US" sz="1600" b="1" u="sng" dirty="0"/>
               <a:t>Cue frame</a:t>
             </a:r>
-            <a:endParaRPr lang="en-US" sz="1600" b="1" u="sng" dirty="0"/>
           </a:p>
         </p:txBody>
       </p:sp>
@@ -4633,10 +6630,9 @@
           <a:p>
             <a:pPr algn="ctr"/>
             <a:r>
-              <a:rPr lang="en-US" sz="1600" b="1" u="sng" dirty="0" smtClean="0"/>
+              <a:rPr lang="en-US" sz="1600" b="1" u="sng" dirty="0"/>
               <a:t>Probe frame</a:t>
             </a:r>
-            <a:endParaRPr lang="en-US" sz="1600" b="1" u="sng" dirty="0"/>
           </a:p>
         </p:txBody>
       </p:sp>
@@ -4664,10 +6660,9 @@
           <a:p>
             <a:pPr algn="ctr"/>
             <a:r>
-              <a:rPr lang="en-US" sz="1600" b="1" dirty="0" smtClean="0"/>
+              <a:rPr lang="en-US" sz="1600" b="1" dirty="0"/>
               <a:t>or</a:t>
             </a:r>
-            <a:endParaRPr lang="en-US" sz="1600" b="1" dirty="0"/>
           </a:p>
         </p:txBody>
       </p:sp>
@@ -4695,10 +6690,9 @@
           <a:p>
             <a:pPr algn="ctr"/>
             <a:r>
-              <a:rPr lang="en-US" sz="1600" b="1" dirty="0" smtClean="0"/>
+              <a:rPr lang="en-US" sz="1600" b="1" dirty="0"/>
               <a:t>or</a:t>
             </a:r>
-            <a:endParaRPr lang="en-US" sz="1600" b="1" dirty="0"/>
           </a:p>
         </p:txBody>
       </p:sp>
@@ -4732,7 +6726,7 @@
               <a:buChar char="-"/>
             </a:pPr>
             <a:r>
-              <a:rPr lang="en-US" dirty="0" smtClean="0"/>
+              <a:rPr lang="en-US" dirty="0"/>
               <a:t>But the target positions are not important, your task is to detect whether target bars in cue and probe frames are tilted in a same direction or not</a:t>
             </a:r>
           </a:p>
@@ -4742,7 +6736,7 @@
               <a:buChar char="-"/>
             </a:pPr>
             <a:r>
-              <a:rPr lang="en-US" dirty="0" smtClean="0"/>
+              <a:rPr lang="en-US" dirty="0"/>
               <a:t>If both are tilted in a same direction (both clockwise or counter-clockwise) press the left button, the right button for the different directions</a:t>
             </a:r>
           </a:p>
@@ -4775,10 +6769,9 @@
           <a:p>
             <a:pPr algn="ctr"/>
             <a:r>
-              <a:rPr lang="en-US" sz="1400" dirty="0" smtClean="0"/>
+              <a:rPr lang="en-US" sz="1400" dirty="0"/>
               <a:t>Same position as cue-target</a:t>
             </a:r>
-            <a:endParaRPr lang="en-US" sz="1400" dirty="0"/>
           </a:p>
         </p:txBody>
       </p:sp>
@@ -4806,10 +6799,9 @@
           <a:p>
             <a:pPr algn="ctr"/>
             <a:r>
-              <a:rPr lang="en-US" sz="1400" dirty="0" smtClean="0"/>
+              <a:rPr lang="en-US" sz="1400" dirty="0"/>
               <a:t>Same position as cue-distractor</a:t>
             </a:r>
-            <a:endParaRPr lang="en-US" sz="1400" dirty="0"/>
           </a:p>
         </p:txBody>
       </p:sp>
@@ -4837,10 +6829,9 @@
           <a:p>
             <a:pPr algn="ctr"/>
             <a:r>
-              <a:rPr lang="en-US" sz="1400" dirty="0" smtClean="0"/>
+              <a:rPr lang="en-US" sz="1400" dirty="0"/>
               <a:t>The third position</a:t>
             </a:r>
-            <a:endParaRPr lang="en-US" sz="1400" dirty="0"/>
           </a:p>
         </p:txBody>
       </p:sp>
@@ -4867,7 +6858,7 @@
           <a:lstStyle/>
           <a:p>
             <a:r>
-              <a:rPr lang="en-US" sz="1400" b="1" dirty="0" smtClean="0">
+              <a:rPr lang="en-US" sz="1400" b="1" dirty="0">
                 <a:solidFill>
                   <a:srgbClr val="FF0000"/>
                 </a:solidFill>
@@ -4875,7 +6866,7 @@
               <a:t>Target </a:t>
             </a:r>
             <a:r>
-              <a:rPr lang="en-US" sz="1400" b="1" dirty="0" smtClean="0">
+              <a:rPr lang="en-US" sz="1400" b="1" dirty="0">
                 <a:solidFill>
                   <a:srgbClr val="FF0000"/>
                 </a:solidFill>
@@ -4914,7 +6905,7 @@
           <a:lstStyle/>
           <a:p>
             <a:r>
-              <a:rPr lang="en-US" sz="1400" b="1" dirty="0" smtClean="0">
+              <a:rPr lang="en-US" sz="1400" b="1" dirty="0">
                 <a:solidFill>
                   <a:srgbClr val="FF0000"/>
                 </a:solidFill>
@@ -4922,7 +6913,7 @@
               <a:t>Target </a:t>
             </a:r>
             <a:r>
-              <a:rPr lang="en-US" sz="1400" b="1" dirty="0" smtClean="0">
+              <a:rPr lang="en-US" sz="1400" b="1" dirty="0">
                 <a:solidFill>
                   <a:srgbClr val="FF0000"/>
                 </a:solidFill>
@@ -4961,7 +6952,7 @@
           <a:lstStyle/>
           <a:p>
             <a:r>
-              <a:rPr lang="en-US" sz="1400" b="1" dirty="0" smtClean="0">
+              <a:rPr lang="en-US" sz="1400" b="1" dirty="0">
                 <a:solidFill>
                   <a:srgbClr val="FF0000"/>
                 </a:solidFill>
@@ -4970,18 +6961,13 @@
               <a:t> </a:t>
             </a:r>
             <a:r>
-              <a:rPr lang="en-US" sz="1400" b="1" dirty="0" smtClean="0">
+              <a:rPr lang="en-US" sz="1400" b="1" dirty="0">
                 <a:solidFill>
                   <a:srgbClr val="FF0000"/>
                 </a:solidFill>
               </a:rPr>
               <a:t>Target</a:t>
             </a:r>
-            <a:endParaRPr lang="en-US" sz="1400" b="1" dirty="0">
-              <a:solidFill>
-                <a:srgbClr val="FF0000"/>
-              </a:solidFill>
-            </a:endParaRPr>
           </a:p>
         </p:txBody>
       </p:sp>
@@ -5136,10 +7122,9 @@
           <a:lstStyle/>
           <a:p>
             <a:r>
-              <a:rPr lang="en-US" dirty="0" smtClean="0"/>
+              <a:rPr lang="en-US" dirty="0"/>
               <a:t>Same direction: left button (arrow)</a:t>
             </a:r>
-            <a:endParaRPr lang="en-US" dirty="0"/>
           </a:p>
         </p:txBody>
       </p:sp>
@@ -5294,10 +7279,9 @@
           <a:lstStyle/>
           <a:p>
             <a:r>
-              <a:rPr lang="en-US" dirty="0" smtClean="0"/>
+              <a:rPr lang="en-US" dirty="0"/>
               <a:t>Different direction: right button (arrow)</a:t>
             </a:r>
-            <a:endParaRPr lang="en-US" dirty="0"/>
           </a:p>
         </p:txBody>
       </p:sp>
@@ -5324,10 +7308,9 @@
           <a:lstStyle/>
           <a:p>
             <a:r>
-              <a:rPr lang="en-US" sz="1600" b="1" u="sng" dirty="0" smtClean="0"/>
+              <a:rPr lang="en-US" sz="1600" b="1" u="sng" dirty="0"/>
               <a:t>Cue frame</a:t>
             </a:r>
-            <a:endParaRPr lang="en-US" sz="1600" b="1" u="sng" dirty="0"/>
           </a:p>
         </p:txBody>
       </p:sp>
@@ -5355,10 +7338,9 @@
           <a:p>
             <a:pPr algn="ctr"/>
             <a:r>
-              <a:rPr lang="en-US" sz="1600" b="1" u="sng" dirty="0" smtClean="0"/>
+              <a:rPr lang="en-US" sz="1600" b="1" u="sng" dirty="0"/>
               <a:t>Probe frame</a:t>
             </a:r>
-            <a:endParaRPr lang="en-US" sz="1600" b="1" u="sng" dirty="0"/>
           </a:p>
         </p:txBody>
       </p:sp>
@@ -5385,10 +7367,9 @@
           <a:lstStyle/>
           <a:p>
             <a:r>
-              <a:rPr lang="en-US" sz="1600" b="1" u="sng" dirty="0" smtClean="0"/>
+              <a:rPr lang="en-US" sz="1600" b="1" u="sng" dirty="0"/>
               <a:t>Cue frame</a:t>
             </a:r>
-            <a:endParaRPr lang="en-US" sz="1600" b="1" u="sng" dirty="0"/>
           </a:p>
         </p:txBody>
       </p:sp>
@@ -5416,10 +7397,9 @@
           <a:p>
             <a:pPr algn="ctr"/>
             <a:r>
-              <a:rPr lang="en-US" sz="1600" b="1" u="sng" dirty="0" smtClean="0"/>
+              <a:rPr lang="en-US" sz="1600" b="1" u="sng" dirty="0"/>
               <a:t>Probe frame</a:t>
             </a:r>
-            <a:endParaRPr lang="en-US" sz="1600" b="1" u="sng" dirty="0"/>
           </a:p>
         </p:txBody>
       </p:sp>
@@ -5427,6 +7407,3434 @@
     <p:extLst>
       <p:ext uri="{BB962C8B-B14F-4D97-AF65-F5344CB8AC3E}">
         <p14:creationId xmlns:p14="http://schemas.microsoft.com/office/powerpoint/2010/main" val="3986454209"/>
+      </p:ext>
+    </p:extLst>
+  </p:cSld>
+  <p:clrMapOvr>
+    <a:masterClrMapping/>
+  </p:clrMapOvr>
+</p:sld>
+</file>
+
+<file path=ppt/slides/slide4.xml><?xml version="1.0" encoding="utf-8"?>
+<p:sld xmlns:a="http://schemas.openxmlformats.org/drawingml/2006/main" xmlns:r="http://schemas.openxmlformats.org/officeDocument/2006/relationships" xmlns:p="http://schemas.openxmlformats.org/presentationml/2006/main">
+  <p:cSld>
+    <p:bg>
+      <p:bgPr>
+        <a:solidFill>
+          <a:srgbClr val="7F7F7F"/>
+        </a:solidFill>
+        <a:effectLst/>
+      </p:bgPr>
+    </p:bg>
+    <p:spTree>
+      <p:nvGrpSpPr>
+        <p:cNvPr id="1" name=""/>
+        <p:cNvGrpSpPr/>
+        <p:nvPr/>
+      </p:nvGrpSpPr>
+      <p:grpSpPr>
+        <a:xfrm>
+          <a:off x="0" y="0"/>
+          <a:ext cx="0" cy="0"/>
+          <a:chOff x="0" y="0"/>
+          <a:chExt cx="0" cy="0"/>
+        </a:xfrm>
+      </p:grpSpPr>
+      <p:sp>
+        <p:nvSpPr>
+          <p:cNvPr id="2" name="TextBox 1">
+            <a:extLst>
+              <a:ext uri="{FF2B5EF4-FFF2-40B4-BE49-F238E27FC236}">
+                <a16:creationId xmlns:a16="http://schemas.microsoft.com/office/drawing/2014/main" id="{0D8447E6-A73E-4E35-9D0A-21BE3197F4F9}"/>
+              </a:ext>
+            </a:extLst>
+          </p:cNvPr>
+          <p:cNvSpPr txBox="1"/>
+          <p:nvPr/>
+        </p:nvSpPr>
+        <p:spPr>
+          <a:xfrm>
+            <a:off x="458679" y="435005"/>
+            <a:ext cx="11274642" cy="923330"/>
+          </a:xfrm>
+          <a:prstGeom prst="rect">
+            <a:avLst/>
+          </a:prstGeom>
+          <a:noFill/>
+        </p:spPr>
+        <p:txBody>
+          <a:bodyPr wrap="square" rtlCol="0">
+            <a:spAutoFit/>
+          </a:bodyPr>
+          <a:lstStyle/>
+          <a:p>
+            <a:r>
+              <a:rPr lang="en-US" b="1" dirty="0"/>
+              <a:t>Example </a:t>
+            </a:r>
+          </a:p>
+          <a:p>
+            <a:endParaRPr lang="en-US" dirty="0"/>
+          </a:p>
+          <a:p>
+            <a:pPr algn="ctr"/>
+            <a:r>
+              <a:rPr lang="en-US" dirty="0"/>
+              <a:t>Task: Report if the 15</a:t>
+            </a:r>
+            <a:r>
+              <a:rPr lang="en-US" baseline="30000" dirty="0"/>
+              <a:t>◦ </a:t>
+            </a:r>
+            <a:r>
+              <a:rPr lang="en-US" dirty="0"/>
+              <a:t>tilted bars are tilted in the same direction (left button) or the opposite direction (right button)</a:t>
+            </a:r>
+          </a:p>
+        </p:txBody>
+      </p:sp>
+      <p:pic>
+        <p:nvPicPr>
+          <p:cNvPr id="4" name="Picture 3">
+            <a:extLst>
+              <a:ext uri="{FF2B5EF4-FFF2-40B4-BE49-F238E27FC236}">
+                <a16:creationId xmlns:a16="http://schemas.microsoft.com/office/drawing/2014/main" id="{6D64E982-8E48-4258-B4DD-0C9760AD57AB}"/>
+              </a:ext>
+            </a:extLst>
+          </p:cNvPr>
+          <p:cNvPicPr>
+            <a:picLocks noChangeAspect="1"/>
+          </p:cNvPicPr>
+          <p:nvPr/>
+        </p:nvPicPr>
+        <p:blipFill>
+          <a:blip r:embed="rId2">
+            <a:extLst>
+              <a:ext uri="{28A0092B-C50C-407E-A947-70E740481C1C}">
+                <a14:useLocalDpi xmlns:a14="http://schemas.microsoft.com/office/drawing/2010/main" val="0"/>
+              </a:ext>
+            </a:extLst>
+          </a:blip>
+          <a:stretch>
+            <a:fillRect/>
+          </a:stretch>
+        </p:blipFill>
+        <p:spPr>
+          <a:xfrm>
+            <a:off x="2286000" y="2476500"/>
+            <a:ext cx="7620000" cy="1905000"/>
+          </a:xfrm>
+          <a:prstGeom prst="rect">
+            <a:avLst/>
+          </a:prstGeom>
+        </p:spPr>
+      </p:pic>
+    </p:spTree>
+    <p:extLst>
+      <p:ext uri="{BB962C8B-B14F-4D97-AF65-F5344CB8AC3E}">
+        <p14:creationId xmlns:p14="http://schemas.microsoft.com/office/powerpoint/2010/main" val="1327647379"/>
+      </p:ext>
+    </p:extLst>
+  </p:cSld>
+  <p:clrMapOvr>
+    <a:masterClrMapping/>
+  </p:clrMapOvr>
+</p:sld>
+</file>
+
+<file path=ppt/slides/slide5.xml><?xml version="1.0" encoding="utf-8"?>
+<p:sld xmlns:a="http://schemas.openxmlformats.org/drawingml/2006/main" xmlns:r="http://schemas.openxmlformats.org/officeDocument/2006/relationships" xmlns:p="http://schemas.openxmlformats.org/presentationml/2006/main">
+  <p:cSld>
+    <p:spTree>
+      <p:nvGrpSpPr>
+        <p:cNvPr id="1" name=""/>
+        <p:cNvGrpSpPr/>
+        <p:nvPr/>
+      </p:nvGrpSpPr>
+      <p:grpSpPr>
+        <a:xfrm>
+          <a:off x="0" y="0"/>
+          <a:ext cx="0" cy="0"/>
+          <a:chOff x="0" y="0"/>
+          <a:chExt cx="0" cy="0"/>
+        </a:xfrm>
+      </p:grpSpPr>
+      <p:pic>
+        <p:nvPicPr>
+          <p:cNvPr id="13" name="Picture 12">
+            <a:extLst>
+              <a:ext uri="{FF2B5EF4-FFF2-40B4-BE49-F238E27FC236}">
+                <a16:creationId xmlns:a16="http://schemas.microsoft.com/office/drawing/2014/main" id="{14C70B4F-31D2-4024-82E7-AE573AF5E1C4}"/>
+              </a:ext>
+            </a:extLst>
+          </p:cNvPr>
+          <p:cNvPicPr>
+            <a:picLocks noChangeAspect="1"/>
+          </p:cNvPicPr>
+          <p:nvPr/>
+        </p:nvPicPr>
+        <p:blipFill>
+          <a:blip r:embed="rId2">
+            <a:extLst>
+              <a:ext uri="{28A0092B-C50C-407E-A947-70E740481C1C}">
+                <a14:useLocalDpi xmlns:a14="http://schemas.microsoft.com/office/drawing/2010/main" val="0"/>
+              </a:ext>
+            </a:extLst>
+          </a:blip>
+          <a:stretch>
+            <a:fillRect/>
+          </a:stretch>
+        </p:blipFill>
+        <p:spPr>
+          <a:xfrm>
+            <a:off x="4206000" y="2275395"/>
+            <a:ext cx="3780000" cy="2835000"/>
+          </a:xfrm>
+          <a:prstGeom prst="rect">
+            <a:avLst/>
+          </a:prstGeom>
+          <a:ln w="38100">
+            <a:solidFill>
+              <a:schemeClr val="tx1"/>
+            </a:solidFill>
+          </a:ln>
+        </p:spPr>
+      </p:pic>
+      <p:sp>
+        <p:nvSpPr>
+          <p:cNvPr id="14" name="TextBox 13">
+            <a:extLst>
+              <a:ext uri="{FF2B5EF4-FFF2-40B4-BE49-F238E27FC236}">
+                <a16:creationId xmlns:a16="http://schemas.microsoft.com/office/drawing/2014/main" id="{BBC53409-99A2-4C8E-9637-E6CB478F334F}"/>
+              </a:ext>
+            </a:extLst>
+          </p:cNvPr>
+          <p:cNvSpPr txBox="1"/>
+          <p:nvPr/>
+        </p:nvSpPr>
+        <p:spPr>
+          <a:xfrm>
+            <a:off x="4035287" y="1431234"/>
+            <a:ext cx="4121426" cy="461665"/>
+          </a:xfrm>
+          <a:prstGeom prst="rect">
+            <a:avLst/>
+          </a:prstGeom>
+          <a:noFill/>
+        </p:spPr>
+        <p:txBody>
+          <a:bodyPr wrap="square" rtlCol="0">
+            <a:spAutoFit/>
+          </a:bodyPr>
+          <a:lstStyle/>
+          <a:p>
+            <a:pPr algn="ctr"/>
+            <a:r>
+              <a:rPr lang="en-US" sz="2400" b="1" dirty="0"/>
+              <a:t>2 DISK CONDITION</a:t>
+            </a:r>
+          </a:p>
+        </p:txBody>
+      </p:sp>
+    </p:spTree>
+    <p:extLst>
+      <p:ext uri="{BB962C8B-B14F-4D97-AF65-F5344CB8AC3E}">
+        <p14:creationId xmlns:p14="http://schemas.microsoft.com/office/powerpoint/2010/main" val="3627859751"/>
+      </p:ext>
+    </p:extLst>
+  </p:cSld>
+  <p:clrMapOvr>
+    <a:masterClrMapping/>
+  </p:clrMapOvr>
+</p:sld>
+</file>
+
+<file path=ppt/slides/slide6.xml><?xml version="1.0" encoding="utf-8"?>
+<p:sld xmlns:a="http://schemas.openxmlformats.org/drawingml/2006/main" xmlns:r="http://schemas.openxmlformats.org/officeDocument/2006/relationships" xmlns:p="http://schemas.openxmlformats.org/presentationml/2006/main">
+  <p:cSld>
+    <p:spTree>
+      <p:nvGrpSpPr>
+        <p:cNvPr id="1" name=""/>
+        <p:cNvGrpSpPr/>
+        <p:nvPr/>
+      </p:nvGrpSpPr>
+      <p:grpSpPr>
+        <a:xfrm>
+          <a:off x="0" y="0"/>
+          <a:ext cx="0" cy="0"/>
+          <a:chOff x="0" y="0"/>
+          <a:chExt cx="0" cy="0"/>
+        </a:xfrm>
+      </p:grpSpPr>
+      <p:grpSp>
+        <p:nvGrpSpPr>
+          <p:cNvPr id="5" name="Group 4">
+            <a:extLst>
+              <a:ext uri="{FF2B5EF4-FFF2-40B4-BE49-F238E27FC236}">
+                <a16:creationId xmlns:a16="http://schemas.microsoft.com/office/drawing/2014/main" id="{E02A050F-5BD8-4D65-AA41-310B39C6E2D0}"/>
+              </a:ext>
+            </a:extLst>
+          </p:cNvPr>
+          <p:cNvGrpSpPr/>
+          <p:nvPr/>
+        </p:nvGrpSpPr>
+        <p:grpSpPr>
+          <a:xfrm>
+            <a:off x="279086" y="166598"/>
+            <a:ext cx="2383268" cy="6512474"/>
+            <a:chOff x="1033686" y="193231"/>
+            <a:chExt cx="2383268" cy="6512474"/>
+          </a:xfrm>
+        </p:grpSpPr>
+        <p:grpSp>
+          <p:nvGrpSpPr>
+            <p:cNvPr id="54" name="Group 53">
+              <a:extLst>
+                <a:ext uri="{FF2B5EF4-FFF2-40B4-BE49-F238E27FC236}">
+                  <a16:creationId xmlns:a16="http://schemas.microsoft.com/office/drawing/2014/main" id="{D69EDFAF-D13C-473A-AC9C-80579B192A3E}"/>
+                </a:ext>
+              </a:extLst>
+            </p:cNvPr>
+            <p:cNvGrpSpPr/>
+            <p:nvPr/>
+          </p:nvGrpSpPr>
+          <p:grpSpPr>
+            <a:xfrm>
+              <a:off x="1033686" y="193231"/>
+              <a:ext cx="1879432" cy="1169020"/>
+              <a:chOff x="125784" y="4592856"/>
+              <a:chExt cx="2218394" cy="1379857"/>
+            </a:xfrm>
+          </p:grpSpPr>
+          <p:sp>
+            <p:nvSpPr>
+              <p:cNvPr id="22" name="직사각형 13">
+                <a:extLst>
+                  <a:ext uri="{FF2B5EF4-FFF2-40B4-BE49-F238E27FC236}">
+                    <a16:creationId xmlns:a16="http://schemas.microsoft.com/office/drawing/2014/main" id="{75B78F1D-18FC-4690-B0FD-F4B366095DBC}"/>
+                  </a:ext>
+                </a:extLst>
+              </p:cNvPr>
+              <p:cNvSpPr/>
+              <p:nvPr/>
+            </p:nvSpPr>
+            <p:spPr>
+              <a:xfrm>
+                <a:off x="125784" y="4592856"/>
+                <a:ext cx="2218394" cy="1379857"/>
+              </a:xfrm>
+              <a:prstGeom prst="rect">
+                <a:avLst/>
+              </a:prstGeom>
+              <a:solidFill>
+                <a:schemeClr val="bg1">
+                  <a:lumMod val="65000"/>
+                </a:schemeClr>
+              </a:solidFill>
+              <a:ln w="57150">
+                <a:solidFill>
+                  <a:schemeClr val="tx1"/>
+                </a:solidFill>
+              </a:ln>
+            </p:spPr>
+            <p:style>
+              <a:lnRef idx="2">
+                <a:schemeClr val="accent1">
+                  <a:shade val="50000"/>
+                </a:schemeClr>
+              </a:lnRef>
+              <a:fillRef idx="1">
+                <a:schemeClr val="accent1"/>
+              </a:fillRef>
+              <a:effectRef idx="0">
+                <a:schemeClr val="accent1"/>
+              </a:effectRef>
+              <a:fontRef idx="minor">
+                <a:schemeClr val="lt1"/>
+              </a:fontRef>
+            </p:style>
+            <p:txBody>
+              <a:bodyPr rtlCol="0" anchor="ctr"/>
+              <a:lstStyle/>
+              <a:p>
+                <a:pPr algn="ctr"/>
+                <a:endParaRPr lang="en-US" sz="1600"/>
+              </a:p>
+            </p:txBody>
+          </p:sp>
+          <p:pic>
+            <p:nvPicPr>
+              <p:cNvPr id="23" name="그림 24">
+                <a:extLst>
+                  <a:ext uri="{FF2B5EF4-FFF2-40B4-BE49-F238E27FC236}">
+                    <a16:creationId xmlns:a16="http://schemas.microsoft.com/office/drawing/2014/main" id="{7B97E8BF-BE32-4CB4-89DF-B7720F39400E}"/>
+                  </a:ext>
+                </a:extLst>
+              </p:cNvPr>
+              <p:cNvPicPr>
+                <a:picLocks noChangeAspect="1"/>
+              </p:cNvPicPr>
+              <p:nvPr/>
+            </p:nvPicPr>
+            <p:blipFill>
+              <a:blip r:embed="rId2" cstate="print">
+                <a:extLst>
+                  <a:ext uri="{28A0092B-C50C-407E-A947-70E740481C1C}">
+                    <a14:useLocalDpi xmlns:a14="http://schemas.microsoft.com/office/drawing/2010/main" val="0"/>
+                  </a:ext>
+                </a:extLst>
+              </a:blip>
+              <a:stretch>
+                <a:fillRect/>
+              </a:stretch>
+            </p:blipFill>
+            <p:spPr>
+              <a:xfrm>
+                <a:off x="564359" y="4979894"/>
+                <a:ext cx="605780" cy="605780"/>
+              </a:xfrm>
+              <a:prstGeom prst="rect">
+                <a:avLst/>
+              </a:prstGeom>
+            </p:spPr>
+          </p:pic>
+          <p:pic>
+            <p:nvPicPr>
+              <p:cNvPr id="32" name="그림 24">
+                <a:extLst>
+                  <a:ext uri="{FF2B5EF4-FFF2-40B4-BE49-F238E27FC236}">
+                    <a16:creationId xmlns:a16="http://schemas.microsoft.com/office/drawing/2014/main" id="{5BF9551C-C3B9-4FB0-8AA6-2B57142EA28E}"/>
+                  </a:ext>
+                </a:extLst>
+              </p:cNvPr>
+              <p:cNvPicPr>
+                <a:picLocks noChangeAspect="1"/>
+              </p:cNvPicPr>
+              <p:nvPr/>
+            </p:nvPicPr>
+            <p:blipFill>
+              <a:blip r:embed="rId2" cstate="print">
+                <a:extLst>
+                  <a:ext uri="{28A0092B-C50C-407E-A947-70E740481C1C}">
+                    <a14:useLocalDpi xmlns:a14="http://schemas.microsoft.com/office/drawing/2010/main" val="0"/>
+                  </a:ext>
+                </a:extLst>
+              </a:blip>
+              <a:stretch>
+                <a:fillRect/>
+              </a:stretch>
+            </p:blipFill>
+            <p:spPr>
+              <a:xfrm>
+                <a:off x="1299823" y="4979894"/>
+                <a:ext cx="605780" cy="605780"/>
+              </a:xfrm>
+              <a:prstGeom prst="rect">
+                <a:avLst/>
+              </a:prstGeom>
+            </p:spPr>
+          </p:pic>
+          <p:sp>
+            <p:nvSpPr>
+              <p:cNvPr id="8" name="Oval 7">
+                <a:extLst>
+                  <a:ext uri="{FF2B5EF4-FFF2-40B4-BE49-F238E27FC236}">
+                    <a16:creationId xmlns:a16="http://schemas.microsoft.com/office/drawing/2014/main" id="{5BE6E4CF-9021-4B4E-B76D-DC2689E7151A}"/>
+                  </a:ext>
+                </a:extLst>
+              </p:cNvPr>
+              <p:cNvSpPr/>
+              <p:nvPr/>
+            </p:nvSpPr>
+            <p:spPr>
+              <a:xfrm>
+                <a:off x="1216981" y="5264784"/>
+                <a:ext cx="36000" cy="36000"/>
+              </a:xfrm>
+              <a:prstGeom prst="ellipse">
+                <a:avLst/>
+              </a:prstGeom>
+              <a:solidFill>
+                <a:srgbClr val="FF0000"/>
+              </a:solidFill>
+              <a:ln>
+                <a:noFill/>
+              </a:ln>
+            </p:spPr>
+            <p:style>
+              <a:lnRef idx="2">
+                <a:schemeClr val="accent1">
+                  <a:shade val="50000"/>
+                </a:schemeClr>
+              </a:lnRef>
+              <a:fillRef idx="1">
+                <a:schemeClr val="accent1"/>
+              </a:fillRef>
+              <a:effectRef idx="0">
+                <a:schemeClr val="accent1"/>
+              </a:effectRef>
+              <a:fontRef idx="minor">
+                <a:schemeClr val="lt1"/>
+              </a:fontRef>
+            </p:style>
+            <p:txBody>
+              <a:bodyPr rtlCol="0" anchor="ctr"/>
+              <a:lstStyle/>
+              <a:p>
+                <a:pPr algn="ctr"/>
+                <a:endParaRPr lang="en-US"/>
+              </a:p>
+            </p:txBody>
+          </p:sp>
+        </p:grpSp>
+        <p:cxnSp>
+          <p:nvCxnSpPr>
+            <p:cNvPr id="19" name="직선 화살표 연결선 19">
+              <a:extLst>
+                <a:ext uri="{FF2B5EF4-FFF2-40B4-BE49-F238E27FC236}">
+                  <a16:creationId xmlns:a16="http://schemas.microsoft.com/office/drawing/2014/main" id="{D8A0B464-9B94-40E7-9BEB-DC9D862B73AA}"/>
+                </a:ext>
+              </a:extLst>
+            </p:cNvPr>
+            <p:cNvCxnSpPr>
+              <a:cxnSpLocks/>
+            </p:cNvCxnSpPr>
+            <p:nvPr/>
+          </p:nvCxnSpPr>
+          <p:spPr>
+            <a:xfrm>
+              <a:off x="3116062" y="221369"/>
+              <a:ext cx="0" cy="6484336"/>
+            </a:xfrm>
+            <a:prstGeom prst="straightConnector1">
+              <a:avLst/>
+            </a:prstGeom>
+            <a:ln w="38100">
+              <a:solidFill>
+                <a:schemeClr val="tx1"/>
+              </a:solidFill>
+              <a:tailEnd type="triangle"/>
+            </a:ln>
+          </p:spPr>
+          <p:style>
+            <a:lnRef idx="1">
+              <a:schemeClr val="accent1"/>
+            </a:lnRef>
+            <a:fillRef idx="0">
+              <a:schemeClr val="accent1"/>
+            </a:fillRef>
+            <a:effectRef idx="0">
+              <a:schemeClr val="accent1"/>
+            </a:effectRef>
+            <a:fontRef idx="minor">
+              <a:schemeClr val="tx1"/>
+            </a:fontRef>
+          </p:style>
+        </p:cxnSp>
+        <p:sp>
+          <p:nvSpPr>
+            <p:cNvPr id="20" name="TextBox 19">
+              <a:extLst>
+                <a:ext uri="{FF2B5EF4-FFF2-40B4-BE49-F238E27FC236}">
+                  <a16:creationId xmlns:a16="http://schemas.microsoft.com/office/drawing/2014/main" id="{49BC803D-28FC-414A-94C1-6E70220B8F70}"/>
+                </a:ext>
+              </a:extLst>
+            </p:cNvPr>
+            <p:cNvSpPr txBox="1"/>
+            <p:nvPr/>
+          </p:nvSpPr>
+          <p:spPr>
+            <a:xfrm>
+              <a:off x="2612226" y="6293813"/>
+              <a:ext cx="804728" cy="338554"/>
+            </a:xfrm>
+            <a:prstGeom prst="rect">
+              <a:avLst/>
+            </a:prstGeom>
+            <a:noFill/>
+          </p:spPr>
+          <p:txBody>
+            <a:bodyPr wrap="square" rtlCol="0">
+              <a:spAutoFit/>
+            </a:bodyPr>
+            <a:lstStyle/>
+            <a:p>
+              <a:pPr algn="r"/>
+              <a:r>
+                <a:rPr lang="en-US" sz="1600" dirty="0"/>
+                <a:t>t</a:t>
+              </a:r>
+            </a:p>
+          </p:txBody>
+        </p:sp>
+        <p:grpSp>
+          <p:nvGrpSpPr>
+            <p:cNvPr id="52" name="Group 51">
+              <a:extLst>
+                <a:ext uri="{FF2B5EF4-FFF2-40B4-BE49-F238E27FC236}">
+                  <a16:creationId xmlns:a16="http://schemas.microsoft.com/office/drawing/2014/main" id="{79353134-6A8D-4AB6-98C1-EBF009EA82A8}"/>
+                </a:ext>
+              </a:extLst>
+            </p:cNvPr>
+            <p:cNvGrpSpPr/>
+            <p:nvPr/>
+          </p:nvGrpSpPr>
+          <p:grpSpPr>
+            <a:xfrm>
+              <a:off x="1033686" y="2864959"/>
+              <a:ext cx="1879432" cy="1169020"/>
+              <a:chOff x="5068102" y="4592856"/>
+              <a:chExt cx="2218394" cy="1379857"/>
+            </a:xfrm>
+          </p:grpSpPr>
+          <p:sp>
+            <p:nvSpPr>
+              <p:cNvPr id="35" name="직사각형 13">
+                <a:extLst>
+                  <a:ext uri="{FF2B5EF4-FFF2-40B4-BE49-F238E27FC236}">
+                    <a16:creationId xmlns:a16="http://schemas.microsoft.com/office/drawing/2014/main" id="{D7F7242A-DCF5-42D6-9012-277A3DD96E64}"/>
+                  </a:ext>
+                </a:extLst>
+              </p:cNvPr>
+              <p:cNvSpPr/>
+              <p:nvPr/>
+            </p:nvSpPr>
+            <p:spPr>
+              <a:xfrm>
+                <a:off x="5068102" y="4592856"/>
+                <a:ext cx="2218394" cy="1379857"/>
+              </a:xfrm>
+              <a:prstGeom prst="rect">
+                <a:avLst/>
+              </a:prstGeom>
+              <a:solidFill>
+                <a:schemeClr val="bg1">
+                  <a:lumMod val="65000"/>
+                </a:schemeClr>
+              </a:solidFill>
+              <a:ln w="57150">
+                <a:solidFill>
+                  <a:schemeClr val="tx1"/>
+                </a:solidFill>
+              </a:ln>
+            </p:spPr>
+            <p:style>
+              <a:lnRef idx="2">
+                <a:schemeClr val="accent1">
+                  <a:shade val="50000"/>
+                </a:schemeClr>
+              </a:lnRef>
+              <a:fillRef idx="1">
+                <a:schemeClr val="accent1"/>
+              </a:fillRef>
+              <a:effectRef idx="0">
+                <a:schemeClr val="accent1"/>
+              </a:effectRef>
+              <a:fontRef idx="minor">
+                <a:schemeClr val="lt1"/>
+              </a:fontRef>
+            </p:style>
+            <p:txBody>
+              <a:bodyPr rtlCol="0" anchor="ctr"/>
+              <a:lstStyle/>
+              <a:p>
+                <a:pPr algn="ctr"/>
+                <a:endParaRPr lang="en-US" sz="1600"/>
+              </a:p>
+            </p:txBody>
+          </p:sp>
+          <p:pic>
+            <p:nvPicPr>
+              <p:cNvPr id="36" name="그림 24">
+                <a:extLst>
+                  <a:ext uri="{FF2B5EF4-FFF2-40B4-BE49-F238E27FC236}">
+                    <a16:creationId xmlns:a16="http://schemas.microsoft.com/office/drawing/2014/main" id="{E52F68AE-E940-42FC-AC7D-06F386844548}"/>
+                  </a:ext>
+                </a:extLst>
+              </p:cNvPr>
+              <p:cNvPicPr>
+                <a:picLocks noChangeAspect="1"/>
+              </p:cNvPicPr>
+              <p:nvPr/>
+            </p:nvPicPr>
+            <p:blipFill>
+              <a:blip r:embed="rId2" cstate="print">
+                <a:extLst>
+                  <a:ext uri="{28A0092B-C50C-407E-A947-70E740481C1C}">
+                    <a14:useLocalDpi xmlns:a14="http://schemas.microsoft.com/office/drawing/2010/main" val="0"/>
+                  </a:ext>
+                </a:extLst>
+              </a:blip>
+              <a:stretch>
+                <a:fillRect/>
+              </a:stretch>
+            </p:blipFill>
+            <p:spPr>
+              <a:xfrm>
+                <a:off x="5506677" y="4979894"/>
+                <a:ext cx="605780" cy="605780"/>
+              </a:xfrm>
+              <a:prstGeom prst="rect">
+                <a:avLst/>
+              </a:prstGeom>
+            </p:spPr>
+          </p:pic>
+          <p:pic>
+            <p:nvPicPr>
+              <p:cNvPr id="37" name="그림 24">
+                <a:extLst>
+                  <a:ext uri="{FF2B5EF4-FFF2-40B4-BE49-F238E27FC236}">
+                    <a16:creationId xmlns:a16="http://schemas.microsoft.com/office/drawing/2014/main" id="{4617B2F2-971D-4A4B-8BAF-8BD0468C0D54}"/>
+                  </a:ext>
+                </a:extLst>
+              </p:cNvPr>
+              <p:cNvPicPr>
+                <a:picLocks noChangeAspect="1"/>
+              </p:cNvPicPr>
+              <p:nvPr/>
+            </p:nvPicPr>
+            <p:blipFill>
+              <a:blip r:embed="rId2" cstate="print">
+                <a:extLst>
+                  <a:ext uri="{28A0092B-C50C-407E-A947-70E740481C1C}">
+                    <a14:useLocalDpi xmlns:a14="http://schemas.microsoft.com/office/drawing/2010/main" val="0"/>
+                  </a:ext>
+                </a:extLst>
+              </a:blip>
+              <a:stretch>
+                <a:fillRect/>
+              </a:stretch>
+            </p:blipFill>
+            <p:spPr>
+              <a:xfrm>
+                <a:off x="6242141" y="4979894"/>
+                <a:ext cx="605780" cy="605780"/>
+              </a:xfrm>
+              <a:prstGeom prst="rect">
+                <a:avLst/>
+              </a:prstGeom>
+            </p:spPr>
+          </p:pic>
+          <p:sp>
+            <p:nvSpPr>
+              <p:cNvPr id="38" name="Oval 37">
+                <a:extLst>
+                  <a:ext uri="{FF2B5EF4-FFF2-40B4-BE49-F238E27FC236}">
+                    <a16:creationId xmlns:a16="http://schemas.microsoft.com/office/drawing/2014/main" id="{2C6AAB42-C71D-4D93-9737-B7B3E848F24D}"/>
+                  </a:ext>
+                </a:extLst>
+              </p:cNvPr>
+              <p:cNvSpPr/>
+              <p:nvPr/>
+            </p:nvSpPr>
+            <p:spPr>
+              <a:xfrm>
+                <a:off x="6159299" y="5264784"/>
+                <a:ext cx="36000" cy="36000"/>
+              </a:xfrm>
+              <a:prstGeom prst="ellipse">
+                <a:avLst/>
+              </a:prstGeom>
+              <a:solidFill>
+                <a:srgbClr val="FF0000"/>
+              </a:solidFill>
+              <a:ln>
+                <a:noFill/>
+              </a:ln>
+            </p:spPr>
+            <p:style>
+              <a:lnRef idx="2">
+                <a:schemeClr val="accent1">
+                  <a:shade val="50000"/>
+                </a:schemeClr>
+              </a:lnRef>
+              <a:fillRef idx="1">
+                <a:schemeClr val="accent1"/>
+              </a:fillRef>
+              <a:effectRef idx="0">
+                <a:schemeClr val="accent1"/>
+              </a:effectRef>
+              <a:fontRef idx="minor">
+                <a:schemeClr val="lt1"/>
+              </a:fontRef>
+            </p:style>
+            <p:txBody>
+              <a:bodyPr rtlCol="0" anchor="ctr"/>
+              <a:lstStyle/>
+              <a:p>
+                <a:pPr algn="ctr"/>
+                <a:endParaRPr lang="en-US"/>
+              </a:p>
+            </p:txBody>
+          </p:sp>
+        </p:grpSp>
+        <p:grpSp>
+          <p:nvGrpSpPr>
+            <p:cNvPr id="51" name="Group 50">
+              <a:extLst>
+                <a:ext uri="{FF2B5EF4-FFF2-40B4-BE49-F238E27FC236}">
+                  <a16:creationId xmlns:a16="http://schemas.microsoft.com/office/drawing/2014/main" id="{5B8B4DDB-B6F1-4C4A-846E-686F1ECD1011}"/>
+                </a:ext>
+              </a:extLst>
+            </p:cNvPr>
+            <p:cNvGrpSpPr/>
+            <p:nvPr/>
+          </p:nvGrpSpPr>
+          <p:grpSpPr>
+            <a:xfrm>
+              <a:off x="1033686" y="4200823"/>
+              <a:ext cx="1879432" cy="1169020"/>
+              <a:chOff x="7539261" y="4592855"/>
+              <a:chExt cx="2218394" cy="1379857"/>
+            </a:xfrm>
+          </p:grpSpPr>
+          <p:sp>
+            <p:nvSpPr>
+              <p:cNvPr id="39" name="직사각형 13">
+                <a:extLst>
+                  <a:ext uri="{FF2B5EF4-FFF2-40B4-BE49-F238E27FC236}">
+                    <a16:creationId xmlns:a16="http://schemas.microsoft.com/office/drawing/2014/main" id="{65458511-5A9D-4CEB-96CC-138660E7BFDE}"/>
+                  </a:ext>
+                </a:extLst>
+              </p:cNvPr>
+              <p:cNvSpPr/>
+              <p:nvPr/>
+            </p:nvSpPr>
+            <p:spPr>
+              <a:xfrm>
+                <a:off x="7539261" y="4592855"/>
+                <a:ext cx="2218394" cy="1379857"/>
+              </a:xfrm>
+              <a:prstGeom prst="rect">
+                <a:avLst/>
+              </a:prstGeom>
+              <a:solidFill>
+                <a:schemeClr val="bg1">
+                  <a:lumMod val="65000"/>
+                </a:schemeClr>
+              </a:solidFill>
+              <a:ln w="57150">
+                <a:solidFill>
+                  <a:schemeClr val="tx1"/>
+                </a:solidFill>
+              </a:ln>
+            </p:spPr>
+            <p:style>
+              <a:lnRef idx="2">
+                <a:schemeClr val="accent1">
+                  <a:shade val="50000"/>
+                </a:schemeClr>
+              </a:lnRef>
+              <a:fillRef idx="1">
+                <a:schemeClr val="accent1"/>
+              </a:fillRef>
+              <a:effectRef idx="0">
+                <a:schemeClr val="accent1"/>
+              </a:effectRef>
+              <a:fontRef idx="minor">
+                <a:schemeClr val="lt1"/>
+              </a:fontRef>
+            </p:style>
+            <p:txBody>
+              <a:bodyPr rtlCol="0" anchor="ctr"/>
+              <a:lstStyle/>
+              <a:p>
+                <a:pPr algn="ctr"/>
+                <a:endParaRPr lang="en-US" sz="1600"/>
+              </a:p>
+            </p:txBody>
+          </p:sp>
+          <p:pic>
+            <p:nvPicPr>
+              <p:cNvPr id="40" name="그림 24">
+                <a:extLst>
+                  <a:ext uri="{FF2B5EF4-FFF2-40B4-BE49-F238E27FC236}">
+                    <a16:creationId xmlns:a16="http://schemas.microsoft.com/office/drawing/2014/main" id="{A5BDD0C6-6284-4F29-8C23-D3C4AA3C6918}"/>
+                  </a:ext>
+                </a:extLst>
+              </p:cNvPr>
+              <p:cNvPicPr>
+                <a:picLocks noChangeAspect="1"/>
+              </p:cNvPicPr>
+              <p:nvPr/>
+            </p:nvPicPr>
+            <p:blipFill>
+              <a:blip r:embed="rId2" cstate="print">
+                <a:extLst>
+                  <a:ext uri="{28A0092B-C50C-407E-A947-70E740481C1C}">
+                    <a14:useLocalDpi xmlns:a14="http://schemas.microsoft.com/office/drawing/2010/main" val="0"/>
+                  </a:ext>
+                </a:extLst>
+              </a:blip>
+              <a:stretch>
+                <a:fillRect/>
+              </a:stretch>
+            </p:blipFill>
+            <p:spPr>
+              <a:xfrm>
+                <a:off x="7977836" y="4979893"/>
+                <a:ext cx="605780" cy="605780"/>
+              </a:xfrm>
+              <a:prstGeom prst="rect">
+                <a:avLst/>
+              </a:prstGeom>
+            </p:spPr>
+          </p:pic>
+          <p:pic>
+            <p:nvPicPr>
+              <p:cNvPr id="41" name="그림 24">
+                <a:extLst>
+                  <a:ext uri="{FF2B5EF4-FFF2-40B4-BE49-F238E27FC236}">
+                    <a16:creationId xmlns:a16="http://schemas.microsoft.com/office/drawing/2014/main" id="{AC3E46F2-6505-4C6A-8DD4-86E88938C112}"/>
+                  </a:ext>
+                </a:extLst>
+              </p:cNvPr>
+              <p:cNvPicPr>
+                <a:picLocks noChangeAspect="1"/>
+              </p:cNvPicPr>
+              <p:nvPr/>
+            </p:nvPicPr>
+            <p:blipFill>
+              <a:blip r:embed="rId2" cstate="print">
+                <a:extLst>
+                  <a:ext uri="{28A0092B-C50C-407E-A947-70E740481C1C}">
+                    <a14:useLocalDpi xmlns:a14="http://schemas.microsoft.com/office/drawing/2010/main" val="0"/>
+                  </a:ext>
+                </a:extLst>
+              </a:blip>
+              <a:stretch>
+                <a:fillRect/>
+              </a:stretch>
+            </p:blipFill>
+            <p:spPr>
+              <a:xfrm>
+                <a:off x="8713300" y="4979893"/>
+                <a:ext cx="605780" cy="605780"/>
+              </a:xfrm>
+              <a:prstGeom prst="rect">
+                <a:avLst/>
+              </a:prstGeom>
+            </p:spPr>
+          </p:pic>
+          <p:sp>
+            <p:nvSpPr>
+              <p:cNvPr id="42" name="Oval 41">
+                <a:extLst>
+                  <a:ext uri="{FF2B5EF4-FFF2-40B4-BE49-F238E27FC236}">
+                    <a16:creationId xmlns:a16="http://schemas.microsoft.com/office/drawing/2014/main" id="{333F7DF6-9BA0-46A7-AB8D-F4464856D712}"/>
+                  </a:ext>
+                </a:extLst>
+              </p:cNvPr>
+              <p:cNvSpPr/>
+              <p:nvPr/>
+            </p:nvSpPr>
+            <p:spPr>
+              <a:xfrm>
+                <a:off x="8630458" y="5264783"/>
+                <a:ext cx="36000" cy="36000"/>
+              </a:xfrm>
+              <a:prstGeom prst="ellipse">
+                <a:avLst/>
+              </a:prstGeom>
+              <a:solidFill>
+                <a:srgbClr val="FF0000"/>
+              </a:solidFill>
+              <a:ln>
+                <a:noFill/>
+              </a:ln>
+            </p:spPr>
+            <p:style>
+              <a:lnRef idx="2">
+                <a:schemeClr val="accent1">
+                  <a:shade val="50000"/>
+                </a:schemeClr>
+              </a:lnRef>
+              <a:fillRef idx="1">
+                <a:schemeClr val="accent1"/>
+              </a:fillRef>
+              <a:effectRef idx="0">
+                <a:schemeClr val="accent1"/>
+              </a:effectRef>
+              <a:fontRef idx="minor">
+                <a:schemeClr val="lt1"/>
+              </a:fontRef>
+            </p:style>
+            <p:txBody>
+              <a:bodyPr rtlCol="0" anchor="ctr"/>
+              <a:lstStyle/>
+              <a:p>
+                <a:pPr algn="ctr"/>
+                <a:endParaRPr lang="en-US"/>
+              </a:p>
+            </p:txBody>
+          </p:sp>
+        </p:grpSp>
+        <p:grpSp>
+          <p:nvGrpSpPr>
+            <p:cNvPr id="2" name="Group 1">
+              <a:extLst>
+                <a:ext uri="{FF2B5EF4-FFF2-40B4-BE49-F238E27FC236}">
+                  <a16:creationId xmlns:a16="http://schemas.microsoft.com/office/drawing/2014/main" id="{B8B9F213-1EE5-44B8-A99D-687009B5A380}"/>
+                </a:ext>
+              </a:extLst>
+            </p:cNvPr>
+            <p:cNvGrpSpPr/>
+            <p:nvPr/>
+          </p:nvGrpSpPr>
+          <p:grpSpPr>
+            <a:xfrm>
+              <a:off x="1033686" y="1529095"/>
+              <a:ext cx="1879432" cy="1169020"/>
+              <a:chOff x="2573988" y="333528"/>
+              <a:chExt cx="2218394" cy="1379857"/>
+            </a:xfrm>
+          </p:grpSpPr>
+          <p:sp>
+            <p:nvSpPr>
+              <p:cNvPr id="24" name="직사각형 14">
+                <a:extLst>
+                  <a:ext uri="{FF2B5EF4-FFF2-40B4-BE49-F238E27FC236}">
+                    <a16:creationId xmlns:a16="http://schemas.microsoft.com/office/drawing/2014/main" id="{39B8DE6B-3D95-4905-8F41-2F5EEB7A138F}"/>
+                  </a:ext>
+                </a:extLst>
+              </p:cNvPr>
+              <p:cNvSpPr/>
+              <p:nvPr/>
+            </p:nvSpPr>
+            <p:spPr>
+              <a:xfrm>
+                <a:off x="2573988" y="333528"/>
+                <a:ext cx="2218394" cy="1379857"/>
+              </a:xfrm>
+              <a:prstGeom prst="rect">
+                <a:avLst/>
+              </a:prstGeom>
+              <a:solidFill>
+                <a:schemeClr val="bg1">
+                  <a:lumMod val="65000"/>
+                </a:schemeClr>
+              </a:solidFill>
+              <a:ln w="57150">
+                <a:solidFill>
+                  <a:schemeClr val="tx1"/>
+                </a:solidFill>
+              </a:ln>
+            </p:spPr>
+            <p:style>
+              <a:lnRef idx="2">
+                <a:schemeClr val="accent1">
+                  <a:shade val="50000"/>
+                </a:schemeClr>
+              </a:lnRef>
+              <a:fillRef idx="1">
+                <a:schemeClr val="accent1"/>
+              </a:fillRef>
+              <a:effectRef idx="0">
+                <a:schemeClr val="accent1"/>
+              </a:effectRef>
+              <a:fontRef idx="minor">
+                <a:schemeClr val="lt1"/>
+              </a:fontRef>
+            </p:style>
+            <p:txBody>
+              <a:bodyPr rtlCol="0" anchor="ctr"/>
+              <a:lstStyle/>
+              <a:p>
+                <a:pPr algn="ctr"/>
+                <a:endParaRPr lang="en-US" sz="1600"/>
+              </a:p>
+            </p:txBody>
+          </p:sp>
+          <p:pic>
+            <p:nvPicPr>
+              <p:cNvPr id="55" name="그림 10">
+                <a:extLst>
+                  <a:ext uri="{FF2B5EF4-FFF2-40B4-BE49-F238E27FC236}">
+                    <a16:creationId xmlns:a16="http://schemas.microsoft.com/office/drawing/2014/main" id="{2AF5113E-DFCA-4319-802A-CEDF4E07468F}"/>
+                  </a:ext>
+                </a:extLst>
+              </p:cNvPr>
+              <p:cNvPicPr>
+                <a:picLocks noChangeAspect="1"/>
+              </p:cNvPicPr>
+              <p:nvPr/>
+            </p:nvPicPr>
+            <p:blipFill>
+              <a:blip r:embed="rId3" cstate="print">
+                <a:extLst>
+                  <a:ext uri="{28A0092B-C50C-407E-A947-70E740481C1C}">
+                    <a14:useLocalDpi xmlns:a14="http://schemas.microsoft.com/office/drawing/2010/main" val="0"/>
+                  </a:ext>
+                </a:extLst>
+              </a:blip>
+              <a:stretch>
+                <a:fillRect/>
+              </a:stretch>
+            </p:blipFill>
+            <p:spPr>
+              <a:xfrm>
+                <a:off x="3013543" y="721056"/>
+                <a:ext cx="604800" cy="604800"/>
+              </a:xfrm>
+              <a:prstGeom prst="rect">
+                <a:avLst/>
+              </a:prstGeom>
+            </p:spPr>
+          </p:pic>
+          <p:pic>
+            <p:nvPicPr>
+              <p:cNvPr id="33" name="Picture 32">
+                <a:extLst>
+                  <a:ext uri="{FF2B5EF4-FFF2-40B4-BE49-F238E27FC236}">
+                    <a16:creationId xmlns:a16="http://schemas.microsoft.com/office/drawing/2014/main" id="{F1AA9580-8694-4A70-A91B-DD306F179949}"/>
+                  </a:ext>
+                </a:extLst>
+              </p:cNvPr>
+              <p:cNvPicPr>
+                <a:picLocks noChangeAspect="1"/>
+              </p:cNvPicPr>
+              <p:nvPr/>
+            </p:nvPicPr>
+            <p:blipFill>
+              <a:blip r:embed="rId4" cstate="print">
+                <a:extLst>
+                  <a:ext uri="{28A0092B-C50C-407E-A947-70E740481C1C}">
+                    <a14:useLocalDpi xmlns:a14="http://schemas.microsoft.com/office/drawing/2010/main" val="0"/>
+                  </a:ext>
+                </a:extLst>
+              </a:blip>
+              <a:stretch>
+                <a:fillRect/>
+              </a:stretch>
+            </p:blipFill>
+            <p:spPr>
+              <a:xfrm>
+                <a:off x="3748027" y="721056"/>
+                <a:ext cx="604800" cy="604800"/>
+              </a:xfrm>
+              <a:prstGeom prst="rect">
+                <a:avLst/>
+              </a:prstGeom>
+            </p:spPr>
+          </p:pic>
+          <p:sp>
+            <p:nvSpPr>
+              <p:cNvPr id="34" name="Oval 33">
+                <a:extLst>
+                  <a:ext uri="{FF2B5EF4-FFF2-40B4-BE49-F238E27FC236}">
+                    <a16:creationId xmlns:a16="http://schemas.microsoft.com/office/drawing/2014/main" id="{E15A8C35-7D13-40BF-9B18-B20090FC958D}"/>
+                  </a:ext>
+                </a:extLst>
+              </p:cNvPr>
+              <p:cNvSpPr/>
+              <p:nvPr/>
+            </p:nvSpPr>
+            <p:spPr>
+              <a:xfrm>
+                <a:off x="3665185" y="1005946"/>
+                <a:ext cx="36000" cy="36000"/>
+              </a:xfrm>
+              <a:prstGeom prst="ellipse">
+                <a:avLst/>
+              </a:prstGeom>
+              <a:solidFill>
+                <a:srgbClr val="FF0000"/>
+              </a:solidFill>
+              <a:ln>
+                <a:noFill/>
+              </a:ln>
+            </p:spPr>
+            <p:style>
+              <a:lnRef idx="2">
+                <a:schemeClr val="accent1">
+                  <a:shade val="50000"/>
+                </a:schemeClr>
+              </a:lnRef>
+              <a:fillRef idx="1">
+                <a:schemeClr val="accent1"/>
+              </a:fillRef>
+              <a:effectRef idx="0">
+                <a:schemeClr val="accent1"/>
+              </a:effectRef>
+              <a:fontRef idx="minor">
+                <a:schemeClr val="lt1"/>
+              </a:fontRef>
+            </p:style>
+            <p:txBody>
+              <a:bodyPr rtlCol="0" anchor="ctr"/>
+              <a:lstStyle/>
+              <a:p>
+                <a:pPr algn="ctr"/>
+                <a:endParaRPr lang="en-US"/>
+              </a:p>
+            </p:txBody>
+          </p:sp>
+          <p:pic>
+            <p:nvPicPr>
+              <p:cNvPr id="44" name="Picture 43">
+                <a:extLst>
+                  <a:ext uri="{FF2B5EF4-FFF2-40B4-BE49-F238E27FC236}">
+                    <a16:creationId xmlns:a16="http://schemas.microsoft.com/office/drawing/2014/main" id="{A33CECE6-ACD0-4A04-A2F3-15097E6922EB}"/>
+                  </a:ext>
+                </a:extLst>
+              </p:cNvPr>
+              <p:cNvPicPr>
+                <a:picLocks noChangeAspect="1"/>
+              </p:cNvPicPr>
+              <p:nvPr/>
+            </p:nvPicPr>
+            <p:blipFill>
+              <a:blip r:embed="rId4" cstate="print">
+                <a:extLst>
+                  <a:ext uri="{28A0092B-C50C-407E-A947-70E740481C1C}">
+                    <a14:useLocalDpi xmlns:a14="http://schemas.microsoft.com/office/drawing/2010/main" val="0"/>
+                  </a:ext>
+                </a:extLst>
+              </a:blip>
+              <a:stretch>
+                <a:fillRect/>
+              </a:stretch>
+            </p:blipFill>
+            <p:spPr>
+              <a:xfrm>
+                <a:off x="3748027" y="721056"/>
+                <a:ext cx="604800" cy="604800"/>
+              </a:xfrm>
+              <a:prstGeom prst="rect">
+                <a:avLst/>
+              </a:prstGeom>
+            </p:spPr>
+          </p:pic>
+          <p:sp>
+            <p:nvSpPr>
+              <p:cNvPr id="45" name="Oval 44">
+                <a:extLst>
+                  <a:ext uri="{FF2B5EF4-FFF2-40B4-BE49-F238E27FC236}">
+                    <a16:creationId xmlns:a16="http://schemas.microsoft.com/office/drawing/2014/main" id="{13CC0D9D-C793-4312-8A7B-01ECF4BBDBA7}"/>
+                  </a:ext>
+                </a:extLst>
+              </p:cNvPr>
+              <p:cNvSpPr/>
+              <p:nvPr/>
+            </p:nvSpPr>
+            <p:spPr>
+              <a:xfrm>
+                <a:off x="3665185" y="1005946"/>
+                <a:ext cx="36000" cy="36000"/>
+              </a:xfrm>
+              <a:prstGeom prst="ellipse">
+                <a:avLst/>
+              </a:prstGeom>
+              <a:solidFill>
+                <a:srgbClr val="FF0000"/>
+              </a:solidFill>
+              <a:ln>
+                <a:noFill/>
+              </a:ln>
+            </p:spPr>
+            <p:style>
+              <a:lnRef idx="2">
+                <a:schemeClr val="accent1">
+                  <a:shade val="50000"/>
+                </a:schemeClr>
+              </a:lnRef>
+              <a:fillRef idx="1">
+                <a:schemeClr val="accent1"/>
+              </a:fillRef>
+              <a:effectRef idx="0">
+                <a:schemeClr val="accent1"/>
+              </a:effectRef>
+              <a:fontRef idx="minor">
+                <a:schemeClr val="lt1"/>
+              </a:fontRef>
+            </p:style>
+            <p:txBody>
+              <a:bodyPr rtlCol="0" anchor="ctr"/>
+              <a:lstStyle/>
+              <a:p>
+                <a:pPr algn="ctr"/>
+                <a:endParaRPr lang="en-US"/>
+              </a:p>
+            </p:txBody>
+          </p:sp>
+        </p:grpSp>
+        <p:grpSp>
+          <p:nvGrpSpPr>
+            <p:cNvPr id="50" name="Group 49">
+              <a:extLst>
+                <a:ext uri="{FF2B5EF4-FFF2-40B4-BE49-F238E27FC236}">
+                  <a16:creationId xmlns:a16="http://schemas.microsoft.com/office/drawing/2014/main" id="{35F52390-3AFC-41B2-A68F-4E29A4C86AFB}"/>
+                </a:ext>
+              </a:extLst>
+            </p:cNvPr>
+            <p:cNvGrpSpPr/>
+            <p:nvPr/>
+          </p:nvGrpSpPr>
+          <p:grpSpPr>
+            <a:xfrm>
+              <a:off x="1033686" y="5536685"/>
+              <a:ext cx="1879432" cy="1169020"/>
+              <a:chOff x="8648458" y="4574854"/>
+              <a:chExt cx="2218394" cy="1379857"/>
+            </a:xfrm>
+          </p:grpSpPr>
+          <p:sp>
+            <p:nvSpPr>
+              <p:cNvPr id="46" name="직사각형 14">
+                <a:extLst>
+                  <a:ext uri="{FF2B5EF4-FFF2-40B4-BE49-F238E27FC236}">
+                    <a16:creationId xmlns:a16="http://schemas.microsoft.com/office/drawing/2014/main" id="{B7E04F9F-7715-444C-9A31-EE25368AEBBE}"/>
+                  </a:ext>
+                </a:extLst>
+              </p:cNvPr>
+              <p:cNvSpPr/>
+              <p:nvPr/>
+            </p:nvSpPr>
+            <p:spPr>
+              <a:xfrm>
+                <a:off x="8648458" y="4574854"/>
+                <a:ext cx="2218394" cy="1379857"/>
+              </a:xfrm>
+              <a:prstGeom prst="rect">
+                <a:avLst/>
+              </a:prstGeom>
+              <a:solidFill>
+                <a:schemeClr val="bg1">
+                  <a:lumMod val="65000"/>
+                </a:schemeClr>
+              </a:solidFill>
+              <a:ln w="57150">
+                <a:solidFill>
+                  <a:schemeClr val="tx1"/>
+                </a:solidFill>
+              </a:ln>
+            </p:spPr>
+            <p:style>
+              <a:lnRef idx="2">
+                <a:schemeClr val="accent1">
+                  <a:shade val="50000"/>
+                </a:schemeClr>
+              </a:lnRef>
+              <a:fillRef idx="1">
+                <a:schemeClr val="accent1"/>
+              </a:fillRef>
+              <a:effectRef idx="0">
+                <a:schemeClr val="accent1"/>
+              </a:effectRef>
+              <a:fontRef idx="minor">
+                <a:schemeClr val="lt1"/>
+              </a:fontRef>
+            </p:style>
+            <p:txBody>
+              <a:bodyPr rtlCol="0" anchor="ctr"/>
+              <a:lstStyle/>
+              <a:p>
+                <a:pPr algn="ctr"/>
+                <a:endParaRPr lang="en-US" sz="1600"/>
+              </a:p>
+            </p:txBody>
+          </p:sp>
+          <p:pic>
+            <p:nvPicPr>
+              <p:cNvPr id="47" name="그림 22">
+                <a:extLst>
+                  <a:ext uri="{FF2B5EF4-FFF2-40B4-BE49-F238E27FC236}">
+                    <a16:creationId xmlns:a16="http://schemas.microsoft.com/office/drawing/2014/main" id="{CE5D51BA-3F4B-454B-ABB3-D39B97AF9D8C}"/>
+                  </a:ext>
+                </a:extLst>
+              </p:cNvPr>
+              <p:cNvPicPr>
+                <a:picLocks noChangeAspect="1"/>
+              </p:cNvPicPr>
+              <p:nvPr/>
+            </p:nvPicPr>
+            <p:blipFill>
+              <a:blip r:embed="rId5" cstate="print">
+                <a:extLst>
+                  <a:ext uri="{28A0092B-C50C-407E-A947-70E740481C1C}">
+                    <a14:useLocalDpi xmlns:a14="http://schemas.microsoft.com/office/drawing/2010/main" val="0"/>
+                  </a:ext>
+                </a:extLst>
+              </a:blip>
+              <a:stretch>
+                <a:fillRect/>
+              </a:stretch>
+            </p:blipFill>
+            <p:spPr>
+              <a:xfrm>
+                <a:off x="9088013" y="4962382"/>
+                <a:ext cx="604800" cy="604800"/>
+              </a:xfrm>
+              <a:prstGeom prst="rect">
+                <a:avLst/>
+              </a:prstGeom>
+            </p:spPr>
+          </p:pic>
+          <p:pic>
+            <p:nvPicPr>
+              <p:cNvPr id="48" name="Picture 47">
+                <a:extLst>
+                  <a:ext uri="{FF2B5EF4-FFF2-40B4-BE49-F238E27FC236}">
+                    <a16:creationId xmlns:a16="http://schemas.microsoft.com/office/drawing/2014/main" id="{542257EB-9B78-4B9A-A59C-BF1A14143067}"/>
+                  </a:ext>
+                </a:extLst>
+              </p:cNvPr>
+              <p:cNvPicPr>
+                <a:picLocks noChangeAspect="1"/>
+              </p:cNvPicPr>
+              <p:nvPr/>
+            </p:nvPicPr>
+            <p:blipFill>
+              <a:blip r:embed="rId4" cstate="print">
+                <a:extLst>
+                  <a:ext uri="{28A0092B-C50C-407E-A947-70E740481C1C}">
+                    <a14:useLocalDpi xmlns:a14="http://schemas.microsoft.com/office/drawing/2010/main" val="0"/>
+                  </a:ext>
+                </a:extLst>
+              </a:blip>
+              <a:stretch>
+                <a:fillRect/>
+              </a:stretch>
+            </p:blipFill>
+            <p:spPr>
+              <a:xfrm>
+                <a:off x="9822497" y="4962382"/>
+                <a:ext cx="604800" cy="604800"/>
+              </a:xfrm>
+              <a:prstGeom prst="rect">
+                <a:avLst/>
+              </a:prstGeom>
+            </p:spPr>
+          </p:pic>
+          <p:sp>
+            <p:nvSpPr>
+              <p:cNvPr id="49" name="Oval 48">
+                <a:extLst>
+                  <a:ext uri="{FF2B5EF4-FFF2-40B4-BE49-F238E27FC236}">
+                    <a16:creationId xmlns:a16="http://schemas.microsoft.com/office/drawing/2014/main" id="{BDA042D7-7561-4285-A79D-AF1BA918A3D1}"/>
+                  </a:ext>
+                </a:extLst>
+              </p:cNvPr>
+              <p:cNvSpPr/>
+              <p:nvPr/>
+            </p:nvSpPr>
+            <p:spPr>
+              <a:xfrm>
+                <a:off x="9739655" y="5247272"/>
+                <a:ext cx="36000" cy="36000"/>
+              </a:xfrm>
+              <a:prstGeom prst="ellipse">
+                <a:avLst/>
+              </a:prstGeom>
+              <a:solidFill>
+                <a:srgbClr val="FF0000"/>
+              </a:solidFill>
+              <a:ln>
+                <a:noFill/>
+              </a:ln>
+            </p:spPr>
+            <p:style>
+              <a:lnRef idx="2">
+                <a:schemeClr val="accent1">
+                  <a:shade val="50000"/>
+                </a:schemeClr>
+              </a:lnRef>
+              <a:fillRef idx="1">
+                <a:schemeClr val="accent1"/>
+              </a:fillRef>
+              <a:effectRef idx="0">
+                <a:schemeClr val="accent1"/>
+              </a:effectRef>
+              <a:fontRef idx="minor">
+                <a:schemeClr val="lt1"/>
+              </a:fontRef>
+            </p:style>
+            <p:txBody>
+              <a:bodyPr rtlCol="0" anchor="ctr"/>
+              <a:lstStyle/>
+              <a:p>
+                <a:pPr algn="ctr"/>
+                <a:endParaRPr lang="en-US"/>
+              </a:p>
+            </p:txBody>
+          </p:sp>
+        </p:grpSp>
+      </p:grpSp>
+      <p:sp>
+        <p:nvSpPr>
+          <p:cNvPr id="13" name="TextBox 12">
+            <a:extLst>
+              <a:ext uri="{FF2B5EF4-FFF2-40B4-BE49-F238E27FC236}">
+                <a16:creationId xmlns:a16="http://schemas.microsoft.com/office/drawing/2014/main" id="{65ACDFFD-6C6C-41F5-AB08-F4BB062AD5E9}"/>
+              </a:ext>
+            </a:extLst>
+          </p:cNvPr>
+          <p:cNvSpPr txBox="1"/>
+          <p:nvPr/>
+        </p:nvSpPr>
+        <p:spPr>
+          <a:xfrm>
+            <a:off x="1780474" y="1523977"/>
+            <a:ext cx="1260000" cy="338554"/>
+          </a:xfrm>
+          <a:prstGeom prst="rect">
+            <a:avLst/>
+          </a:prstGeom>
+          <a:solidFill>
+            <a:schemeClr val="bg1"/>
+          </a:solidFill>
+          <a:ln w="19050">
+            <a:solidFill>
+              <a:schemeClr val="bg1">
+                <a:lumMod val="50000"/>
+              </a:schemeClr>
+            </a:solidFill>
+          </a:ln>
+          <a:effectLst>
+            <a:outerShdw blurRad="50800" dist="38100" dir="2700000" algn="tl" rotWithShape="0">
+              <a:prstClr val="black">
+                <a:alpha val="40000"/>
+              </a:prstClr>
+            </a:outerShdw>
+          </a:effectLst>
+        </p:spPr>
+        <p:txBody>
+          <a:bodyPr wrap="square" rtlCol="0">
+            <a:spAutoFit/>
+          </a:bodyPr>
+          <a:lstStyle/>
+          <a:p>
+            <a:pPr algn="ctr"/>
+            <a:r>
+              <a:rPr lang="en-US" sz="1600" b="1" dirty="0"/>
+              <a:t>cue frame</a:t>
+            </a:r>
+          </a:p>
+        </p:txBody>
+      </p:sp>
+      <p:sp>
+        <p:nvSpPr>
+          <p:cNvPr id="14" name="TextBox 13">
+            <a:extLst>
+              <a:ext uri="{FF2B5EF4-FFF2-40B4-BE49-F238E27FC236}">
+                <a16:creationId xmlns:a16="http://schemas.microsoft.com/office/drawing/2014/main" id="{4637171F-B00D-42D3-AA36-EC535880E451}"/>
+              </a:ext>
+            </a:extLst>
+          </p:cNvPr>
+          <p:cNvSpPr txBox="1"/>
+          <p:nvPr/>
+        </p:nvSpPr>
+        <p:spPr>
+          <a:xfrm>
+            <a:off x="1780474" y="5541191"/>
+            <a:ext cx="1260000" cy="338554"/>
+          </a:xfrm>
+          <a:prstGeom prst="rect">
+            <a:avLst/>
+          </a:prstGeom>
+          <a:solidFill>
+            <a:schemeClr val="bg1"/>
+          </a:solidFill>
+          <a:ln w="19050">
+            <a:solidFill>
+              <a:schemeClr val="bg1">
+                <a:lumMod val="50000"/>
+              </a:schemeClr>
+            </a:solidFill>
+          </a:ln>
+          <a:effectLst>
+            <a:outerShdw blurRad="50800" dist="38100" dir="2700000" algn="tl" rotWithShape="0">
+              <a:prstClr val="black">
+                <a:alpha val="40000"/>
+              </a:prstClr>
+            </a:outerShdw>
+          </a:effectLst>
+        </p:spPr>
+        <p:txBody>
+          <a:bodyPr wrap="square" rtlCol="0">
+            <a:spAutoFit/>
+          </a:bodyPr>
+          <a:lstStyle/>
+          <a:p>
+            <a:pPr algn="ctr"/>
+            <a:r>
+              <a:rPr lang="en-US" sz="1600" b="1" dirty="0"/>
+              <a:t>probe frame</a:t>
+            </a:r>
+          </a:p>
+        </p:txBody>
+      </p:sp>
+      <p:sp>
+        <p:nvSpPr>
+          <p:cNvPr id="56" name="TextBox 55">
+            <a:extLst>
+              <a:ext uri="{FF2B5EF4-FFF2-40B4-BE49-F238E27FC236}">
+                <a16:creationId xmlns:a16="http://schemas.microsoft.com/office/drawing/2014/main" id="{5BFD8265-0A52-4951-97EA-122C16CC4CE6}"/>
+              </a:ext>
+            </a:extLst>
+          </p:cNvPr>
+          <p:cNvSpPr txBox="1"/>
+          <p:nvPr/>
+        </p:nvSpPr>
+        <p:spPr>
+          <a:xfrm>
+            <a:off x="3465622" y="2072137"/>
+            <a:ext cx="8527191" cy="2369880"/>
+          </a:xfrm>
+          <a:prstGeom prst="rect">
+            <a:avLst/>
+          </a:prstGeom>
+          <a:noFill/>
+        </p:spPr>
+        <p:txBody>
+          <a:bodyPr wrap="square" rtlCol="0">
+            <a:spAutoFit/>
+          </a:bodyPr>
+          <a:lstStyle/>
+          <a:p>
+            <a:pPr marL="285750" indent="-285750">
+              <a:spcAft>
+                <a:spcPts val="1200"/>
+              </a:spcAft>
+              <a:buFontTx/>
+              <a:buChar char="-"/>
+            </a:pPr>
+            <a:r>
+              <a:rPr lang="en-US" dirty="0"/>
+              <a:t>Please fixate your eyes on </a:t>
+            </a:r>
+            <a:r>
+              <a:rPr lang="en-US" b="1" dirty="0">
+                <a:solidFill>
+                  <a:srgbClr val="FF0000"/>
+                </a:solidFill>
+              </a:rPr>
+              <a:t>the red fixation dot</a:t>
+            </a:r>
+            <a:r>
+              <a:rPr lang="en-US" dirty="0"/>
+              <a:t> all the time</a:t>
+            </a:r>
+          </a:p>
+          <a:p>
+            <a:pPr marL="285750" indent="-285750">
+              <a:spcAft>
+                <a:spcPts val="1200"/>
+              </a:spcAft>
+              <a:buFontTx/>
+              <a:buChar char="-"/>
+            </a:pPr>
+            <a:r>
+              <a:rPr lang="en-US" dirty="0"/>
+              <a:t>Your task is the same, except there will be two disks</a:t>
+            </a:r>
+          </a:p>
+          <a:p>
+            <a:pPr marL="285750" indent="-285750">
+              <a:spcAft>
+                <a:spcPts val="1200"/>
+              </a:spcAft>
+              <a:buFontTx/>
+              <a:buChar char="-"/>
+            </a:pPr>
+            <a:r>
+              <a:rPr lang="en-US" dirty="0"/>
+              <a:t>Tilted bars will be always presented in the left disk</a:t>
+            </a:r>
+          </a:p>
+          <a:p>
+            <a:pPr marL="285750" indent="-285750">
+              <a:spcAft>
+                <a:spcPts val="1200"/>
+              </a:spcAft>
+              <a:buFontTx/>
+              <a:buChar char="-"/>
+            </a:pPr>
+            <a:r>
+              <a:rPr lang="en-US" dirty="0"/>
+              <a:t>Your task is to detect either the target bars (15</a:t>
+            </a:r>
+            <a:r>
+              <a:rPr lang="en-US" baseline="30000" dirty="0"/>
+              <a:t>◦ </a:t>
+            </a:r>
+            <a:r>
+              <a:rPr lang="en-US" dirty="0"/>
+              <a:t>tilted bars) in cue and probe frames are tilted in the same direction (left button) or not (right button)</a:t>
+            </a:r>
+          </a:p>
+          <a:p>
+            <a:pPr marL="285750" indent="-285750">
+              <a:spcAft>
+                <a:spcPts val="1200"/>
+              </a:spcAft>
+              <a:buFontTx/>
+              <a:buChar char="-"/>
+            </a:pPr>
+            <a:r>
+              <a:rPr lang="en-US" dirty="0"/>
+              <a:t>Again, you have to ignore the 45</a:t>
+            </a:r>
+            <a:r>
+              <a:rPr lang="en-US" baseline="30000" dirty="0"/>
+              <a:t>◦</a:t>
+            </a:r>
+            <a:r>
+              <a:rPr lang="en-US" dirty="0"/>
+              <a:t>(distractor) bar in the cue frame</a:t>
+            </a:r>
+          </a:p>
+        </p:txBody>
+      </p:sp>
+    </p:spTree>
+    <p:extLst>
+      <p:ext uri="{BB962C8B-B14F-4D97-AF65-F5344CB8AC3E}">
+        <p14:creationId xmlns:p14="http://schemas.microsoft.com/office/powerpoint/2010/main" val="1139067088"/>
+      </p:ext>
+    </p:extLst>
+  </p:cSld>
+  <p:clrMapOvr>
+    <a:masterClrMapping/>
+  </p:clrMapOvr>
+</p:sld>
+</file>
+
+<file path=ppt/slides/slide7.xml><?xml version="1.0" encoding="utf-8"?>
+<p:sld xmlns:a="http://schemas.openxmlformats.org/drawingml/2006/main" xmlns:r="http://schemas.openxmlformats.org/officeDocument/2006/relationships" xmlns:p="http://schemas.openxmlformats.org/presentationml/2006/main">
+  <p:cSld>
+    <p:bg>
+      <p:bgPr>
+        <a:solidFill>
+          <a:srgbClr val="7F7F7F"/>
+        </a:solidFill>
+        <a:effectLst/>
+      </p:bgPr>
+    </p:bg>
+    <p:spTree>
+      <p:nvGrpSpPr>
+        <p:cNvPr id="1" name=""/>
+        <p:cNvGrpSpPr/>
+        <p:nvPr/>
+      </p:nvGrpSpPr>
+      <p:grpSpPr>
+        <a:xfrm>
+          <a:off x="0" y="0"/>
+          <a:ext cx="0" cy="0"/>
+          <a:chOff x="0" y="0"/>
+          <a:chExt cx="0" cy="0"/>
+        </a:xfrm>
+      </p:grpSpPr>
+      <p:sp>
+        <p:nvSpPr>
+          <p:cNvPr id="2" name="TextBox 1">
+            <a:extLst>
+              <a:ext uri="{FF2B5EF4-FFF2-40B4-BE49-F238E27FC236}">
+                <a16:creationId xmlns:a16="http://schemas.microsoft.com/office/drawing/2014/main" id="{111A9637-10FB-4F35-81B8-74F40C5B099B}"/>
+              </a:ext>
+            </a:extLst>
+          </p:cNvPr>
+          <p:cNvSpPr txBox="1"/>
+          <p:nvPr/>
+        </p:nvSpPr>
+        <p:spPr>
+          <a:xfrm>
+            <a:off x="458679" y="435005"/>
+            <a:ext cx="11274642" cy="923330"/>
+          </a:xfrm>
+          <a:prstGeom prst="rect">
+            <a:avLst/>
+          </a:prstGeom>
+          <a:noFill/>
+        </p:spPr>
+        <p:txBody>
+          <a:bodyPr wrap="square" rtlCol="0">
+            <a:spAutoFit/>
+          </a:bodyPr>
+          <a:lstStyle/>
+          <a:p>
+            <a:r>
+              <a:rPr lang="en-US" b="1" dirty="0"/>
+              <a:t>Example </a:t>
+            </a:r>
+          </a:p>
+          <a:p>
+            <a:endParaRPr lang="en-US" dirty="0"/>
+          </a:p>
+          <a:p>
+            <a:pPr algn="ctr"/>
+            <a:r>
+              <a:rPr lang="en-US" dirty="0"/>
+              <a:t>Task: Report the Same (left) / Opposite (right) tilt of the target bar (15</a:t>
+            </a:r>
+            <a:r>
+              <a:rPr lang="en-US" baseline="30000" dirty="0"/>
+              <a:t>◦</a:t>
+            </a:r>
+            <a:r>
+              <a:rPr lang="en-US" dirty="0"/>
+              <a:t>) in the left disk</a:t>
+            </a:r>
+          </a:p>
+        </p:txBody>
+      </p:sp>
+      <p:pic>
+        <p:nvPicPr>
+          <p:cNvPr id="4" name="Picture 3">
+            <a:extLst>
+              <a:ext uri="{FF2B5EF4-FFF2-40B4-BE49-F238E27FC236}">
+                <a16:creationId xmlns:a16="http://schemas.microsoft.com/office/drawing/2014/main" id="{6E94D5E7-D11E-4D0A-A68D-129198408D03}"/>
+              </a:ext>
+            </a:extLst>
+          </p:cNvPr>
+          <p:cNvPicPr>
+            <a:picLocks noChangeAspect="1"/>
+          </p:cNvPicPr>
+          <p:nvPr/>
+        </p:nvPicPr>
+        <p:blipFill>
+          <a:blip r:embed="rId2">
+            <a:extLst>
+              <a:ext uri="{28A0092B-C50C-407E-A947-70E740481C1C}">
+                <a14:useLocalDpi xmlns:a14="http://schemas.microsoft.com/office/drawing/2010/main" val="0"/>
+              </a:ext>
+            </a:extLst>
+          </a:blip>
+          <a:stretch>
+            <a:fillRect/>
+          </a:stretch>
+        </p:blipFill>
+        <p:spPr>
+          <a:xfrm>
+            <a:off x="2286000" y="2476500"/>
+            <a:ext cx="7620000" cy="1905000"/>
+          </a:xfrm>
+          <a:prstGeom prst="rect">
+            <a:avLst/>
+          </a:prstGeom>
+        </p:spPr>
+      </p:pic>
+    </p:spTree>
+    <p:extLst>
+      <p:ext uri="{BB962C8B-B14F-4D97-AF65-F5344CB8AC3E}">
+        <p14:creationId xmlns:p14="http://schemas.microsoft.com/office/powerpoint/2010/main" val="3783185551"/>
+      </p:ext>
+    </p:extLst>
+  </p:cSld>
+  <p:clrMapOvr>
+    <a:masterClrMapping/>
+  </p:clrMapOvr>
+</p:sld>
+</file>
+
+<file path=ppt/slides/slide8.xml><?xml version="1.0" encoding="utf-8"?>
+<p:sld xmlns:a="http://schemas.openxmlformats.org/drawingml/2006/main" xmlns:r="http://schemas.openxmlformats.org/officeDocument/2006/relationships" xmlns:p="http://schemas.openxmlformats.org/presentationml/2006/main">
+  <p:cSld>
+    <p:spTree>
+      <p:nvGrpSpPr>
+        <p:cNvPr id="1" name=""/>
+        <p:cNvGrpSpPr/>
+        <p:nvPr/>
+      </p:nvGrpSpPr>
+      <p:grpSpPr>
+        <a:xfrm>
+          <a:off x="0" y="0"/>
+          <a:ext cx="0" cy="0"/>
+          <a:chOff x="0" y="0"/>
+          <a:chExt cx="0" cy="0"/>
+        </a:xfrm>
+      </p:grpSpPr>
+      <p:sp>
+        <p:nvSpPr>
+          <p:cNvPr id="5" name="TextBox 4">
+            <a:extLst>
+              <a:ext uri="{FF2B5EF4-FFF2-40B4-BE49-F238E27FC236}">
+                <a16:creationId xmlns:a16="http://schemas.microsoft.com/office/drawing/2014/main" id="{E13F2944-4F71-4E67-BE19-231CBC51675F}"/>
+              </a:ext>
+            </a:extLst>
+          </p:cNvPr>
+          <p:cNvSpPr txBox="1"/>
+          <p:nvPr/>
+        </p:nvSpPr>
+        <p:spPr>
+          <a:xfrm>
+            <a:off x="4035287" y="1431234"/>
+            <a:ext cx="4121426" cy="461665"/>
+          </a:xfrm>
+          <a:prstGeom prst="rect">
+            <a:avLst/>
+          </a:prstGeom>
+          <a:noFill/>
+        </p:spPr>
+        <p:txBody>
+          <a:bodyPr wrap="square" rtlCol="0">
+            <a:spAutoFit/>
+          </a:bodyPr>
+          <a:lstStyle/>
+          <a:p>
+            <a:pPr algn="ctr"/>
+            <a:r>
+              <a:rPr lang="en-US" sz="2400" b="1" dirty="0"/>
+              <a:t>3 DISK NON-RET CONDITION</a:t>
+            </a:r>
+          </a:p>
+        </p:txBody>
+      </p:sp>
+      <p:pic>
+        <p:nvPicPr>
+          <p:cNvPr id="7" name="Picture 6">
+            <a:extLst>
+              <a:ext uri="{FF2B5EF4-FFF2-40B4-BE49-F238E27FC236}">
+                <a16:creationId xmlns:a16="http://schemas.microsoft.com/office/drawing/2014/main" id="{27299BFF-DA16-4841-85FD-D80BD57A2690}"/>
+              </a:ext>
+            </a:extLst>
+          </p:cNvPr>
+          <p:cNvPicPr>
+            <a:picLocks noChangeAspect="1"/>
+          </p:cNvPicPr>
+          <p:nvPr/>
+        </p:nvPicPr>
+        <p:blipFill>
+          <a:blip r:embed="rId2">
+            <a:extLst>
+              <a:ext uri="{28A0092B-C50C-407E-A947-70E740481C1C}">
+                <a14:useLocalDpi xmlns:a14="http://schemas.microsoft.com/office/drawing/2010/main" val="0"/>
+              </a:ext>
+            </a:extLst>
+          </a:blip>
+          <a:stretch>
+            <a:fillRect/>
+          </a:stretch>
+        </p:blipFill>
+        <p:spPr>
+          <a:xfrm>
+            <a:off x="4207566" y="2196228"/>
+            <a:ext cx="3779077" cy="2834308"/>
+          </a:xfrm>
+          <a:prstGeom prst="rect">
+            <a:avLst/>
+          </a:prstGeom>
+          <a:ln w="38100">
+            <a:solidFill>
+              <a:schemeClr val="tx1"/>
+            </a:solidFill>
+          </a:ln>
+        </p:spPr>
+      </p:pic>
+    </p:spTree>
+    <p:extLst>
+      <p:ext uri="{BB962C8B-B14F-4D97-AF65-F5344CB8AC3E}">
+        <p14:creationId xmlns:p14="http://schemas.microsoft.com/office/powerpoint/2010/main" val="212750"/>
+      </p:ext>
+    </p:extLst>
+  </p:cSld>
+  <p:clrMapOvr>
+    <a:masterClrMapping/>
+  </p:clrMapOvr>
+</p:sld>
+</file>
+
+<file path=ppt/slides/slide9.xml><?xml version="1.0" encoding="utf-8"?>
+<p:sld xmlns:a="http://schemas.openxmlformats.org/drawingml/2006/main" xmlns:r="http://schemas.openxmlformats.org/officeDocument/2006/relationships" xmlns:p="http://schemas.openxmlformats.org/presentationml/2006/main">
+  <p:cSld>
+    <p:spTree>
+      <p:nvGrpSpPr>
+        <p:cNvPr id="1" name=""/>
+        <p:cNvGrpSpPr/>
+        <p:nvPr/>
+      </p:nvGrpSpPr>
+      <p:grpSpPr>
+        <a:xfrm>
+          <a:off x="0" y="0"/>
+          <a:ext cx="0" cy="0"/>
+          <a:chOff x="0" y="0"/>
+          <a:chExt cx="0" cy="0"/>
+        </a:xfrm>
+      </p:grpSpPr>
+      <p:sp>
+        <p:nvSpPr>
+          <p:cNvPr id="22" name="직사각형 13">
+            <a:extLst>
+              <a:ext uri="{FF2B5EF4-FFF2-40B4-BE49-F238E27FC236}">
+                <a16:creationId xmlns:a16="http://schemas.microsoft.com/office/drawing/2014/main" id="{75B78F1D-18FC-4690-B0FD-F4B366095DBC}"/>
+              </a:ext>
+            </a:extLst>
+          </p:cNvPr>
+          <p:cNvSpPr/>
+          <p:nvPr/>
+        </p:nvSpPr>
+        <p:spPr>
+          <a:xfrm>
+            <a:off x="279086" y="166598"/>
+            <a:ext cx="1879432" cy="1169020"/>
+          </a:xfrm>
+          <a:prstGeom prst="rect">
+            <a:avLst/>
+          </a:prstGeom>
+          <a:solidFill>
+            <a:schemeClr val="bg1">
+              <a:lumMod val="65000"/>
+            </a:schemeClr>
+          </a:solidFill>
+          <a:ln w="57150">
+            <a:solidFill>
+              <a:schemeClr val="tx1"/>
+            </a:solidFill>
+          </a:ln>
+        </p:spPr>
+        <p:style>
+          <a:lnRef idx="2">
+            <a:schemeClr val="accent1">
+              <a:shade val="50000"/>
+            </a:schemeClr>
+          </a:lnRef>
+          <a:fillRef idx="1">
+            <a:schemeClr val="accent1"/>
+          </a:fillRef>
+          <a:effectRef idx="0">
+            <a:schemeClr val="accent1"/>
+          </a:effectRef>
+          <a:fontRef idx="minor">
+            <a:schemeClr val="lt1"/>
+          </a:fontRef>
+        </p:style>
+        <p:txBody>
+          <a:bodyPr rtlCol="0" anchor="ctr"/>
+          <a:lstStyle/>
+          <a:p>
+            <a:pPr algn="ctr"/>
+            <a:endParaRPr lang="en-US" sz="1600"/>
+          </a:p>
+        </p:txBody>
+      </p:sp>
+      <p:sp>
+        <p:nvSpPr>
+          <p:cNvPr id="8" name="Oval 7">
+            <a:extLst>
+              <a:ext uri="{FF2B5EF4-FFF2-40B4-BE49-F238E27FC236}">
+                <a16:creationId xmlns:a16="http://schemas.microsoft.com/office/drawing/2014/main" id="{5BE6E4CF-9021-4B4E-B76D-DC2689E7151A}"/>
+              </a:ext>
+            </a:extLst>
+          </p:cNvPr>
+          <p:cNvSpPr/>
+          <p:nvPr/>
+        </p:nvSpPr>
+        <p:spPr>
+          <a:xfrm>
+            <a:off x="1203552" y="735858"/>
+            <a:ext cx="30499" cy="30499"/>
+          </a:xfrm>
+          <a:prstGeom prst="ellipse">
+            <a:avLst/>
+          </a:prstGeom>
+          <a:solidFill>
+            <a:srgbClr val="FF0000"/>
+          </a:solidFill>
+          <a:ln>
+            <a:noFill/>
+          </a:ln>
+        </p:spPr>
+        <p:style>
+          <a:lnRef idx="2">
+            <a:schemeClr val="accent1">
+              <a:shade val="50000"/>
+            </a:schemeClr>
+          </a:lnRef>
+          <a:fillRef idx="1">
+            <a:schemeClr val="accent1"/>
+          </a:fillRef>
+          <a:effectRef idx="0">
+            <a:schemeClr val="accent1"/>
+          </a:effectRef>
+          <a:fontRef idx="minor">
+            <a:schemeClr val="lt1"/>
+          </a:fontRef>
+        </p:style>
+        <p:txBody>
+          <a:bodyPr rtlCol="0" anchor="ctr"/>
+          <a:lstStyle/>
+          <a:p>
+            <a:pPr algn="ctr"/>
+            <a:endParaRPr lang="en-US"/>
+          </a:p>
+        </p:txBody>
+      </p:sp>
+      <p:cxnSp>
+        <p:nvCxnSpPr>
+          <p:cNvPr id="19" name="직선 화살표 연결선 19">
+            <a:extLst>
+              <a:ext uri="{FF2B5EF4-FFF2-40B4-BE49-F238E27FC236}">
+                <a16:creationId xmlns:a16="http://schemas.microsoft.com/office/drawing/2014/main" id="{D8A0B464-9B94-40E7-9BEB-DC9D862B73AA}"/>
+              </a:ext>
+            </a:extLst>
+          </p:cNvPr>
+          <p:cNvCxnSpPr>
+            <a:cxnSpLocks/>
+          </p:cNvCxnSpPr>
+          <p:nvPr/>
+        </p:nvCxnSpPr>
+        <p:spPr>
+          <a:xfrm>
+            <a:off x="2361462" y="194736"/>
+            <a:ext cx="0" cy="6484336"/>
+          </a:xfrm>
+          <a:prstGeom prst="straightConnector1">
+            <a:avLst/>
+          </a:prstGeom>
+          <a:ln w="38100">
+            <a:solidFill>
+              <a:schemeClr val="tx1"/>
+            </a:solidFill>
+            <a:tailEnd type="triangle"/>
+          </a:ln>
+        </p:spPr>
+        <p:style>
+          <a:lnRef idx="1">
+            <a:schemeClr val="accent1"/>
+          </a:lnRef>
+          <a:fillRef idx="0">
+            <a:schemeClr val="accent1"/>
+          </a:fillRef>
+          <a:effectRef idx="0">
+            <a:schemeClr val="accent1"/>
+          </a:effectRef>
+          <a:fontRef idx="minor">
+            <a:schemeClr val="tx1"/>
+          </a:fontRef>
+        </p:style>
+      </p:cxnSp>
+      <p:sp>
+        <p:nvSpPr>
+          <p:cNvPr id="20" name="TextBox 19">
+            <a:extLst>
+              <a:ext uri="{FF2B5EF4-FFF2-40B4-BE49-F238E27FC236}">
+                <a16:creationId xmlns:a16="http://schemas.microsoft.com/office/drawing/2014/main" id="{49BC803D-28FC-414A-94C1-6E70220B8F70}"/>
+              </a:ext>
+            </a:extLst>
+          </p:cNvPr>
+          <p:cNvSpPr txBox="1"/>
+          <p:nvPr/>
+        </p:nvSpPr>
+        <p:spPr>
+          <a:xfrm>
+            <a:off x="1857626" y="6267180"/>
+            <a:ext cx="804728" cy="338554"/>
+          </a:xfrm>
+          <a:prstGeom prst="rect">
+            <a:avLst/>
+          </a:prstGeom>
+          <a:noFill/>
+        </p:spPr>
+        <p:txBody>
+          <a:bodyPr wrap="square" rtlCol="0">
+            <a:spAutoFit/>
+          </a:bodyPr>
+          <a:lstStyle/>
+          <a:p>
+            <a:pPr algn="r"/>
+            <a:r>
+              <a:rPr lang="en-US" sz="1600" dirty="0"/>
+              <a:t>t</a:t>
+            </a:r>
+          </a:p>
+        </p:txBody>
+      </p:sp>
+      <p:sp>
+        <p:nvSpPr>
+          <p:cNvPr id="35" name="직사각형 13">
+            <a:extLst>
+              <a:ext uri="{FF2B5EF4-FFF2-40B4-BE49-F238E27FC236}">
+                <a16:creationId xmlns:a16="http://schemas.microsoft.com/office/drawing/2014/main" id="{D7F7242A-DCF5-42D6-9012-277A3DD96E64}"/>
+              </a:ext>
+            </a:extLst>
+          </p:cNvPr>
+          <p:cNvSpPr/>
+          <p:nvPr/>
+        </p:nvSpPr>
+        <p:spPr>
+          <a:xfrm>
+            <a:off x="279086" y="2838326"/>
+            <a:ext cx="1879432" cy="1169020"/>
+          </a:xfrm>
+          <a:prstGeom prst="rect">
+            <a:avLst/>
+          </a:prstGeom>
+          <a:solidFill>
+            <a:schemeClr val="bg1">
+              <a:lumMod val="65000"/>
+            </a:schemeClr>
+          </a:solidFill>
+          <a:ln w="57150">
+            <a:solidFill>
+              <a:schemeClr val="tx1"/>
+            </a:solidFill>
+          </a:ln>
+        </p:spPr>
+        <p:style>
+          <a:lnRef idx="2">
+            <a:schemeClr val="accent1">
+              <a:shade val="50000"/>
+            </a:schemeClr>
+          </a:lnRef>
+          <a:fillRef idx="1">
+            <a:schemeClr val="accent1"/>
+          </a:fillRef>
+          <a:effectRef idx="0">
+            <a:schemeClr val="accent1"/>
+          </a:effectRef>
+          <a:fontRef idx="minor">
+            <a:schemeClr val="lt1"/>
+          </a:fontRef>
+        </p:style>
+        <p:txBody>
+          <a:bodyPr rtlCol="0" anchor="ctr"/>
+          <a:lstStyle/>
+          <a:p>
+            <a:pPr algn="ctr"/>
+            <a:endParaRPr lang="en-US" sz="1600"/>
+          </a:p>
+        </p:txBody>
+      </p:sp>
+      <p:sp>
+        <p:nvSpPr>
+          <p:cNvPr id="38" name="Oval 37">
+            <a:extLst>
+              <a:ext uri="{FF2B5EF4-FFF2-40B4-BE49-F238E27FC236}">
+                <a16:creationId xmlns:a16="http://schemas.microsoft.com/office/drawing/2014/main" id="{2C6AAB42-C71D-4D93-9737-B7B3E848F24D}"/>
+              </a:ext>
+            </a:extLst>
+          </p:cNvPr>
+          <p:cNvSpPr/>
+          <p:nvPr/>
+        </p:nvSpPr>
+        <p:spPr>
+          <a:xfrm>
+            <a:off x="1203552" y="3407586"/>
+            <a:ext cx="30499" cy="30499"/>
+          </a:xfrm>
+          <a:prstGeom prst="ellipse">
+            <a:avLst/>
+          </a:prstGeom>
+          <a:solidFill>
+            <a:srgbClr val="FF0000"/>
+          </a:solidFill>
+          <a:ln>
+            <a:noFill/>
+          </a:ln>
+        </p:spPr>
+        <p:style>
+          <a:lnRef idx="2">
+            <a:schemeClr val="accent1">
+              <a:shade val="50000"/>
+            </a:schemeClr>
+          </a:lnRef>
+          <a:fillRef idx="1">
+            <a:schemeClr val="accent1"/>
+          </a:fillRef>
+          <a:effectRef idx="0">
+            <a:schemeClr val="accent1"/>
+          </a:effectRef>
+          <a:fontRef idx="minor">
+            <a:schemeClr val="lt1"/>
+          </a:fontRef>
+        </p:style>
+        <p:txBody>
+          <a:bodyPr rtlCol="0" anchor="ctr"/>
+          <a:lstStyle/>
+          <a:p>
+            <a:pPr algn="ctr"/>
+            <a:endParaRPr lang="en-US"/>
+          </a:p>
+        </p:txBody>
+      </p:sp>
+      <p:sp>
+        <p:nvSpPr>
+          <p:cNvPr id="39" name="직사각형 13">
+            <a:extLst>
+              <a:ext uri="{FF2B5EF4-FFF2-40B4-BE49-F238E27FC236}">
+                <a16:creationId xmlns:a16="http://schemas.microsoft.com/office/drawing/2014/main" id="{65458511-5A9D-4CEB-96CC-138660E7BFDE}"/>
+              </a:ext>
+            </a:extLst>
+          </p:cNvPr>
+          <p:cNvSpPr/>
+          <p:nvPr/>
+        </p:nvSpPr>
+        <p:spPr>
+          <a:xfrm>
+            <a:off x="279086" y="4174190"/>
+            <a:ext cx="1879432" cy="1169020"/>
+          </a:xfrm>
+          <a:prstGeom prst="rect">
+            <a:avLst/>
+          </a:prstGeom>
+          <a:solidFill>
+            <a:schemeClr val="bg1">
+              <a:lumMod val="65000"/>
+            </a:schemeClr>
+          </a:solidFill>
+          <a:ln w="57150">
+            <a:solidFill>
+              <a:schemeClr val="tx1"/>
+            </a:solidFill>
+          </a:ln>
+        </p:spPr>
+        <p:style>
+          <a:lnRef idx="2">
+            <a:schemeClr val="accent1">
+              <a:shade val="50000"/>
+            </a:schemeClr>
+          </a:lnRef>
+          <a:fillRef idx="1">
+            <a:schemeClr val="accent1"/>
+          </a:fillRef>
+          <a:effectRef idx="0">
+            <a:schemeClr val="accent1"/>
+          </a:effectRef>
+          <a:fontRef idx="minor">
+            <a:schemeClr val="lt1"/>
+          </a:fontRef>
+        </p:style>
+        <p:txBody>
+          <a:bodyPr rtlCol="0" anchor="ctr"/>
+          <a:lstStyle/>
+          <a:p>
+            <a:pPr algn="ctr"/>
+            <a:endParaRPr lang="en-US" sz="1600"/>
+          </a:p>
+        </p:txBody>
+      </p:sp>
+      <p:sp>
+        <p:nvSpPr>
+          <p:cNvPr id="42" name="Oval 41">
+            <a:extLst>
+              <a:ext uri="{FF2B5EF4-FFF2-40B4-BE49-F238E27FC236}">
+                <a16:creationId xmlns:a16="http://schemas.microsoft.com/office/drawing/2014/main" id="{333F7DF6-9BA0-46A7-AB8D-F4464856D712}"/>
+              </a:ext>
+            </a:extLst>
+          </p:cNvPr>
+          <p:cNvSpPr/>
+          <p:nvPr/>
+        </p:nvSpPr>
+        <p:spPr>
+          <a:xfrm>
+            <a:off x="1203552" y="4743450"/>
+            <a:ext cx="30499" cy="30499"/>
+          </a:xfrm>
+          <a:prstGeom prst="ellipse">
+            <a:avLst/>
+          </a:prstGeom>
+          <a:solidFill>
+            <a:srgbClr val="FF0000"/>
+          </a:solidFill>
+          <a:ln>
+            <a:noFill/>
+          </a:ln>
+        </p:spPr>
+        <p:style>
+          <a:lnRef idx="2">
+            <a:schemeClr val="accent1">
+              <a:shade val="50000"/>
+            </a:schemeClr>
+          </a:lnRef>
+          <a:fillRef idx="1">
+            <a:schemeClr val="accent1"/>
+          </a:fillRef>
+          <a:effectRef idx="0">
+            <a:schemeClr val="accent1"/>
+          </a:effectRef>
+          <a:fontRef idx="minor">
+            <a:schemeClr val="lt1"/>
+          </a:fontRef>
+        </p:style>
+        <p:txBody>
+          <a:bodyPr rtlCol="0" anchor="ctr"/>
+          <a:lstStyle/>
+          <a:p>
+            <a:pPr algn="ctr"/>
+            <a:endParaRPr lang="en-US"/>
+          </a:p>
+        </p:txBody>
+      </p:sp>
+      <p:sp>
+        <p:nvSpPr>
+          <p:cNvPr id="24" name="직사각형 14">
+            <a:extLst>
+              <a:ext uri="{FF2B5EF4-FFF2-40B4-BE49-F238E27FC236}">
+                <a16:creationId xmlns:a16="http://schemas.microsoft.com/office/drawing/2014/main" id="{39B8DE6B-3D95-4905-8F41-2F5EEB7A138F}"/>
+              </a:ext>
+            </a:extLst>
+          </p:cNvPr>
+          <p:cNvSpPr/>
+          <p:nvPr/>
+        </p:nvSpPr>
+        <p:spPr>
+          <a:xfrm>
+            <a:off x="279086" y="1502462"/>
+            <a:ext cx="1879432" cy="1169020"/>
+          </a:xfrm>
+          <a:prstGeom prst="rect">
+            <a:avLst/>
+          </a:prstGeom>
+          <a:solidFill>
+            <a:schemeClr val="bg1">
+              <a:lumMod val="65000"/>
+            </a:schemeClr>
+          </a:solidFill>
+          <a:ln w="57150">
+            <a:solidFill>
+              <a:schemeClr val="tx1"/>
+            </a:solidFill>
+          </a:ln>
+        </p:spPr>
+        <p:style>
+          <a:lnRef idx="2">
+            <a:schemeClr val="accent1">
+              <a:shade val="50000"/>
+            </a:schemeClr>
+          </a:lnRef>
+          <a:fillRef idx="1">
+            <a:schemeClr val="accent1"/>
+          </a:fillRef>
+          <a:effectRef idx="0">
+            <a:schemeClr val="accent1"/>
+          </a:effectRef>
+          <a:fontRef idx="minor">
+            <a:schemeClr val="lt1"/>
+          </a:fontRef>
+        </p:style>
+        <p:txBody>
+          <a:bodyPr rtlCol="0" anchor="ctr"/>
+          <a:lstStyle/>
+          <a:p>
+            <a:pPr algn="ctr"/>
+            <a:endParaRPr lang="en-US" sz="1600"/>
+          </a:p>
+        </p:txBody>
+      </p:sp>
+      <p:pic>
+        <p:nvPicPr>
+          <p:cNvPr id="55" name="그림 10">
+            <a:extLst>
+              <a:ext uri="{FF2B5EF4-FFF2-40B4-BE49-F238E27FC236}">
+                <a16:creationId xmlns:a16="http://schemas.microsoft.com/office/drawing/2014/main" id="{2AF5113E-DFCA-4319-802A-CEDF4E07468F}"/>
+              </a:ext>
+            </a:extLst>
+          </p:cNvPr>
+          <p:cNvPicPr>
+            <a:picLocks noChangeAspect="1"/>
+          </p:cNvPicPr>
+          <p:nvPr/>
+        </p:nvPicPr>
+        <p:blipFill>
+          <a:blip r:embed="rId2" cstate="print">
+            <a:extLst>
+              <a:ext uri="{28A0092B-C50C-407E-A947-70E740481C1C}">
+                <a14:useLocalDpi xmlns:a14="http://schemas.microsoft.com/office/drawing/2010/main" val="0"/>
+              </a:ext>
+            </a:extLst>
+          </a:blip>
+          <a:stretch>
+            <a:fillRect/>
+          </a:stretch>
+        </p:blipFill>
+        <p:spPr>
+          <a:xfrm>
+            <a:off x="1268861" y="1930372"/>
+            <a:ext cx="313200" cy="313200"/>
+          </a:xfrm>
+          <a:prstGeom prst="rect">
+            <a:avLst/>
+          </a:prstGeom>
+        </p:spPr>
+      </p:pic>
+      <p:pic>
+        <p:nvPicPr>
+          <p:cNvPr id="33" name="Picture 32">
+            <a:extLst>
+              <a:ext uri="{FF2B5EF4-FFF2-40B4-BE49-F238E27FC236}">
+                <a16:creationId xmlns:a16="http://schemas.microsoft.com/office/drawing/2014/main" id="{F1AA9580-8694-4A70-A91B-DD306F179949}"/>
+              </a:ext>
+            </a:extLst>
+          </p:cNvPr>
+          <p:cNvPicPr>
+            <a:picLocks noChangeAspect="1"/>
+          </p:cNvPicPr>
+          <p:nvPr/>
+        </p:nvPicPr>
+        <p:blipFill>
+          <a:blip r:embed="rId3" cstate="print">
+            <a:extLst>
+              <a:ext uri="{28A0092B-C50C-407E-A947-70E740481C1C}">
+                <a14:useLocalDpi xmlns:a14="http://schemas.microsoft.com/office/drawing/2010/main" val="0"/>
+              </a:ext>
+            </a:extLst>
+          </a:blip>
+          <a:stretch>
+            <a:fillRect/>
+          </a:stretch>
+        </p:blipFill>
+        <p:spPr>
+          <a:xfrm>
+            <a:off x="855544" y="1930372"/>
+            <a:ext cx="313200" cy="313200"/>
+          </a:xfrm>
+          <a:prstGeom prst="rect">
+            <a:avLst/>
+          </a:prstGeom>
+        </p:spPr>
+      </p:pic>
+      <p:sp>
+        <p:nvSpPr>
+          <p:cNvPr id="34" name="Oval 33">
+            <a:extLst>
+              <a:ext uri="{FF2B5EF4-FFF2-40B4-BE49-F238E27FC236}">
+                <a16:creationId xmlns:a16="http://schemas.microsoft.com/office/drawing/2014/main" id="{E15A8C35-7D13-40BF-9B18-B20090FC958D}"/>
+              </a:ext>
+            </a:extLst>
+          </p:cNvPr>
+          <p:cNvSpPr/>
+          <p:nvPr/>
+        </p:nvSpPr>
+        <p:spPr>
+          <a:xfrm>
+            <a:off x="1203552" y="2072137"/>
+            <a:ext cx="30499" cy="30499"/>
+          </a:xfrm>
+          <a:prstGeom prst="ellipse">
+            <a:avLst/>
+          </a:prstGeom>
+          <a:solidFill>
+            <a:srgbClr val="FF0000"/>
+          </a:solidFill>
+          <a:ln>
+            <a:noFill/>
+          </a:ln>
+        </p:spPr>
+        <p:style>
+          <a:lnRef idx="2">
+            <a:schemeClr val="accent1">
+              <a:shade val="50000"/>
+            </a:schemeClr>
+          </a:lnRef>
+          <a:fillRef idx="1">
+            <a:schemeClr val="accent1"/>
+          </a:fillRef>
+          <a:effectRef idx="0">
+            <a:schemeClr val="accent1"/>
+          </a:effectRef>
+          <a:fontRef idx="minor">
+            <a:schemeClr val="lt1"/>
+          </a:fontRef>
+        </p:style>
+        <p:txBody>
+          <a:bodyPr rtlCol="0" anchor="ctr"/>
+          <a:lstStyle/>
+          <a:p>
+            <a:pPr algn="ctr"/>
+            <a:endParaRPr lang="en-US"/>
+          </a:p>
+        </p:txBody>
+      </p:sp>
+      <p:pic>
+        <p:nvPicPr>
+          <p:cNvPr id="44" name="Picture 43">
+            <a:extLst>
+              <a:ext uri="{FF2B5EF4-FFF2-40B4-BE49-F238E27FC236}">
+                <a16:creationId xmlns:a16="http://schemas.microsoft.com/office/drawing/2014/main" id="{A33CECE6-ACD0-4A04-A2F3-15097E6922EB}"/>
+              </a:ext>
+            </a:extLst>
+          </p:cNvPr>
+          <p:cNvPicPr>
+            <a:picLocks noChangeAspect="1"/>
+          </p:cNvPicPr>
+          <p:nvPr/>
+        </p:nvPicPr>
+        <p:blipFill>
+          <a:blip r:embed="rId3" cstate="print">
+            <a:extLst>
+              <a:ext uri="{28A0092B-C50C-407E-A947-70E740481C1C}">
+                <a14:useLocalDpi xmlns:a14="http://schemas.microsoft.com/office/drawing/2010/main" val="0"/>
+              </a:ext>
+            </a:extLst>
+          </a:blip>
+          <a:stretch>
+            <a:fillRect/>
+          </a:stretch>
+        </p:blipFill>
+        <p:spPr>
+          <a:xfrm>
+            <a:off x="1679787" y="1929504"/>
+            <a:ext cx="313200" cy="313200"/>
+          </a:xfrm>
+          <a:prstGeom prst="rect">
+            <a:avLst/>
+          </a:prstGeom>
+        </p:spPr>
+      </p:pic>
+      <p:sp>
+        <p:nvSpPr>
+          <p:cNvPr id="45" name="Oval 44">
+            <a:extLst>
+              <a:ext uri="{FF2B5EF4-FFF2-40B4-BE49-F238E27FC236}">
+                <a16:creationId xmlns:a16="http://schemas.microsoft.com/office/drawing/2014/main" id="{13CC0D9D-C793-4312-8A7B-01ECF4BBDBA7}"/>
+              </a:ext>
+            </a:extLst>
+          </p:cNvPr>
+          <p:cNvSpPr/>
+          <p:nvPr/>
+        </p:nvSpPr>
+        <p:spPr>
+          <a:xfrm>
+            <a:off x="1203552" y="2072137"/>
+            <a:ext cx="30499" cy="30499"/>
+          </a:xfrm>
+          <a:prstGeom prst="ellipse">
+            <a:avLst/>
+          </a:prstGeom>
+          <a:solidFill>
+            <a:srgbClr val="FF0000"/>
+          </a:solidFill>
+          <a:ln>
+            <a:noFill/>
+          </a:ln>
+        </p:spPr>
+        <p:style>
+          <a:lnRef idx="2">
+            <a:schemeClr val="accent1">
+              <a:shade val="50000"/>
+            </a:schemeClr>
+          </a:lnRef>
+          <a:fillRef idx="1">
+            <a:schemeClr val="accent1"/>
+          </a:fillRef>
+          <a:effectRef idx="0">
+            <a:schemeClr val="accent1"/>
+          </a:effectRef>
+          <a:fontRef idx="minor">
+            <a:schemeClr val="lt1"/>
+          </a:fontRef>
+        </p:style>
+        <p:txBody>
+          <a:bodyPr rtlCol="0" anchor="ctr"/>
+          <a:lstStyle/>
+          <a:p>
+            <a:pPr algn="ctr"/>
+            <a:endParaRPr lang="en-US"/>
+          </a:p>
+        </p:txBody>
+      </p:sp>
+      <p:sp>
+        <p:nvSpPr>
+          <p:cNvPr id="46" name="직사각형 14">
+            <a:extLst>
+              <a:ext uri="{FF2B5EF4-FFF2-40B4-BE49-F238E27FC236}">
+                <a16:creationId xmlns:a16="http://schemas.microsoft.com/office/drawing/2014/main" id="{B7E04F9F-7715-444C-9A31-EE25368AEBBE}"/>
+              </a:ext>
+            </a:extLst>
+          </p:cNvPr>
+          <p:cNvSpPr/>
+          <p:nvPr/>
+        </p:nvSpPr>
+        <p:spPr>
+          <a:xfrm>
+            <a:off x="279086" y="5510052"/>
+            <a:ext cx="1879432" cy="1169020"/>
+          </a:xfrm>
+          <a:prstGeom prst="rect">
+            <a:avLst/>
+          </a:prstGeom>
+          <a:solidFill>
+            <a:schemeClr val="bg1">
+              <a:lumMod val="65000"/>
+            </a:schemeClr>
+          </a:solidFill>
+          <a:ln w="57150">
+            <a:solidFill>
+              <a:schemeClr val="tx1"/>
+            </a:solidFill>
+          </a:ln>
+        </p:spPr>
+        <p:style>
+          <a:lnRef idx="2">
+            <a:schemeClr val="accent1">
+              <a:shade val="50000"/>
+            </a:schemeClr>
+          </a:lnRef>
+          <a:fillRef idx="1">
+            <a:schemeClr val="accent1"/>
+          </a:fillRef>
+          <a:effectRef idx="0">
+            <a:schemeClr val="accent1"/>
+          </a:effectRef>
+          <a:fontRef idx="minor">
+            <a:schemeClr val="lt1"/>
+          </a:fontRef>
+        </p:style>
+        <p:txBody>
+          <a:bodyPr rtlCol="0" anchor="ctr"/>
+          <a:lstStyle/>
+          <a:p>
+            <a:pPr algn="ctr"/>
+            <a:endParaRPr lang="en-US" sz="1600"/>
+          </a:p>
+        </p:txBody>
+      </p:sp>
+      <p:pic>
+        <p:nvPicPr>
+          <p:cNvPr id="47" name="그림 22">
+            <a:extLst>
+              <a:ext uri="{FF2B5EF4-FFF2-40B4-BE49-F238E27FC236}">
+                <a16:creationId xmlns:a16="http://schemas.microsoft.com/office/drawing/2014/main" id="{CE5D51BA-3F4B-454B-ABB3-D39B97AF9D8C}"/>
+              </a:ext>
+            </a:extLst>
+          </p:cNvPr>
+          <p:cNvPicPr>
+            <a:picLocks noChangeAspect="1"/>
+          </p:cNvPicPr>
+          <p:nvPr/>
+        </p:nvPicPr>
+        <p:blipFill>
+          <a:blip r:embed="rId4" cstate="print">
+            <a:extLst>
+              <a:ext uri="{28A0092B-C50C-407E-A947-70E740481C1C}">
+                <a14:useLocalDpi xmlns:a14="http://schemas.microsoft.com/office/drawing/2010/main" val="0"/>
+              </a:ext>
+            </a:extLst>
+          </a:blip>
+          <a:stretch>
+            <a:fillRect/>
+          </a:stretch>
+        </p:blipFill>
+        <p:spPr>
+          <a:xfrm>
+            <a:off x="856141" y="5937962"/>
+            <a:ext cx="313200" cy="313200"/>
+          </a:xfrm>
+          <a:prstGeom prst="rect">
+            <a:avLst/>
+          </a:prstGeom>
+        </p:spPr>
+      </p:pic>
+      <p:pic>
+        <p:nvPicPr>
+          <p:cNvPr id="48" name="Picture 47">
+            <a:extLst>
+              <a:ext uri="{FF2B5EF4-FFF2-40B4-BE49-F238E27FC236}">
+                <a16:creationId xmlns:a16="http://schemas.microsoft.com/office/drawing/2014/main" id="{542257EB-9B78-4B9A-A59C-BF1A14143067}"/>
+              </a:ext>
+            </a:extLst>
+          </p:cNvPr>
+          <p:cNvPicPr>
+            <a:picLocks noChangeAspect="1"/>
+          </p:cNvPicPr>
+          <p:nvPr/>
+        </p:nvPicPr>
+        <p:blipFill>
+          <a:blip r:embed="rId3" cstate="print">
+            <a:extLst>
+              <a:ext uri="{28A0092B-C50C-407E-A947-70E740481C1C}">
+                <a14:useLocalDpi xmlns:a14="http://schemas.microsoft.com/office/drawing/2010/main" val="0"/>
+              </a:ext>
+            </a:extLst>
+          </a:blip>
+          <a:stretch>
+            <a:fillRect/>
+          </a:stretch>
+        </p:blipFill>
+        <p:spPr>
+          <a:xfrm>
+            <a:off x="1267665" y="5944020"/>
+            <a:ext cx="313200" cy="313200"/>
+          </a:xfrm>
+          <a:prstGeom prst="rect">
+            <a:avLst/>
+          </a:prstGeom>
+        </p:spPr>
+      </p:pic>
+      <p:sp>
+        <p:nvSpPr>
+          <p:cNvPr id="49" name="Oval 48">
+            <a:extLst>
+              <a:ext uri="{FF2B5EF4-FFF2-40B4-BE49-F238E27FC236}">
+                <a16:creationId xmlns:a16="http://schemas.microsoft.com/office/drawing/2014/main" id="{BDA042D7-7561-4285-A79D-AF1BA918A3D1}"/>
+              </a:ext>
+            </a:extLst>
+          </p:cNvPr>
+          <p:cNvSpPr/>
+          <p:nvPr/>
+        </p:nvSpPr>
+        <p:spPr>
+          <a:xfrm>
+            <a:off x="1203552" y="6079727"/>
+            <a:ext cx="30499" cy="30499"/>
+          </a:xfrm>
+          <a:prstGeom prst="ellipse">
+            <a:avLst/>
+          </a:prstGeom>
+          <a:solidFill>
+            <a:srgbClr val="FF0000"/>
+          </a:solidFill>
+          <a:ln>
+            <a:noFill/>
+          </a:ln>
+        </p:spPr>
+        <p:style>
+          <a:lnRef idx="2">
+            <a:schemeClr val="accent1">
+              <a:shade val="50000"/>
+            </a:schemeClr>
+          </a:lnRef>
+          <a:fillRef idx="1">
+            <a:schemeClr val="accent1"/>
+          </a:fillRef>
+          <a:effectRef idx="0">
+            <a:schemeClr val="accent1"/>
+          </a:effectRef>
+          <a:fontRef idx="minor">
+            <a:schemeClr val="lt1"/>
+          </a:fontRef>
+        </p:style>
+        <p:txBody>
+          <a:bodyPr rtlCol="0" anchor="ctr"/>
+          <a:lstStyle/>
+          <a:p>
+            <a:pPr algn="ctr"/>
+            <a:endParaRPr lang="en-US"/>
+          </a:p>
+        </p:txBody>
+      </p:sp>
+      <p:sp>
+        <p:nvSpPr>
+          <p:cNvPr id="13" name="TextBox 12">
+            <a:extLst>
+              <a:ext uri="{FF2B5EF4-FFF2-40B4-BE49-F238E27FC236}">
+                <a16:creationId xmlns:a16="http://schemas.microsoft.com/office/drawing/2014/main" id="{65ACDFFD-6C6C-41F5-AB08-F4BB062AD5E9}"/>
+              </a:ext>
+            </a:extLst>
+          </p:cNvPr>
+          <p:cNvSpPr txBox="1"/>
+          <p:nvPr/>
+        </p:nvSpPr>
+        <p:spPr>
+          <a:xfrm>
+            <a:off x="1780474" y="1523977"/>
+            <a:ext cx="1260000" cy="338554"/>
+          </a:xfrm>
+          <a:prstGeom prst="rect">
+            <a:avLst/>
+          </a:prstGeom>
+          <a:solidFill>
+            <a:schemeClr val="bg1"/>
+          </a:solidFill>
+          <a:ln w="19050">
+            <a:solidFill>
+              <a:schemeClr val="bg1">
+                <a:lumMod val="50000"/>
+              </a:schemeClr>
+            </a:solidFill>
+          </a:ln>
+          <a:effectLst>
+            <a:outerShdw blurRad="50800" dist="38100" dir="2700000" algn="tl" rotWithShape="0">
+              <a:prstClr val="black">
+                <a:alpha val="40000"/>
+              </a:prstClr>
+            </a:outerShdw>
+          </a:effectLst>
+        </p:spPr>
+        <p:txBody>
+          <a:bodyPr wrap="square" rtlCol="0">
+            <a:spAutoFit/>
+          </a:bodyPr>
+          <a:lstStyle/>
+          <a:p>
+            <a:pPr algn="ctr"/>
+            <a:r>
+              <a:rPr lang="en-US" sz="1600" b="1" dirty="0"/>
+              <a:t>cue frame</a:t>
+            </a:r>
+          </a:p>
+        </p:txBody>
+      </p:sp>
+      <p:sp>
+        <p:nvSpPr>
+          <p:cNvPr id="14" name="TextBox 13">
+            <a:extLst>
+              <a:ext uri="{FF2B5EF4-FFF2-40B4-BE49-F238E27FC236}">
+                <a16:creationId xmlns:a16="http://schemas.microsoft.com/office/drawing/2014/main" id="{4637171F-B00D-42D3-AA36-EC535880E451}"/>
+              </a:ext>
+            </a:extLst>
+          </p:cNvPr>
+          <p:cNvSpPr txBox="1"/>
+          <p:nvPr/>
+        </p:nvSpPr>
+        <p:spPr>
+          <a:xfrm>
+            <a:off x="1780474" y="5541191"/>
+            <a:ext cx="1260000" cy="338554"/>
+          </a:xfrm>
+          <a:prstGeom prst="rect">
+            <a:avLst/>
+          </a:prstGeom>
+          <a:solidFill>
+            <a:schemeClr val="bg1"/>
+          </a:solidFill>
+          <a:ln w="19050">
+            <a:solidFill>
+              <a:schemeClr val="bg1">
+                <a:lumMod val="50000"/>
+              </a:schemeClr>
+            </a:solidFill>
+          </a:ln>
+          <a:effectLst>
+            <a:outerShdw blurRad="50800" dist="38100" dir="2700000" algn="tl" rotWithShape="0">
+              <a:prstClr val="black">
+                <a:alpha val="40000"/>
+              </a:prstClr>
+            </a:outerShdw>
+          </a:effectLst>
+        </p:spPr>
+        <p:txBody>
+          <a:bodyPr wrap="square" rtlCol="0">
+            <a:spAutoFit/>
+          </a:bodyPr>
+          <a:lstStyle/>
+          <a:p>
+            <a:pPr algn="ctr"/>
+            <a:r>
+              <a:rPr lang="en-US" sz="1600" b="1" dirty="0"/>
+              <a:t>probe frame</a:t>
+            </a:r>
+          </a:p>
+        </p:txBody>
+      </p:sp>
+      <p:pic>
+        <p:nvPicPr>
+          <p:cNvPr id="23" name="그림 24">
+            <a:extLst>
+              <a:ext uri="{FF2B5EF4-FFF2-40B4-BE49-F238E27FC236}">
+                <a16:creationId xmlns:a16="http://schemas.microsoft.com/office/drawing/2014/main" id="{7B97E8BF-BE32-4CB4-89DF-B7720F39400E}"/>
+              </a:ext>
+            </a:extLst>
+          </p:cNvPr>
+          <p:cNvPicPr>
+            <a:picLocks noChangeAspect="1"/>
+          </p:cNvPicPr>
+          <p:nvPr/>
+        </p:nvPicPr>
+        <p:blipFill>
+          <a:blip r:embed="rId5" cstate="print">
+            <a:extLst>
+              <a:ext uri="{28A0092B-C50C-407E-A947-70E740481C1C}">
+                <a14:useLocalDpi xmlns:a14="http://schemas.microsoft.com/office/drawing/2010/main" val="0"/>
+              </a:ext>
+            </a:extLst>
+          </a:blip>
+          <a:stretch>
+            <a:fillRect/>
+          </a:stretch>
+        </p:blipFill>
+        <p:spPr>
+          <a:xfrm>
+            <a:off x="443422" y="578660"/>
+            <a:ext cx="314395" cy="314395"/>
+          </a:xfrm>
+          <a:prstGeom prst="rect">
+            <a:avLst/>
+          </a:prstGeom>
+        </p:spPr>
+      </p:pic>
+      <p:pic>
+        <p:nvPicPr>
+          <p:cNvPr id="32" name="그림 24">
+            <a:extLst>
+              <a:ext uri="{FF2B5EF4-FFF2-40B4-BE49-F238E27FC236}">
+                <a16:creationId xmlns:a16="http://schemas.microsoft.com/office/drawing/2014/main" id="{5BF9551C-C3B9-4FB0-8AA6-2B57142EA28E}"/>
+              </a:ext>
+            </a:extLst>
+          </p:cNvPr>
+          <p:cNvPicPr>
+            <a:picLocks noChangeAspect="1"/>
+          </p:cNvPicPr>
+          <p:nvPr/>
+        </p:nvPicPr>
+        <p:blipFill>
+          <a:blip r:embed="rId5" cstate="print">
+            <a:extLst>
+              <a:ext uri="{28A0092B-C50C-407E-A947-70E740481C1C}">
+                <a14:useLocalDpi xmlns:a14="http://schemas.microsoft.com/office/drawing/2010/main" val="0"/>
+              </a:ext>
+            </a:extLst>
+          </a:blip>
+          <a:stretch>
+            <a:fillRect/>
+          </a:stretch>
+        </p:blipFill>
+        <p:spPr>
+          <a:xfrm>
+            <a:off x="855544" y="578660"/>
+            <a:ext cx="314395" cy="314395"/>
+          </a:xfrm>
+          <a:prstGeom prst="rect">
+            <a:avLst/>
+          </a:prstGeom>
+        </p:spPr>
+      </p:pic>
+      <p:pic>
+        <p:nvPicPr>
+          <p:cNvPr id="43" name="그림 24">
+            <a:extLst>
+              <a:ext uri="{FF2B5EF4-FFF2-40B4-BE49-F238E27FC236}">
+                <a16:creationId xmlns:a16="http://schemas.microsoft.com/office/drawing/2014/main" id="{DD4D70E1-9EA6-43EB-810A-AEB26AC04620}"/>
+              </a:ext>
+            </a:extLst>
+          </p:cNvPr>
+          <p:cNvPicPr>
+            <a:picLocks noChangeAspect="1"/>
+          </p:cNvPicPr>
+          <p:nvPr/>
+        </p:nvPicPr>
+        <p:blipFill>
+          <a:blip r:embed="rId5" cstate="print">
+            <a:extLst>
+              <a:ext uri="{28A0092B-C50C-407E-A947-70E740481C1C}">
+                <a14:useLocalDpi xmlns:a14="http://schemas.microsoft.com/office/drawing/2010/main" val="0"/>
+              </a:ext>
+            </a:extLst>
+          </a:blip>
+          <a:stretch>
+            <a:fillRect/>
+          </a:stretch>
+        </p:blipFill>
+        <p:spPr>
+          <a:xfrm>
+            <a:off x="1267666" y="578660"/>
+            <a:ext cx="314395" cy="314395"/>
+          </a:xfrm>
+          <a:prstGeom prst="rect">
+            <a:avLst/>
+          </a:prstGeom>
+        </p:spPr>
+      </p:pic>
+      <p:grpSp>
+        <p:nvGrpSpPr>
+          <p:cNvPr id="6" name="Group 5">
+            <a:extLst>
+              <a:ext uri="{FF2B5EF4-FFF2-40B4-BE49-F238E27FC236}">
+                <a16:creationId xmlns:a16="http://schemas.microsoft.com/office/drawing/2014/main" id="{68A38A60-3CC7-4A5F-B308-D231E7A4F3D5}"/>
+              </a:ext>
+            </a:extLst>
+          </p:cNvPr>
+          <p:cNvGrpSpPr/>
+          <p:nvPr/>
+        </p:nvGrpSpPr>
+        <p:grpSpPr>
+          <a:xfrm>
+            <a:off x="443421" y="3265637"/>
+            <a:ext cx="1138639" cy="314395"/>
+            <a:chOff x="595822" y="731060"/>
+            <a:chExt cx="1138639" cy="314395"/>
+          </a:xfrm>
+        </p:grpSpPr>
+        <p:pic>
+          <p:nvPicPr>
+            <p:cNvPr id="56" name="그림 24">
+              <a:extLst>
+                <a:ext uri="{FF2B5EF4-FFF2-40B4-BE49-F238E27FC236}">
+                  <a16:creationId xmlns:a16="http://schemas.microsoft.com/office/drawing/2014/main" id="{08EFE96A-A956-45E2-8B8E-19739D9F32AB}"/>
+                </a:ext>
+              </a:extLst>
+            </p:cNvPr>
+            <p:cNvPicPr>
+              <a:picLocks noChangeAspect="1"/>
+            </p:cNvPicPr>
+            <p:nvPr/>
+          </p:nvPicPr>
+          <p:blipFill>
+            <a:blip r:embed="rId5" cstate="print">
+              <a:extLst>
+                <a:ext uri="{28A0092B-C50C-407E-A947-70E740481C1C}">
+                  <a14:useLocalDpi xmlns:a14="http://schemas.microsoft.com/office/drawing/2010/main" val="0"/>
+                </a:ext>
+              </a:extLst>
+            </a:blip>
+            <a:stretch>
+              <a:fillRect/>
+            </a:stretch>
+          </p:blipFill>
+          <p:spPr>
+            <a:xfrm>
+              <a:off x="595822" y="731060"/>
+              <a:ext cx="314395" cy="314395"/>
+            </a:xfrm>
+            <a:prstGeom prst="rect">
+              <a:avLst/>
+            </a:prstGeom>
+          </p:spPr>
+        </p:pic>
+        <p:pic>
+          <p:nvPicPr>
+            <p:cNvPr id="57" name="그림 24">
+              <a:extLst>
+                <a:ext uri="{FF2B5EF4-FFF2-40B4-BE49-F238E27FC236}">
+                  <a16:creationId xmlns:a16="http://schemas.microsoft.com/office/drawing/2014/main" id="{AB8BDD13-C67E-463F-B154-6EF71A90A5E6}"/>
+                </a:ext>
+              </a:extLst>
+            </p:cNvPr>
+            <p:cNvPicPr>
+              <a:picLocks noChangeAspect="1"/>
+            </p:cNvPicPr>
+            <p:nvPr/>
+          </p:nvPicPr>
+          <p:blipFill>
+            <a:blip r:embed="rId5" cstate="print">
+              <a:extLst>
+                <a:ext uri="{28A0092B-C50C-407E-A947-70E740481C1C}">
+                  <a14:useLocalDpi xmlns:a14="http://schemas.microsoft.com/office/drawing/2010/main" val="0"/>
+                </a:ext>
+              </a:extLst>
+            </a:blip>
+            <a:stretch>
+              <a:fillRect/>
+            </a:stretch>
+          </p:blipFill>
+          <p:spPr>
+            <a:xfrm>
+              <a:off x="1007944" y="731060"/>
+              <a:ext cx="314395" cy="314395"/>
+            </a:xfrm>
+            <a:prstGeom prst="rect">
+              <a:avLst/>
+            </a:prstGeom>
+          </p:spPr>
+        </p:pic>
+        <p:pic>
+          <p:nvPicPr>
+            <p:cNvPr id="58" name="그림 24">
+              <a:extLst>
+                <a:ext uri="{FF2B5EF4-FFF2-40B4-BE49-F238E27FC236}">
+                  <a16:creationId xmlns:a16="http://schemas.microsoft.com/office/drawing/2014/main" id="{BF19EEF4-FD6E-43EE-B9DC-3BC7ACC9FE28}"/>
+                </a:ext>
+              </a:extLst>
+            </p:cNvPr>
+            <p:cNvPicPr>
+              <a:picLocks noChangeAspect="1"/>
+            </p:cNvPicPr>
+            <p:nvPr/>
+          </p:nvPicPr>
+          <p:blipFill>
+            <a:blip r:embed="rId5" cstate="print">
+              <a:extLst>
+                <a:ext uri="{28A0092B-C50C-407E-A947-70E740481C1C}">
+                  <a14:useLocalDpi xmlns:a14="http://schemas.microsoft.com/office/drawing/2010/main" val="0"/>
+                </a:ext>
+              </a:extLst>
+            </a:blip>
+            <a:stretch>
+              <a:fillRect/>
+            </a:stretch>
+          </p:blipFill>
+          <p:spPr>
+            <a:xfrm>
+              <a:off x="1420066" y="731060"/>
+              <a:ext cx="314395" cy="314395"/>
+            </a:xfrm>
+            <a:prstGeom prst="rect">
+              <a:avLst/>
+            </a:prstGeom>
+          </p:spPr>
+        </p:pic>
+      </p:grpSp>
+      <p:grpSp>
+        <p:nvGrpSpPr>
+          <p:cNvPr id="7" name="Group 6">
+            <a:extLst>
+              <a:ext uri="{FF2B5EF4-FFF2-40B4-BE49-F238E27FC236}">
+                <a16:creationId xmlns:a16="http://schemas.microsoft.com/office/drawing/2014/main" id="{7A9862EA-C92B-4506-B2F6-B5677C265C96}"/>
+              </a:ext>
+            </a:extLst>
+          </p:cNvPr>
+          <p:cNvGrpSpPr/>
+          <p:nvPr/>
+        </p:nvGrpSpPr>
+        <p:grpSpPr>
+          <a:xfrm>
+            <a:off x="855543" y="4601501"/>
+            <a:ext cx="1138639" cy="314395"/>
+            <a:chOff x="595822" y="731060"/>
+            <a:chExt cx="1138639" cy="314395"/>
+          </a:xfrm>
+        </p:grpSpPr>
+        <p:pic>
+          <p:nvPicPr>
+            <p:cNvPr id="59" name="그림 24">
+              <a:extLst>
+                <a:ext uri="{FF2B5EF4-FFF2-40B4-BE49-F238E27FC236}">
+                  <a16:creationId xmlns:a16="http://schemas.microsoft.com/office/drawing/2014/main" id="{052B1C1F-601B-451F-80BD-E03108FA126A}"/>
+                </a:ext>
+              </a:extLst>
+            </p:cNvPr>
+            <p:cNvPicPr>
+              <a:picLocks noChangeAspect="1"/>
+            </p:cNvPicPr>
+            <p:nvPr/>
+          </p:nvPicPr>
+          <p:blipFill>
+            <a:blip r:embed="rId5" cstate="print">
+              <a:extLst>
+                <a:ext uri="{28A0092B-C50C-407E-A947-70E740481C1C}">
+                  <a14:useLocalDpi xmlns:a14="http://schemas.microsoft.com/office/drawing/2010/main" val="0"/>
+                </a:ext>
+              </a:extLst>
+            </a:blip>
+            <a:stretch>
+              <a:fillRect/>
+            </a:stretch>
+          </p:blipFill>
+          <p:spPr>
+            <a:xfrm>
+              <a:off x="595822" y="731060"/>
+              <a:ext cx="314395" cy="314395"/>
+            </a:xfrm>
+            <a:prstGeom prst="rect">
+              <a:avLst/>
+            </a:prstGeom>
+          </p:spPr>
+        </p:pic>
+        <p:pic>
+          <p:nvPicPr>
+            <p:cNvPr id="60" name="그림 24">
+              <a:extLst>
+                <a:ext uri="{FF2B5EF4-FFF2-40B4-BE49-F238E27FC236}">
+                  <a16:creationId xmlns:a16="http://schemas.microsoft.com/office/drawing/2014/main" id="{0AF2BE88-31E4-474A-895A-123D75E392ED}"/>
+                </a:ext>
+              </a:extLst>
+            </p:cNvPr>
+            <p:cNvPicPr>
+              <a:picLocks noChangeAspect="1"/>
+            </p:cNvPicPr>
+            <p:nvPr/>
+          </p:nvPicPr>
+          <p:blipFill>
+            <a:blip r:embed="rId5" cstate="print">
+              <a:extLst>
+                <a:ext uri="{28A0092B-C50C-407E-A947-70E740481C1C}">
+                  <a14:useLocalDpi xmlns:a14="http://schemas.microsoft.com/office/drawing/2010/main" val="0"/>
+                </a:ext>
+              </a:extLst>
+            </a:blip>
+            <a:stretch>
+              <a:fillRect/>
+            </a:stretch>
+          </p:blipFill>
+          <p:spPr>
+            <a:xfrm>
+              <a:off x="1007944" y="731060"/>
+              <a:ext cx="314395" cy="314395"/>
+            </a:xfrm>
+            <a:prstGeom prst="rect">
+              <a:avLst/>
+            </a:prstGeom>
+          </p:spPr>
+        </p:pic>
+        <p:pic>
+          <p:nvPicPr>
+            <p:cNvPr id="61" name="그림 24">
+              <a:extLst>
+                <a:ext uri="{FF2B5EF4-FFF2-40B4-BE49-F238E27FC236}">
+                  <a16:creationId xmlns:a16="http://schemas.microsoft.com/office/drawing/2014/main" id="{B23F39B2-1A92-47FF-95FB-01E21E9E0FC4}"/>
+                </a:ext>
+              </a:extLst>
+            </p:cNvPr>
+            <p:cNvPicPr>
+              <a:picLocks noChangeAspect="1"/>
+            </p:cNvPicPr>
+            <p:nvPr/>
+          </p:nvPicPr>
+          <p:blipFill>
+            <a:blip r:embed="rId5" cstate="print">
+              <a:extLst>
+                <a:ext uri="{28A0092B-C50C-407E-A947-70E740481C1C}">
+                  <a14:useLocalDpi xmlns:a14="http://schemas.microsoft.com/office/drawing/2010/main" val="0"/>
+                </a:ext>
+              </a:extLst>
+            </a:blip>
+            <a:stretch>
+              <a:fillRect/>
+            </a:stretch>
+          </p:blipFill>
+          <p:spPr>
+            <a:xfrm>
+              <a:off x="1420066" y="731060"/>
+              <a:ext cx="314395" cy="314395"/>
+            </a:xfrm>
+            <a:prstGeom prst="rect">
+              <a:avLst/>
+            </a:prstGeom>
+          </p:spPr>
+        </p:pic>
+      </p:grpSp>
+      <p:pic>
+        <p:nvPicPr>
+          <p:cNvPr id="62" name="Picture 61">
+            <a:extLst>
+              <a:ext uri="{FF2B5EF4-FFF2-40B4-BE49-F238E27FC236}">
+                <a16:creationId xmlns:a16="http://schemas.microsoft.com/office/drawing/2014/main" id="{98A52D0E-F4D2-4504-A569-17010E59CF00}"/>
+              </a:ext>
+            </a:extLst>
+          </p:cNvPr>
+          <p:cNvPicPr>
+            <a:picLocks noChangeAspect="1"/>
+          </p:cNvPicPr>
+          <p:nvPr/>
+        </p:nvPicPr>
+        <p:blipFill>
+          <a:blip r:embed="rId3" cstate="print">
+            <a:extLst>
+              <a:ext uri="{28A0092B-C50C-407E-A947-70E740481C1C}">
+                <a14:useLocalDpi xmlns:a14="http://schemas.microsoft.com/office/drawing/2010/main" val="0"/>
+              </a:ext>
+            </a:extLst>
+          </a:blip>
+          <a:stretch>
+            <a:fillRect/>
+          </a:stretch>
+        </p:blipFill>
+        <p:spPr>
+          <a:xfrm>
+            <a:off x="443421" y="5937962"/>
+            <a:ext cx="313200" cy="313200"/>
+          </a:xfrm>
+          <a:prstGeom prst="rect">
+            <a:avLst/>
+          </a:prstGeom>
+        </p:spPr>
+      </p:pic>
+      <p:sp>
+        <p:nvSpPr>
+          <p:cNvPr id="63" name="TextBox 62">
+            <a:extLst>
+              <a:ext uri="{FF2B5EF4-FFF2-40B4-BE49-F238E27FC236}">
+                <a16:creationId xmlns:a16="http://schemas.microsoft.com/office/drawing/2014/main" id="{643F477D-39BF-4430-B538-46D9F2D4C4A9}"/>
+              </a:ext>
+            </a:extLst>
+          </p:cNvPr>
+          <p:cNvSpPr txBox="1"/>
+          <p:nvPr/>
+        </p:nvSpPr>
+        <p:spPr>
+          <a:xfrm>
+            <a:off x="3465622" y="2072137"/>
+            <a:ext cx="8527191" cy="2369880"/>
+          </a:xfrm>
+          <a:prstGeom prst="rect">
+            <a:avLst/>
+          </a:prstGeom>
+          <a:noFill/>
+        </p:spPr>
+        <p:txBody>
+          <a:bodyPr wrap="square" rtlCol="0">
+            <a:spAutoFit/>
+          </a:bodyPr>
+          <a:lstStyle/>
+          <a:p>
+            <a:pPr marL="285750" indent="-285750">
+              <a:spcAft>
+                <a:spcPts val="1200"/>
+              </a:spcAft>
+              <a:buFontTx/>
+              <a:buChar char="-"/>
+            </a:pPr>
+            <a:r>
+              <a:rPr lang="en-US" dirty="0"/>
+              <a:t>Please fixate your eyes on </a:t>
+            </a:r>
+            <a:r>
+              <a:rPr lang="en-US" b="1" dirty="0">
+                <a:solidFill>
+                  <a:srgbClr val="FF0000"/>
+                </a:solidFill>
+              </a:rPr>
+              <a:t>the red fixation dot</a:t>
+            </a:r>
+            <a:r>
+              <a:rPr lang="en-US" dirty="0"/>
+              <a:t> all the time</a:t>
+            </a:r>
+          </a:p>
+          <a:p>
+            <a:pPr marL="285750" indent="-285750">
+              <a:spcAft>
+                <a:spcPts val="1200"/>
+              </a:spcAft>
+              <a:buFontTx/>
+              <a:buChar char="-"/>
+            </a:pPr>
+            <a:r>
+              <a:rPr lang="en-US" dirty="0"/>
+              <a:t>Your task is the same, except there will be three disks</a:t>
+            </a:r>
+          </a:p>
+          <a:p>
+            <a:pPr marL="285750" indent="-285750">
+              <a:spcAft>
+                <a:spcPts val="1200"/>
+              </a:spcAft>
+              <a:buFontTx/>
+              <a:buChar char="-"/>
+            </a:pPr>
+            <a:r>
+              <a:rPr lang="en-US" dirty="0"/>
+              <a:t>Tilted bars will be always presented in the middle disk</a:t>
+            </a:r>
+          </a:p>
+          <a:p>
+            <a:pPr marL="285750" indent="-285750">
+              <a:spcAft>
+                <a:spcPts val="1200"/>
+              </a:spcAft>
+              <a:buFontTx/>
+              <a:buChar char="-"/>
+            </a:pPr>
+            <a:r>
+              <a:rPr lang="en-US" dirty="0"/>
+              <a:t>Your task is to detect either the target bars (15</a:t>
+            </a:r>
+            <a:r>
+              <a:rPr lang="en-US" baseline="30000" dirty="0"/>
+              <a:t>◦ </a:t>
+            </a:r>
+            <a:r>
+              <a:rPr lang="en-US" dirty="0"/>
+              <a:t>tilted bars) in cue and probe frames are tilted in the same direction (left button) or not (right button)</a:t>
+            </a:r>
+          </a:p>
+          <a:p>
+            <a:pPr marL="285750" indent="-285750">
+              <a:spcAft>
+                <a:spcPts val="1200"/>
+              </a:spcAft>
+              <a:buFontTx/>
+              <a:buChar char="-"/>
+            </a:pPr>
+            <a:r>
+              <a:rPr lang="en-US" dirty="0"/>
+              <a:t>Again, you have to ignore the 45</a:t>
+            </a:r>
+            <a:r>
+              <a:rPr lang="en-US" baseline="30000" dirty="0"/>
+              <a:t>◦</a:t>
+            </a:r>
+            <a:r>
+              <a:rPr lang="en-US" dirty="0"/>
+              <a:t>(distractor) bar in the cue frame</a:t>
+            </a:r>
+          </a:p>
+        </p:txBody>
+      </p:sp>
+    </p:spTree>
+    <p:extLst>
+      <p:ext uri="{BB962C8B-B14F-4D97-AF65-F5344CB8AC3E}">
+        <p14:creationId xmlns:p14="http://schemas.microsoft.com/office/powerpoint/2010/main" val="4203095224"/>
       </p:ext>
     </p:extLst>
   </p:cSld>

--- a/Instructions/Instruction for observers.pptx
+++ b/Instructions/Instruction for observers.pptx
@@ -5,20 +5,23 @@
     <p:sldMasterId id="2147483648" r:id="rId1"/>
   </p:sldMasterIdLst>
   <p:sldIdLst>
-    <p:sldId id="258" r:id="rId2"/>
-    <p:sldId id="256" r:id="rId3"/>
+    <p:sldId id="271" r:id="rId2"/>
+    <p:sldId id="274" r:id="rId3"/>
     <p:sldId id="257" r:id="rId4"/>
-    <p:sldId id="263" r:id="rId5"/>
-    <p:sldId id="259" r:id="rId6"/>
-    <p:sldId id="261" r:id="rId7"/>
-    <p:sldId id="264" r:id="rId8"/>
-    <p:sldId id="260" r:id="rId9"/>
-    <p:sldId id="262" r:id="rId10"/>
-    <p:sldId id="265" r:id="rId11"/>
-    <p:sldId id="266" r:id="rId12"/>
-    <p:sldId id="269" r:id="rId13"/>
-    <p:sldId id="268" r:id="rId14"/>
-    <p:sldId id="270" r:id="rId15"/>
+    <p:sldId id="273" r:id="rId5"/>
+    <p:sldId id="260" r:id="rId6"/>
+    <p:sldId id="262" r:id="rId7"/>
+    <p:sldId id="265" r:id="rId8"/>
+    <p:sldId id="266" r:id="rId9"/>
+    <p:sldId id="269" r:id="rId10"/>
+    <p:sldId id="268" r:id="rId11"/>
+    <p:sldId id="270" r:id="rId12"/>
+    <p:sldId id="258" r:id="rId13"/>
+    <p:sldId id="256" r:id="rId14"/>
+    <p:sldId id="263" r:id="rId15"/>
+    <p:sldId id="259" r:id="rId16"/>
+    <p:sldId id="261" r:id="rId17"/>
+    <p:sldId id="264" r:id="rId18"/>
   </p:sldIdLst>
   <p:sldSz cx="12192000" cy="6858000"/>
   <p:notesSz cx="6858000" cy="9144000"/>
@@ -256,7 +259,7 @@
           <a:p>
             <a:fld id="{D1CB3D34-4A5F-4479-84DC-395EB63EC8BA}" type="datetimeFigureOut">
               <a:rPr lang="en-US" smtClean="0"/>
-              <a:t>22.07.2020</a:t>
+              <a:t>23.07.2020</a:t>
             </a:fld>
             <a:endParaRPr lang="en-US"/>
           </a:p>
@@ -426,7 +429,7 @@
           <a:p>
             <a:fld id="{D1CB3D34-4A5F-4479-84DC-395EB63EC8BA}" type="datetimeFigureOut">
               <a:rPr lang="en-US" smtClean="0"/>
-              <a:t>22.07.2020</a:t>
+              <a:t>23.07.2020</a:t>
             </a:fld>
             <a:endParaRPr lang="en-US"/>
           </a:p>
@@ -606,7 +609,7 @@
           <a:p>
             <a:fld id="{D1CB3D34-4A5F-4479-84DC-395EB63EC8BA}" type="datetimeFigureOut">
               <a:rPr lang="en-US" smtClean="0"/>
-              <a:t>22.07.2020</a:t>
+              <a:t>23.07.2020</a:t>
             </a:fld>
             <a:endParaRPr lang="en-US"/>
           </a:p>
@@ -776,7 +779,7 @@
           <a:p>
             <a:fld id="{D1CB3D34-4A5F-4479-84DC-395EB63EC8BA}" type="datetimeFigureOut">
               <a:rPr lang="en-US" smtClean="0"/>
-              <a:t>22.07.2020</a:t>
+              <a:t>23.07.2020</a:t>
             </a:fld>
             <a:endParaRPr lang="en-US"/>
           </a:p>
@@ -1022,7 +1025,7 @@
           <a:p>
             <a:fld id="{D1CB3D34-4A5F-4479-84DC-395EB63EC8BA}" type="datetimeFigureOut">
               <a:rPr lang="en-US" smtClean="0"/>
-              <a:t>22.07.2020</a:t>
+              <a:t>23.07.2020</a:t>
             </a:fld>
             <a:endParaRPr lang="en-US"/>
           </a:p>
@@ -1254,7 +1257,7 @@
           <a:p>
             <a:fld id="{D1CB3D34-4A5F-4479-84DC-395EB63EC8BA}" type="datetimeFigureOut">
               <a:rPr lang="en-US" smtClean="0"/>
-              <a:t>22.07.2020</a:t>
+              <a:t>23.07.2020</a:t>
             </a:fld>
             <a:endParaRPr lang="en-US"/>
           </a:p>
@@ -1621,7 +1624,7 @@
           <a:p>
             <a:fld id="{D1CB3D34-4A5F-4479-84DC-395EB63EC8BA}" type="datetimeFigureOut">
               <a:rPr lang="en-US" smtClean="0"/>
-              <a:t>22.07.2020</a:t>
+              <a:t>23.07.2020</a:t>
             </a:fld>
             <a:endParaRPr lang="en-US"/>
           </a:p>
@@ -1739,7 +1742,7 @@
           <a:p>
             <a:fld id="{D1CB3D34-4A5F-4479-84DC-395EB63EC8BA}" type="datetimeFigureOut">
               <a:rPr lang="en-US" smtClean="0"/>
-              <a:t>22.07.2020</a:t>
+              <a:t>23.07.2020</a:t>
             </a:fld>
             <a:endParaRPr lang="en-US"/>
           </a:p>
@@ -1834,7 +1837,7 @@
           <a:p>
             <a:fld id="{D1CB3D34-4A5F-4479-84DC-395EB63EC8BA}" type="datetimeFigureOut">
               <a:rPr lang="en-US" smtClean="0"/>
-              <a:t>22.07.2020</a:t>
+              <a:t>23.07.2020</a:t>
             </a:fld>
             <a:endParaRPr lang="en-US"/>
           </a:p>
@@ -2111,7 +2114,7 @@
           <a:p>
             <a:fld id="{D1CB3D34-4A5F-4479-84DC-395EB63EC8BA}" type="datetimeFigureOut">
               <a:rPr lang="en-US" smtClean="0"/>
-              <a:t>22.07.2020</a:t>
+              <a:t>23.07.2020</a:t>
             </a:fld>
             <a:endParaRPr lang="en-US"/>
           </a:p>
@@ -2364,7 +2367,7 @@
           <a:p>
             <a:fld id="{D1CB3D34-4A5F-4479-84DC-395EB63EC8BA}" type="datetimeFigureOut">
               <a:rPr lang="en-US" smtClean="0"/>
-              <a:t>22.07.2020</a:t>
+              <a:t>23.07.2020</a:t>
             </a:fld>
             <a:endParaRPr lang="en-US"/>
           </a:p>
@@ -2577,7 +2580,7 @@
           <a:p>
             <a:fld id="{D1CB3D34-4A5F-4479-84DC-395EB63EC8BA}" type="datetimeFigureOut">
               <a:rPr lang="en-US" smtClean="0"/>
-              <a:t>22.07.2020</a:t>
+              <a:t>23.07.2020</a:t>
             </a:fld>
             <a:endParaRPr lang="en-US"/>
           </a:p>
@@ -2982,6 +2985,399 @@
           <a:chExt cx="0" cy="0"/>
         </a:xfrm>
       </p:grpSpPr>
+      <p:sp>
+        <p:nvSpPr>
+          <p:cNvPr id="5" name="TextBox 4">
+            <a:extLst>
+              <a:ext uri="{FF2B5EF4-FFF2-40B4-BE49-F238E27FC236}">
+                <a16:creationId xmlns:a16="http://schemas.microsoft.com/office/drawing/2014/main" id="{E13F2944-4F71-4E67-BE19-231CBC51675F}"/>
+              </a:ext>
+            </a:extLst>
+          </p:cNvPr>
+          <p:cNvSpPr txBox="1"/>
+          <p:nvPr/>
+        </p:nvSpPr>
+        <p:spPr>
+          <a:xfrm>
+            <a:off x="4035287" y="1431234"/>
+            <a:ext cx="4121426" cy="461665"/>
+          </a:xfrm>
+          <a:prstGeom prst="rect">
+            <a:avLst/>
+          </a:prstGeom>
+          <a:noFill/>
+        </p:spPr>
+        <p:txBody>
+          <a:bodyPr wrap="square" rtlCol="0">
+            <a:spAutoFit/>
+          </a:bodyPr>
+          <a:lstStyle/>
+          <a:p>
+            <a:pPr algn="ctr"/>
+            <a:r>
+              <a:rPr lang="en-US" sz="2400" b="1" dirty="0"/>
+              <a:t>3 DISK Flickering Condition</a:t>
+            </a:r>
+          </a:p>
+        </p:txBody>
+      </p:sp>
+      <p:pic>
+        <p:nvPicPr>
+          <p:cNvPr id="7" name="Picture 6">
+            <a:extLst>
+              <a:ext uri="{FF2B5EF4-FFF2-40B4-BE49-F238E27FC236}">
+                <a16:creationId xmlns:a16="http://schemas.microsoft.com/office/drawing/2014/main" id="{27299BFF-DA16-4841-85FD-D80BD57A2690}"/>
+              </a:ext>
+            </a:extLst>
+          </p:cNvPr>
+          <p:cNvPicPr>
+            <a:picLocks noChangeAspect="1"/>
+          </p:cNvPicPr>
+          <p:nvPr/>
+        </p:nvPicPr>
+        <p:blipFill>
+          <a:blip r:embed="rId2">
+            <a:extLst>
+              <a:ext uri="{28A0092B-C50C-407E-A947-70E740481C1C}">
+                <a14:useLocalDpi xmlns:a14="http://schemas.microsoft.com/office/drawing/2010/main" val="0"/>
+              </a:ext>
+            </a:extLst>
+          </a:blip>
+          <a:stretch>
+            <a:fillRect/>
+          </a:stretch>
+        </p:blipFill>
+        <p:spPr>
+          <a:xfrm>
+            <a:off x="4207566" y="2196228"/>
+            <a:ext cx="3779077" cy="2834308"/>
+          </a:xfrm>
+          <a:prstGeom prst="rect">
+            <a:avLst/>
+          </a:prstGeom>
+          <a:ln w="38100">
+            <a:solidFill>
+              <a:schemeClr val="tx1"/>
+            </a:solidFill>
+          </a:ln>
+        </p:spPr>
+      </p:pic>
+    </p:spTree>
+    <p:extLst>
+      <p:ext uri="{BB962C8B-B14F-4D97-AF65-F5344CB8AC3E}">
+        <p14:creationId xmlns:p14="http://schemas.microsoft.com/office/powerpoint/2010/main" val="3650884841"/>
+      </p:ext>
+    </p:extLst>
+  </p:cSld>
+  <p:clrMapOvr>
+    <a:masterClrMapping/>
+  </p:clrMapOvr>
+</p:sld>
+</file>
+
+<file path=ppt/slides/slide10.xml><?xml version="1.0" encoding="utf-8"?>
+<p:sld xmlns:a="http://schemas.openxmlformats.org/drawingml/2006/main" xmlns:r="http://schemas.openxmlformats.org/officeDocument/2006/relationships" xmlns:p="http://schemas.openxmlformats.org/presentationml/2006/main">
+  <p:cSld>
+    <p:bg>
+      <p:bgPr>
+        <a:solidFill>
+          <a:srgbClr val="7F7F7F"/>
+        </a:solidFill>
+        <a:effectLst/>
+      </p:bgPr>
+    </p:bg>
+    <p:spTree>
+      <p:nvGrpSpPr>
+        <p:cNvPr id="1" name=""/>
+        <p:cNvGrpSpPr/>
+        <p:nvPr/>
+      </p:nvGrpSpPr>
+      <p:grpSpPr>
+        <a:xfrm>
+          <a:off x="0" y="0"/>
+          <a:ext cx="0" cy="0"/>
+          <a:chOff x="0" y="0"/>
+          <a:chExt cx="0" cy="0"/>
+        </a:xfrm>
+      </p:grpSpPr>
+      <p:sp>
+        <p:nvSpPr>
+          <p:cNvPr id="2" name="TextBox 1">
+            <a:extLst>
+              <a:ext uri="{FF2B5EF4-FFF2-40B4-BE49-F238E27FC236}">
+                <a16:creationId xmlns:a16="http://schemas.microsoft.com/office/drawing/2014/main" id="{111A9637-10FB-4F35-81B8-74F40C5B099B}"/>
+              </a:ext>
+            </a:extLst>
+          </p:cNvPr>
+          <p:cNvSpPr txBox="1"/>
+          <p:nvPr/>
+        </p:nvSpPr>
+        <p:spPr>
+          <a:xfrm>
+            <a:off x="458679" y="435005"/>
+            <a:ext cx="11274642" cy="1415772"/>
+          </a:xfrm>
+          <a:prstGeom prst="rect">
+            <a:avLst/>
+          </a:prstGeom>
+          <a:noFill/>
+        </p:spPr>
+        <p:txBody>
+          <a:bodyPr wrap="square" rtlCol="0">
+            <a:spAutoFit/>
+          </a:bodyPr>
+          <a:lstStyle/>
+          <a:p>
+            <a:r>
+              <a:rPr lang="en-US" b="1" dirty="0"/>
+              <a:t>Example </a:t>
+            </a:r>
+          </a:p>
+          <a:p>
+            <a:endParaRPr lang="en-US" dirty="0"/>
+          </a:p>
+          <a:p>
+            <a:pPr algn="ctr"/>
+            <a:r>
+              <a:rPr lang="en-US" dirty="0"/>
+              <a:t>Task: Report the Same (left) / Opposite (right) tilt of the target bar (15</a:t>
+            </a:r>
+            <a:r>
+              <a:rPr lang="en-US" baseline="30000" dirty="0"/>
+              <a:t>◦</a:t>
+            </a:r>
+            <a:r>
+              <a:rPr lang="en-US" dirty="0"/>
+              <a:t>) in the target disks</a:t>
+            </a:r>
+          </a:p>
+          <a:p>
+            <a:pPr algn="ctr"/>
+            <a:endParaRPr lang="en-US" sz="1600" dirty="0"/>
+          </a:p>
+          <a:p>
+            <a:pPr algn="ctr"/>
+            <a:r>
+              <a:rPr lang="en-US" sz="1600" dirty="0"/>
+              <a:t>The cue frame’s target disk is the </a:t>
+            </a:r>
+            <a:r>
+              <a:rPr lang="en-US" sz="1600" i="1" dirty="0"/>
+              <a:t>left most </a:t>
+            </a:r>
+            <a:r>
+              <a:rPr lang="en-US" sz="1600" dirty="0"/>
+              <a:t>disk and the probe frame’s target disk is the </a:t>
+            </a:r>
+            <a:r>
+              <a:rPr lang="en-US" sz="1600" i="1" dirty="0"/>
+              <a:t>middle</a:t>
+            </a:r>
+            <a:r>
+              <a:rPr lang="en-US" sz="1600" dirty="0"/>
+              <a:t> disk</a:t>
+            </a:r>
+          </a:p>
+        </p:txBody>
+      </p:sp>
+      <p:pic>
+        <p:nvPicPr>
+          <p:cNvPr id="4" name="Picture 3">
+            <a:extLst>
+              <a:ext uri="{FF2B5EF4-FFF2-40B4-BE49-F238E27FC236}">
+                <a16:creationId xmlns:a16="http://schemas.microsoft.com/office/drawing/2014/main" id="{DCDD6BFC-DA4C-408E-A6F6-9A83A706E664}"/>
+              </a:ext>
+            </a:extLst>
+          </p:cNvPr>
+          <p:cNvPicPr>
+            <a:picLocks noChangeAspect="1"/>
+          </p:cNvPicPr>
+          <p:nvPr/>
+        </p:nvPicPr>
+        <p:blipFill>
+          <a:blip r:embed="rId2">
+            <a:extLst>
+              <a:ext uri="{28A0092B-C50C-407E-A947-70E740481C1C}">
+                <a14:useLocalDpi xmlns:a14="http://schemas.microsoft.com/office/drawing/2010/main" val="0"/>
+              </a:ext>
+            </a:extLst>
+          </a:blip>
+          <a:stretch>
+            <a:fillRect/>
+          </a:stretch>
+        </p:blipFill>
+        <p:spPr>
+          <a:xfrm>
+            <a:off x="2286000" y="2476500"/>
+            <a:ext cx="7620000" cy="1905000"/>
+          </a:xfrm>
+          <a:prstGeom prst="rect">
+            <a:avLst/>
+          </a:prstGeom>
+        </p:spPr>
+      </p:pic>
+      <p:sp>
+        <p:nvSpPr>
+          <p:cNvPr id="5" name="TextBox 4">
+            <a:extLst>
+              <a:ext uri="{FF2B5EF4-FFF2-40B4-BE49-F238E27FC236}">
+                <a16:creationId xmlns:a16="http://schemas.microsoft.com/office/drawing/2014/main" id="{4090D8AA-5DA9-41A5-8BE2-7366A5D0AFAF}"/>
+              </a:ext>
+            </a:extLst>
+          </p:cNvPr>
+          <p:cNvSpPr txBox="1"/>
+          <p:nvPr/>
+        </p:nvSpPr>
+        <p:spPr>
+          <a:xfrm>
+            <a:off x="1502237" y="527338"/>
+            <a:ext cx="8527191" cy="369332"/>
+          </a:xfrm>
+          <a:prstGeom prst="rect">
+            <a:avLst/>
+          </a:prstGeom>
+          <a:noFill/>
+        </p:spPr>
+        <p:txBody>
+          <a:bodyPr wrap="square" rtlCol="0">
+            <a:spAutoFit/>
+          </a:bodyPr>
+          <a:lstStyle/>
+          <a:p>
+            <a:pPr algn="ctr">
+              <a:spcAft>
+                <a:spcPts val="1200"/>
+              </a:spcAft>
+            </a:pPr>
+            <a:r>
+              <a:rPr lang="en-US" dirty="0"/>
+              <a:t>Please fixate your eyes on </a:t>
+            </a:r>
+            <a:r>
+              <a:rPr lang="en-US" b="1" dirty="0">
+                <a:solidFill>
+                  <a:srgbClr val="FF0000"/>
+                </a:solidFill>
+              </a:rPr>
+              <a:t>the red fixation dot</a:t>
+            </a:r>
+            <a:r>
+              <a:rPr lang="en-US" dirty="0"/>
+              <a:t> all the time</a:t>
+            </a:r>
+          </a:p>
+        </p:txBody>
+      </p:sp>
+    </p:spTree>
+    <p:extLst>
+      <p:ext uri="{BB962C8B-B14F-4D97-AF65-F5344CB8AC3E}">
+        <p14:creationId xmlns:p14="http://schemas.microsoft.com/office/powerpoint/2010/main" val="3550245318"/>
+      </p:ext>
+    </p:extLst>
+  </p:cSld>
+  <p:clrMapOvr>
+    <a:masterClrMapping/>
+  </p:clrMapOvr>
+</p:sld>
+</file>
+
+<file path=ppt/slides/slide11.xml><?xml version="1.0" encoding="utf-8"?>
+<p:sld xmlns:a="http://schemas.openxmlformats.org/drawingml/2006/main" xmlns:r="http://schemas.openxmlformats.org/officeDocument/2006/relationships" xmlns:p="http://schemas.openxmlformats.org/presentationml/2006/main">
+  <p:cSld>
+    <p:spTree>
+      <p:nvGrpSpPr>
+        <p:cNvPr id="1" name=""/>
+        <p:cNvGrpSpPr/>
+        <p:nvPr/>
+      </p:nvGrpSpPr>
+      <p:grpSpPr>
+        <a:xfrm>
+          <a:off x="0" y="0"/>
+          <a:ext cx="0" cy="0"/>
+          <a:chOff x="0" y="0"/>
+          <a:chExt cx="0" cy="0"/>
+        </a:xfrm>
+      </p:grpSpPr>
+      <p:sp>
+        <p:nvSpPr>
+          <p:cNvPr id="2" name="TextBox 1">
+            <a:extLst>
+              <a:ext uri="{FF2B5EF4-FFF2-40B4-BE49-F238E27FC236}">
+                <a16:creationId xmlns:a16="http://schemas.microsoft.com/office/drawing/2014/main" id="{91DED56B-F350-4B0D-8686-B325ECBED80E}"/>
+              </a:ext>
+            </a:extLst>
+          </p:cNvPr>
+          <p:cNvSpPr txBox="1"/>
+          <p:nvPr/>
+        </p:nvSpPr>
+        <p:spPr>
+          <a:xfrm>
+            <a:off x="269966" y="452846"/>
+            <a:ext cx="11390811" cy="1200329"/>
+          </a:xfrm>
+          <a:prstGeom prst="rect">
+            <a:avLst/>
+          </a:prstGeom>
+          <a:noFill/>
+        </p:spPr>
+        <p:txBody>
+          <a:bodyPr wrap="square" rtlCol="0">
+            <a:spAutoFit/>
+          </a:bodyPr>
+          <a:lstStyle/>
+          <a:p>
+            <a:r>
+              <a:rPr lang="en-US" dirty="0"/>
+              <a:t>Additional question after the experiment </a:t>
+            </a:r>
+          </a:p>
+          <a:p>
+            <a:endParaRPr lang="en-US" dirty="0"/>
+          </a:p>
+          <a:p>
+            <a:r>
+              <a:rPr lang="en-US" dirty="0"/>
+              <a:t>1. Were the disks flickering (on/off) or moving left-and-right as a group? </a:t>
+            </a:r>
+          </a:p>
+          <a:p>
+            <a:r>
+              <a:rPr lang="en-US" dirty="0"/>
+              <a:t>     (1) each disk was flickering on and off --------------------------------- (5) three disks were moving left-and-right as a group</a:t>
+            </a:r>
+          </a:p>
+        </p:txBody>
+      </p:sp>
+    </p:spTree>
+    <p:extLst>
+      <p:ext uri="{BB962C8B-B14F-4D97-AF65-F5344CB8AC3E}">
+        <p14:creationId xmlns:p14="http://schemas.microsoft.com/office/powerpoint/2010/main" val="3214161767"/>
+      </p:ext>
+    </p:extLst>
+  </p:cSld>
+  <p:clrMapOvr>
+    <a:masterClrMapping/>
+  </p:clrMapOvr>
+</p:sld>
+</file>
+
+<file path=ppt/slides/slide12.xml><?xml version="1.0" encoding="utf-8"?>
+<p:sld xmlns:a="http://schemas.openxmlformats.org/drawingml/2006/main" xmlns:r="http://schemas.openxmlformats.org/officeDocument/2006/relationships" xmlns:p="http://schemas.openxmlformats.org/presentationml/2006/main">
+  <p:cSld>
+    <p:spTree>
+      <p:nvGrpSpPr>
+        <p:cNvPr id="1" name=""/>
+        <p:cNvGrpSpPr/>
+        <p:nvPr/>
+      </p:nvGrpSpPr>
+      <p:grpSpPr>
+        <a:xfrm>
+          <a:off x="0" y="0"/>
+          <a:ext cx="0" cy="0"/>
+          <a:chOff x="0" y="0"/>
+          <a:chExt cx="0" cy="0"/>
+        </a:xfrm>
+      </p:grpSpPr>
       <p:grpSp>
         <p:nvGrpSpPr>
           <p:cNvPr id="4" name="Group 3">
@@ -3144,2011 +3540,7 @@
 </p:sld>
 </file>
 
-<file path=ppt/slides/slide10.xml><?xml version="1.0" encoding="utf-8"?>
-<p:sld xmlns:a="http://schemas.openxmlformats.org/drawingml/2006/main" xmlns:r="http://schemas.openxmlformats.org/officeDocument/2006/relationships" xmlns:p="http://schemas.openxmlformats.org/presentationml/2006/main">
-  <p:cSld>
-    <p:bg>
-      <p:bgPr>
-        <a:solidFill>
-          <a:srgbClr val="7F7F7F"/>
-        </a:solidFill>
-        <a:effectLst/>
-      </p:bgPr>
-    </p:bg>
-    <p:spTree>
-      <p:nvGrpSpPr>
-        <p:cNvPr id="1" name=""/>
-        <p:cNvGrpSpPr/>
-        <p:nvPr/>
-      </p:nvGrpSpPr>
-      <p:grpSpPr>
-        <a:xfrm>
-          <a:off x="0" y="0"/>
-          <a:ext cx="0" cy="0"/>
-          <a:chOff x="0" y="0"/>
-          <a:chExt cx="0" cy="0"/>
-        </a:xfrm>
-      </p:grpSpPr>
-      <p:sp>
-        <p:nvSpPr>
-          <p:cNvPr id="2" name="TextBox 1">
-            <a:extLst>
-              <a:ext uri="{FF2B5EF4-FFF2-40B4-BE49-F238E27FC236}">
-                <a16:creationId xmlns:a16="http://schemas.microsoft.com/office/drawing/2014/main" id="{111A9637-10FB-4F35-81B8-74F40C5B099B}"/>
-              </a:ext>
-            </a:extLst>
-          </p:cNvPr>
-          <p:cNvSpPr txBox="1"/>
-          <p:nvPr/>
-        </p:nvSpPr>
-        <p:spPr>
-          <a:xfrm>
-            <a:off x="458679" y="435005"/>
-            <a:ext cx="11274642" cy="923330"/>
-          </a:xfrm>
-          <a:prstGeom prst="rect">
-            <a:avLst/>
-          </a:prstGeom>
-          <a:noFill/>
-        </p:spPr>
-        <p:txBody>
-          <a:bodyPr wrap="square" rtlCol="0">
-            <a:spAutoFit/>
-          </a:bodyPr>
-          <a:lstStyle/>
-          <a:p>
-            <a:r>
-              <a:rPr lang="en-US" b="1" dirty="0"/>
-              <a:t>Example </a:t>
-            </a:r>
-          </a:p>
-          <a:p>
-            <a:endParaRPr lang="en-US" dirty="0"/>
-          </a:p>
-          <a:p>
-            <a:pPr algn="ctr"/>
-            <a:r>
-              <a:rPr lang="en-US" dirty="0"/>
-              <a:t>Task: Report the Same (left) / Opposite (right) tilt of the target bar (15</a:t>
-            </a:r>
-            <a:r>
-              <a:rPr lang="en-US" baseline="30000" dirty="0"/>
-              <a:t>◦</a:t>
-            </a:r>
-            <a:r>
-              <a:rPr lang="en-US" dirty="0"/>
-              <a:t>) in the middle disk</a:t>
-            </a:r>
-          </a:p>
-        </p:txBody>
-      </p:sp>
-      <p:pic>
-        <p:nvPicPr>
-          <p:cNvPr id="4" name="Picture 3">
-            <a:extLst>
-              <a:ext uri="{FF2B5EF4-FFF2-40B4-BE49-F238E27FC236}">
-                <a16:creationId xmlns:a16="http://schemas.microsoft.com/office/drawing/2014/main" id="{B088ADA7-E87C-4B4A-8AFD-761F11988A37}"/>
-              </a:ext>
-            </a:extLst>
-          </p:cNvPr>
-          <p:cNvPicPr>
-            <a:picLocks noChangeAspect="1"/>
-          </p:cNvPicPr>
-          <p:nvPr/>
-        </p:nvPicPr>
-        <p:blipFill>
-          <a:blip r:embed="rId2">
-            <a:extLst>
-              <a:ext uri="{28A0092B-C50C-407E-A947-70E740481C1C}">
-                <a14:useLocalDpi xmlns:a14="http://schemas.microsoft.com/office/drawing/2010/main" val="0"/>
-              </a:ext>
-            </a:extLst>
-          </a:blip>
-          <a:stretch>
-            <a:fillRect/>
-          </a:stretch>
-        </p:blipFill>
-        <p:spPr>
-          <a:xfrm>
-            <a:off x="2286000" y="2476500"/>
-            <a:ext cx="7620000" cy="1905000"/>
-          </a:xfrm>
-          <a:prstGeom prst="rect">
-            <a:avLst/>
-          </a:prstGeom>
-        </p:spPr>
-      </p:pic>
-    </p:spTree>
-    <p:extLst>
-      <p:ext uri="{BB962C8B-B14F-4D97-AF65-F5344CB8AC3E}">
-        <p14:creationId xmlns:p14="http://schemas.microsoft.com/office/powerpoint/2010/main" val="3985348252"/>
-      </p:ext>
-    </p:extLst>
-  </p:cSld>
-  <p:clrMapOvr>
-    <a:masterClrMapping/>
-  </p:clrMapOvr>
-</p:sld>
-</file>
-
-<file path=ppt/slides/slide11.xml><?xml version="1.0" encoding="utf-8"?>
-<p:sld xmlns:a="http://schemas.openxmlformats.org/drawingml/2006/main" xmlns:r="http://schemas.openxmlformats.org/officeDocument/2006/relationships" xmlns:p="http://schemas.openxmlformats.org/presentationml/2006/main">
-  <p:cSld>
-    <p:spTree>
-      <p:nvGrpSpPr>
-        <p:cNvPr id="1" name=""/>
-        <p:cNvGrpSpPr/>
-        <p:nvPr/>
-      </p:nvGrpSpPr>
-      <p:grpSpPr>
-        <a:xfrm>
-          <a:off x="0" y="0"/>
-          <a:ext cx="0" cy="0"/>
-          <a:chOff x="0" y="0"/>
-          <a:chExt cx="0" cy="0"/>
-        </a:xfrm>
-      </p:grpSpPr>
-      <p:sp>
-        <p:nvSpPr>
-          <p:cNvPr id="5" name="TextBox 4">
-            <a:extLst>
-              <a:ext uri="{FF2B5EF4-FFF2-40B4-BE49-F238E27FC236}">
-                <a16:creationId xmlns:a16="http://schemas.microsoft.com/office/drawing/2014/main" id="{E13F2944-4F71-4E67-BE19-231CBC51675F}"/>
-              </a:ext>
-            </a:extLst>
-          </p:cNvPr>
-          <p:cNvSpPr txBox="1"/>
-          <p:nvPr/>
-        </p:nvSpPr>
-        <p:spPr>
-          <a:xfrm>
-            <a:off x="4035287" y="1431234"/>
-            <a:ext cx="4121426" cy="461665"/>
-          </a:xfrm>
-          <a:prstGeom prst="rect">
-            <a:avLst/>
-          </a:prstGeom>
-          <a:noFill/>
-        </p:spPr>
-        <p:txBody>
-          <a:bodyPr wrap="square" rtlCol="0">
-            <a:spAutoFit/>
-          </a:bodyPr>
-          <a:lstStyle/>
-          <a:p>
-            <a:pPr algn="ctr"/>
-            <a:r>
-              <a:rPr lang="en-US" sz="2400" b="1" dirty="0"/>
-              <a:t>3 DISK RET CONDITION</a:t>
-            </a:r>
-          </a:p>
-        </p:txBody>
-      </p:sp>
-      <p:pic>
-        <p:nvPicPr>
-          <p:cNvPr id="4" name="Picture 3">
-            <a:extLst>
-              <a:ext uri="{FF2B5EF4-FFF2-40B4-BE49-F238E27FC236}">
-                <a16:creationId xmlns:a16="http://schemas.microsoft.com/office/drawing/2014/main" id="{731984E8-B77D-4CE7-B541-46B7A2D864DC}"/>
-              </a:ext>
-            </a:extLst>
-          </p:cNvPr>
-          <p:cNvPicPr>
-            <a:picLocks noChangeAspect="1"/>
-          </p:cNvPicPr>
-          <p:nvPr/>
-        </p:nvPicPr>
-        <p:blipFill>
-          <a:blip r:embed="rId2">
-            <a:extLst>
-              <a:ext uri="{28A0092B-C50C-407E-A947-70E740481C1C}">
-                <a14:useLocalDpi xmlns:a14="http://schemas.microsoft.com/office/drawing/2010/main" val="0"/>
-              </a:ext>
-            </a:extLst>
-          </a:blip>
-          <a:stretch>
-            <a:fillRect/>
-          </a:stretch>
-        </p:blipFill>
-        <p:spPr>
-          <a:xfrm>
-            <a:off x="4206643" y="2196228"/>
-            <a:ext cx="3780000" cy="2835000"/>
-          </a:xfrm>
-          <a:prstGeom prst="rect">
-            <a:avLst/>
-          </a:prstGeom>
-          <a:ln w="38100">
-            <a:solidFill>
-              <a:schemeClr val="tx1"/>
-            </a:solidFill>
-          </a:ln>
-        </p:spPr>
-      </p:pic>
-    </p:spTree>
-    <p:extLst>
-      <p:ext uri="{BB962C8B-B14F-4D97-AF65-F5344CB8AC3E}">
-        <p14:creationId xmlns:p14="http://schemas.microsoft.com/office/powerpoint/2010/main" val="3525966069"/>
-      </p:ext>
-    </p:extLst>
-  </p:cSld>
-  <p:clrMapOvr>
-    <a:masterClrMapping/>
-  </p:clrMapOvr>
-</p:sld>
-</file>
-
-<file path=ppt/slides/slide12.xml><?xml version="1.0" encoding="utf-8"?>
-<p:sld xmlns:a="http://schemas.openxmlformats.org/drawingml/2006/main" xmlns:r="http://schemas.openxmlformats.org/officeDocument/2006/relationships" xmlns:p="http://schemas.openxmlformats.org/presentationml/2006/main">
-  <p:cSld>
-    <p:spTree>
-      <p:nvGrpSpPr>
-        <p:cNvPr id="1" name=""/>
-        <p:cNvGrpSpPr/>
-        <p:nvPr/>
-      </p:nvGrpSpPr>
-      <p:grpSpPr>
-        <a:xfrm>
-          <a:off x="0" y="0"/>
-          <a:ext cx="0" cy="0"/>
-          <a:chOff x="0" y="0"/>
-          <a:chExt cx="0" cy="0"/>
-        </a:xfrm>
-      </p:grpSpPr>
-      <p:sp>
-        <p:nvSpPr>
-          <p:cNvPr id="22" name="직사각형 13">
-            <a:extLst>
-              <a:ext uri="{FF2B5EF4-FFF2-40B4-BE49-F238E27FC236}">
-                <a16:creationId xmlns:a16="http://schemas.microsoft.com/office/drawing/2014/main" id="{75B78F1D-18FC-4690-B0FD-F4B366095DBC}"/>
-              </a:ext>
-            </a:extLst>
-          </p:cNvPr>
-          <p:cNvSpPr/>
-          <p:nvPr/>
-        </p:nvSpPr>
-        <p:spPr>
-          <a:xfrm>
-            <a:off x="279086" y="166598"/>
-            <a:ext cx="1879432" cy="1169020"/>
-          </a:xfrm>
-          <a:prstGeom prst="rect">
-            <a:avLst/>
-          </a:prstGeom>
-          <a:solidFill>
-            <a:schemeClr val="bg1">
-              <a:lumMod val="65000"/>
-            </a:schemeClr>
-          </a:solidFill>
-          <a:ln w="57150">
-            <a:solidFill>
-              <a:schemeClr val="tx1"/>
-            </a:solidFill>
-          </a:ln>
-        </p:spPr>
-        <p:style>
-          <a:lnRef idx="2">
-            <a:schemeClr val="accent1">
-              <a:shade val="50000"/>
-            </a:schemeClr>
-          </a:lnRef>
-          <a:fillRef idx="1">
-            <a:schemeClr val="accent1"/>
-          </a:fillRef>
-          <a:effectRef idx="0">
-            <a:schemeClr val="accent1"/>
-          </a:effectRef>
-          <a:fontRef idx="minor">
-            <a:schemeClr val="lt1"/>
-          </a:fontRef>
-        </p:style>
-        <p:txBody>
-          <a:bodyPr rtlCol="0" anchor="ctr"/>
-          <a:lstStyle/>
-          <a:p>
-            <a:pPr algn="ctr"/>
-            <a:endParaRPr lang="en-US" sz="1600"/>
-          </a:p>
-        </p:txBody>
-      </p:sp>
-      <p:sp>
-        <p:nvSpPr>
-          <p:cNvPr id="8" name="Oval 7">
-            <a:extLst>
-              <a:ext uri="{FF2B5EF4-FFF2-40B4-BE49-F238E27FC236}">
-                <a16:creationId xmlns:a16="http://schemas.microsoft.com/office/drawing/2014/main" id="{5BE6E4CF-9021-4B4E-B76D-DC2689E7151A}"/>
-              </a:ext>
-            </a:extLst>
-          </p:cNvPr>
-          <p:cNvSpPr/>
-          <p:nvPr/>
-        </p:nvSpPr>
-        <p:spPr>
-          <a:xfrm>
-            <a:off x="1203552" y="735858"/>
-            <a:ext cx="30499" cy="30499"/>
-          </a:xfrm>
-          <a:prstGeom prst="ellipse">
-            <a:avLst/>
-          </a:prstGeom>
-          <a:solidFill>
-            <a:srgbClr val="FF0000"/>
-          </a:solidFill>
-          <a:ln>
-            <a:noFill/>
-          </a:ln>
-        </p:spPr>
-        <p:style>
-          <a:lnRef idx="2">
-            <a:schemeClr val="accent1">
-              <a:shade val="50000"/>
-            </a:schemeClr>
-          </a:lnRef>
-          <a:fillRef idx="1">
-            <a:schemeClr val="accent1"/>
-          </a:fillRef>
-          <a:effectRef idx="0">
-            <a:schemeClr val="accent1"/>
-          </a:effectRef>
-          <a:fontRef idx="minor">
-            <a:schemeClr val="lt1"/>
-          </a:fontRef>
-        </p:style>
-        <p:txBody>
-          <a:bodyPr rtlCol="0" anchor="ctr"/>
-          <a:lstStyle/>
-          <a:p>
-            <a:pPr algn="ctr"/>
-            <a:endParaRPr lang="en-US"/>
-          </a:p>
-        </p:txBody>
-      </p:sp>
-      <p:cxnSp>
-        <p:nvCxnSpPr>
-          <p:cNvPr id="19" name="직선 화살표 연결선 19">
-            <a:extLst>
-              <a:ext uri="{FF2B5EF4-FFF2-40B4-BE49-F238E27FC236}">
-                <a16:creationId xmlns:a16="http://schemas.microsoft.com/office/drawing/2014/main" id="{D8A0B464-9B94-40E7-9BEB-DC9D862B73AA}"/>
-              </a:ext>
-            </a:extLst>
-          </p:cNvPr>
-          <p:cNvCxnSpPr>
-            <a:cxnSpLocks/>
-          </p:cNvCxnSpPr>
-          <p:nvPr/>
-        </p:nvCxnSpPr>
-        <p:spPr>
-          <a:xfrm>
-            <a:off x="2361462" y="194736"/>
-            <a:ext cx="0" cy="6484336"/>
-          </a:xfrm>
-          <a:prstGeom prst="straightConnector1">
-            <a:avLst/>
-          </a:prstGeom>
-          <a:ln w="38100">
-            <a:solidFill>
-              <a:schemeClr val="tx1"/>
-            </a:solidFill>
-            <a:tailEnd type="triangle"/>
-          </a:ln>
-        </p:spPr>
-        <p:style>
-          <a:lnRef idx="1">
-            <a:schemeClr val="accent1"/>
-          </a:lnRef>
-          <a:fillRef idx="0">
-            <a:schemeClr val="accent1"/>
-          </a:fillRef>
-          <a:effectRef idx="0">
-            <a:schemeClr val="accent1"/>
-          </a:effectRef>
-          <a:fontRef idx="minor">
-            <a:schemeClr val="tx1"/>
-          </a:fontRef>
-        </p:style>
-      </p:cxnSp>
-      <p:sp>
-        <p:nvSpPr>
-          <p:cNvPr id="20" name="TextBox 19">
-            <a:extLst>
-              <a:ext uri="{FF2B5EF4-FFF2-40B4-BE49-F238E27FC236}">
-                <a16:creationId xmlns:a16="http://schemas.microsoft.com/office/drawing/2014/main" id="{49BC803D-28FC-414A-94C1-6E70220B8F70}"/>
-              </a:ext>
-            </a:extLst>
-          </p:cNvPr>
-          <p:cNvSpPr txBox="1"/>
-          <p:nvPr/>
-        </p:nvSpPr>
-        <p:spPr>
-          <a:xfrm>
-            <a:off x="1857626" y="6267180"/>
-            <a:ext cx="804728" cy="338554"/>
-          </a:xfrm>
-          <a:prstGeom prst="rect">
-            <a:avLst/>
-          </a:prstGeom>
-          <a:noFill/>
-        </p:spPr>
-        <p:txBody>
-          <a:bodyPr wrap="square" rtlCol="0">
-            <a:spAutoFit/>
-          </a:bodyPr>
-          <a:lstStyle/>
-          <a:p>
-            <a:pPr algn="r"/>
-            <a:r>
-              <a:rPr lang="en-US" sz="1600" dirty="0"/>
-              <a:t>t</a:t>
-            </a:r>
-          </a:p>
-        </p:txBody>
-      </p:sp>
-      <p:sp>
-        <p:nvSpPr>
-          <p:cNvPr id="35" name="직사각형 13">
-            <a:extLst>
-              <a:ext uri="{FF2B5EF4-FFF2-40B4-BE49-F238E27FC236}">
-                <a16:creationId xmlns:a16="http://schemas.microsoft.com/office/drawing/2014/main" id="{D7F7242A-DCF5-42D6-9012-277A3DD96E64}"/>
-              </a:ext>
-            </a:extLst>
-          </p:cNvPr>
-          <p:cNvSpPr/>
-          <p:nvPr/>
-        </p:nvSpPr>
-        <p:spPr>
-          <a:xfrm>
-            <a:off x="279086" y="2838326"/>
-            <a:ext cx="1879432" cy="1169020"/>
-          </a:xfrm>
-          <a:prstGeom prst="rect">
-            <a:avLst/>
-          </a:prstGeom>
-          <a:solidFill>
-            <a:schemeClr val="bg1">
-              <a:lumMod val="65000"/>
-            </a:schemeClr>
-          </a:solidFill>
-          <a:ln w="57150">
-            <a:solidFill>
-              <a:schemeClr val="tx1"/>
-            </a:solidFill>
-          </a:ln>
-        </p:spPr>
-        <p:style>
-          <a:lnRef idx="2">
-            <a:schemeClr val="accent1">
-              <a:shade val="50000"/>
-            </a:schemeClr>
-          </a:lnRef>
-          <a:fillRef idx="1">
-            <a:schemeClr val="accent1"/>
-          </a:fillRef>
-          <a:effectRef idx="0">
-            <a:schemeClr val="accent1"/>
-          </a:effectRef>
-          <a:fontRef idx="minor">
-            <a:schemeClr val="lt1"/>
-          </a:fontRef>
-        </p:style>
-        <p:txBody>
-          <a:bodyPr rtlCol="0" anchor="ctr"/>
-          <a:lstStyle/>
-          <a:p>
-            <a:pPr algn="ctr"/>
-            <a:endParaRPr lang="en-US" sz="1600"/>
-          </a:p>
-        </p:txBody>
-      </p:sp>
-      <p:sp>
-        <p:nvSpPr>
-          <p:cNvPr id="38" name="Oval 37">
-            <a:extLst>
-              <a:ext uri="{FF2B5EF4-FFF2-40B4-BE49-F238E27FC236}">
-                <a16:creationId xmlns:a16="http://schemas.microsoft.com/office/drawing/2014/main" id="{2C6AAB42-C71D-4D93-9737-B7B3E848F24D}"/>
-              </a:ext>
-            </a:extLst>
-          </p:cNvPr>
-          <p:cNvSpPr/>
-          <p:nvPr/>
-        </p:nvSpPr>
-        <p:spPr>
-          <a:xfrm>
-            <a:off x="1203552" y="3407586"/>
-            <a:ext cx="30499" cy="30499"/>
-          </a:xfrm>
-          <a:prstGeom prst="ellipse">
-            <a:avLst/>
-          </a:prstGeom>
-          <a:solidFill>
-            <a:srgbClr val="FF0000"/>
-          </a:solidFill>
-          <a:ln>
-            <a:noFill/>
-          </a:ln>
-        </p:spPr>
-        <p:style>
-          <a:lnRef idx="2">
-            <a:schemeClr val="accent1">
-              <a:shade val="50000"/>
-            </a:schemeClr>
-          </a:lnRef>
-          <a:fillRef idx="1">
-            <a:schemeClr val="accent1"/>
-          </a:fillRef>
-          <a:effectRef idx="0">
-            <a:schemeClr val="accent1"/>
-          </a:effectRef>
-          <a:fontRef idx="minor">
-            <a:schemeClr val="lt1"/>
-          </a:fontRef>
-        </p:style>
-        <p:txBody>
-          <a:bodyPr rtlCol="0" anchor="ctr"/>
-          <a:lstStyle/>
-          <a:p>
-            <a:pPr algn="ctr"/>
-            <a:endParaRPr lang="en-US"/>
-          </a:p>
-        </p:txBody>
-      </p:sp>
-      <p:sp>
-        <p:nvSpPr>
-          <p:cNvPr id="39" name="직사각형 13">
-            <a:extLst>
-              <a:ext uri="{FF2B5EF4-FFF2-40B4-BE49-F238E27FC236}">
-                <a16:creationId xmlns:a16="http://schemas.microsoft.com/office/drawing/2014/main" id="{65458511-5A9D-4CEB-96CC-138660E7BFDE}"/>
-              </a:ext>
-            </a:extLst>
-          </p:cNvPr>
-          <p:cNvSpPr/>
-          <p:nvPr/>
-        </p:nvSpPr>
-        <p:spPr>
-          <a:xfrm>
-            <a:off x="279086" y="4174190"/>
-            <a:ext cx="1879432" cy="1169020"/>
-          </a:xfrm>
-          <a:prstGeom prst="rect">
-            <a:avLst/>
-          </a:prstGeom>
-          <a:solidFill>
-            <a:schemeClr val="bg1">
-              <a:lumMod val="65000"/>
-            </a:schemeClr>
-          </a:solidFill>
-          <a:ln w="57150">
-            <a:solidFill>
-              <a:schemeClr val="tx1"/>
-            </a:solidFill>
-          </a:ln>
-        </p:spPr>
-        <p:style>
-          <a:lnRef idx="2">
-            <a:schemeClr val="accent1">
-              <a:shade val="50000"/>
-            </a:schemeClr>
-          </a:lnRef>
-          <a:fillRef idx="1">
-            <a:schemeClr val="accent1"/>
-          </a:fillRef>
-          <a:effectRef idx="0">
-            <a:schemeClr val="accent1"/>
-          </a:effectRef>
-          <a:fontRef idx="minor">
-            <a:schemeClr val="lt1"/>
-          </a:fontRef>
-        </p:style>
-        <p:txBody>
-          <a:bodyPr rtlCol="0" anchor="ctr"/>
-          <a:lstStyle/>
-          <a:p>
-            <a:pPr algn="ctr"/>
-            <a:endParaRPr lang="en-US" sz="1600"/>
-          </a:p>
-        </p:txBody>
-      </p:sp>
-      <p:sp>
-        <p:nvSpPr>
-          <p:cNvPr id="42" name="Oval 41">
-            <a:extLst>
-              <a:ext uri="{FF2B5EF4-FFF2-40B4-BE49-F238E27FC236}">
-                <a16:creationId xmlns:a16="http://schemas.microsoft.com/office/drawing/2014/main" id="{333F7DF6-9BA0-46A7-AB8D-F4464856D712}"/>
-              </a:ext>
-            </a:extLst>
-          </p:cNvPr>
-          <p:cNvSpPr/>
-          <p:nvPr/>
-        </p:nvSpPr>
-        <p:spPr>
-          <a:xfrm>
-            <a:off x="1203552" y="4743450"/>
-            <a:ext cx="30499" cy="30499"/>
-          </a:xfrm>
-          <a:prstGeom prst="ellipse">
-            <a:avLst/>
-          </a:prstGeom>
-          <a:solidFill>
-            <a:srgbClr val="FF0000"/>
-          </a:solidFill>
-          <a:ln>
-            <a:noFill/>
-          </a:ln>
-        </p:spPr>
-        <p:style>
-          <a:lnRef idx="2">
-            <a:schemeClr val="accent1">
-              <a:shade val="50000"/>
-            </a:schemeClr>
-          </a:lnRef>
-          <a:fillRef idx="1">
-            <a:schemeClr val="accent1"/>
-          </a:fillRef>
-          <a:effectRef idx="0">
-            <a:schemeClr val="accent1"/>
-          </a:effectRef>
-          <a:fontRef idx="minor">
-            <a:schemeClr val="lt1"/>
-          </a:fontRef>
-        </p:style>
-        <p:txBody>
-          <a:bodyPr rtlCol="0" anchor="ctr"/>
-          <a:lstStyle/>
-          <a:p>
-            <a:pPr algn="ctr"/>
-            <a:endParaRPr lang="en-US"/>
-          </a:p>
-        </p:txBody>
-      </p:sp>
-      <p:sp>
-        <p:nvSpPr>
-          <p:cNvPr id="24" name="직사각형 14">
-            <a:extLst>
-              <a:ext uri="{FF2B5EF4-FFF2-40B4-BE49-F238E27FC236}">
-                <a16:creationId xmlns:a16="http://schemas.microsoft.com/office/drawing/2014/main" id="{39B8DE6B-3D95-4905-8F41-2F5EEB7A138F}"/>
-              </a:ext>
-            </a:extLst>
-          </p:cNvPr>
-          <p:cNvSpPr/>
-          <p:nvPr/>
-        </p:nvSpPr>
-        <p:spPr>
-          <a:xfrm>
-            <a:off x="279086" y="1502462"/>
-            <a:ext cx="1879432" cy="1169020"/>
-          </a:xfrm>
-          <a:prstGeom prst="rect">
-            <a:avLst/>
-          </a:prstGeom>
-          <a:solidFill>
-            <a:schemeClr val="bg1">
-              <a:lumMod val="65000"/>
-            </a:schemeClr>
-          </a:solidFill>
-          <a:ln w="57150">
-            <a:solidFill>
-              <a:schemeClr val="tx1"/>
-            </a:solidFill>
-          </a:ln>
-        </p:spPr>
-        <p:style>
-          <a:lnRef idx="2">
-            <a:schemeClr val="accent1">
-              <a:shade val="50000"/>
-            </a:schemeClr>
-          </a:lnRef>
-          <a:fillRef idx="1">
-            <a:schemeClr val="accent1"/>
-          </a:fillRef>
-          <a:effectRef idx="0">
-            <a:schemeClr val="accent1"/>
-          </a:effectRef>
-          <a:fontRef idx="minor">
-            <a:schemeClr val="lt1"/>
-          </a:fontRef>
-        </p:style>
-        <p:txBody>
-          <a:bodyPr rtlCol="0" anchor="ctr"/>
-          <a:lstStyle/>
-          <a:p>
-            <a:pPr algn="ctr"/>
-            <a:endParaRPr lang="en-US" sz="1600"/>
-          </a:p>
-        </p:txBody>
-      </p:sp>
-      <p:pic>
-        <p:nvPicPr>
-          <p:cNvPr id="55" name="그림 10">
-            <a:extLst>
-              <a:ext uri="{FF2B5EF4-FFF2-40B4-BE49-F238E27FC236}">
-                <a16:creationId xmlns:a16="http://schemas.microsoft.com/office/drawing/2014/main" id="{2AF5113E-DFCA-4319-802A-CEDF4E07468F}"/>
-              </a:ext>
-            </a:extLst>
-          </p:cNvPr>
-          <p:cNvPicPr>
-            <a:picLocks noChangeAspect="1"/>
-          </p:cNvPicPr>
-          <p:nvPr/>
-        </p:nvPicPr>
-        <p:blipFill>
-          <a:blip r:embed="rId2" cstate="print">
-            <a:extLst>
-              <a:ext uri="{28A0092B-C50C-407E-A947-70E740481C1C}">
-                <a14:useLocalDpi xmlns:a14="http://schemas.microsoft.com/office/drawing/2010/main" val="0"/>
-              </a:ext>
-            </a:extLst>
-          </a:blip>
-          <a:stretch>
-            <a:fillRect/>
-          </a:stretch>
-        </p:blipFill>
-        <p:spPr>
-          <a:xfrm>
-            <a:off x="856141" y="1930372"/>
-            <a:ext cx="313200" cy="313200"/>
-          </a:xfrm>
-          <a:prstGeom prst="rect">
-            <a:avLst/>
-          </a:prstGeom>
-        </p:spPr>
-      </p:pic>
-      <p:pic>
-        <p:nvPicPr>
-          <p:cNvPr id="33" name="Picture 32">
-            <a:extLst>
-              <a:ext uri="{FF2B5EF4-FFF2-40B4-BE49-F238E27FC236}">
-                <a16:creationId xmlns:a16="http://schemas.microsoft.com/office/drawing/2014/main" id="{F1AA9580-8694-4A70-A91B-DD306F179949}"/>
-              </a:ext>
-            </a:extLst>
-          </p:cNvPr>
-          <p:cNvPicPr>
-            <a:picLocks noChangeAspect="1"/>
-          </p:cNvPicPr>
-          <p:nvPr/>
-        </p:nvPicPr>
-        <p:blipFill>
-          <a:blip r:embed="rId3" cstate="print">
-            <a:extLst>
-              <a:ext uri="{28A0092B-C50C-407E-A947-70E740481C1C}">
-                <a14:useLocalDpi xmlns:a14="http://schemas.microsoft.com/office/drawing/2010/main" val="0"/>
-              </a:ext>
-            </a:extLst>
-          </a:blip>
-          <a:stretch>
-            <a:fillRect/>
-          </a:stretch>
-        </p:blipFill>
-        <p:spPr>
-          <a:xfrm>
-            <a:off x="1268861" y="1930372"/>
-            <a:ext cx="313200" cy="313200"/>
-          </a:xfrm>
-          <a:prstGeom prst="rect">
-            <a:avLst/>
-          </a:prstGeom>
-        </p:spPr>
-      </p:pic>
-      <p:sp>
-        <p:nvSpPr>
-          <p:cNvPr id="34" name="Oval 33">
-            <a:extLst>
-              <a:ext uri="{FF2B5EF4-FFF2-40B4-BE49-F238E27FC236}">
-                <a16:creationId xmlns:a16="http://schemas.microsoft.com/office/drawing/2014/main" id="{E15A8C35-7D13-40BF-9B18-B20090FC958D}"/>
-              </a:ext>
-            </a:extLst>
-          </p:cNvPr>
-          <p:cNvSpPr/>
-          <p:nvPr/>
-        </p:nvSpPr>
-        <p:spPr>
-          <a:xfrm>
-            <a:off x="1203552" y="2072137"/>
-            <a:ext cx="30499" cy="30499"/>
-          </a:xfrm>
-          <a:prstGeom prst="ellipse">
-            <a:avLst/>
-          </a:prstGeom>
-          <a:solidFill>
-            <a:srgbClr val="FF0000"/>
-          </a:solidFill>
-          <a:ln>
-            <a:noFill/>
-          </a:ln>
-        </p:spPr>
-        <p:style>
-          <a:lnRef idx="2">
-            <a:schemeClr val="accent1">
-              <a:shade val="50000"/>
-            </a:schemeClr>
-          </a:lnRef>
-          <a:fillRef idx="1">
-            <a:schemeClr val="accent1"/>
-          </a:fillRef>
-          <a:effectRef idx="0">
-            <a:schemeClr val="accent1"/>
-          </a:effectRef>
-          <a:fontRef idx="minor">
-            <a:schemeClr val="lt1"/>
-          </a:fontRef>
-        </p:style>
-        <p:txBody>
-          <a:bodyPr rtlCol="0" anchor="ctr"/>
-          <a:lstStyle/>
-          <a:p>
-            <a:pPr algn="ctr"/>
-            <a:endParaRPr lang="en-US"/>
-          </a:p>
-        </p:txBody>
-      </p:sp>
-      <p:pic>
-        <p:nvPicPr>
-          <p:cNvPr id="44" name="Picture 43">
-            <a:extLst>
-              <a:ext uri="{FF2B5EF4-FFF2-40B4-BE49-F238E27FC236}">
-                <a16:creationId xmlns:a16="http://schemas.microsoft.com/office/drawing/2014/main" id="{A33CECE6-ACD0-4A04-A2F3-15097E6922EB}"/>
-              </a:ext>
-            </a:extLst>
-          </p:cNvPr>
-          <p:cNvPicPr>
-            <a:picLocks noChangeAspect="1"/>
-          </p:cNvPicPr>
-          <p:nvPr/>
-        </p:nvPicPr>
-        <p:blipFill>
-          <a:blip r:embed="rId3" cstate="print">
-            <a:extLst>
-              <a:ext uri="{28A0092B-C50C-407E-A947-70E740481C1C}">
-                <a14:useLocalDpi xmlns:a14="http://schemas.microsoft.com/office/drawing/2010/main" val="0"/>
-              </a:ext>
-            </a:extLst>
-          </a:blip>
-          <a:stretch>
-            <a:fillRect/>
-          </a:stretch>
-        </p:blipFill>
-        <p:spPr>
-          <a:xfrm>
-            <a:off x="1679787" y="1929504"/>
-            <a:ext cx="313200" cy="313200"/>
-          </a:xfrm>
-          <a:prstGeom prst="rect">
-            <a:avLst/>
-          </a:prstGeom>
-        </p:spPr>
-      </p:pic>
-      <p:sp>
-        <p:nvSpPr>
-          <p:cNvPr id="45" name="Oval 44">
-            <a:extLst>
-              <a:ext uri="{FF2B5EF4-FFF2-40B4-BE49-F238E27FC236}">
-                <a16:creationId xmlns:a16="http://schemas.microsoft.com/office/drawing/2014/main" id="{13CC0D9D-C793-4312-8A7B-01ECF4BBDBA7}"/>
-              </a:ext>
-            </a:extLst>
-          </p:cNvPr>
-          <p:cNvSpPr/>
-          <p:nvPr/>
-        </p:nvSpPr>
-        <p:spPr>
-          <a:xfrm>
-            <a:off x="1203552" y="2072137"/>
-            <a:ext cx="30499" cy="30499"/>
-          </a:xfrm>
-          <a:prstGeom prst="ellipse">
-            <a:avLst/>
-          </a:prstGeom>
-          <a:solidFill>
-            <a:srgbClr val="FF0000"/>
-          </a:solidFill>
-          <a:ln>
-            <a:noFill/>
-          </a:ln>
-        </p:spPr>
-        <p:style>
-          <a:lnRef idx="2">
-            <a:schemeClr val="accent1">
-              <a:shade val="50000"/>
-            </a:schemeClr>
-          </a:lnRef>
-          <a:fillRef idx="1">
-            <a:schemeClr val="accent1"/>
-          </a:fillRef>
-          <a:effectRef idx="0">
-            <a:schemeClr val="accent1"/>
-          </a:effectRef>
-          <a:fontRef idx="minor">
-            <a:schemeClr val="lt1"/>
-          </a:fontRef>
-        </p:style>
-        <p:txBody>
-          <a:bodyPr rtlCol="0" anchor="ctr"/>
-          <a:lstStyle/>
-          <a:p>
-            <a:pPr algn="ctr"/>
-            <a:endParaRPr lang="en-US"/>
-          </a:p>
-        </p:txBody>
-      </p:sp>
-      <p:sp>
-        <p:nvSpPr>
-          <p:cNvPr id="46" name="직사각형 14">
-            <a:extLst>
-              <a:ext uri="{FF2B5EF4-FFF2-40B4-BE49-F238E27FC236}">
-                <a16:creationId xmlns:a16="http://schemas.microsoft.com/office/drawing/2014/main" id="{B7E04F9F-7715-444C-9A31-EE25368AEBBE}"/>
-              </a:ext>
-            </a:extLst>
-          </p:cNvPr>
-          <p:cNvSpPr/>
-          <p:nvPr/>
-        </p:nvSpPr>
-        <p:spPr>
-          <a:xfrm>
-            <a:off x="279086" y="5510052"/>
-            <a:ext cx="1879432" cy="1169020"/>
-          </a:xfrm>
-          <a:prstGeom prst="rect">
-            <a:avLst/>
-          </a:prstGeom>
-          <a:solidFill>
-            <a:schemeClr val="bg1">
-              <a:lumMod val="65000"/>
-            </a:schemeClr>
-          </a:solidFill>
-          <a:ln w="57150">
-            <a:solidFill>
-              <a:schemeClr val="tx1"/>
-            </a:solidFill>
-          </a:ln>
-        </p:spPr>
-        <p:style>
-          <a:lnRef idx="2">
-            <a:schemeClr val="accent1">
-              <a:shade val="50000"/>
-            </a:schemeClr>
-          </a:lnRef>
-          <a:fillRef idx="1">
-            <a:schemeClr val="accent1"/>
-          </a:fillRef>
-          <a:effectRef idx="0">
-            <a:schemeClr val="accent1"/>
-          </a:effectRef>
-          <a:fontRef idx="minor">
-            <a:schemeClr val="lt1"/>
-          </a:fontRef>
-        </p:style>
-        <p:txBody>
-          <a:bodyPr rtlCol="0" anchor="ctr"/>
-          <a:lstStyle/>
-          <a:p>
-            <a:pPr algn="ctr"/>
-            <a:endParaRPr lang="en-US" sz="1600"/>
-          </a:p>
-        </p:txBody>
-      </p:sp>
-      <p:pic>
-        <p:nvPicPr>
-          <p:cNvPr id="47" name="그림 22">
-            <a:extLst>
-              <a:ext uri="{FF2B5EF4-FFF2-40B4-BE49-F238E27FC236}">
-                <a16:creationId xmlns:a16="http://schemas.microsoft.com/office/drawing/2014/main" id="{CE5D51BA-3F4B-454B-ABB3-D39B97AF9D8C}"/>
-              </a:ext>
-            </a:extLst>
-          </p:cNvPr>
-          <p:cNvPicPr>
-            <a:picLocks noChangeAspect="1"/>
-          </p:cNvPicPr>
-          <p:nvPr/>
-        </p:nvPicPr>
-        <p:blipFill>
-          <a:blip r:embed="rId4" cstate="print">
-            <a:extLst>
-              <a:ext uri="{28A0092B-C50C-407E-A947-70E740481C1C}">
-                <a14:useLocalDpi xmlns:a14="http://schemas.microsoft.com/office/drawing/2010/main" val="0"/>
-              </a:ext>
-            </a:extLst>
-          </a:blip>
-          <a:stretch>
-            <a:fillRect/>
-          </a:stretch>
-        </p:blipFill>
-        <p:spPr>
-          <a:xfrm>
-            <a:off x="856141" y="5937962"/>
-            <a:ext cx="313200" cy="313200"/>
-          </a:xfrm>
-          <a:prstGeom prst="rect">
-            <a:avLst/>
-          </a:prstGeom>
-        </p:spPr>
-      </p:pic>
-      <p:pic>
-        <p:nvPicPr>
-          <p:cNvPr id="48" name="Picture 47">
-            <a:extLst>
-              <a:ext uri="{FF2B5EF4-FFF2-40B4-BE49-F238E27FC236}">
-                <a16:creationId xmlns:a16="http://schemas.microsoft.com/office/drawing/2014/main" id="{542257EB-9B78-4B9A-A59C-BF1A14143067}"/>
-              </a:ext>
-            </a:extLst>
-          </p:cNvPr>
-          <p:cNvPicPr>
-            <a:picLocks noChangeAspect="1"/>
-          </p:cNvPicPr>
-          <p:nvPr/>
-        </p:nvPicPr>
-        <p:blipFill>
-          <a:blip r:embed="rId3" cstate="print">
-            <a:extLst>
-              <a:ext uri="{28A0092B-C50C-407E-A947-70E740481C1C}">
-                <a14:useLocalDpi xmlns:a14="http://schemas.microsoft.com/office/drawing/2010/main" val="0"/>
-              </a:ext>
-            </a:extLst>
-          </a:blip>
-          <a:stretch>
-            <a:fillRect/>
-          </a:stretch>
-        </p:blipFill>
-        <p:spPr>
-          <a:xfrm>
-            <a:off x="1267665" y="5944020"/>
-            <a:ext cx="313200" cy="313200"/>
-          </a:xfrm>
-          <a:prstGeom prst="rect">
-            <a:avLst/>
-          </a:prstGeom>
-        </p:spPr>
-      </p:pic>
-      <p:sp>
-        <p:nvSpPr>
-          <p:cNvPr id="49" name="Oval 48">
-            <a:extLst>
-              <a:ext uri="{FF2B5EF4-FFF2-40B4-BE49-F238E27FC236}">
-                <a16:creationId xmlns:a16="http://schemas.microsoft.com/office/drawing/2014/main" id="{BDA042D7-7561-4285-A79D-AF1BA918A3D1}"/>
-              </a:ext>
-            </a:extLst>
-          </p:cNvPr>
-          <p:cNvSpPr/>
-          <p:nvPr/>
-        </p:nvSpPr>
-        <p:spPr>
-          <a:xfrm>
-            <a:off x="1203552" y="6079727"/>
-            <a:ext cx="30499" cy="30499"/>
-          </a:xfrm>
-          <a:prstGeom prst="ellipse">
-            <a:avLst/>
-          </a:prstGeom>
-          <a:solidFill>
-            <a:srgbClr val="FF0000"/>
-          </a:solidFill>
-          <a:ln>
-            <a:noFill/>
-          </a:ln>
-        </p:spPr>
-        <p:style>
-          <a:lnRef idx="2">
-            <a:schemeClr val="accent1">
-              <a:shade val="50000"/>
-            </a:schemeClr>
-          </a:lnRef>
-          <a:fillRef idx="1">
-            <a:schemeClr val="accent1"/>
-          </a:fillRef>
-          <a:effectRef idx="0">
-            <a:schemeClr val="accent1"/>
-          </a:effectRef>
-          <a:fontRef idx="minor">
-            <a:schemeClr val="lt1"/>
-          </a:fontRef>
-        </p:style>
-        <p:txBody>
-          <a:bodyPr rtlCol="0" anchor="ctr"/>
-          <a:lstStyle/>
-          <a:p>
-            <a:pPr algn="ctr"/>
-            <a:endParaRPr lang="en-US"/>
-          </a:p>
-        </p:txBody>
-      </p:sp>
-      <p:sp>
-        <p:nvSpPr>
-          <p:cNvPr id="13" name="TextBox 12">
-            <a:extLst>
-              <a:ext uri="{FF2B5EF4-FFF2-40B4-BE49-F238E27FC236}">
-                <a16:creationId xmlns:a16="http://schemas.microsoft.com/office/drawing/2014/main" id="{65ACDFFD-6C6C-41F5-AB08-F4BB062AD5E9}"/>
-              </a:ext>
-            </a:extLst>
-          </p:cNvPr>
-          <p:cNvSpPr txBox="1"/>
-          <p:nvPr/>
-        </p:nvSpPr>
-        <p:spPr>
-          <a:xfrm>
-            <a:off x="1780474" y="1523977"/>
-            <a:ext cx="1260000" cy="338554"/>
-          </a:xfrm>
-          <a:prstGeom prst="rect">
-            <a:avLst/>
-          </a:prstGeom>
-          <a:solidFill>
-            <a:schemeClr val="bg1"/>
-          </a:solidFill>
-          <a:ln w="19050">
-            <a:solidFill>
-              <a:schemeClr val="bg1">
-                <a:lumMod val="50000"/>
-              </a:schemeClr>
-            </a:solidFill>
-          </a:ln>
-          <a:effectLst>
-            <a:outerShdw blurRad="50800" dist="38100" dir="2700000" algn="tl" rotWithShape="0">
-              <a:prstClr val="black">
-                <a:alpha val="40000"/>
-              </a:prstClr>
-            </a:outerShdw>
-          </a:effectLst>
-        </p:spPr>
-        <p:txBody>
-          <a:bodyPr wrap="square" rtlCol="0">
-            <a:spAutoFit/>
-          </a:bodyPr>
-          <a:lstStyle/>
-          <a:p>
-            <a:pPr algn="ctr"/>
-            <a:r>
-              <a:rPr lang="en-US" sz="1600" b="1" dirty="0"/>
-              <a:t>cue frame</a:t>
-            </a:r>
-          </a:p>
-        </p:txBody>
-      </p:sp>
-      <p:sp>
-        <p:nvSpPr>
-          <p:cNvPr id="14" name="TextBox 13">
-            <a:extLst>
-              <a:ext uri="{FF2B5EF4-FFF2-40B4-BE49-F238E27FC236}">
-                <a16:creationId xmlns:a16="http://schemas.microsoft.com/office/drawing/2014/main" id="{4637171F-B00D-42D3-AA36-EC535880E451}"/>
-              </a:ext>
-            </a:extLst>
-          </p:cNvPr>
-          <p:cNvSpPr txBox="1"/>
-          <p:nvPr/>
-        </p:nvSpPr>
-        <p:spPr>
-          <a:xfrm>
-            <a:off x="1780474" y="5541191"/>
-            <a:ext cx="1260000" cy="338554"/>
-          </a:xfrm>
-          <a:prstGeom prst="rect">
-            <a:avLst/>
-          </a:prstGeom>
-          <a:solidFill>
-            <a:schemeClr val="bg1"/>
-          </a:solidFill>
-          <a:ln w="19050">
-            <a:solidFill>
-              <a:schemeClr val="bg1">
-                <a:lumMod val="50000"/>
-              </a:schemeClr>
-            </a:solidFill>
-          </a:ln>
-          <a:effectLst>
-            <a:outerShdw blurRad="50800" dist="38100" dir="2700000" algn="tl" rotWithShape="0">
-              <a:prstClr val="black">
-                <a:alpha val="40000"/>
-              </a:prstClr>
-            </a:outerShdw>
-          </a:effectLst>
-        </p:spPr>
-        <p:txBody>
-          <a:bodyPr wrap="square" rtlCol="0">
-            <a:spAutoFit/>
-          </a:bodyPr>
-          <a:lstStyle/>
-          <a:p>
-            <a:pPr algn="ctr"/>
-            <a:r>
-              <a:rPr lang="en-US" sz="1600" b="1" dirty="0"/>
-              <a:t>probe frame</a:t>
-            </a:r>
-          </a:p>
-        </p:txBody>
-      </p:sp>
-      <p:pic>
-        <p:nvPicPr>
-          <p:cNvPr id="23" name="그림 24">
-            <a:extLst>
-              <a:ext uri="{FF2B5EF4-FFF2-40B4-BE49-F238E27FC236}">
-                <a16:creationId xmlns:a16="http://schemas.microsoft.com/office/drawing/2014/main" id="{7B97E8BF-BE32-4CB4-89DF-B7720F39400E}"/>
-              </a:ext>
-            </a:extLst>
-          </p:cNvPr>
-          <p:cNvPicPr>
-            <a:picLocks noChangeAspect="1"/>
-          </p:cNvPicPr>
-          <p:nvPr/>
-        </p:nvPicPr>
-        <p:blipFill>
-          <a:blip r:embed="rId5" cstate="print">
-            <a:extLst>
-              <a:ext uri="{28A0092B-C50C-407E-A947-70E740481C1C}">
-                <a14:useLocalDpi xmlns:a14="http://schemas.microsoft.com/office/drawing/2010/main" val="0"/>
-              </a:ext>
-            </a:extLst>
-          </a:blip>
-          <a:stretch>
-            <a:fillRect/>
-          </a:stretch>
-        </p:blipFill>
-        <p:spPr>
-          <a:xfrm>
-            <a:off x="443422" y="578660"/>
-            <a:ext cx="314395" cy="314395"/>
-          </a:xfrm>
-          <a:prstGeom prst="rect">
-            <a:avLst/>
-          </a:prstGeom>
-        </p:spPr>
-      </p:pic>
-      <p:pic>
-        <p:nvPicPr>
-          <p:cNvPr id="32" name="그림 24">
-            <a:extLst>
-              <a:ext uri="{FF2B5EF4-FFF2-40B4-BE49-F238E27FC236}">
-                <a16:creationId xmlns:a16="http://schemas.microsoft.com/office/drawing/2014/main" id="{5BF9551C-C3B9-4FB0-8AA6-2B57142EA28E}"/>
-              </a:ext>
-            </a:extLst>
-          </p:cNvPr>
-          <p:cNvPicPr>
-            <a:picLocks noChangeAspect="1"/>
-          </p:cNvPicPr>
-          <p:nvPr/>
-        </p:nvPicPr>
-        <p:blipFill>
-          <a:blip r:embed="rId5" cstate="print">
-            <a:extLst>
-              <a:ext uri="{28A0092B-C50C-407E-A947-70E740481C1C}">
-                <a14:useLocalDpi xmlns:a14="http://schemas.microsoft.com/office/drawing/2010/main" val="0"/>
-              </a:ext>
-            </a:extLst>
-          </a:blip>
-          <a:stretch>
-            <a:fillRect/>
-          </a:stretch>
-        </p:blipFill>
-        <p:spPr>
-          <a:xfrm>
-            <a:off x="855544" y="578660"/>
-            <a:ext cx="314395" cy="314395"/>
-          </a:xfrm>
-          <a:prstGeom prst="rect">
-            <a:avLst/>
-          </a:prstGeom>
-        </p:spPr>
-      </p:pic>
-      <p:pic>
-        <p:nvPicPr>
-          <p:cNvPr id="43" name="그림 24">
-            <a:extLst>
-              <a:ext uri="{FF2B5EF4-FFF2-40B4-BE49-F238E27FC236}">
-                <a16:creationId xmlns:a16="http://schemas.microsoft.com/office/drawing/2014/main" id="{DD4D70E1-9EA6-43EB-810A-AEB26AC04620}"/>
-              </a:ext>
-            </a:extLst>
-          </p:cNvPr>
-          <p:cNvPicPr>
-            <a:picLocks noChangeAspect="1"/>
-          </p:cNvPicPr>
-          <p:nvPr/>
-        </p:nvPicPr>
-        <p:blipFill>
-          <a:blip r:embed="rId5" cstate="print">
-            <a:extLst>
-              <a:ext uri="{28A0092B-C50C-407E-A947-70E740481C1C}">
-                <a14:useLocalDpi xmlns:a14="http://schemas.microsoft.com/office/drawing/2010/main" val="0"/>
-              </a:ext>
-            </a:extLst>
-          </a:blip>
-          <a:stretch>
-            <a:fillRect/>
-          </a:stretch>
-        </p:blipFill>
-        <p:spPr>
-          <a:xfrm>
-            <a:off x="1267666" y="578660"/>
-            <a:ext cx="314395" cy="314395"/>
-          </a:xfrm>
-          <a:prstGeom prst="rect">
-            <a:avLst/>
-          </a:prstGeom>
-        </p:spPr>
-      </p:pic>
-      <p:grpSp>
-        <p:nvGrpSpPr>
-          <p:cNvPr id="6" name="Group 5">
-            <a:extLst>
-              <a:ext uri="{FF2B5EF4-FFF2-40B4-BE49-F238E27FC236}">
-                <a16:creationId xmlns:a16="http://schemas.microsoft.com/office/drawing/2014/main" id="{68A38A60-3CC7-4A5F-B308-D231E7A4F3D5}"/>
-              </a:ext>
-            </a:extLst>
-          </p:cNvPr>
-          <p:cNvGrpSpPr/>
-          <p:nvPr/>
-        </p:nvGrpSpPr>
-        <p:grpSpPr>
-          <a:xfrm>
-            <a:off x="443421" y="3265637"/>
-            <a:ext cx="1138639" cy="314395"/>
-            <a:chOff x="595822" y="731060"/>
-            <a:chExt cx="1138639" cy="314395"/>
-          </a:xfrm>
-        </p:grpSpPr>
-        <p:pic>
-          <p:nvPicPr>
-            <p:cNvPr id="56" name="그림 24">
-              <a:extLst>
-                <a:ext uri="{FF2B5EF4-FFF2-40B4-BE49-F238E27FC236}">
-                  <a16:creationId xmlns:a16="http://schemas.microsoft.com/office/drawing/2014/main" id="{08EFE96A-A956-45E2-8B8E-19739D9F32AB}"/>
-                </a:ext>
-              </a:extLst>
-            </p:cNvPr>
-            <p:cNvPicPr>
-              <a:picLocks noChangeAspect="1"/>
-            </p:cNvPicPr>
-            <p:nvPr/>
-          </p:nvPicPr>
-          <p:blipFill>
-            <a:blip r:embed="rId5" cstate="print">
-              <a:extLst>
-                <a:ext uri="{28A0092B-C50C-407E-A947-70E740481C1C}">
-                  <a14:useLocalDpi xmlns:a14="http://schemas.microsoft.com/office/drawing/2010/main" val="0"/>
-                </a:ext>
-              </a:extLst>
-            </a:blip>
-            <a:stretch>
-              <a:fillRect/>
-            </a:stretch>
-          </p:blipFill>
-          <p:spPr>
-            <a:xfrm>
-              <a:off x="595822" y="731060"/>
-              <a:ext cx="314395" cy="314395"/>
-            </a:xfrm>
-            <a:prstGeom prst="rect">
-              <a:avLst/>
-            </a:prstGeom>
-          </p:spPr>
-        </p:pic>
-        <p:pic>
-          <p:nvPicPr>
-            <p:cNvPr id="57" name="그림 24">
-              <a:extLst>
-                <a:ext uri="{FF2B5EF4-FFF2-40B4-BE49-F238E27FC236}">
-                  <a16:creationId xmlns:a16="http://schemas.microsoft.com/office/drawing/2014/main" id="{AB8BDD13-C67E-463F-B154-6EF71A90A5E6}"/>
-                </a:ext>
-              </a:extLst>
-            </p:cNvPr>
-            <p:cNvPicPr>
-              <a:picLocks noChangeAspect="1"/>
-            </p:cNvPicPr>
-            <p:nvPr/>
-          </p:nvPicPr>
-          <p:blipFill>
-            <a:blip r:embed="rId5" cstate="print">
-              <a:extLst>
-                <a:ext uri="{28A0092B-C50C-407E-A947-70E740481C1C}">
-                  <a14:useLocalDpi xmlns:a14="http://schemas.microsoft.com/office/drawing/2010/main" val="0"/>
-                </a:ext>
-              </a:extLst>
-            </a:blip>
-            <a:stretch>
-              <a:fillRect/>
-            </a:stretch>
-          </p:blipFill>
-          <p:spPr>
-            <a:xfrm>
-              <a:off x="1007944" y="731060"/>
-              <a:ext cx="314395" cy="314395"/>
-            </a:xfrm>
-            <a:prstGeom prst="rect">
-              <a:avLst/>
-            </a:prstGeom>
-          </p:spPr>
-        </p:pic>
-        <p:pic>
-          <p:nvPicPr>
-            <p:cNvPr id="58" name="그림 24">
-              <a:extLst>
-                <a:ext uri="{FF2B5EF4-FFF2-40B4-BE49-F238E27FC236}">
-                  <a16:creationId xmlns:a16="http://schemas.microsoft.com/office/drawing/2014/main" id="{BF19EEF4-FD6E-43EE-B9DC-3BC7ACC9FE28}"/>
-                </a:ext>
-              </a:extLst>
-            </p:cNvPr>
-            <p:cNvPicPr>
-              <a:picLocks noChangeAspect="1"/>
-            </p:cNvPicPr>
-            <p:nvPr/>
-          </p:nvPicPr>
-          <p:blipFill>
-            <a:blip r:embed="rId5" cstate="print">
-              <a:extLst>
-                <a:ext uri="{28A0092B-C50C-407E-A947-70E740481C1C}">
-                  <a14:useLocalDpi xmlns:a14="http://schemas.microsoft.com/office/drawing/2010/main" val="0"/>
-                </a:ext>
-              </a:extLst>
-            </a:blip>
-            <a:stretch>
-              <a:fillRect/>
-            </a:stretch>
-          </p:blipFill>
-          <p:spPr>
-            <a:xfrm>
-              <a:off x="1420066" y="731060"/>
-              <a:ext cx="314395" cy="314395"/>
-            </a:xfrm>
-            <a:prstGeom prst="rect">
-              <a:avLst/>
-            </a:prstGeom>
-          </p:spPr>
-        </p:pic>
-      </p:grpSp>
-      <p:grpSp>
-        <p:nvGrpSpPr>
-          <p:cNvPr id="7" name="Group 6">
-            <a:extLst>
-              <a:ext uri="{FF2B5EF4-FFF2-40B4-BE49-F238E27FC236}">
-                <a16:creationId xmlns:a16="http://schemas.microsoft.com/office/drawing/2014/main" id="{7A9862EA-C92B-4506-B2F6-B5677C265C96}"/>
-              </a:ext>
-            </a:extLst>
-          </p:cNvPr>
-          <p:cNvGrpSpPr/>
-          <p:nvPr/>
-        </p:nvGrpSpPr>
-        <p:grpSpPr>
-          <a:xfrm>
-            <a:off x="855543" y="4601501"/>
-            <a:ext cx="1138639" cy="314395"/>
-            <a:chOff x="595822" y="731060"/>
-            <a:chExt cx="1138639" cy="314395"/>
-          </a:xfrm>
-        </p:grpSpPr>
-        <p:pic>
-          <p:nvPicPr>
-            <p:cNvPr id="59" name="그림 24">
-              <a:extLst>
-                <a:ext uri="{FF2B5EF4-FFF2-40B4-BE49-F238E27FC236}">
-                  <a16:creationId xmlns:a16="http://schemas.microsoft.com/office/drawing/2014/main" id="{052B1C1F-601B-451F-80BD-E03108FA126A}"/>
-                </a:ext>
-              </a:extLst>
-            </p:cNvPr>
-            <p:cNvPicPr>
-              <a:picLocks noChangeAspect="1"/>
-            </p:cNvPicPr>
-            <p:nvPr/>
-          </p:nvPicPr>
-          <p:blipFill>
-            <a:blip r:embed="rId5" cstate="print">
-              <a:extLst>
-                <a:ext uri="{28A0092B-C50C-407E-A947-70E740481C1C}">
-                  <a14:useLocalDpi xmlns:a14="http://schemas.microsoft.com/office/drawing/2010/main" val="0"/>
-                </a:ext>
-              </a:extLst>
-            </a:blip>
-            <a:stretch>
-              <a:fillRect/>
-            </a:stretch>
-          </p:blipFill>
-          <p:spPr>
-            <a:xfrm>
-              <a:off x="595822" y="731060"/>
-              <a:ext cx="314395" cy="314395"/>
-            </a:xfrm>
-            <a:prstGeom prst="rect">
-              <a:avLst/>
-            </a:prstGeom>
-          </p:spPr>
-        </p:pic>
-        <p:pic>
-          <p:nvPicPr>
-            <p:cNvPr id="60" name="그림 24">
-              <a:extLst>
-                <a:ext uri="{FF2B5EF4-FFF2-40B4-BE49-F238E27FC236}">
-                  <a16:creationId xmlns:a16="http://schemas.microsoft.com/office/drawing/2014/main" id="{0AF2BE88-31E4-474A-895A-123D75E392ED}"/>
-                </a:ext>
-              </a:extLst>
-            </p:cNvPr>
-            <p:cNvPicPr>
-              <a:picLocks noChangeAspect="1"/>
-            </p:cNvPicPr>
-            <p:nvPr/>
-          </p:nvPicPr>
-          <p:blipFill>
-            <a:blip r:embed="rId5" cstate="print">
-              <a:extLst>
-                <a:ext uri="{28A0092B-C50C-407E-A947-70E740481C1C}">
-                  <a14:useLocalDpi xmlns:a14="http://schemas.microsoft.com/office/drawing/2010/main" val="0"/>
-                </a:ext>
-              </a:extLst>
-            </a:blip>
-            <a:stretch>
-              <a:fillRect/>
-            </a:stretch>
-          </p:blipFill>
-          <p:spPr>
-            <a:xfrm>
-              <a:off x="1007944" y="731060"/>
-              <a:ext cx="314395" cy="314395"/>
-            </a:xfrm>
-            <a:prstGeom prst="rect">
-              <a:avLst/>
-            </a:prstGeom>
-          </p:spPr>
-        </p:pic>
-        <p:pic>
-          <p:nvPicPr>
-            <p:cNvPr id="61" name="그림 24">
-              <a:extLst>
-                <a:ext uri="{FF2B5EF4-FFF2-40B4-BE49-F238E27FC236}">
-                  <a16:creationId xmlns:a16="http://schemas.microsoft.com/office/drawing/2014/main" id="{B23F39B2-1A92-47FF-95FB-01E21E9E0FC4}"/>
-                </a:ext>
-              </a:extLst>
-            </p:cNvPr>
-            <p:cNvPicPr>
-              <a:picLocks noChangeAspect="1"/>
-            </p:cNvPicPr>
-            <p:nvPr/>
-          </p:nvPicPr>
-          <p:blipFill>
-            <a:blip r:embed="rId5" cstate="print">
-              <a:extLst>
-                <a:ext uri="{28A0092B-C50C-407E-A947-70E740481C1C}">
-                  <a14:useLocalDpi xmlns:a14="http://schemas.microsoft.com/office/drawing/2010/main" val="0"/>
-                </a:ext>
-              </a:extLst>
-            </a:blip>
-            <a:stretch>
-              <a:fillRect/>
-            </a:stretch>
-          </p:blipFill>
-          <p:spPr>
-            <a:xfrm>
-              <a:off x="1420066" y="731060"/>
-              <a:ext cx="314395" cy="314395"/>
-            </a:xfrm>
-            <a:prstGeom prst="rect">
-              <a:avLst/>
-            </a:prstGeom>
-          </p:spPr>
-        </p:pic>
-      </p:grpSp>
-      <p:pic>
-        <p:nvPicPr>
-          <p:cNvPr id="62" name="Picture 61">
-            <a:extLst>
-              <a:ext uri="{FF2B5EF4-FFF2-40B4-BE49-F238E27FC236}">
-                <a16:creationId xmlns:a16="http://schemas.microsoft.com/office/drawing/2014/main" id="{98A52D0E-F4D2-4504-A569-17010E59CF00}"/>
-              </a:ext>
-            </a:extLst>
-          </p:cNvPr>
-          <p:cNvPicPr>
-            <a:picLocks noChangeAspect="1"/>
-          </p:cNvPicPr>
-          <p:nvPr/>
-        </p:nvPicPr>
-        <p:blipFill>
-          <a:blip r:embed="rId3" cstate="print">
-            <a:extLst>
-              <a:ext uri="{28A0092B-C50C-407E-A947-70E740481C1C}">
-                <a14:useLocalDpi xmlns:a14="http://schemas.microsoft.com/office/drawing/2010/main" val="0"/>
-              </a:ext>
-            </a:extLst>
-          </a:blip>
-          <a:stretch>
-            <a:fillRect/>
-          </a:stretch>
-        </p:blipFill>
-        <p:spPr>
-          <a:xfrm>
-            <a:off x="443421" y="5937962"/>
-            <a:ext cx="313200" cy="313200"/>
-          </a:xfrm>
-          <a:prstGeom prst="rect">
-            <a:avLst/>
-          </a:prstGeom>
-        </p:spPr>
-      </p:pic>
-      <p:sp>
-        <p:nvSpPr>
-          <p:cNvPr id="36" name="TextBox 35">
-            <a:extLst>
-              <a:ext uri="{FF2B5EF4-FFF2-40B4-BE49-F238E27FC236}">
-                <a16:creationId xmlns:a16="http://schemas.microsoft.com/office/drawing/2014/main" id="{E17D369A-DB03-4264-A486-D812C598B75A}"/>
-              </a:ext>
-            </a:extLst>
-          </p:cNvPr>
-          <p:cNvSpPr txBox="1"/>
-          <p:nvPr/>
-        </p:nvSpPr>
-        <p:spPr>
-          <a:xfrm>
-            <a:off x="3657206" y="1523977"/>
-            <a:ext cx="8091373" cy="3508653"/>
-          </a:xfrm>
-          <a:prstGeom prst="rect">
-            <a:avLst/>
-          </a:prstGeom>
-          <a:noFill/>
-        </p:spPr>
-        <p:txBody>
-          <a:bodyPr wrap="square" rtlCol="0">
-            <a:spAutoFit/>
-          </a:bodyPr>
-          <a:lstStyle/>
-          <a:p>
-            <a:pPr marL="285750" indent="-285750">
-              <a:spcAft>
-                <a:spcPts val="1200"/>
-              </a:spcAft>
-              <a:buFontTx/>
-              <a:buChar char="-"/>
-            </a:pPr>
-            <a:r>
-              <a:rPr lang="en-US" dirty="0"/>
-              <a:t>Please fixate your eyes on </a:t>
-            </a:r>
-            <a:r>
-              <a:rPr lang="en-US" b="1" dirty="0">
-                <a:solidFill>
-                  <a:srgbClr val="FF0000"/>
-                </a:solidFill>
-              </a:rPr>
-              <a:t>the red fixation dot</a:t>
-            </a:r>
-            <a:r>
-              <a:rPr lang="en-US" dirty="0"/>
-              <a:t> all the time</a:t>
-            </a:r>
-          </a:p>
-          <a:p>
-            <a:pPr marL="285750" indent="-285750">
-              <a:spcAft>
-                <a:spcPts val="1200"/>
-              </a:spcAft>
-              <a:buFontTx/>
-              <a:buChar char="-"/>
-            </a:pPr>
-            <a:r>
-              <a:rPr lang="en-US" dirty="0"/>
-              <a:t>Your task is the same, except the tilted bars will be presented in different disks</a:t>
-            </a:r>
-          </a:p>
-          <a:p>
-            <a:pPr marL="285750" indent="-285750">
-              <a:spcAft>
-                <a:spcPts val="1200"/>
-              </a:spcAft>
-              <a:buFontTx/>
-              <a:buChar char="-"/>
-            </a:pPr>
-            <a:r>
-              <a:rPr lang="en-US" dirty="0"/>
-              <a:t>In the cue frame, tilted bars will be presented in the left most disk</a:t>
-            </a:r>
-          </a:p>
-          <a:p>
-            <a:pPr marL="285750" indent="-285750">
-              <a:spcAft>
-                <a:spcPts val="1200"/>
-              </a:spcAft>
-              <a:buFontTx/>
-              <a:buChar char="-"/>
-            </a:pPr>
-            <a:r>
-              <a:rPr lang="en-US" dirty="0"/>
-              <a:t>In the probe frame, tilted bars will be presented in the middle disk</a:t>
-            </a:r>
-          </a:p>
-          <a:p>
-            <a:pPr marL="285750" indent="-285750">
-              <a:spcAft>
-                <a:spcPts val="1200"/>
-              </a:spcAft>
-              <a:buFontTx/>
-              <a:buChar char="-"/>
-            </a:pPr>
-            <a:r>
-              <a:rPr lang="en-US" dirty="0"/>
-              <a:t>Thus, the tilted bars are always presented in the disk on the left side of the fixation dot</a:t>
-            </a:r>
-          </a:p>
-          <a:p>
-            <a:pPr marL="285750" indent="-285750">
-              <a:spcAft>
-                <a:spcPts val="1200"/>
-              </a:spcAft>
-              <a:buFontTx/>
-              <a:buChar char="-"/>
-            </a:pPr>
-            <a:r>
-              <a:rPr lang="en-US" dirty="0"/>
-              <a:t>Your task is to detect either the target bars (15</a:t>
-            </a:r>
-            <a:r>
-              <a:rPr lang="en-US" baseline="30000" dirty="0"/>
-              <a:t>◦ </a:t>
-            </a:r>
-            <a:r>
-              <a:rPr lang="en-US" dirty="0"/>
-              <a:t>tilted bars) in cue and probe frames are tilted in the same direction (left button) or not (right button)</a:t>
-            </a:r>
-          </a:p>
-          <a:p>
-            <a:pPr marL="285750" indent="-285750">
-              <a:spcAft>
-                <a:spcPts val="1200"/>
-              </a:spcAft>
-              <a:buFontTx/>
-              <a:buChar char="-"/>
-            </a:pPr>
-            <a:r>
-              <a:rPr lang="en-US" dirty="0"/>
-              <a:t>Again, you have to ignore the 45</a:t>
-            </a:r>
-            <a:r>
-              <a:rPr lang="en-US" baseline="30000" dirty="0"/>
-              <a:t>◦</a:t>
-            </a:r>
-            <a:r>
-              <a:rPr lang="en-US" dirty="0"/>
-              <a:t>(distractor) bar in the cue frame</a:t>
-            </a:r>
-          </a:p>
-        </p:txBody>
-      </p:sp>
-    </p:spTree>
-    <p:extLst>
-      <p:ext uri="{BB962C8B-B14F-4D97-AF65-F5344CB8AC3E}">
-        <p14:creationId xmlns:p14="http://schemas.microsoft.com/office/powerpoint/2010/main" val="12927611"/>
-      </p:ext>
-    </p:extLst>
-  </p:cSld>
-  <p:clrMapOvr>
-    <a:masterClrMapping/>
-  </p:clrMapOvr>
-</p:sld>
-</file>
-
 <file path=ppt/slides/slide13.xml><?xml version="1.0" encoding="utf-8"?>
-<p:sld xmlns:a="http://schemas.openxmlformats.org/drawingml/2006/main" xmlns:r="http://schemas.openxmlformats.org/officeDocument/2006/relationships" xmlns:p="http://schemas.openxmlformats.org/presentationml/2006/main">
-  <p:cSld>
-    <p:bg>
-      <p:bgPr>
-        <a:solidFill>
-          <a:srgbClr val="7F7F7F"/>
-        </a:solidFill>
-        <a:effectLst/>
-      </p:bgPr>
-    </p:bg>
-    <p:spTree>
-      <p:nvGrpSpPr>
-        <p:cNvPr id="1" name=""/>
-        <p:cNvGrpSpPr/>
-        <p:nvPr/>
-      </p:nvGrpSpPr>
-      <p:grpSpPr>
-        <a:xfrm>
-          <a:off x="0" y="0"/>
-          <a:ext cx="0" cy="0"/>
-          <a:chOff x="0" y="0"/>
-          <a:chExt cx="0" cy="0"/>
-        </a:xfrm>
-      </p:grpSpPr>
-      <p:sp>
-        <p:nvSpPr>
-          <p:cNvPr id="2" name="TextBox 1">
-            <a:extLst>
-              <a:ext uri="{FF2B5EF4-FFF2-40B4-BE49-F238E27FC236}">
-                <a16:creationId xmlns:a16="http://schemas.microsoft.com/office/drawing/2014/main" id="{111A9637-10FB-4F35-81B8-74F40C5B099B}"/>
-              </a:ext>
-            </a:extLst>
-          </p:cNvPr>
-          <p:cNvSpPr txBox="1"/>
-          <p:nvPr/>
-        </p:nvSpPr>
-        <p:spPr>
-          <a:xfrm>
-            <a:off x="458679" y="435005"/>
-            <a:ext cx="11274642" cy="1415772"/>
-          </a:xfrm>
-          <a:prstGeom prst="rect">
-            <a:avLst/>
-          </a:prstGeom>
-          <a:noFill/>
-        </p:spPr>
-        <p:txBody>
-          <a:bodyPr wrap="square" rtlCol="0">
-            <a:spAutoFit/>
-          </a:bodyPr>
-          <a:lstStyle/>
-          <a:p>
-            <a:r>
-              <a:rPr lang="en-US" b="1" dirty="0"/>
-              <a:t>Example </a:t>
-            </a:r>
-          </a:p>
-          <a:p>
-            <a:endParaRPr lang="en-US" dirty="0"/>
-          </a:p>
-          <a:p>
-            <a:pPr algn="ctr"/>
-            <a:r>
-              <a:rPr lang="en-US" dirty="0"/>
-              <a:t>Task: Report the Same (left) / Opposite (right) tilt of the target bar (15</a:t>
-            </a:r>
-            <a:r>
-              <a:rPr lang="en-US" baseline="30000" dirty="0"/>
-              <a:t>◦</a:t>
-            </a:r>
-            <a:r>
-              <a:rPr lang="en-US" dirty="0"/>
-              <a:t>) in the target disks</a:t>
-            </a:r>
-          </a:p>
-          <a:p>
-            <a:pPr algn="ctr"/>
-            <a:endParaRPr lang="en-US" sz="1600" dirty="0"/>
-          </a:p>
-          <a:p>
-            <a:pPr algn="ctr"/>
-            <a:r>
-              <a:rPr lang="en-US" sz="1600" dirty="0"/>
-              <a:t>The cue frame’s target disk is the </a:t>
-            </a:r>
-            <a:r>
-              <a:rPr lang="en-US" sz="1600" i="1" dirty="0"/>
-              <a:t>left most </a:t>
-            </a:r>
-            <a:r>
-              <a:rPr lang="en-US" sz="1600" dirty="0"/>
-              <a:t>disk and the probe frame’s target disk is the </a:t>
-            </a:r>
-            <a:r>
-              <a:rPr lang="en-US" sz="1600" i="1" dirty="0"/>
-              <a:t>middle</a:t>
-            </a:r>
-            <a:r>
-              <a:rPr lang="en-US" sz="1600" dirty="0"/>
-              <a:t> disk</a:t>
-            </a:r>
-          </a:p>
-        </p:txBody>
-      </p:sp>
-      <p:pic>
-        <p:nvPicPr>
-          <p:cNvPr id="4" name="Picture 3">
-            <a:extLst>
-              <a:ext uri="{FF2B5EF4-FFF2-40B4-BE49-F238E27FC236}">
-                <a16:creationId xmlns:a16="http://schemas.microsoft.com/office/drawing/2014/main" id="{DCDD6BFC-DA4C-408E-A6F6-9A83A706E664}"/>
-              </a:ext>
-            </a:extLst>
-          </p:cNvPr>
-          <p:cNvPicPr>
-            <a:picLocks noChangeAspect="1"/>
-          </p:cNvPicPr>
-          <p:nvPr/>
-        </p:nvPicPr>
-        <p:blipFill>
-          <a:blip r:embed="rId2">
-            <a:extLst>
-              <a:ext uri="{28A0092B-C50C-407E-A947-70E740481C1C}">
-                <a14:useLocalDpi xmlns:a14="http://schemas.microsoft.com/office/drawing/2010/main" val="0"/>
-              </a:ext>
-            </a:extLst>
-          </a:blip>
-          <a:stretch>
-            <a:fillRect/>
-          </a:stretch>
-        </p:blipFill>
-        <p:spPr>
-          <a:xfrm>
-            <a:off x="2286000" y="2476500"/>
-            <a:ext cx="7620000" cy="1905000"/>
-          </a:xfrm>
-          <a:prstGeom prst="rect">
-            <a:avLst/>
-          </a:prstGeom>
-        </p:spPr>
-      </p:pic>
-    </p:spTree>
-    <p:extLst>
-      <p:ext uri="{BB962C8B-B14F-4D97-AF65-F5344CB8AC3E}">
-        <p14:creationId xmlns:p14="http://schemas.microsoft.com/office/powerpoint/2010/main" val="3550245318"/>
-      </p:ext>
-    </p:extLst>
-  </p:cSld>
-  <p:clrMapOvr>
-    <a:masterClrMapping/>
-  </p:clrMapOvr>
-</p:sld>
-</file>
-
-<file path=ppt/slides/slide14.xml><?xml version="1.0" encoding="utf-8"?>
-<p:sld xmlns:a="http://schemas.openxmlformats.org/drawingml/2006/main" xmlns:r="http://schemas.openxmlformats.org/officeDocument/2006/relationships" xmlns:p="http://schemas.openxmlformats.org/presentationml/2006/main">
-  <p:cSld>
-    <p:spTree>
-      <p:nvGrpSpPr>
-        <p:cNvPr id="1" name=""/>
-        <p:cNvGrpSpPr/>
-        <p:nvPr/>
-      </p:nvGrpSpPr>
-      <p:grpSpPr>
-        <a:xfrm>
-          <a:off x="0" y="0"/>
-          <a:ext cx="0" cy="0"/>
-          <a:chOff x="0" y="0"/>
-          <a:chExt cx="0" cy="0"/>
-        </a:xfrm>
-      </p:grpSpPr>
-      <p:sp>
-        <p:nvSpPr>
-          <p:cNvPr id="2" name="TextBox 1">
-            <a:extLst>
-              <a:ext uri="{FF2B5EF4-FFF2-40B4-BE49-F238E27FC236}">
-                <a16:creationId xmlns:a16="http://schemas.microsoft.com/office/drawing/2014/main" id="{91DED56B-F350-4B0D-8686-B325ECBED80E}"/>
-              </a:ext>
-            </a:extLst>
-          </p:cNvPr>
-          <p:cNvSpPr txBox="1"/>
-          <p:nvPr/>
-        </p:nvSpPr>
-        <p:spPr>
-          <a:xfrm>
-            <a:off x="269966" y="452846"/>
-            <a:ext cx="11390811" cy="1200329"/>
-          </a:xfrm>
-          <a:prstGeom prst="rect">
-            <a:avLst/>
-          </a:prstGeom>
-          <a:noFill/>
-        </p:spPr>
-        <p:txBody>
-          <a:bodyPr wrap="square" rtlCol="0">
-            <a:spAutoFit/>
-          </a:bodyPr>
-          <a:lstStyle/>
-          <a:p>
-            <a:r>
-              <a:rPr lang="en-US" dirty="0"/>
-              <a:t>Additional question after the experiment </a:t>
-            </a:r>
-          </a:p>
-          <a:p>
-            <a:endParaRPr lang="en-US" dirty="0"/>
-          </a:p>
-          <a:p>
-            <a:r>
-              <a:rPr lang="en-US" dirty="0"/>
-              <a:t>1. Were the disks flickering (on/off) or moving left-and-right as a group? </a:t>
-            </a:r>
-          </a:p>
-          <a:p>
-            <a:r>
-              <a:rPr lang="en-US" dirty="0"/>
-              <a:t>     (1) each disk was flickering on and off --------------------------------- (5) three disks were moving left-and-right as a group</a:t>
-            </a:r>
-          </a:p>
-        </p:txBody>
-      </p:sp>
-    </p:spTree>
-    <p:extLst>
-      <p:ext uri="{BB962C8B-B14F-4D97-AF65-F5344CB8AC3E}">
-        <p14:creationId xmlns:p14="http://schemas.microsoft.com/office/powerpoint/2010/main" val="3214161767"/>
-      </p:ext>
-    </p:extLst>
-  </p:cSld>
-  <p:clrMapOvr>
-    <a:masterClrMapping/>
-  </p:clrMapOvr>
-</p:sld>
-</file>
-
-<file path=ppt/slides/slide2.xml><?xml version="1.0" encoding="utf-8"?>
 <p:sld xmlns:a="http://schemas.openxmlformats.org/drawingml/2006/main" xmlns:r="http://schemas.openxmlformats.org/officeDocument/2006/relationships" xmlns:p="http://schemas.openxmlformats.org/presentationml/2006/main">
   <p:cSld>
     <p:spTree>
@@ -6053,1370 +4445,7 @@
 </p:sld>
 </file>
 
-<file path=ppt/slides/slide3.xml><?xml version="1.0" encoding="utf-8"?>
-<p:sld xmlns:a="http://schemas.openxmlformats.org/drawingml/2006/main" xmlns:r="http://schemas.openxmlformats.org/officeDocument/2006/relationships" xmlns:p="http://schemas.openxmlformats.org/presentationml/2006/main">
-  <p:cSld>
-    <p:spTree>
-      <p:nvGrpSpPr>
-        <p:cNvPr id="1" name=""/>
-        <p:cNvGrpSpPr/>
-        <p:nvPr/>
-      </p:nvGrpSpPr>
-      <p:grpSpPr>
-        <a:xfrm>
-          <a:off x="0" y="0"/>
-          <a:ext cx="0" cy="0"/>
-          <a:chOff x="0" y="0"/>
-          <a:chExt cx="0" cy="0"/>
-        </a:xfrm>
-      </p:grpSpPr>
-      <p:pic>
-        <p:nvPicPr>
-          <p:cNvPr id="3" name="그림 2"/>
-          <p:cNvPicPr>
-            <a:picLocks noChangeAspect="1"/>
-          </p:cNvPicPr>
-          <p:nvPr/>
-        </p:nvPicPr>
-        <p:blipFill>
-          <a:blip r:embed="rId2" cstate="print">
-            <a:extLst>
-              <a:ext uri="{28A0092B-C50C-407E-A947-70E740481C1C}">
-                <a14:useLocalDpi xmlns:a14="http://schemas.microsoft.com/office/drawing/2010/main" val="0"/>
-              </a:ext>
-            </a:extLst>
-          </a:blip>
-          <a:stretch>
-            <a:fillRect/>
-          </a:stretch>
-        </p:blipFill>
-        <p:spPr>
-          <a:xfrm>
-            <a:off x="3848975" y="4444650"/>
-            <a:ext cx="1207010" cy="1207010"/>
-          </a:xfrm>
-          <a:prstGeom prst="rect">
-            <a:avLst/>
-          </a:prstGeom>
-        </p:spPr>
-      </p:pic>
-      <p:pic>
-        <p:nvPicPr>
-          <p:cNvPr id="4" name="그림 3"/>
-          <p:cNvPicPr>
-            <a:picLocks noChangeAspect="1"/>
-          </p:cNvPicPr>
-          <p:nvPr/>
-        </p:nvPicPr>
-        <p:blipFill>
-          <a:blip r:embed="rId3" cstate="print">
-            <a:extLst>
-              <a:ext uri="{28A0092B-C50C-407E-A947-70E740481C1C}">
-                <a14:useLocalDpi xmlns:a14="http://schemas.microsoft.com/office/drawing/2010/main" val="0"/>
-              </a:ext>
-            </a:extLst>
-          </a:blip>
-          <a:stretch>
-            <a:fillRect/>
-          </a:stretch>
-        </p:blipFill>
-        <p:spPr>
-          <a:xfrm>
-            <a:off x="2303677" y="4444650"/>
-            <a:ext cx="1207010" cy="1207010"/>
-          </a:xfrm>
-          <a:prstGeom prst="rect">
-            <a:avLst/>
-          </a:prstGeom>
-        </p:spPr>
-      </p:pic>
-      <p:pic>
-        <p:nvPicPr>
-          <p:cNvPr id="5" name="그림 4"/>
-          <p:cNvPicPr>
-            <a:picLocks noChangeAspect="1"/>
-          </p:cNvPicPr>
-          <p:nvPr/>
-        </p:nvPicPr>
-        <p:blipFill>
-          <a:blip r:embed="rId4" cstate="print">
-            <a:extLst>
-              <a:ext uri="{28A0092B-C50C-407E-A947-70E740481C1C}">
-                <a14:useLocalDpi xmlns:a14="http://schemas.microsoft.com/office/drawing/2010/main" val="0"/>
-              </a:ext>
-            </a:extLst>
-          </a:blip>
-          <a:stretch>
-            <a:fillRect/>
-          </a:stretch>
-        </p:blipFill>
-        <p:spPr>
-          <a:xfrm>
-            <a:off x="230784" y="433535"/>
-            <a:ext cx="1207010" cy="1207010"/>
-          </a:xfrm>
-          <a:prstGeom prst="rect">
-            <a:avLst/>
-          </a:prstGeom>
-        </p:spPr>
-      </p:pic>
-      <p:sp>
-        <p:nvSpPr>
-          <p:cNvPr id="6" name="TextBox 5"/>
-          <p:cNvSpPr txBox="1"/>
-          <p:nvPr/>
-        </p:nvSpPr>
-        <p:spPr>
-          <a:xfrm>
-            <a:off x="1581131" y="285539"/>
-            <a:ext cx="10563224" cy="1508105"/>
-          </a:xfrm>
-          <a:prstGeom prst="rect">
-            <a:avLst/>
-          </a:prstGeom>
-          <a:noFill/>
-        </p:spPr>
-        <p:txBody>
-          <a:bodyPr wrap="square" rtlCol="0">
-            <a:spAutoFit/>
-          </a:bodyPr>
-          <a:lstStyle/>
-          <a:p>
-            <a:pPr marL="285750" indent="-285750">
-              <a:spcAft>
-                <a:spcPts val="1200"/>
-              </a:spcAft>
-              <a:buFontTx/>
-              <a:buChar char="-"/>
-            </a:pPr>
-            <a:r>
-              <a:rPr lang="en-US" dirty="0"/>
-              <a:t>There are three possible positions for the tilted bars (red circles)</a:t>
-            </a:r>
-          </a:p>
-          <a:p>
-            <a:pPr marL="285750" indent="-285750">
-              <a:spcAft>
-                <a:spcPts val="1200"/>
-              </a:spcAft>
-              <a:buFontTx/>
-              <a:buChar char="-"/>
-            </a:pPr>
-            <a:r>
-              <a:rPr lang="en-US" dirty="0"/>
-              <a:t>In the cue frame, the target bar (15</a:t>
-            </a:r>
-            <a:r>
-              <a:rPr lang="en-US" baseline="30000" dirty="0"/>
-              <a:t>◦</a:t>
-            </a:r>
-            <a:r>
-              <a:rPr lang="en-US" dirty="0"/>
-              <a:t>) and the distractor bar (45</a:t>
-            </a:r>
-            <a:r>
-              <a:rPr lang="en-US" baseline="30000" dirty="0"/>
-              <a:t>◦</a:t>
-            </a:r>
-            <a:r>
-              <a:rPr lang="en-US" dirty="0"/>
-              <a:t>) are presented in the two different positions</a:t>
-            </a:r>
-          </a:p>
-          <a:p>
-            <a:pPr marL="285750" indent="-285750">
-              <a:spcAft>
-                <a:spcPts val="1200"/>
-              </a:spcAft>
-              <a:buFontTx/>
-              <a:buChar char="-"/>
-            </a:pPr>
-            <a:r>
-              <a:rPr lang="en-US" dirty="0"/>
-              <a:t>In the probe frame, the target bar (15</a:t>
-            </a:r>
-            <a:r>
-              <a:rPr lang="en-US" baseline="30000" dirty="0"/>
-              <a:t>◦</a:t>
-            </a:r>
-            <a:r>
-              <a:rPr lang="en-US" dirty="0"/>
-              <a:t>) can be presented in any of three positions, therefore, it will be in the same position as cue-target position, cue-distractor position, or the third position</a:t>
-            </a:r>
-          </a:p>
-        </p:txBody>
-      </p:sp>
-      <p:sp>
-        <p:nvSpPr>
-          <p:cNvPr id="8" name="타원 7"/>
-          <p:cNvSpPr/>
-          <p:nvPr/>
-        </p:nvSpPr>
-        <p:spPr>
-          <a:xfrm>
-            <a:off x="712169" y="673930"/>
-            <a:ext cx="243997" cy="243997"/>
-          </a:xfrm>
-          <a:prstGeom prst="ellipse">
-            <a:avLst/>
-          </a:prstGeom>
-          <a:noFill/>
-          <a:ln w="57150">
-            <a:solidFill>
-              <a:srgbClr val="FF0000"/>
-            </a:solidFill>
-          </a:ln>
-        </p:spPr>
-        <p:style>
-          <a:lnRef idx="2">
-            <a:schemeClr val="accent1">
-              <a:shade val="50000"/>
-            </a:schemeClr>
-          </a:lnRef>
-          <a:fillRef idx="1">
-            <a:schemeClr val="accent1"/>
-          </a:fillRef>
-          <a:effectRef idx="0">
-            <a:schemeClr val="accent1"/>
-          </a:effectRef>
-          <a:fontRef idx="minor">
-            <a:schemeClr val="lt1"/>
-          </a:fontRef>
-        </p:style>
-        <p:txBody>
-          <a:bodyPr rtlCol="0" anchor="ctr"/>
-          <a:lstStyle/>
-          <a:p>
-            <a:pPr algn="ctr"/>
-            <a:endParaRPr lang="en-US"/>
-          </a:p>
-        </p:txBody>
-      </p:sp>
-      <p:sp>
-        <p:nvSpPr>
-          <p:cNvPr id="9" name="타원 8"/>
-          <p:cNvSpPr/>
-          <p:nvPr/>
-        </p:nvSpPr>
-        <p:spPr>
-          <a:xfrm>
-            <a:off x="941569" y="1038082"/>
-            <a:ext cx="243997" cy="243997"/>
-          </a:xfrm>
-          <a:prstGeom prst="ellipse">
-            <a:avLst/>
-          </a:prstGeom>
-          <a:noFill/>
-          <a:ln w="57150">
-            <a:solidFill>
-              <a:srgbClr val="FF0000"/>
-            </a:solidFill>
-          </a:ln>
-        </p:spPr>
-        <p:style>
-          <a:lnRef idx="2">
-            <a:schemeClr val="accent1">
-              <a:shade val="50000"/>
-            </a:schemeClr>
-          </a:lnRef>
-          <a:fillRef idx="1">
-            <a:schemeClr val="accent1"/>
-          </a:fillRef>
-          <a:effectRef idx="0">
-            <a:schemeClr val="accent1"/>
-          </a:effectRef>
-          <a:fontRef idx="minor">
-            <a:schemeClr val="lt1"/>
-          </a:fontRef>
-        </p:style>
-        <p:txBody>
-          <a:bodyPr rtlCol="0" anchor="ctr"/>
-          <a:lstStyle/>
-          <a:p>
-            <a:pPr algn="ctr"/>
-            <a:endParaRPr lang="en-US"/>
-          </a:p>
-        </p:txBody>
-      </p:sp>
-      <p:sp>
-        <p:nvSpPr>
-          <p:cNvPr id="10" name="타원 9"/>
-          <p:cNvSpPr/>
-          <p:nvPr/>
-        </p:nvSpPr>
-        <p:spPr>
-          <a:xfrm>
-            <a:off x="487576" y="1036473"/>
-            <a:ext cx="243997" cy="243997"/>
-          </a:xfrm>
-          <a:prstGeom prst="ellipse">
-            <a:avLst/>
-          </a:prstGeom>
-          <a:noFill/>
-          <a:ln w="57150">
-            <a:solidFill>
-              <a:srgbClr val="FF0000"/>
-            </a:solidFill>
-          </a:ln>
-        </p:spPr>
-        <p:style>
-          <a:lnRef idx="2">
-            <a:schemeClr val="accent1">
-              <a:shade val="50000"/>
-            </a:schemeClr>
-          </a:lnRef>
-          <a:fillRef idx="1">
-            <a:schemeClr val="accent1"/>
-          </a:fillRef>
-          <a:effectRef idx="0">
-            <a:schemeClr val="accent1"/>
-          </a:effectRef>
-          <a:fontRef idx="minor">
-            <a:schemeClr val="lt1"/>
-          </a:fontRef>
-        </p:style>
-        <p:txBody>
-          <a:bodyPr rtlCol="0" anchor="ctr"/>
-          <a:lstStyle/>
-          <a:p>
-            <a:pPr algn="ctr"/>
-            <a:endParaRPr lang="en-US"/>
-          </a:p>
-        </p:txBody>
-      </p:sp>
-      <p:sp>
-        <p:nvSpPr>
-          <p:cNvPr id="12" name="TextBox 11"/>
-          <p:cNvSpPr txBox="1"/>
-          <p:nvPr/>
-        </p:nvSpPr>
-        <p:spPr>
-          <a:xfrm>
-            <a:off x="758379" y="2126161"/>
-            <a:ext cx="3407343" cy="369332"/>
-          </a:xfrm>
-          <a:prstGeom prst="rect">
-            <a:avLst/>
-          </a:prstGeom>
-          <a:noFill/>
-        </p:spPr>
-        <p:txBody>
-          <a:bodyPr wrap="square" rtlCol="0">
-            <a:spAutoFit/>
-          </a:bodyPr>
-          <a:lstStyle/>
-          <a:p>
-            <a:r>
-              <a:rPr lang="en-US" dirty="0"/>
-              <a:t>ex. Cue frame and Probe frames</a:t>
-            </a:r>
-          </a:p>
-        </p:txBody>
-      </p:sp>
-      <p:pic>
-        <p:nvPicPr>
-          <p:cNvPr id="13" name="그림 12"/>
-          <p:cNvPicPr>
-            <a:picLocks noChangeAspect="1"/>
-          </p:cNvPicPr>
-          <p:nvPr/>
-        </p:nvPicPr>
-        <p:blipFill>
-          <a:blip r:embed="rId5" cstate="print">
-            <a:extLst>
-              <a:ext uri="{28A0092B-C50C-407E-A947-70E740481C1C}">
-                <a14:useLocalDpi xmlns:a14="http://schemas.microsoft.com/office/drawing/2010/main" val="0"/>
-              </a:ext>
-            </a:extLst>
-          </a:blip>
-          <a:stretch>
-            <a:fillRect/>
-          </a:stretch>
-        </p:blipFill>
-        <p:spPr>
-          <a:xfrm>
-            <a:off x="758379" y="4444650"/>
-            <a:ext cx="1207010" cy="1207010"/>
-          </a:xfrm>
-          <a:prstGeom prst="rect">
-            <a:avLst/>
-          </a:prstGeom>
-        </p:spPr>
-      </p:pic>
-      <p:grpSp>
-        <p:nvGrpSpPr>
-          <p:cNvPr id="17" name="그룹 16"/>
-          <p:cNvGrpSpPr/>
-          <p:nvPr/>
-        </p:nvGrpSpPr>
-        <p:grpSpPr>
-          <a:xfrm>
-            <a:off x="2118312" y="2729440"/>
-            <a:ext cx="2136644" cy="1207010"/>
-            <a:chOff x="2283832" y="2694728"/>
-            <a:chExt cx="2136644" cy="1207010"/>
-          </a:xfrm>
-        </p:grpSpPr>
-        <p:pic>
-          <p:nvPicPr>
-            <p:cNvPr id="11" name="그림 10"/>
-            <p:cNvPicPr>
-              <a:picLocks noChangeAspect="1"/>
-            </p:cNvPicPr>
-            <p:nvPr/>
-          </p:nvPicPr>
-          <p:blipFill>
-            <a:blip r:embed="rId4" cstate="print">
-              <a:extLst>
-                <a:ext uri="{28A0092B-C50C-407E-A947-70E740481C1C}">
-                  <a14:useLocalDpi xmlns:a14="http://schemas.microsoft.com/office/drawing/2010/main" val="0"/>
-                </a:ext>
-              </a:extLst>
-            </a:blip>
-            <a:stretch>
-              <a:fillRect/>
-            </a:stretch>
-          </p:blipFill>
-          <p:spPr>
-            <a:xfrm>
-              <a:off x="2469197" y="2694728"/>
-              <a:ext cx="1207010" cy="1207010"/>
-            </a:xfrm>
-            <a:prstGeom prst="rect">
-              <a:avLst/>
-            </a:prstGeom>
-          </p:spPr>
-        </p:pic>
-        <p:sp>
-          <p:nvSpPr>
-            <p:cNvPr id="14" name="TextBox 13"/>
-            <p:cNvSpPr txBox="1"/>
-            <p:nvPr/>
-          </p:nvSpPr>
-          <p:spPr>
-            <a:xfrm>
-              <a:off x="2283832" y="2885490"/>
-              <a:ext cx="859915" cy="307777"/>
-            </a:xfrm>
-            <a:prstGeom prst="rect">
-              <a:avLst/>
-            </a:prstGeom>
-            <a:noFill/>
-          </p:spPr>
-          <p:txBody>
-            <a:bodyPr wrap="none" rtlCol="0">
-              <a:spAutoFit/>
-            </a:bodyPr>
-            <a:lstStyle/>
-            <a:p>
-              <a:r>
-                <a:rPr lang="en-US" sz="1400" b="1" dirty="0">
-                  <a:solidFill>
-                    <a:srgbClr val="FF0000"/>
-                  </a:solidFill>
-                </a:rPr>
-                <a:t>Target </a:t>
-              </a:r>
-              <a:r>
-                <a:rPr lang="en-US" sz="1400" b="1" dirty="0">
-                  <a:solidFill>
-                    <a:srgbClr val="FF0000"/>
-                  </a:solidFill>
-                  <a:sym typeface="Wingdings" panose="05000000000000000000" pitchFamily="2" charset="2"/>
-                </a:rPr>
-                <a:t></a:t>
-              </a:r>
-              <a:endParaRPr lang="en-US" sz="1400" b="1" dirty="0">
-                <a:solidFill>
-                  <a:srgbClr val="FF0000"/>
-                </a:solidFill>
-              </a:endParaRPr>
-            </a:p>
-          </p:txBody>
-        </p:sp>
-        <p:sp>
-          <p:nvSpPr>
-            <p:cNvPr id="15" name="TextBox 14"/>
-            <p:cNvSpPr txBox="1"/>
-            <p:nvPr/>
-          </p:nvSpPr>
-          <p:spPr>
-            <a:xfrm>
-              <a:off x="3300939" y="3246168"/>
-              <a:ext cx="1119537" cy="307777"/>
-            </a:xfrm>
-            <a:prstGeom prst="rect">
-              <a:avLst/>
-            </a:prstGeom>
-            <a:noFill/>
-          </p:spPr>
-          <p:txBody>
-            <a:bodyPr wrap="none" rtlCol="0">
-              <a:spAutoFit/>
-            </a:bodyPr>
-            <a:lstStyle/>
-            <a:p>
-              <a:r>
-                <a:rPr lang="en-US" sz="1400" b="1" dirty="0">
-                  <a:solidFill>
-                    <a:srgbClr val="FF0000"/>
-                  </a:solidFill>
-                  <a:sym typeface="Wingdings" panose="05000000000000000000" pitchFamily="2" charset="2"/>
-                </a:rPr>
-                <a:t> </a:t>
-              </a:r>
-              <a:r>
-                <a:rPr lang="en-US" sz="1400" b="1" dirty="0">
-                  <a:solidFill>
-                    <a:srgbClr val="FF0000"/>
-                  </a:solidFill>
-                </a:rPr>
-                <a:t>distractor</a:t>
-              </a:r>
-            </a:p>
-          </p:txBody>
-        </p:sp>
-      </p:grpSp>
-      <p:sp>
-        <p:nvSpPr>
-          <p:cNvPr id="16" name="TextBox 15"/>
-          <p:cNvSpPr txBox="1"/>
-          <p:nvPr/>
-        </p:nvSpPr>
-        <p:spPr>
-          <a:xfrm>
-            <a:off x="2358702" y="2440925"/>
-            <a:ext cx="1096959" cy="338554"/>
-          </a:xfrm>
-          <a:prstGeom prst="rect">
-            <a:avLst/>
-          </a:prstGeom>
-          <a:noFill/>
-        </p:spPr>
-        <p:txBody>
-          <a:bodyPr wrap="square" rtlCol="0">
-            <a:spAutoFit/>
-          </a:bodyPr>
-          <a:lstStyle/>
-          <a:p>
-            <a:r>
-              <a:rPr lang="en-US" sz="1600" b="1" u="sng" dirty="0"/>
-              <a:t>Cue frame</a:t>
-            </a:r>
-          </a:p>
-        </p:txBody>
-      </p:sp>
-      <p:sp>
-        <p:nvSpPr>
-          <p:cNvPr id="18" name="TextBox 17"/>
-          <p:cNvSpPr txBox="1"/>
-          <p:nvPr/>
-        </p:nvSpPr>
-        <p:spPr>
-          <a:xfrm>
-            <a:off x="2303677" y="4127212"/>
-            <a:ext cx="1337351" cy="338554"/>
-          </a:xfrm>
-          <a:prstGeom prst="rect">
-            <a:avLst/>
-          </a:prstGeom>
-          <a:noFill/>
-        </p:spPr>
-        <p:txBody>
-          <a:bodyPr wrap="square" rtlCol="0">
-            <a:spAutoFit/>
-          </a:bodyPr>
-          <a:lstStyle/>
-          <a:p>
-            <a:pPr algn="ctr"/>
-            <a:r>
-              <a:rPr lang="en-US" sz="1600" b="1" u="sng" dirty="0"/>
-              <a:t>Probe frame</a:t>
-            </a:r>
-          </a:p>
-        </p:txBody>
-      </p:sp>
-      <p:sp>
-        <p:nvSpPr>
-          <p:cNvPr id="19" name="TextBox 18"/>
-          <p:cNvSpPr txBox="1"/>
-          <p:nvPr/>
-        </p:nvSpPr>
-        <p:spPr>
-          <a:xfrm>
-            <a:off x="1929353" y="4878878"/>
-            <a:ext cx="410361" cy="338554"/>
-          </a:xfrm>
-          <a:prstGeom prst="rect">
-            <a:avLst/>
-          </a:prstGeom>
-          <a:noFill/>
-        </p:spPr>
-        <p:txBody>
-          <a:bodyPr wrap="square" rtlCol="0">
-            <a:spAutoFit/>
-          </a:bodyPr>
-          <a:lstStyle/>
-          <a:p>
-            <a:pPr algn="ctr"/>
-            <a:r>
-              <a:rPr lang="en-US" sz="1600" b="1" dirty="0"/>
-              <a:t>or</a:t>
-            </a:r>
-          </a:p>
-        </p:txBody>
-      </p:sp>
-      <p:sp>
-        <p:nvSpPr>
-          <p:cNvPr id="20" name="TextBox 19"/>
-          <p:cNvSpPr txBox="1"/>
-          <p:nvPr/>
-        </p:nvSpPr>
-        <p:spPr>
-          <a:xfrm>
-            <a:off x="3491870" y="4878878"/>
-            <a:ext cx="410361" cy="338554"/>
-          </a:xfrm>
-          <a:prstGeom prst="rect">
-            <a:avLst/>
-          </a:prstGeom>
-          <a:noFill/>
-        </p:spPr>
-        <p:txBody>
-          <a:bodyPr wrap="square" rtlCol="0">
-            <a:spAutoFit/>
-          </a:bodyPr>
-          <a:lstStyle/>
-          <a:p>
-            <a:pPr algn="ctr"/>
-            <a:r>
-              <a:rPr lang="en-US" sz="1600" b="1" dirty="0"/>
-              <a:t>or</a:t>
-            </a:r>
-          </a:p>
-        </p:txBody>
-      </p:sp>
-      <p:sp>
-        <p:nvSpPr>
-          <p:cNvPr id="27" name="TextBox 26"/>
-          <p:cNvSpPr txBox="1"/>
-          <p:nvPr/>
-        </p:nvSpPr>
-        <p:spPr>
-          <a:xfrm>
-            <a:off x="5623162" y="2113649"/>
-            <a:ext cx="6343049" cy="2185214"/>
-          </a:xfrm>
-          <a:prstGeom prst="rect">
-            <a:avLst/>
-          </a:prstGeom>
-          <a:noFill/>
-        </p:spPr>
-        <p:txBody>
-          <a:bodyPr wrap="square" rtlCol="0">
-            <a:spAutoFit/>
-          </a:bodyPr>
-          <a:lstStyle/>
-          <a:p>
-            <a:pPr marL="285750" indent="-285750">
-              <a:spcAft>
-                <a:spcPts val="1200"/>
-              </a:spcAft>
-              <a:buFontTx/>
-              <a:buChar char="-"/>
-            </a:pPr>
-            <a:r>
-              <a:rPr lang="en-US" dirty="0"/>
-              <a:t>But the target positions are not important, your task is to detect whether target bars in cue and probe frames are tilted in a same direction or not</a:t>
-            </a:r>
-          </a:p>
-          <a:p>
-            <a:pPr marL="285750" indent="-285750">
-              <a:buFontTx/>
-              <a:buChar char="-"/>
-            </a:pPr>
-            <a:r>
-              <a:rPr lang="en-US" dirty="0"/>
-              <a:t>If both are tilted in a same direction (both clockwise or counter-clockwise) press the left button, the right button for the different directions</a:t>
-            </a:r>
-          </a:p>
-          <a:p>
-            <a:endParaRPr lang="en-US" dirty="0"/>
-          </a:p>
-        </p:txBody>
-      </p:sp>
-      <p:sp>
-        <p:nvSpPr>
-          <p:cNvPr id="28" name="TextBox 27"/>
-          <p:cNvSpPr txBox="1"/>
-          <p:nvPr/>
-        </p:nvSpPr>
-        <p:spPr>
-          <a:xfrm>
-            <a:off x="528236" y="5723246"/>
-            <a:ext cx="1667296" cy="523220"/>
-          </a:xfrm>
-          <a:prstGeom prst="rect">
-            <a:avLst/>
-          </a:prstGeom>
-          <a:noFill/>
-        </p:spPr>
-        <p:txBody>
-          <a:bodyPr wrap="square" rtlCol="0">
-            <a:spAutoFit/>
-          </a:bodyPr>
-          <a:lstStyle/>
-          <a:p>
-            <a:pPr algn="ctr"/>
-            <a:r>
-              <a:rPr lang="en-US" sz="1400" dirty="0"/>
-              <a:t>Same position as cue-target</a:t>
-            </a:r>
-          </a:p>
-        </p:txBody>
-      </p:sp>
-      <p:sp>
-        <p:nvSpPr>
-          <p:cNvPr id="29" name="TextBox 28"/>
-          <p:cNvSpPr txBox="1"/>
-          <p:nvPr/>
-        </p:nvSpPr>
-        <p:spPr>
-          <a:xfrm>
-            <a:off x="2073533" y="5723246"/>
-            <a:ext cx="1667296" cy="523220"/>
-          </a:xfrm>
-          <a:prstGeom prst="rect">
-            <a:avLst/>
-          </a:prstGeom>
-          <a:noFill/>
-        </p:spPr>
-        <p:txBody>
-          <a:bodyPr wrap="square" rtlCol="0">
-            <a:spAutoFit/>
-          </a:bodyPr>
-          <a:lstStyle/>
-          <a:p>
-            <a:pPr algn="ctr"/>
-            <a:r>
-              <a:rPr lang="en-US" sz="1400" dirty="0"/>
-              <a:t>Same position as cue-distractor</a:t>
-            </a:r>
-          </a:p>
-        </p:txBody>
-      </p:sp>
-      <p:sp>
-        <p:nvSpPr>
-          <p:cNvPr id="30" name="TextBox 29"/>
-          <p:cNvSpPr txBox="1"/>
-          <p:nvPr/>
-        </p:nvSpPr>
-        <p:spPr>
-          <a:xfrm>
-            <a:off x="3618832" y="5830967"/>
-            <a:ext cx="1667296" cy="307777"/>
-          </a:xfrm>
-          <a:prstGeom prst="rect">
-            <a:avLst/>
-          </a:prstGeom>
-          <a:noFill/>
-        </p:spPr>
-        <p:txBody>
-          <a:bodyPr wrap="square" rtlCol="0">
-            <a:spAutoFit/>
-          </a:bodyPr>
-          <a:lstStyle/>
-          <a:p>
-            <a:pPr algn="ctr"/>
-            <a:r>
-              <a:rPr lang="en-US" sz="1400" dirty="0"/>
-              <a:t>The third position</a:t>
-            </a:r>
-          </a:p>
-        </p:txBody>
-      </p:sp>
-      <p:sp>
-        <p:nvSpPr>
-          <p:cNvPr id="31" name="TextBox 30"/>
-          <p:cNvSpPr txBox="1"/>
-          <p:nvPr/>
-        </p:nvSpPr>
-        <p:spPr>
-          <a:xfrm>
-            <a:off x="537861" y="4673601"/>
-            <a:ext cx="859915" cy="307777"/>
-          </a:xfrm>
-          <a:prstGeom prst="rect">
-            <a:avLst/>
-          </a:prstGeom>
-          <a:noFill/>
-        </p:spPr>
-        <p:txBody>
-          <a:bodyPr wrap="none" rtlCol="0">
-            <a:spAutoFit/>
-          </a:bodyPr>
-          <a:lstStyle/>
-          <a:p>
-            <a:r>
-              <a:rPr lang="en-US" sz="1400" b="1" dirty="0">
-                <a:solidFill>
-                  <a:srgbClr val="FF0000"/>
-                </a:solidFill>
-              </a:rPr>
-              <a:t>Target </a:t>
-            </a:r>
-            <a:r>
-              <a:rPr lang="en-US" sz="1400" b="1" dirty="0">
-                <a:solidFill>
-                  <a:srgbClr val="FF0000"/>
-                </a:solidFill>
-                <a:sym typeface="Wingdings" panose="05000000000000000000" pitchFamily="2" charset="2"/>
-              </a:rPr>
-              <a:t></a:t>
-            </a:r>
-            <a:endParaRPr lang="en-US" sz="1400" b="1" dirty="0">
-              <a:solidFill>
-                <a:srgbClr val="FF0000"/>
-              </a:solidFill>
-            </a:endParaRPr>
-          </a:p>
-        </p:txBody>
-      </p:sp>
-      <p:sp>
-        <p:nvSpPr>
-          <p:cNvPr id="32" name="TextBox 31"/>
-          <p:cNvSpPr txBox="1"/>
-          <p:nvPr/>
-        </p:nvSpPr>
-        <p:spPr>
-          <a:xfrm>
-            <a:off x="2342119" y="5028298"/>
-            <a:ext cx="859915" cy="307777"/>
-          </a:xfrm>
-          <a:prstGeom prst="rect">
-            <a:avLst/>
-          </a:prstGeom>
-          <a:noFill/>
-        </p:spPr>
-        <p:txBody>
-          <a:bodyPr wrap="none" rtlCol="0">
-            <a:spAutoFit/>
-          </a:bodyPr>
-          <a:lstStyle/>
-          <a:p>
-            <a:r>
-              <a:rPr lang="en-US" sz="1400" b="1" dirty="0">
-                <a:solidFill>
-                  <a:srgbClr val="FF0000"/>
-                </a:solidFill>
-              </a:rPr>
-              <a:t>Target </a:t>
-            </a:r>
-            <a:r>
-              <a:rPr lang="en-US" sz="1400" b="1" dirty="0">
-                <a:solidFill>
-                  <a:srgbClr val="FF0000"/>
-                </a:solidFill>
-                <a:sym typeface="Wingdings" panose="05000000000000000000" pitchFamily="2" charset="2"/>
-              </a:rPr>
-              <a:t></a:t>
-            </a:r>
-            <a:endParaRPr lang="en-US" sz="1400" b="1" dirty="0">
-              <a:solidFill>
-                <a:srgbClr val="FF0000"/>
-              </a:solidFill>
-            </a:endParaRPr>
-          </a:p>
-        </p:txBody>
-      </p:sp>
-      <p:sp>
-        <p:nvSpPr>
-          <p:cNvPr id="33" name="TextBox 32"/>
-          <p:cNvSpPr txBox="1"/>
-          <p:nvPr/>
-        </p:nvSpPr>
-        <p:spPr>
-          <a:xfrm>
-            <a:off x="4194472" y="5028298"/>
-            <a:ext cx="859915" cy="307777"/>
-          </a:xfrm>
-          <a:prstGeom prst="rect">
-            <a:avLst/>
-          </a:prstGeom>
-          <a:noFill/>
-        </p:spPr>
-        <p:txBody>
-          <a:bodyPr wrap="none" rtlCol="0">
-            <a:spAutoFit/>
-          </a:bodyPr>
-          <a:lstStyle/>
-          <a:p>
-            <a:r>
-              <a:rPr lang="en-US" sz="1400" b="1" dirty="0">
-                <a:solidFill>
-                  <a:srgbClr val="FF0000"/>
-                </a:solidFill>
-                <a:sym typeface="Wingdings" panose="05000000000000000000" pitchFamily="2" charset="2"/>
-              </a:rPr>
-              <a:t> </a:t>
-            </a:r>
-            <a:r>
-              <a:rPr lang="en-US" sz="1400" b="1" dirty="0">
-                <a:solidFill>
-                  <a:srgbClr val="FF0000"/>
-                </a:solidFill>
-              </a:rPr>
-              <a:t>Target</a:t>
-            </a:r>
-          </a:p>
-        </p:txBody>
-      </p:sp>
-      <p:grpSp>
-        <p:nvGrpSpPr>
-          <p:cNvPr id="43" name="그룹 42"/>
-          <p:cNvGrpSpPr/>
-          <p:nvPr/>
-        </p:nvGrpSpPr>
-        <p:grpSpPr>
-          <a:xfrm>
-            <a:off x="5956243" y="4516236"/>
-            <a:ext cx="2667476" cy="1207010"/>
-            <a:chOff x="6200408" y="4444741"/>
-            <a:chExt cx="2667476" cy="1207010"/>
-          </a:xfrm>
-        </p:grpSpPr>
-        <p:pic>
-          <p:nvPicPr>
-            <p:cNvPr id="34" name="그림 33"/>
-            <p:cNvPicPr>
-              <a:picLocks noChangeAspect="1"/>
-            </p:cNvPicPr>
-            <p:nvPr/>
-          </p:nvPicPr>
-          <p:blipFill>
-            <a:blip r:embed="rId4" cstate="print">
-              <a:extLst>
-                <a:ext uri="{28A0092B-C50C-407E-A947-70E740481C1C}">
-                  <a14:useLocalDpi xmlns:a14="http://schemas.microsoft.com/office/drawing/2010/main" val="0"/>
-                </a:ext>
-              </a:extLst>
-            </a:blip>
-            <a:stretch>
-              <a:fillRect/>
-            </a:stretch>
-          </p:blipFill>
-          <p:spPr>
-            <a:xfrm>
-              <a:off x="6200408" y="4444741"/>
-              <a:ext cx="1207010" cy="1207010"/>
-            </a:xfrm>
-            <a:prstGeom prst="rect">
-              <a:avLst/>
-            </a:prstGeom>
-          </p:spPr>
-        </p:pic>
-        <p:pic>
-          <p:nvPicPr>
-            <p:cNvPr id="35" name="그림 34"/>
-            <p:cNvPicPr>
-              <a:picLocks noChangeAspect="1"/>
-            </p:cNvPicPr>
-            <p:nvPr/>
-          </p:nvPicPr>
-          <p:blipFill>
-            <a:blip r:embed="rId2" cstate="print">
-              <a:extLst>
-                <a:ext uri="{28A0092B-C50C-407E-A947-70E740481C1C}">
-                  <a14:useLocalDpi xmlns:a14="http://schemas.microsoft.com/office/drawing/2010/main" val="0"/>
-                </a:ext>
-              </a:extLst>
-            </a:blip>
-            <a:stretch>
-              <a:fillRect/>
-            </a:stretch>
-          </p:blipFill>
-          <p:spPr>
-            <a:xfrm>
-              <a:off x="7660874" y="4444741"/>
-              <a:ext cx="1207010" cy="1207010"/>
-            </a:xfrm>
-            <a:prstGeom prst="rect">
-              <a:avLst/>
-            </a:prstGeom>
-          </p:spPr>
-        </p:pic>
-        <p:sp>
-          <p:nvSpPr>
-            <p:cNvPr id="36" name="오른쪽 화살표 35"/>
-            <p:cNvSpPr/>
-            <p:nvPr/>
-          </p:nvSpPr>
-          <p:spPr>
-            <a:xfrm>
-              <a:off x="7442798" y="4947842"/>
-              <a:ext cx="182696" cy="200808"/>
-            </a:xfrm>
-            <a:prstGeom prst="rightArrow">
-              <a:avLst/>
-            </a:prstGeom>
-            <a:solidFill>
-              <a:schemeClr val="tx2">
-                <a:lumMod val="20000"/>
-                <a:lumOff val="80000"/>
-              </a:schemeClr>
-            </a:solidFill>
-            <a:ln>
-              <a:solidFill>
-                <a:schemeClr val="bg2">
-                  <a:lumMod val="10000"/>
-                </a:schemeClr>
-              </a:solidFill>
-            </a:ln>
-          </p:spPr>
-          <p:style>
-            <a:lnRef idx="2">
-              <a:schemeClr val="accent1">
-                <a:shade val="50000"/>
-              </a:schemeClr>
-            </a:lnRef>
-            <a:fillRef idx="1">
-              <a:schemeClr val="accent1"/>
-            </a:fillRef>
-            <a:effectRef idx="0">
-              <a:schemeClr val="accent1"/>
-            </a:effectRef>
-            <a:fontRef idx="minor">
-              <a:schemeClr val="lt1"/>
-            </a:fontRef>
-          </p:style>
-          <p:txBody>
-            <a:bodyPr rtlCol="0" anchor="ctr"/>
-            <a:lstStyle/>
-            <a:p>
-              <a:pPr algn="ctr"/>
-              <a:endParaRPr lang="en-US"/>
-            </a:p>
-          </p:txBody>
-        </p:sp>
-      </p:grpSp>
-      <p:sp>
-        <p:nvSpPr>
-          <p:cNvPr id="37" name="TextBox 36"/>
-          <p:cNvSpPr txBox="1"/>
-          <p:nvPr/>
-        </p:nvSpPr>
-        <p:spPr>
-          <a:xfrm>
-            <a:off x="6303392" y="5865904"/>
-            <a:ext cx="1973179" cy="646331"/>
-          </a:xfrm>
-          <a:prstGeom prst="rect">
-            <a:avLst/>
-          </a:prstGeom>
-          <a:noFill/>
-        </p:spPr>
-        <p:txBody>
-          <a:bodyPr wrap="square" rtlCol="0">
-            <a:spAutoFit/>
-          </a:bodyPr>
-          <a:lstStyle/>
-          <a:p>
-            <a:r>
-              <a:rPr lang="en-US" dirty="0"/>
-              <a:t>Same direction: left button (arrow)</a:t>
-            </a:r>
-          </a:p>
-        </p:txBody>
-      </p:sp>
-      <p:grpSp>
-        <p:nvGrpSpPr>
-          <p:cNvPr id="42" name="그룹 41"/>
-          <p:cNvGrpSpPr/>
-          <p:nvPr/>
-        </p:nvGrpSpPr>
-        <p:grpSpPr>
-          <a:xfrm>
-            <a:off x="9150417" y="4516236"/>
-            <a:ext cx="2648226" cy="1207010"/>
-            <a:chOff x="9394582" y="4444741"/>
-            <a:chExt cx="2648226" cy="1207010"/>
-          </a:xfrm>
-        </p:grpSpPr>
-        <p:pic>
-          <p:nvPicPr>
-            <p:cNvPr id="38" name="그림 37"/>
-            <p:cNvPicPr>
-              <a:picLocks noChangeAspect="1"/>
-            </p:cNvPicPr>
-            <p:nvPr/>
-          </p:nvPicPr>
-          <p:blipFill>
-            <a:blip r:embed="rId4" cstate="print">
-              <a:extLst>
-                <a:ext uri="{28A0092B-C50C-407E-A947-70E740481C1C}">
-                  <a14:useLocalDpi xmlns:a14="http://schemas.microsoft.com/office/drawing/2010/main" val="0"/>
-                </a:ext>
-              </a:extLst>
-            </a:blip>
-            <a:stretch>
-              <a:fillRect/>
-            </a:stretch>
-          </p:blipFill>
-          <p:spPr>
-            <a:xfrm>
-              <a:off x="9394582" y="4444741"/>
-              <a:ext cx="1207010" cy="1207010"/>
-            </a:xfrm>
-            <a:prstGeom prst="rect">
-              <a:avLst/>
-            </a:prstGeom>
-          </p:spPr>
-        </p:pic>
-        <p:pic>
-          <p:nvPicPr>
-            <p:cNvPr id="39" name="그림 38"/>
-            <p:cNvPicPr>
-              <a:picLocks noChangeAspect="1"/>
-            </p:cNvPicPr>
-            <p:nvPr/>
-          </p:nvPicPr>
-          <p:blipFill>
-            <a:blip r:embed="rId2" cstate="print">
-              <a:extLst>
-                <a:ext uri="{28A0092B-C50C-407E-A947-70E740481C1C}">
-                  <a14:useLocalDpi xmlns:a14="http://schemas.microsoft.com/office/drawing/2010/main" val="0"/>
-                </a:ext>
-              </a:extLst>
-            </a:blip>
-            <a:stretch>
-              <a:fillRect/>
-            </a:stretch>
-          </p:blipFill>
-          <p:spPr>
-            <a:xfrm flipH="1">
-              <a:off x="10835798" y="4444741"/>
-              <a:ext cx="1207010" cy="1207010"/>
-            </a:xfrm>
-            <a:prstGeom prst="rect">
-              <a:avLst/>
-            </a:prstGeom>
-          </p:spPr>
-        </p:pic>
-        <p:sp>
-          <p:nvSpPr>
-            <p:cNvPr id="40" name="오른쪽 화살표 39"/>
-            <p:cNvSpPr/>
-            <p:nvPr/>
-          </p:nvSpPr>
-          <p:spPr>
-            <a:xfrm>
-              <a:off x="10627347" y="4947842"/>
-              <a:ext cx="182696" cy="200808"/>
-            </a:xfrm>
-            <a:prstGeom prst="rightArrow">
-              <a:avLst/>
-            </a:prstGeom>
-            <a:solidFill>
-              <a:schemeClr val="tx2">
-                <a:lumMod val="20000"/>
-                <a:lumOff val="80000"/>
-              </a:schemeClr>
-            </a:solidFill>
-            <a:ln>
-              <a:solidFill>
-                <a:schemeClr val="bg2">
-                  <a:lumMod val="10000"/>
-                </a:schemeClr>
-              </a:solidFill>
-            </a:ln>
-          </p:spPr>
-          <p:style>
-            <a:lnRef idx="2">
-              <a:schemeClr val="accent1">
-                <a:shade val="50000"/>
-              </a:schemeClr>
-            </a:lnRef>
-            <a:fillRef idx="1">
-              <a:schemeClr val="accent1"/>
-            </a:fillRef>
-            <a:effectRef idx="0">
-              <a:schemeClr val="accent1"/>
-            </a:effectRef>
-            <a:fontRef idx="minor">
-              <a:schemeClr val="lt1"/>
-            </a:fontRef>
-          </p:style>
-          <p:txBody>
-            <a:bodyPr rtlCol="0" anchor="ctr"/>
-            <a:lstStyle/>
-            <a:p>
-              <a:pPr algn="ctr"/>
-              <a:endParaRPr lang="en-US"/>
-            </a:p>
-          </p:txBody>
-        </p:sp>
-      </p:grpSp>
-      <p:sp>
-        <p:nvSpPr>
-          <p:cNvPr id="41" name="TextBox 40"/>
-          <p:cNvSpPr txBox="1"/>
-          <p:nvPr/>
-        </p:nvSpPr>
-        <p:spPr>
-          <a:xfrm>
-            <a:off x="9435482" y="5865904"/>
-            <a:ext cx="2078097" cy="646331"/>
-          </a:xfrm>
-          <a:prstGeom prst="rect">
-            <a:avLst/>
-          </a:prstGeom>
-          <a:noFill/>
-        </p:spPr>
-        <p:txBody>
-          <a:bodyPr wrap="square" rtlCol="0">
-            <a:spAutoFit/>
-          </a:bodyPr>
-          <a:lstStyle/>
-          <a:p>
-            <a:r>
-              <a:rPr lang="en-US" dirty="0"/>
-              <a:t>Different direction: right button (arrow)</a:t>
-            </a:r>
-          </a:p>
-        </p:txBody>
-      </p:sp>
-      <p:sp>
-        <p:nvSpPr>
-          <p:cNvPr id="44" name="TextBox 43"/>
-          <p:cNvSpPr txBox="1"/>
-          <p:nvPr/>
-        </p:nvSpPr>
-        <p:spPr>
-          <a:xfrm>
-            <a:off x="6011268" y="4208227"/>
-            <a:ext cx="1096959" cy="338554"/>
-          </a:xfrm>
-          <a:prstGeom prst="rect">
-            <a:avLst/>
-          </a:prstGeom>
-          <a:noFill/>
-        </p:spPr>
-        <p:txBody>
-          <a:bodyPr wrap="square" rtlCol="0">
-            <a:spAutoFit/>
-          </a:bodyPr>
-          <a:lstStyle/>
-          <a:p>
-            <a:r>
-              <a:rPr lang="en-US" sz="1600" b="1" u="sng" dirty="0"/>
-              <a:t>Cue frame</a:t>
-            </a:r>
-          </a:p>
-        </p:txBody>
-      </p:sp>
-      <p:sp>
-        <p:nvSpPr>
-          <p:cNvPr id="45" name="TextBox 44"/>
-          <p:cNvSpPr txBox="1"/>
-          <p:nvPr/>
-        </p:nvSpPr>
-        <p:spPr>
-          <a:xfrm>
-            <a:off x="7350017" y="4204301"/>
-            <a:ext cx="1337351" cy="338554"/>
-          </a:xfrm>
-          <a:prstGeom prst="rect">
-            <a:avLst/>
-          </a:prstGeom>
-          <a:noFill/>
-        </p:spPr>
-        <p:txBody>
-          <a:bodyPr wrap="square" rtlCol="0">
-            <a:spAutoFit/>
-          </a:bodyPr>
-          <a:lstStyle/>
-          <a:p>
-            <a:pPr algn="ctr"/>
-            <a:r>
-              <a:rPr lang="en-US" sz="1600" b="1" u="sng" dirty="0"/>
-              <a:t>Probe frame</a:t>
-            </a:r>
-          </a:p>
-        </p:txBody>
-      </p:sp>
-      <p:sp>
-        <p:nvSpPr>
-          <p:cNvPr id="46" name="TextBox 45"/>
-          <p:cNvSpPr txBox="1"/>
-          <p:nvPr/>
-        </p:nvSpPr>
-        <p:spPr>
-          <a:xfrm>
-            <a:off x="9224237" y="4208227"/>
-            <a:ext cx="1096959" cy="338554"/>
-          </a:xfrm>
-          <a:prstGeom prst="rect">
-            <a:avLst/>
-          </a:prstGeom>
-          <a:noFill/>
-        </p:spPr>
-        <p:txBody>
-          <a:bodyPr wrap="square" rtlCol="0">
-            <a:spAutoFit/>
-          </a:bodyPr>
-          <a:lstStyle/>
-          <a:p>
-            <a:r>
-              <a:rPr lang="en-US" sz="1600" b="1" u="sng" dirty="0"/>
-              <a:t>Cue frame</a:t>
-            </a:r>
-          </a:p>
-        </p:txBody>
-      </p:sp>
-      <p:sp>
-        <p:nvSpPr>
-          <p:cNvPr id="47" name="TextBox 46"/>
-          <p:cNvSpPr txBox="1"/>
-          <p:nvPr/>
-        </p:nvSpPr>
-        <p:spPr>
-          <a:xfrm>
-            <a:off x="10562839" y="4204301"/>
-            <a:ext cx="1337351" cy="338554"/>
-          </a:xfrm>
-          <a:prstGeom prst="rect">
-            <a:avLst/>
-          </a:prstGeom>
-          <a:noFill/>
-        </p:spPr>
-        <p:txBody>
-          <a:bodyPr wrap="square" rtlCol="0">
-            <a:spAutoFit/>
-          </a:bodyPr>
-          <a:lstStyle/>
-          <a:p>
-            <a:pPr algn="ctr"/>
-            <a:r>
-              <a:rPr lang="en-US" sz="1600" b="1" u="sng" dirty="0"/>
-              <a:t>Probe frame</a:t>
-            </a:r>
-          </a:p>
-        </p:txBody>
-      </p:sp>
-    </p:spTree>
-    <p:extLst>
-      <p:ext uri="{BB962C8B-B14F-4D97-AF65-F5344CB8AC3E}">
-        <p14:creationId xmlns:p14="http://schemas.microsoft.com/office/powerpoint/2010/main" val="3986454209"/>
-      </p:ext>
-    </p:extLst>
-  </p:cSld>
-  <p:clrMapOvr>
-    <a:masterClrMapping/>
-  </p:clrMapOvr>
-</p:sld>
-</file>
-
-<file path=ppt/slides/slide4.xml><?xml version="1.0" encoding="utf-8"?>
+<file path=ppt/slides/slide14.xml><?xml version="1.0" encoding="utf-8"?>
 <p:sld xmlns:a="http://schemas.openxmlformats.org/drawingml/2006/main" xmlns:r="http://schemas.openxmlformats.org/officeDocument/2006/relationships" xmlns:p="http://schemas.openxmlformats.org/presentationml/2006/main">
   <p:cSld>
     <p:bg>
@@ -7530,6 +4559,58 @@
           </a:prstGeom>
         </p:spPr>
       </p:pic>
+      <p:sp>
+        <p:nvSpPr>
+          <p:cNvPr id="5" name="TextBox 4">
+            <a:extLst>
+              <a:ext uri="{FF2B5EF4-FFF2-40B4-BE49-F238E27FC236}">
+                <a16:creationId xmlns:a16="http://schemas.microsoft.com/office/drawing/2014/main" id="{54ED937C-6B7D-46F1-A080-C3699ADF56EA}"/>
+              </a:ext>
+            </a:extLst>
+          </p:cNvPr>
+          <p:cNvSpPr txBox="1"/>
+          <p:nvPr/>
+        </p:nvSpPr>
+        <p:spPr>
+          <a:xfrm>
+            <a:off x="1742383" y="527338"/>
+            <a:ext cx="8527191" cy="369332"/>
+          </a:xfrm>
+          <a:prstGeom prst="rect">
+            <a:avLst/>
+          </a:prstGeom>
+          <a:noFill/>
+        </p:spPr>
+        <p:txBody>
+          <a:bodyPr wrap="square" rtlCol="0">
+            <a:spAutoFit/>
+          </a:bodyPr>
+          <a:lstStyle/>
+          <a:p>
+            <a:pPr algn="ctr">
+              <a:spcAft>
+                <a:spcPts val="1200"/>
+              </a:spcAft>
+            </a:pPr>
+            <a:r>
+              <a:rPr lang="en-US" dirty="0"/>
+              <a:t>Please fixate your eyes on </a:t>
+            </a:r>
+            <a:r>
+              <a:rPr lang="en-US" b="1" dirty="0">
+                <a:solidFill>
+                  <a:srgbClr val="FF0000"/>
+                </a:solidFill>
+              </a:rPr>
+              <a:t>the red fixation dot</a:t>
+            </a:r>
+            <a:r>
+              <a:rPr lang="en-US" dirty="0"/>
+              <a:t> all the time</a:t>
+            </a:r>
+          </a:p>
+        </p:txBody>
+      </p:sp>
     </p:spTree>
     <p:extLst>
       <p:ext uri="{BB962C8B-B14F-4D97-AF65-F5344CB8AC3E}">
@@ -7543,7 +4624,7 @@
 </p:sld>
 </file>
 
-<file path=ppt/slides/slide5.xml><?xml version="1.0" encoding="utf-8"?>
+<file path=ppt/slides/slide15.xml><?xml version="1.0" encoding="utf-8"?>
 <p:sld xmlns:a="http://schemas.openxmlformats.org/drawingml/2006/main" xmlns:r="http://schemas.openxmlformats.org/officeDocument/2006/relationships" xmlns:p="http://schemas.openxmlformats.org/presentationml/2006/main">
   <p:cSld>
     <p:spTree>
@@ -7650,7 +4731,7 @@
 </p:sld>
 </file>
 
-<file path=ppt/slides/slide6.xml><?xml version="1.0" encoding="utf-8"?>
+<file path=ppt/slides/slide16.xml><?xml version="1.0" encoding="utf-8"?>
 <p:sld xmlns:a="http://schemas.openxmlformats.org/drawingml/2006/main" xmlns:r="http://schemas.openxmlformats.org/officeDocument/2006/relationships" xmlns:p="http://schemas.openxmlformats.org/presentationml/2006/main">
   <p:cSld>
     <p:spTree>
@@ -9100,7 +6181,7 @@
 </p:sld>
 </file>
 
-<file path=ppt/slides/slide7.xml><?xml version="1.0" encoding="utf-8"?>
+<file path=ppt/slides/slide17.xml><?xml version="1.0" encoding="utf-8"?>
 <p:sld xmlns:a="http://schemas.openxmlformats.org/drawingml/2006/main" xmlns:r="http://schemas.openxmlformats.org/officeDocument/2006/relationships" xmlns:p="http://schemas.openxmlformats.org/presentationml/2006/main">
   <p:cSld>
     <p:bg>
@@ -9214,6 +6295,58 @@
           </a:prstGeom>
         </p:spPr>
       </p:pic>
+      <p:sp>
+        <p:nvSpPr>
+          <p:cNvPr id="5" name="TextBox 4">
+            <a:extLst>
+              <a:ext uri="{FF2B5EF4-FFF2-40B4-BE49-F238E27FC236}">
+                <a16:creationId xmlns:a16="http://schemas.microsoft.com/office/drawing/2014/main" id="{E9D6FB7C-3ED8-4110-9261-0769C2F07A87}"/>
+              </a:ext>
+            </a:extLst>
+          </p:cNvPr>
+          <p:cNvSpPr txBox="1"/>
+          <p:nvPr/>
+        </p:nvSpPr>
+        <p:spPr>
+          <a:xfrm>
+            <a:off x="1714676" y="527338"/>
+            <a:ext cx="8527191" cy="369332"/>
+          </a:xfrm>
+          <a:prstGeom prst="rect">
+            <a:avLst/>
+          </a:prstGeom>
+          <a:noFill/>
+        </p:spPr>
+        <p:txBody>
+          <a:bodyPr wrap="square" rtlCol="0">
+            <a:spAutoFit/>
+          </a:bodyPr>
+          <a:lstStyle/>
+          <a:p>
+            <a:pPr algn="ctr">
+              <a:spcAft>
+                <a:spcPts val="1200"/>
+              </a:spcAft>
+            </a:pPr>
+            <a:r>
+              <a:rPr lang="en-US" dirty="0"/>
+              <a:t>Please fixate your eyes on </a:t>
+            </a:r>
+            <a:r>
+              <a:rPr lang="en-US" b="1" dirty="0">
+                <a:solidFill>
+                  <a:srgbClr val="FF0000"/>
+                </a:solidFill>
+              </a:rPr>
+              <a:t>the red fixation dot</a:t>
+            </a:r>
+            <a:r>
+              <a:rPr lang="en-US" dirty="0"/>
+              <a:t> all the time</a:t>
+            </a:r>
+          </a:p>
+        </p:txBody>
+      </p:sp>
     </p:spTree>
     <p:extLst>
       <p:ext uri="{BB962C8B-B14F-4D97-AF65-F5344CB8AC3E}">
@@ -9227,7 +6360,7 @@
 </p:sld>
 </file>
 
-<file path=ppt/slides/slide8.xml><?xml version="1.0" encoding="utf-8"?>
+<file path=ppt/slides/slide2.xml><?xml version="1.0" encoding="utf-8"?>
 <p:sld xmlns:a="http://schemas.openxmlformats.org/drawingml/2006/main" xmlns:r="http://schemas.openxmlformats.org/officeDocument/2006/relationships" xmlns:p="http://schemas.openxmlformats.org/presentationml/2006/main">
   <p:cSld>
     <p:spTree>
@@ -9246,6 +6379,3202 @@
       </p:grpSpPr>
       <p:sp>
         <p:nvSpPr>
+          <p:cNvPr id="10" name="TextBox 9"/>
+          <p:cNvSpPr txBox="1"/>
+          <p:nvPr/>
+        </p:nvSpPr>
+        <p:spPr>
+          <a:xfrm>
+            <a:off x="3092222" y="196858"/>
+            <a:ext cx="9026702" cy="880369"/>
+          </a:xfrm>
+          <a:prstGeom prst="rect">
+            <a:avLst/>
+          </a:prstGeom>
+          <a:noFill/>
+        </p:spPr>
+        <p:txBody>
+          <a:bodyPr wrap="square" rtlCol="0">
+            <a:spAutoFit/>
+          </a:bodyPr>
+          <a:lstStyle/>
+          <a:p>
+            <a:pPr marL="285750" indent="-285750">
+              <a:lnSpc>
+                <a:spcPct val="150000"/>
+              </a:lnSpc>
+              <a:buFontTx/>
+              <a:buChar char="-"/>
+            </a:pPr>
+            <a:r>
+              <a:rPr lang="en-US" dirty="0"/>
+              <a:t>In each frame, 3 disks and a red fixation dot will be presented</a:t>
+            </a:r>
+          </a:p>
+          <a:p>
+            <a:pPr marL="285750" indent="-285750">
+              <a:lnSpc>
+                <a:spcPct val="150000"/>
+              </a:lnSpc>
+              <a:buFontTx/>
+              <a:buChar char="-"/>
+            </a:pPr>
+            <a:r>
+              <a:rPr lang="en-US" dirty="0"/>
+              <a:t>In each trial, in the second and the last frame, multiple bars will be presented on the disk</a:t>
+            </a:r>
+          </a:p>
+        </p:txBody>
+      </p:sp>
+      <p:sp>
+        <p:nvSpPr>
+          <p:cNvPr id="39" name="TextBox 38"/>
+          <p:cNvSpPr txBox="1"/>
+          <p:nvPr/>
+        </p:nvSpPr>
+        <p:spPr>
+          <a:xfrm>
+            <a:off x="3092222" y="1929504"/>
+            <a:ext cx="9026702" cy="3785652"/>
+          </a:xfrm>
+          <a:prstGeom prst="rect">
+            <a:avLst/>
+          </a:prstGeom>
+          <a:noFill/>
+        </p:spPr>
+        <p:txBody>
+          <a:bodyPr wrap="square" rtlCol="0">
+            <a:spAutoFit/>
+          </a:bodyPr>
+          <a:lstStyle/>
+          <a:p>
+            <a:pPr marL="285750" indent="-285750">
+              <a:spcAft>
+                <a:spcPts val="1200"/>
+              </a:spcAft>
+              <a:buFontTx/>
+              <a:buChar char="-"/>
+            </a:pPr>
+            <a:r>
+              <a:rPr lang="en-US" dirty="0"/>
+              <a:t>The second frame is called </a:t>
+            </a:r>
+            <a:r>
+              <a:rPr lang="en-US" b="1" dirty="0"/>
+              <a:t>cue frame</a:t>
+            </a:r>
+            <a:r>
+              <a:rPr lang="en-US" dirty="0"/>
+              <a:t>, and the last frame is called </a:t>
+            </a:r>
+            <a:r>
+              <a:rPr lang="en-US" b="1" dirty="0"/>
+              <a:t>probe frame</a:t>
+            </a:r>
+          </a:p>
+          <a:p>
+            <a:pPr marL="285750" indent="-285750">
+              <a:spcAft>
+                <a:spcPts val="1200"/>
+              </a:spcAft>
+              <a:buFontTx/>
+              <a:buChar char="-"/>
+            </a:pPr>
+            <a:r>
+              <a:rPr lang="en-US" dirty="0"/>
+              <a:t>In the middle disk of the cue frame, there will be two tilted bars, one in 15</a:t>
+            </a:r>
+            <a:r>
+              <a:rPr lang="en-US" baseline="30000" dirty="0"/>
+              <a:t>◦</a:t>
+            </a:r>
+            <a:r>
+              <a:rPr lang="en-US" dirty="0"/>
+              <a:t> (target) and the other in 45</a:t>
+            </a:r>
+            <a:r>
+              <a:rPr lang="en-US" baseline="30000" dirty="0"/>
+              <a:t>◦</a:t>
+            </a:r>
+            <a:r>
+              <a:rPr lang="en-US" dirty="0"/>
+              <a:t>(distractor)</a:t>
+            </a:r>
+          </a:p>
+          <a:p>
+            <a:pPr marL="285750" indent="-285750">
+              <a:spcAft>
+                <a:spcPts val="1200"/>
+              </a:spcAft>
+              <a:buFontTx/>
+              <a:buChar char="-"/>
+            </a:pPr>
+            <a:r>
+              <a:rPr lang="en-US" dirty="0"/>
+              <a:t>In the middle disk of the probe frame, one bar will be tilted in 15</a:t>
+            </a:r>
+            <a:r>
+              <a:rPr lang="en-US" baseline="30000" dirty="0"/>
+              <a:t>◦</a:t>
+            </a:r>
+            <a:r>
+              <a:rPr lang="en-US" dirty="0"/>
+              <a:t>(target) </a:t>
+            </a:r>
+          </a:p>
+          <a:p>
+            <a:pPr marL="285750" indent="-285750">
+              <a:spcAft>
+                <a:spcPts val="1200"/>
+              </a:spcAft>
+              <a:buFontTx/>
+              <a:buChar char="-"/>
+            </a:pPr>
+            <a:r>
+              <a:rPr lang="en-US" dirty="0"/>
+              <a:t>Each bar can be tilted either in clockwise or counter-clockwise manner from upward</a:t>
+            </a:r>
+          </a:p>
+          <a:p>
+            <a:pPr marL="285750" indent="-285750">
+              <a:spcAft>
+                <a:spcPts val="1200"/>
+              </a:spcAft>
+              <a:buFontTx/>
+              <a:buChar char="-"/>
+            </a:pPr>
+            <a:r>
+              <a:rPr lang="en-US" dirty="0"/>
+              <a:t>Your task is to detect either the target bars (15</a:t>
+            </a:r>
+            <a:r>
+              <a:rPr lang="en-US" baseline="30000" dirty="0"/>
+              <a:t>◦ </a:t>
+            </a:r>
+            <a:r>
+              <a:rPr lang="en-US" dirty="0"/>
+              <a:t>tilted bars) in cue and probe frames are tilted in the same direction or not</a:t>
+            </a:r>
+          </a:p>
+          <a:p>
+            <a:pPr marL="285750" indent="-285750">
+              <a:spcAft>
+                <a:spcPts val="1200"/>
+              </a:spcAft>
+              <a:buFontTx/>
+              <a:buChar char="-"/>
+            </a:pPr>
+            <a:r>
+              <a:rPr lang="en-US" dirty="0"/>
+              <a:t>You have to ignore the 45</a:t>
+            </a:r>
+            <a:r>
+              <a:rPr lang="en-US" baseline="30000" dirty="0"/>
+              <a:t>◦</a:t>
+            </a:r>
+            <a:r>
+              <a:rPr lang="en-US" dirty="0"/>
+              <a:t>(distractor) bar in the cue frame</a:t>
+            </a:r>
+          </a:p>
+          <a:p>
+            <a:pPr marL="285750" indent="-285750">
+              <a:spcAft>
+                <a:spcPts val="1200"/>
+              </a:spcAft>
+              <a:buFontTx/>
+              <a:buChar char="-"/>
+            </a:pPr>
+            <a:r>
+              <a:rPr lang="en-US" dirty="0"/>
+              <a:t>If both are tilted in a same direction (both clockwise or counter-clockwise) press the left button, the right button for the different directions</a:t>
+            </a:r>
+          </a:p>
+        </p:txBody>
+      </p:sp>
+      <p:sp>
+        <p:nvSpPr>
+          <p:cNvPr id="45" name="TextBox 44"/>
+          <p:cNvSpPr txBox="1"/>
+          <p:nvPr/>
+        </p:nvSpPr>
+        <p:spPr>
+          <a:xfrm>
+            <a:off x="10351084" y="6488668"/>
+            <a:ext cx="1767840" cy="369332"/>
+          </a:xfrm>
+          <a:prstGeom prst="rect">
+            <a:avLst/>
+          </a:prstGeom>
+          <a:noFill/>
+        </p:spPr>
+        <p:txBody>
+          <a:bodyPr wrap="square" rtlCol="0">
+            <a:spAutoFit/>
+          </a:bodyPr>
+          <a:lstStyle/>
+          <a:p>
+            <a:pPr algn="r"/>
+            <a:r>
+              <a:rPr lang="en-US" dirty="0"/>
+              <a:t>Continue … </a:t>
+            </a:r>
+          </a:p>
+        </p:txBody>
+      </p:sp>
+      <p:sp>
+        <p:nvSpPr>
+          <p:cNvPr id="28" name="직사각형 13">
+            <a:extLst>
+              <a:ext uri="{FF2B5EF4-FFF2-40B4-BE49-F238E27FC236}">
+                <a16:creationId xmlns:a16="http://schemas.microsoft.com/office/drawing/2014/main" id="{C157DF81-981C-4A32-BEAC-4D8AA8733D09}"/>
+              </a:ext>
+            </a:extLst>
+          </p:cNvPr>
+          <p:cNvSpPr/>
+          <p:nvPr/>
+        </p:nvSpPr>
+        <p:spPr>
+          <a:xfrm>
+            <a:off x="279086" y="166598"/>
+            <a:ext cx="1879432" cy="1169020"/>
+          </a:xfrm>
+          <a:prstGeom prst="rect">
+            <a:avLst/>
+          </a:prstGeom>
+          <a:solidFill>
+            <a:schemeClr val="bg1">
+              <a:lumMod val="65000"/>
+            </a:schemeClr>
+          </a:solidFill>
+          <a:ln w="57150">
+            <a:solidFill>
+              <a:schemeClr val="tx1"/>
+            </a:solidFill>
+          </a:ln>
+        </p:spPr>
+        <p:style>
+          <a:lnRef idx="2">
+            <a:schemeClr val="accent1">
+              <a:shade val="50000"/>
+            </a:schemeClr>
+          </a:lnRef>
+          <a:fillRef idx="1">
+            <a:schemeClr val="accent1"/>
+          </a:fillRef>
+          <a:effectRef idx="0">
+            <a:schemeClr val="accent1"/>
+          </a:effectRef>
+          <a:fontRef idx="minor">
+            <a:schemeClr val="lt1"/>
+          </a:fontRef>
+        </p:style>
+        <p:txBody>
+          <a:bodyPr rtlCol="0" anchor="ctr"/>
+          <a:lstStyle/>
+          <a:p>
+            <a:pPr algn="ctr"/>
+            <a:endParaRPr lang="en-US" sz="1600"/>
+          </a:p>
+        </p:txBody>
+      </p:sp>
+      <p:sp>
+        <p:nvSpPr>
+          <p:cNvPr id="35" name="Oval 34">
+            <a:extLst>
+              <a:ext uri="{FF2B5EF4-FFF2-40B4-BE49-F238E27FC236}">
+                <a16:creationId xmlns:a16="http://schemas.microsoft.com/office/drawing/2014/main" id="{239E1786-6891-4399-A3E7-176372F4B1D3}"/>
+              </a:ext>
+            </a:extLst>
+          </p:cNvPr>
+          <p:cNvSpPr/>
+          <p:nvPr/>
+        </p:nvSpPr>
+        <p:spPr>
+          <a:xfrm>
+            <a:off x="1203552" y="735858"/>
+            <a:ext cx="30499" cy="30499"/>
+          </a:xfrm>
+          <a:prstGeom prst="ellipse">
+            <a:avLst/>
+          </a:prstGeom>
+          <a:solidFill>
+            <a:srgbClr val="FF0000"/>
+          </a:solidFill>
+          <a:ln>
+            <a:noFill/>
+          </a:ln>
+        </p:spPr>
+        <p:style>
+          <a:lnRef idx="2">
+            <a:schemeClr val="accent1">
+              <a:shade val="50000"/>
+            </a:schemeClr>
+          </a:lnRef>
+          <a:fillRef idx="1">
+            <a:schemeClr val="accent1"/>
+          </a:fillRef>
+          <a:effectRef idx="0">
+            <a:schemeClr val="accent1"/>
+          </a:effectRef>
+          <a:fontRef idx="minor">
+            <a:schemeClr val="lt1"/>
+          </a:fontRef>
+        </p:style>
+        <p:txBody>
+          <a:bodyPr rtlCol="0" anchor="ctr"/>
+          <a:lstStyle/>
+          <a:p>
+            <a:pPr algn="ctr"/>
+            <a:endParaRPr lang="en-US"/>
+          </a:p>
+        </p:txBody>
+      </p:sp>
+      <p:cxnSp>
+        <p:nvCxnSpPr>
+          <p:cNvPr id="40" name="직선 화살표 연결선 19">
+            <a:extLst>
+              <a:ext uri="{FF2B5EF4-FFF2-40B4-BE49-F238E27FC236}">
+                <a16:creationId xmlns:a16="http://schemas.microsoft.com/office/drawing/2014/main" id="{05187A10-722F-43D9-834B-713A1DDD337E}"/>
+              </a:ext>
+            </a:extLst>
+          </p:cNvPr>
+          <p:cNvCxnSpPr>
+            <a:cxnSpLocks/>
+          </p:cNvCxnSpPr>
+          <p:nvPr/>
+        </p:nvCxnSpPr>
+        <p:spPr>
+          <a:xfrm>
+            <a:off x="2361462" y="194736"/>
+            <a:ext cx="0" cy="6484336"/>
+          </a:xfrm>
+          <a:prstGeom prst="straightConnector1">
+            <a:avLst/>
+          </a:prstGeom>
+          <a:ln w="38100">
+            <a:solidFill>
+              <a:schemeClr val="tx1"/>
+            </a:solidFill>
+            <a:tailEnd type="triangle"/>
+          </a:ln>
+        </p:spPr>
+        <p:style>
+          <a:lnRef idx="1">
+            <a:schemeClr val="accent1"/>
+          </a:lnRef>
+          <a:fillRef idx="0">
+            <a:schemeClr val="accent1"/>
+          </a:fillRef>
+          <a:effectRef idx="0">
+            <a:schemeClr val="accent1"/>
+          </a:effectRef>
+          <a:fontRef idx="minor">
+            <a:schemeClr val="tx1"/>
+          </a:fontRef>
+        </p:style>
+      </p:cxnSp>
+      <p:sp>
+        <p:nvSpPr>
+          <p:cNvPr id="41" name="TextBox 40">
+            <a:extLst>
+              <a:ext uri="{FF2B5EF4-FFF2-40B4-BE49-F238E27FC236}">
+                <a16:creationId xmlns:a16="http://schemas.microsoft.com/office/drawing/2014/main" id="{DF0B661F-9EC4-4211-BF85-CBF5E499E2ED}"/>
+              </a:ext>
+            </a:extLst>
+          </p:cNvPr>
+          <p:cNvSpPr txBox="1"/>
+          <p:nvPr/>
+        </p:nvSpPr>
+        <p:spPr>
+          <a:xfrm>
+            <a:off x="1857626" y="6267180"/>
+            <a:ext cx="804728" cy="338554"/>
+          </a:xfrm>
+          <a:prstGeom prst="rect">
+            <a:avLst/>
+          </a:prstGeom>
+          <a:noFill/>
+        </p:spPr>
+        <p:txBody>
+          <a:bodyPr wrap="square" rtlCol="0">
+            <a:spAutoFit/>
+          </a:bodyPr>
+          <a:lstStyle/>
+          <a:p>
+            <a:pPr algn="r"/>
+            <a:r>
+              <a:rPr lang="en-US" sz="1600" dirty="0"/>
+              <a:t>t</a:t>
+            </a:r>
+          </a:p>
+        </p:txBody>
+      </p:sp>
+      <p:sp>
+        <p:nvSpPr>
+          <p:cNvPr id="42" name="직사각형 13">
+            <a:extLst>
+              <a:ext uri="{FF2B5EF4-FFF2-40B4-BE49-F238E27FC236}">
+                <a16:creationId xmlns:a16="http://schemas.microsoft.com/office/drawing/2014/main" id="{2CDF8E63-9F46-4E16-A513-C1C5913CD3B1}"/>
+              </a:ext>
+            </a:extLst>
+          </p:cNvPr>
+          <p:cNvSpPr/>
+          <p:nvPr/>
+        </p:nvSpPr>
+        <p:spPr>
+          <a:xfrm>
+            <a:off x="279086" y="2838326"/>
+            <a:ext cx="1879432" cy="1169020"/>
+          </a:xfrm>
+          <a:prstGeom prst="rect">
+            <a:avLst/>
+          </a:prstGeom>
+          <a:solidFill>
+            <a:schemeClr val="bg1">
+              <a:lumMod val="65000"/>
+            </a:schemeClr>
+          </a:solidFill>
+          <a:ln w="57150">
+            <a:solidFill>
+              <a:schemeClr val="tx1"/>
+            </a:solidFill>
+          </a:ln>
+        </p:spPr>
+        <p:style>
+          <a:lnRef idx="2">
+            <a:schemeClr val="accent1">
+              <a:shade val="50000"/>
+            </a:schemeClr>
+          </a:lnRef>
+          <a:fillRef idx="1">
+            <a:schemeClr val="accent1"/>
+          </a:fillRef>
+          <a:effectRef idx="0">
+            <a:schemeClr val="accent1"/>
+          </a:effectRef>
+          <a:fontRef idx="minor">
+            <a:schemeClr val="lt1"/>
+          </a:fontRef>
+        </p:style>
+        <p:txBody>
+          <a:bodyPr rtlCol="0" anchor="ctr"/>
+          <a:lstStyle/>
+          <a:p>
+            <a:pPr algn="ctr"/>
+            <a:endParaRPr lang="en-US" sz="1600"/>
+          </a:p>
+        </p:txBody>
+      </p:sp>
+      <p:sp>
+        <p:nvSpPr>
+          <p:cNvPr id="43" name="Oval 42">
+            <a:extLst>
+              <a:ext uri="{FF2B5EF4-FFF2-40B4-BE49-F238E27FC236}">
+                <a16:creationId xmlns:a16="http://schemas.microsoft.com/office/drawing/2014/main" id="{96C0C155-2C38-4A44-B788-2B11BE9A86D3}"/>
+              </a:ext>
+            </a:extLst>
+          </p:cNvPr>
+          <p:cNvSpPr/>
+          <p:nvPr/>
+        </p:nvSpPr>
+        <p:spPr>
+          <a:xfrm>
+            <a:off x="1203552" y="3407586"/>
+            <a:ext cx="30499" cy="30499"/>
+          </a:xfrm>
+          <a:prstGeom prst="ellipse">
+            <a:avLst/>
+          </a:prstGeom>
+          <a:solidFill>
+            <a:srgbClr val="FF0000"/>
+          </a:solidFill>
+          <a:ln>
+            <a:noFill/>
+          </a:ln>
+        </p:spPr>
+        <p:style>
+          <a:lnRef idx="2">
+            <a:schemeClr val="accent1">
+              <a:shade val="50000"/>
+            </a:schemeClr>
+          </a:lnRef>
+          <a:fillRef idx="1">
+            <a:schemeClr val="accent1"/>
+          </a:fillRef>
+          <a:effectRef idx="0">
+            <a:schemeClr val="accent1"/>
+          </a:effectRef>
+          <a:fontRef idx="minor">
+            <a:schemeClr val="lt1"/>
+          </a:fontRef>
+        </p:style>
+        <p:txBody>
+          <a:bodyPr rtlCol="0" anchor="ctr"/>
+          <a:lstStyle/>
+          <a:p>
+            <a:pPr algn="ctr"/>
+            <a:endParaRPr lang="en-US"/>
+          </a:p>
+        </p:txBody>
+      </p:sp>
+      <p:sp>
+        <p:nvSpPr>
+          <p:cNvPr id="44" name="직사각형 13">
+            <a:extLst>
+              <a:ext uri="{FF2B5EF4-FFF2-40B4-BE49-F238E27FC236}">
+                <a16:creationId xmlns:a16="http://schemas.microsoft.com/office/drawing/2014/main" id="{0FE2B414-847E-494F-A961-6F3E2E3B55B0}"/>
+              </a:ext>
+            </a:extLst>
+          </p:cNvPr>
+          <p:cNvSpPr/>
+          <p:nvPr/>
+        </p:nvSpPr>
+        <p:spPr>
+          <a:xfrm>
+            <a:off x="279086" y="4174190"/>
+            <a:ext cx="1879432" cy="1169020"/>
+          </a:xfrm>
+          <a:prstGeom prst="rect">
+            <a:avLst/>
+          </a:prstGeom>
+          <a:solidFill>
+            <a:schemeClr val="bg1">
+              <a:lumMod val="65000"/>
+            </a:schemeClr>
+          </a:solidFill>
+          <a:ln w="57150">
+            <a:solidFill>
+              <a:schemeClr val="tx1"/>
+            </a:solidFill>
+          </a:ln>
+        </p:spPr>
+        <p:style>
+          <a:lnRef idx="2">
+            <a:schemeClr val="accent1">
+              <a:shade val="50000"/>
+            </a:schemeClr>
+          </a:lnRef>
+          <a:fillRef idx="1">
+            <a:schemeClr val="accent1"/>
+          </a:fillRef>
+          <a:effectRef idx="0">
+            <a:schemeClr val="accent1"/>
+          </a:effectRef>
+          <a:fontRef idx="minor">
+            <a:schemeClr val="lt1"/>
+          </a:fontRef>
+        </p:style>
+        <p:txBody>
+          <a:bodyPr rtlCol="0" anchor="ctr"/>
+          <a:lstStyle/>
+          <a:p>
+            <a:pPr algn="ctr"/>
+            <a:endParaRPr lang="en-US" sz="1600"/>
+          </a:p>
+        </p:txBody>
+      </p:sp>
+      <p:sp>
+        <p:nvSpPr>
+          <p:cNvPr id="46" name="Oval 45">
+            <a:extLst>
+              <a:ext uri="{FF2B5EF4-FFF2-40B4-BE49-F238E27FC236}">
+                <a16:creationId xmlns:a16="http://schemas.microsoft.com/office/drawing/2014/main" id="{D75B240C-BE73-4A26-B898-C9FB7843494C}"/>
+              </a:ext>
+            </a:extLst>
+          </p:cNvPr>
+          <p:cNvSpPr/>
+          <p:nvPr/>
+        </p:nvSpPr>
+        <p:spPr>
+          <a:xfrm>
+            <a:off x="1203552" y="4743450"/>
+            <a:ext cx="30499" cy="30499"/>
+          </a:xfrm>
+          <a:prstGeom prst="ellipse">
+            <a:avLst/>
+          </a:prstGeom>
+          <a:solidFill>
+            <a:srgbClr val="FF0000"/>
+          </a:solidFill>
+          <a:ln>
+            <a:noFill/>
+          </a:ln>
+        </p:spPr>
+        <p:style>
+          <a:lnRef idx="2">
+            <a:schemeClr val="accent1">
+              <a:shade val="50000"/>
+            </a:schemeClr>
+          </a:lnRef>
+          <a:fillRef idx="1">
+            <a:schemeClr val="accent1"/>
+          </a:fillRef>
+          <a:effectRef idx="0">
+            <a:schemeClr val="accent1"/>
+          </a:effectRef>
+          <a:fontRef idx="minor">
+            <a:schemeClr val="lt1"/>
+          </a:fontRef>
+        </p:style>
+        <p:txBody>
+          <a:bodyPr rtlCol="0" anchor="ctr"/>
+          <a:lstStyle/>
+          <a:p>
+            <a:pPr algn="ctr"/>
+            <a:endParaRPr lang="en-US"/>
+          </a:p>
+        </p:txBody>
+      </p:sp>
+      <p:sp>
+        <p:nvSpPr>
+          <p:cNvPr id="47" name="직사각형 14">
+            <a:extLst>
+              <a:ext uri="{FF2B5EF4-FFF2-40B4-BE49-F238E27FC236}">
+                <a16:creationId xmlns:a16="http://schemas.microsoft.com/office/drawing/2014/main" id="{E9C675CF-BDD4-4CA6-A82D-98CCFE39A75C}"/>
+              </a:ext>
+            </a:extLst>
+          </p:cNvPr>
+          <p:cNvSpPr/>
+          <p:nvPr/>
+        </p:nvSpPr>
+        <p:spPr>
+          <a:xfrm>
+            <a:off x="279086" y="1502462"/>
+            <a:ext cx="1879432" cy="1169020"/>
+          </a:xfrm>
+          <a:prstGeom prst="rect">
+            <a:avLst/>
+          </a:prstGeom>
+          <a:solidFill>
+            <a:schemeClr val="bg1">
+              <a:lumMod val="65000"/>
+            </a:schemeClr>
+          </a:solidFill>
+          <a:ln w="57150">
+            <a:solidFill>
+              <a:schemeClr val="tx1"/>
+            </a:solidFill>
+          </a:ln>
+        </p:spPr>
+        <p:style>
+          <a:lnRef idx="2">
+            <a:schemeClr val="accent1">
+              <a:shade val="50000"/>
+            </a:schemeClr>
+          </a:lnRef>
+          <a:fillRef idx="1">
+            <a:schemeClr val="accent1"/>
+          </a:fillRef>
+          <a:effectRef idx="0">
+            <a:schemeClr val="accent1"/>
+          </a:effectRef>
+          <a:fontRef idx="minor">
+            <a:schemeClr val="lt1"/>
+          </a:fontRef>
+        </p:style>
+        <p:txBody>
+          <a:bodyPr rtlCol="0" anchor="ctr"/>
+          <a:lstStyle/>
+          <a:p>
+            <a:pPr algn="ctr"/>
+            <a:endParaRPr lang="en-US" sz="1600"/>
+          </a:p>
+        </p:txBody>
+      </p:sp>
+      <p:sp>
+        <p:nvSpPr>
+          <p:cNvPr id="48" name="Oval 47">
+            <a:extLst>
+              <a:ext uri="{FF2B5EF4-FFF2-40B4-BE49-F238E27FC236}">
+                <a16:creationId xmlns:a16="http://schemas.microsoft.com/office/drawing/2014/main" id="{6B2055CF-3902-488E-9DFC-FF7ABF6AEC27}"/>
+              </a:ext>
+            </a:extLst>
+          </p:cNvPr>
+          <p:cNvSpPr/>
+          <p:nvPr/>
+        </p:nvSpPr>
+        <p:spPr>
+          <a:xfrm>
+            <a:off x="1203552" y="2072137"/>
+            <a:ext cx="30499" cy="30499"/>
+          </a:xfrm>
+          <a:prstGeom prst="ellipse">
+            <a:avLst/>
+          </a:prstGeom>
+          <a:solidFill>
+            <a:srgbClr val="FF0000"/>
+          </a:solidFill>
+          <a:ln>
+            <a:noFill/>
+          </a:ln>
+        </p:spPr>
+        <p:style>
+          <a:lnRef idx="2">
+            <a:schemeClr val="accent1">
+              <a:shade val="50000"/>
+            </a:schemeClr>
+          </a:lnRef>
+          <a:fillRef idx="1">
+            <a:schemeClr val="accent1"/>
+          </a:fillRef>
+          <a:effectRef idx="0">
+            <a:schemeClr val="accent1"/>
+          </a:effectRef>
+          <a:fontRef idx="minor">
+            <a:schemeClr val="lt1"/>
+          </a:fontRef>
+        </p:style>
+        <p:txBody>
+          <a:bodyPr rtlCol="0" anchor="ctr"/>
+          <a:lstStyle/>
+          <a:p>
+            <a:pPr algn="ctr"/>
+            <a:endParaRPr lang="en-US"/>
+          </a:p>
+        </p:txBody>
+      </p:sp>
+      <p:grpSp>
+        <p:nvGrpSpPr>
+          <p:cNvPr id="49" name="Group 48">
+            <a:extLst>
+              <a:ext uri="{FF2B5EF4-FFF2-40B4-BE49-F238E27FC236}">
+                <a16:creationId xmlns:a16="http://schemas.microsoft.com/office/drawing/2014/main" id="{E0CA483A-B370-453D-B57F-D167362E770A}"/>
+              </a:ext>
+            </a:extLst>
+          </p:cNvPr>
+          <p:cNvGrpSpPr/>
+          <p:nvPr/>
+        </p:nvGrpSpPr>
+        <p:grpSpPr>
+          <a:xfrm>
+            <a:off x="443422" y="1929504"/>
+            <a:ext cx="1137443" cy="314068"/>
+            <a:chOff x="855544" y="1929504"/>
+            <a:chExt cx="1137443" cy="314068"/>
+          </a:xfrm>
+        </p:grpSpPr>
+        <p:pic>
+          <p:nvPicPr>
+            <p:cNvPr id="50" name="그림 10">
+              <a:extLst>
+                <a:ext uri="{FF2B5EF4-FFF2-40B4-BE49-F238E27FC236}">
+                  <a16:creationId xmlns:a16="http://schemas.microsoft.com/office/drawing/2014/main" id="{F800C074-3E3E-4B8D-8C84-92F6132297E2}"/>
+                </a:ext>
+              </a:extLst>
+            </p:cNvPr>
+            <p:cNvPicPr>
+              <a:picLocks noChangeAspect="1"/>
+            </p:cNvPicPr>
+            <p:nvPr/>
+          </p:nvPicPr>
+          <p:blipFill>
+            <a:blip r:embed="rId2" cstate="print">
+              <a:extLst>
+                <a:ext uri="{28A0092B-C50C-407E-A947-70E740481C1C}">
+                  <a14:useLocalDpi xmlns:a14="http://schemas.microsoft.com/office/drawing/2010/main" val="0"/>
+                </a:ext>
+              </a:extLst>
+            </a:blip>
+            <a:stretch>
+              <a:fillRect/>
+            </a:stretch>
+          </p:blipFill>
+          <p:spPr>
+            <a:xfrm>
+              <a:off x="1268861" y="1930372"/>
+              <a:ext cx="313200" cy="313200"/>
+            </a:xfrm>
+            <a:prstGeom prst="rect">
+              <a:avLst/>
+            </a:prstGeom>
+          </p:spPr>
+        </p:pic>
+        <p:pic>
+          <p:nvPicPr>
+            <p:cNvPr id="51" name="Picture 50">
+              <a:extLst>
+                <a:ext uri="{FF2B5EF4-FFF2-40B4-BE49-F238E27FC236}">
+                  <a16:creationId xmlns:a16="http://schemas.microsoft.com/office/drawing/2014/main" id="{BDB514ED-758C-44CB-A7D1-94293103547B}"/>
+                </a:ext>
+              </a:extLst>
+            </p:cNvPr>
+            <p:cNvPicPr>
+              <a:picLocks noChangeAspect="1"/>
+            </p:cNvPicPr>
+            <p:nvPr/>
+          </p:nvPicPr>
+          <p:blipFill>
+            <a:blip r:embed="rId3" cstate="print">
+              <a:extLst>
+                <a:ext uri="{28A0092B-C50C-407E-A947-70E740481C1C}">
+                  <a14:useLocalDpi xmlns:a14="http://schemas.microsoft.com/office/drawing/2010/main" val="0"/>
+                </a:ext>
+              </a:extLst>
+            </a:blip>
+            <a:stretch>
+              <a:fillRect/>
+            </a:stretch>
+          </p:blipFill>
+          <p:spPr>
+            <a:xfrm>
+              <a:off x="855544" y="1930372"/>
+              <a:ext cx="313200" cy="313200"/>
+            </a:xfrm>
+            <a:prstGeom prst="rect">
+              <a:avLst/>
+            </a:prstGeom>
+          </p:spPr>
+        </p:pic>
+        <p:pic>
+          <p:nvPicPr>
+            <p:cNvPr id="52" name="Picture 51">
+              <a:extLst>
+                <a:ext uri="{FF2B5EF4-FFF2-40B4-BE49-F238E27FC236}">
+                  <a16:creationId xmlns:a16="http://schemas.microsoft.com/office/drawing/2014/main" id="{A1A8F293-A397-4287-BC8F-A04F03DF43EB}"/>
+                </a:ext>
+              </a:extLst>
+            </p:cNvPr>
+            <p:cNvPicPr>
+              <a:picLocks noChangeAspect="1"/>
+            </p:cNvPicPr>
+            <p:nvPr/>
+          </p:nvPicPr>
+          <p:blipFill>
+            <a:blip r:embed="rId3" cstate="print">
+              <a:extLst>
+                <a:ext uri="{28A0092B-C50C-407E-A947-70E740481C1C}">
+                  <a14:useLocalDpi xmlns:a14="http://schemas.microsoft.com/office/drawing/2010/main" val="0"/>
+                </a:ext>
+              </a:extLst>
+            </a:blip>
+            <a:stretch>
+              <a:fillRect/>
+            </a:stretch>
+          </p:blipFill>
+          <p:spPr>
+            <a:xfrm>
+              <a:off x="1679787" y="1929504"/>
+              <a:ext cx="313200" cy="313200"/>
+            </a:xfrm>
+            <a:prstGeom prst="rect">
+              <a:avLst/>
+            </a:prstGeom>
+          </p:spPr>
+        </p:pic>
+      </p:grpSp>
+      <p:sp>
+        <p:nvSpPr>
+          <p:cNvPr id="53" name="Oval 52">
+            <a:extLst>
+              <a:ext uri="{FF2B5EF4-FFF2-40B4-BE49-F238E27FC236}">
+                <a16:creationId xmlns:a16="http://schemas.microsoft.com/office/drawing/2014/main" id="{FCC347A3-26FF-4761-896F-2248346A6BFC}"/>
+              </a:ext>
+            </a:extLst>
+          </p:cNvPr>
+          <p:cNvSpPr/>
+          <p:nvPr/>
+        </p:nvSpPr>
+        <p:spPr>
+          <a:xfrm>
+            <a:off x="1203552" y="2072137"/>
+            <a:ext cx="30499" cy="30499"/>
+          </a:xfrm>
+          <a:prstGeom prst="ellipse">
+            <a:avLst/>
+          </a:prstGeom>
+          <a:solidFill>
+            <a:srgbClr val="FF0000"/>
+          </a:solidFill>
+          <a:ln>
+            <a:noFill/>
+          </a:ln>
+        </p:spPr>
+        <p:style>
+          <a:lnRef idx="2">
+            <a:schemeClr val="accent1">
+              <a:shade val="50000"/>
+            </a:schemeClr>
+          </a:lnRef>
+          <a:fillRef idx="1">
+            <a:schemeClr val="accent1"/>
+          </a:fillRef>
+          <a:effectRef idx="0">
+            <a:schemeClr val="accent1"/>
+          </a:effectRef>
+          <a:fontRef idx="minor">
+            <a:schemeClr val="lt1"/>
+          </a:fontRef>
+        </p:style>
+        <p:txBody>
+          <a:bodyPr rtlCol="0" anchor="ctr"/>
+          <a:lstStyle/>
+          <a:p>
+            <a:pPr algn="ctr"/>
+            <a:endParaRPr lang="en-US"/>
+          </a:p>
+        </p:txBody>
+      </p:sp>
+      <p:sp>
+        <p:nvSpPr>
+          <p:cNvPr id="54" name="직사각형 14">
+            <a:extLst>
+              <a:ext uri="{FF2B5EF4-FFF2-40B4-BE49-F238E27FC236}">
+                <a16:creationId xmlns:a16="http://schemas.microsoft.com/office/drawing/2014/main" id="{07910C70-A72B-4BEF-8872-BE0215B68BCA}"/>
+              </a:ext>
+            </a:extLst>
+          </p:cNvPr>
+          <p:cNvSpPr/>
+          <p:nvPr/>
+        </p:nvSpPr>
+        <p:spPr>
+          <a:xfrm>
+            <a:off x="279086" y="5510052"/>
+            <a:ext cx="1879432" cy="1169020"/>
+          </a:xfrm>
+          <a:prstGeom prst="rect">
+            <a:avLst/>
+          </a:prstGeom>
+          <a:solidFill>
+            <a:schemeClr val="bg1">
+              <a:lumMod val="65000"/>
+            </a:schemeClr>
+          </a:solidFill>
+          <a:ln w="57150">
+            <a:solidFill>
+              <a:schemeClr val="tx1"/>
+            </a:solidFill>
+          </a:ln>
+        </p:spPr>
+        <p:style>
+          <a:lnRef idx="2">
+            <a:schemeClr val="accent1">
+              <a:shade val="50000"/>
+            </a:schemeClr>
+          </a:lnRef>
+          <a:fillRef idx="1">
+            <a:schemeClr val="accent1"/>
+          </a:fillRef>
+          <a:effectRef idx="0">
+            <a:schemeClr val="accent1"/>
+          </a:effectRef>
+          <a:fontRef idx="minor">
+            <a:schemeClr val="lt1"/>
+          </a:fontRef>
+        </p:style>
+        <p:txBody>
+          <a:bodyPr rtlCol="0" anchor="ctr"/>
+          <a:lstStyle/>
+          <a:p>
+            <a:pPr algn="ctr"/>
+            <a:endParaRPr lang="en-US" sz="1600"/>
+          </a:p>
+        </p:txBody>
+      </p:sp>
+      <p:pic>
+        <p:nvPicPr>
+          <p:cNvPr id="55" name="그림 22">
+            <a:extLst>
+              <a:ext uri="{FF2B5EF4-FFF2-40B4-BE49-F238E27FC236}">
+                <a16:creationId xmlns:a16="http://schemas.microsoft.com/office/drawing/2014/main" id="{7BB1483D-86D4-419C-B9B6-23F251CA7F69}"/>
+              </a:ext>
+            </a:extLst>
+          </p:cNvPr>
+          <p:cNvPicPr>
+            <a:picLocks noChangeAspect="1"/>
+          </p:cNvPicPr>
+          <p:nvPr/>
+        </p:nvPicPr>
+        <p:blipFill>
+          <a:blip r:embed="rId4" cstate="print">
+            <a:extLst>
+              <a:ext uri="{28A0092B-C50C-407E-A947-70E740481C1C}">
+                <a14:useLocalDpi xmlns:a14="http://schemas.microsoft.com/office/drawing/2010/main" val="0"/>
+              </a:ext>
+            </a:extLst>
+          </a:blip>
+          <a:stretch>
+            <a:fillRect/>
+          </a:stretch>
+        </p:blipFill>
+        <p:spPr>
+          <a:xfrm>
+            <a:off x="856141" y="5937962"/>
+            <a:ext cx="313200" cy="313200"/>
+          </a:xfrm>
+          <a:prstGeom prst="rect">
+            <a:avLst/>
+          </a:prstGeom>
+        </p:spPr>
+      </p:pic>
+      <p:pic>
+        <p:nvPicPr>
+          <p:cNvPr id="56" name="Picture 55">
+            <a:extLst>
+              <a:ext uri="{FF2B5EF4-FFF2-40B4-BE49-F238E27FC236}">
+                <a16:creationId xmlns:a16="http://schemas.microsoft.com/office/drawing/2014/main" id="{F566BE61-4398-49C3-B7FE-237CF22BF242}"/>
+              </a:ext>
+            </a:extLst>
+          </p:cNvPr>
+          <p:cNvPicPr>
+            <a:picLocks noChangeAspect="1"/>
+          </p:cNvPicPr>
+          <p:nvPr/>
+        </p:nvPicPr>
+        <p:blipFill>
+          <a:blip r:embed="rId3" cstate="print">
+            <a:extLst>
+              <a:ext uri="{28A0092B-C50C-407E-A947-70E740481C1C}">
+                <a14:useLocalDpi xmlns:a14="http://schemas.microsoft.com/office/drawing/2010/main" val="0"/>
+              </a:ext>
+            </a:extLst>
+          </a:blip>
+          <a:stretch>
+            <a:fillRect/>
+          </a:stretch>
+        </p:blipFill>
+        <p:spPr>
+          <a:xfrm>
+            <a:off x="1267665" y="5944020"/>
+            <a:ext cx="313200" cy="313200"/>
+          </a:xfrm>
+          <a:prstGeom prst="rect">
+            <a:avLst/>
+          </a:prstGeom>
+        </p:spPr>
+      </p:pic>
+      <p:sp>
+        <p:nvSpPr>
+          <p:cNvPr id="57" name="Oval 56">
+            <a:extLst>
+              <a:ext uri="{FF2B5EF4-FFF2-40B4-BE49-F238E27FC236}">
+                <a16:creationId xmlns:a16="http://schemas.microsoft.com/office/drawing/2014/main" id="{0F305022-0017-45C3-AA76-3F8A9F025DC8}"/>
+              </a:ext>
+            </a:extLst>
+          </p:cNvPr>
+          <p:cNvSpPr/>
+          <p:nvPr/>
+        </p:nvSpPr>
+        <p:spPr>
+          <a:xfrm>
+            <a:off x="1203552" y="6079727"/>
+            <a:ext cx="30499" cy="30499"/>
+          </a:xfrm>
+          <a:prstGeom prst="ellipse">
+            <a:avLst/>
+          </a:prstGeom>
+          <a:solidFill>
+            <a:srgbClr val="FF0000"/>
+          </a:solidFill>
+          <a:ln>
+            <a:noFill/>
+          </a:ln>
+        </p:spPr>
+        <p:style>
+          <a:lnRef idx="2">
+            <a:schemeClr val="accent1">
+              <a:shade val="50000"/>
+            </a:schemeClr>
+          </a:lnRef>
+          <a:fillRef idx="1">
+            <a:schemeClr val="accent1"/>
+          </a:fillRef>
+          <a:effectRef idx="0">
+            <a:schemeClr val="accent1"/>
+          </a:effectRef>
+          <a:fontRef idx="minor">
+            <a:schemeClr val="lt1"/>
+          </a:fontRef>
+        </p:style>
+        <p:txBody>
+          <a:bodyPr rtlCol="0" anchor="ctr"/>
+          <a:lstStyle/>
+          <a:p>
+            <a:pPr algn="ctr"/>
+            <a:endParaRPr lang="en-US"/>
+          </a:p>
+        </p:txBody>
+      </p:sp>
+      <p:sp>
+        <p:nvSpPr>
+          <p:cNvPr id="58" name="TextBox 57">
+            <a:extLst>
+              <a:ext uri="{FF2B5EF4-FFF2-40B4-BE49-F238E27FC236}">
+                <a16:creationId xmlns:a16="http://schemas.microsoft.com/office/drawing/2014/main" id="{D0AACCD9-F82A-4656-A05F-84245790054D}"/>
+              </a:ext>
+            </a:extLst>
+          </p:cNvPr>
+          <p:cNvSpPr txBox="1"/>
+          <p:nvPr/>
+        </p:nvSpPr>
+        <p:spPr>
+          <a:xfrm>
+            <a:off x="1780474" y="1523977"/>
+            <a:ext cx="1260000" cy="338554"/>
+          </a:xfrm>
+          <a:prstGeom prst="rect">
+            <a:avLst/>
+          </a:prstGeom>
+          <a:solidFill>
+            <a:schemeClr val="bg1"/>
+          </a:solidFill>
+          <a:ln w="19050">
+            <a:solidFill>
+              <a:schemeClr val="bg1">
+                <a:lumMod val="50000"/>
+              </a:schemeClr>
+            </a:solidFill>
+          </a:ln>
+          <a:effectLst>
+            <a:outerShdw blurRad="50800" dist="38100" dir="2700000" algn="tl" rotWithShape="0">
+              <a:prstClr val="black">
+                <a:alpha val="40000"/>
+              </a:prstClr>
+            </a:outerShdw>
+          </a:effectLst>
+        </p:spPr>
+        <p:txBody>
+          <a:bodyPr wrap="square" rtlCol="0">
+            <a:spAutoFit/>
+          </a:bodyPr>
+          <a:lstStyle/>
+          <a:p>
+            <a:pPr algn="ctr"/>
+            <a:r>
+              <a:rPr lang="en-US" sz="1600" b="1" dirty="0"/>
+              <a:t>cue frame</a:t>
+            </a:r>
+          </a:p>
+        </p:txBody>
+      </p:sp>
+      <p:sp>
+        <p:nvSpPr>
+          <p:cNvPr id="59" name="TextBox 58">
+            <a:extLst>
+              <a:ext uri="{FF2B5EF4-FFF2-40B4-BE49-F238E27FC236}">
+                <a16:creationId xmlns:a16="http://schemas.microsoft.com/office/drawing/2014/main" id="{5F8AB0F5-C593-4E3F-8505-11C8FBEC9F90}"/>
+              </a:ext>
+            </a:extLst>
+          </p:cNvPr>
+          <p:cNvSpPr txBox="1"/>
+          <p:nvPr/>
+        </p:nvSpPr>
+        <p:spPr>
+          <a:xfrm>
+            <a:off x="1780474" y="5541191"/>
+            <a:ext cx="1260000" cy="338554"/>
+          </a:xfrm>
+          <a:prstGeom prst="rect">
+            <a:avLst/>
+          </a:prstGeom>
+          <a:solidFill>
+            <a:schemeClr val="bg1"/>
+          </a:solidFill>
+          <a:ln w="19050">
+            <a:solidFill>
+              <a:schemeClr val="bg1">
+                <a:lumMod val="50000"/>
+              </a:schemeClr>
+            </a:solidFill>
+          </a:ln>
+          <a:effectLst>
+            <a:outerShdw blurRad="50800" dist="38100" dir="2700000" algn="tl" rotWithShape="0">
+              <a:prstClr val="black">
+                <a:alpha val="40000"/>
+              </a:prstClr>
+            </a:outerShdw>
+          </a:effectLst>
+        </p:spPr>
+        <p:txBody>
+          <a:bodyPr wrap="square" rtlCol="0">
+            <a:spAutoFit/>
+          </a:bodyPr>
+          <a:lstStyle/>
+          <a:p>
+            <a:pPr algn="ctr"/>
+            <a:r>
+              <a:rPr lang="en-US" sz="1600" b="1" dirty="0"/>
+              <a:t>probe frame</a:t>
+            </a:r>
+          </a:p>
+        </p:txBody>
+      </p:sp>
+      <p:pic>
+        <p:nvPicPr>
+          <p:cNvPr id="60" name="그림 24">
+            <a:extLst>
+              <a:ext uri="{FF2B5EF4-FFF2-40B4-BE49-F238E27FC236}">
+                <a16:creationId xmlns:a16="http://schemas.microsoft.com/office/drawing/2014/main" id="{95DBD1D1-A5A0-4F82-9C85-B0D7A78A380B}"/>
+              </a:ext>
+            </a:extLst>
+          </p:cNvPr>
+          <p:cNvPicPr>
+            <a:picLocks noChangeAspect="1"/>
+          </p:cNvPicPr>
+          <p:nvPr/>
+        </p:nvPicPr>
+        <p:blipFill>
+          <a:blip r:embed="rId5" cstate="print">
+            <a:extLst>
+              <a:ext uri="{28A0092B-C50C-407E-A947-70E740481C1C}">
+                <a14:useLocalDpi xmlns:a14="http://schemas.microsoft.com/office/drawing/2010/main" val="0"/>
+              </a:ext>
+            </a:extLst>
+          </a:blip>
+          <a:stretch>
+            <a:fillRect/>
+          </a:stretch>
+        </p:blipFill>
+        <p:spPr>
+          <a:xfrm>
+            <a:off x="443422" y="578660"/>
+            <a:ext cx="314395" cy="314395"/>
+          </a:xfrm>
+          <a:prstGeom prst="rect">
+            <a:avLst/>
+          </a:prstGeom>
+        </p:spPr>
+      </p:pic>
+      <p:pic>
+        <p:nvPicPr>
+          <p:cNvPr id="61" name="그림 24">
+            <a:extLst>
+              <a:ext uri="{FF2B5EF4-FFF2-40B4-BE49-F238E27FC236}">
+                <a16:creationId xmlns:a16="http://schemas.microsoft.com/office/drawing/2014/main" id="{BD1F45E1-B45F-46F8-9451-F74FE39EEA8A}"/>
+              </a:ext>
+            </a:extLst>
+          </p:cNvPr>
+          <p:cNvPicPr>
+            <a:picLocks noChangeAspect="1"/>
+          </p:cNvPicPr>
+          <p:nvPr/>
+        </p:nvPicPr>
+        <p:blipFill>
+          <a:blip r:embed="rId5" cstate="print">
+            <a:extLst>
+              <a:ext uri="{28A0092B-C50C-407E-A947-70E740481C1C}">
+                <a14:useLocalDpi xmlns:a14="http://schemas.microsoft.com/office/drawing/2010/main" val="0"/>
+              </a:ext>
+            </a:extLst>
+          </a:blip>
+          <a:stretch>
+            <a:fillRect/>
+          </a:stretch>
+        </p:blipFill>
+        <p:spPr>
+          <a:xfrm>
+            <a:off x="855544" y="578660"/>
+            <a:ext cx="314395" cy="314395"/>
+          </a:xfrm>
+          <a:prstGeom prst="rect">
+            <a:avLst/>
+          </a:prstGeom>
+        </p:spPr>
+      </p:pic>
+      <p:pic>
+        <p:nvPicPr>
+          <p:cNvPr id="62" name="그림 24">
+            <a:extLst>
+              <a:ext uri="{FF2B5EF4-FFF2-40B4-BE49-F238E27FC236}">
+                <a16:creationId xmlns:a16="http://schemas.microsoft.com/office/drawing/2014/main" id="{48461DBE-6DBD-488E-BA35-B66F26591F6C}"/>
+              </a:ext>
+            </a:extLst>
+          </p:cNvPr>
+          <p:cNvPicPr>
+            <a:picLocks noChangeAspect="1"/>
+          </p:cNvPicPr>
+          <p:nvPr/>
+        </p:nvPicPr>
+        <p:blipFill>
+          <a:blip r:embed="rId5" cstate="print">
+            <a:extLst>
+              <a:ext uri="{28A0092B-C50C-407E-A947-70E740481C1C}">
+                <a14:useLocalDpi xmlns:a14="http://schemas.microsoft.com/office/drawing/2010/main" val="0"/>
+              </a:ext>
+            </a:extLst>
+          </a:blip>
+          <a:stretch>
+            <a:fillRect/>
+          </a:stretch>
+        </p:blipFill>
+        <p:spPr>
+          <a:xfrm>
+            <a:off x="1267666" y="578660"/>
+            <a:ext cx="314395" cy="314395"/>
+          </a:xfrm>
+          <a:prstGeom prst="rect">
+            <a:avLst/>
+          </a:prstGeom>
+        </p:spPr>
+      </p:pic>
+      <p:grpSp>
+        <p:nvGrpSpPr>
+          <p:cNvPr id="63" name="Group 62">
+            <a:extLst>
+              <a:ext uri="{FF2B5EF4-FFF2-40B4-BE49-F238E27FC236}">
+                <a16:creationId xmlns:a16="http://schemas.microsoft.com/office/drawing/2014/main" id="{DA8D33F3-66C6-46FE-9913-2B752E3AE1B7}"/>
+              </a:ext>
+            </a:extLst>
+          </p:cNvPr>
+          <p:cNvGrpSpPr/>
+          <p:nvPr/>
+        </p:nvGrpSpPr>
+        <p:grpSpPr>
+          <a:xfrm>
+            <a:off x="443421" y="3265637"/>
+            <a:ext cx="1138639" cy="314395"/>
+            <a:chOff x="595822" y="731060"/>
+            <a:chExt cx="1138639" cy="314395"/>
+          </a:xfrm>
+        </p:grpSpPr>
+        <p:pic>
+          <p:nvPicPr>
+            <p:cNvPr id="64" name="그림 24">
+              <a:extLst>
+                <a:ext uri="{FF2B5EF4-FFF2-40B4-BE49-F238E27FC236}">
+                  <a16:creationId xmlns:a16="http://schemas.microsoft.com/office/drawing/2014/main" id="{7B722195-D603-4CED-9E05-50793A512270}"/>
+                </a:ext>
+              </a:extLst>
+            </p:cNvPr>
+            <p:cNvPicPr>
+              <a:picLocks noChangeAspect="1"/>
+            </p:cNvPicPr>
+            <p:nvPr/>
+          </p:nvPicPr>
+          <p:blipFill>
+            <a:blip r:embed="rId5" cstate="print">
+              <a:extLst>
+                <a:ext uri="{28A0092B-C50C-407E-A947-70E740481C1C}">
+                  <a14:useLocalDpi xmlns:a14="http://schemas.microsoft.com/office/drawing/2010/main" val="0"/>
+                </a:ext>
+              </a:extLst>
+            </a:blip>
+            <a:stretch>
+              <a:fillRect/>
+            </a:stretch>
+          </p:blipFill>
+          <p:spPr>
+            <a:xfrm>
+              <a:off x="595822" y="731060"/>
+              <a:ext cx="314395" cy="314395"/>
+            </a:xfrm>
+            <a:prstGeom prst="rect">
+              <a:avLst/>
+            </a:prstGeom>
+          </p:spPr>
+        </p:pic>
+        <p:pic>
+          <p:nvPicPr>
+            <p:cNvPr id="65" name="그림 24">
+              <a:extLst>
+                <a:ext uri="{FF2B5EF4-FFF2-40B4-BE49-F238E27FC236}">
+                  <a16:creationId xmlns:a16="http://schemas.microsoft.com/office/drawing/2014/main" id="{1A95DB3F-D6C5-423A-8FB0-B5DC93AC678C}"/>
+                </a:ext>
+              </a:extLst>
+            </p:cNvPr>
+            <p:cNvPicPr>
+              <a:picLocks noChangeAspect="1"/>
+            </p:cNvPicPr>
+            <p:nvPr/>
+          </p:nvPicPr>
+          <p:blipFill>
+            <a:blip r:embed="rId5" cstate="print">
+              <a:extLst>
+                <a:ext uri="{28A0092B-C50C-407E-A947-70E740481C1C}">
+                  <a14:useLocalDpi xmlns:a14="http://schemas.microsoft.com/office/drawing/2010/main" val="0"/>
+                </a:ext>
+              </a:extLst>
+            </a:blip>
+            <a:stretch>
+              <a:fillRect/>
+            </a:stretch>
+          </p:blipFill>
+          <p:spPr>
+            <a:xfrm>
+              <a:off x="1007944" y="731060"/>
+              <a:ext cx="314395" cy="314395"/>
+            </a:xfrm>
+            <a:prstGeom prst="rect">
+              <a:avLst/>
+            </a:prstGeom>
+          </p:spPr>
+        </p:pic>
+        <p:pic>
+          <p:nvPicPr>
+            <p:cNvPr id="66" name="그림 24">
+              <a:extLst>
+                <a:ext uri="{FF2B5EF4-FFF2-40B4-BE49-F238E27FC236}">
+                  <a16:creationId xmlns:a16="http://schemas.microsoft.com/office/drawing/2014/main" id="{C72D140E-2903-473C-B1B1-4EEE31ADD2B4}"/>
+                </a:ext>
+              </a:extLst>
+            </p:cNvPr>
+            <p:cNvPicPr>
+              <a:picLocks noChangeAspect="1"/>
+            </p:cNvPicPr>
+            <p:nvPr/>
+          </p:nvPicPr>
+          <p:blipFill>
+            <a:blip r:embed="rId5" cstate="print">
+              <a:extLst>
+                <a:ext uri="{28A0092B-C50C-407E-A947-70E740481C1C}">
+                  <a14:useLocalDpi xmlns:a14="http://schemas.microsoft.com/office/drawing/2010/main" val="0"/>
+                </a:ext>
+              </a:extLst>
+            </a:blip>
+            <a:stretch>
+              <a:fillRect/>
+            </a:stretch>
+          </p:blipFill>
+          <p:spPr>
+            <a:xfrm>
+              <a:off x="1420066" y="731060"/>
+              <a:ext cx="314395" cy="314395"/>
+            </a:xfrm>
+            <a:prstGeom prst="rect">
+              <a:avLst/>
+            </a:prstGeom>
+          </p:spPr>
+        </p:pic>
+      </p:grpSp>
+      <p:grpSp>
+        <p:nvGrpSpPr>
+          <p:cNvPr id="67" name="Group 66">
+            <a:extLst>
+              <a:ext uri="{FF2B5EF4-FFF2-40B4-BE49-F238E27FC236}">
+                <a16:creationId xmlns:a16="http://schemas.microsoft.com/office/drawing/2014/main" id="{0B8832BD-DF5E-42C5-8960-497D0FEECB13}"/>
+              </a:ext>
+            </a:extLst>
+          </p:cNvPr>
+          <p:cNvGrpSpPr/>
+          <p:nvPr/>
+        </p:nvGrpSpPr>
+        <p:grpSpPr>
+          <a:xfrm>
+            <a:off x="443421" y="4601501"/>
+            <a:ext cx="1138639" cy="314395"/>
+            <a:chOff x="595822" y="731060"/>
+            <a:chExt cx="1138639" cy="314395"/>
+          </a:xfrm>
+        </p:grpSpPr>
+        <p:pic>
+          <p:nvPicPr>
+            <p:cNvPr id="68" name="그림 24">
+              <a:extLst>
+                <a:ext uri="{FF2B5EF4-FFF2-40B4-BE49-F238E27FC236}">
+                  <a16:creationId xmlns:a16="http://schemas.microsoft.com/office/drawing/2014/main" id="{22526C63-DF09-40C2-AE2D-2797DF53DBF4}"/>
+                </a:ext>
+              </a:extLst>
+            </p:cNvPr>
+            <p:cNvPicPr>
+              <a:picLocks noChangeAspect="1"/>
+            </p:cNvPicPr>
+            <p:nvPr/>
+          </p:nvPicPr>
+          <p:blipFill>
+            <a:blip r:embed="rId5" cstate="print">
+              <a:extLst>
+                <a:ext uri="{28A0092B-C50C-407E-A947-70E740481C1C}">
+                  <a14:useLocalDpi xmlns:a14="http://schemas.microsoft.com/office/drawing/2010/main" val="0"/>
+                </a:ext>
+              </a:extLst>
+            </a:blip>
+            <a:stretch>
+              <a:fillRect/>
+            </a:stretch>
+          </p:blipFill>
+          <p:spPr>
+            <a:xfrm>
+              <a:off x="595822" y="731060"/>
+              <a:ext cx="314395" cy="314395"/>
+            </a:xfrm>
+            <a:prstGeom prst="rect">
+              <a:avLst/>
+            </a:prstGeom>
+          </p:spPr>
+        </p:pic>
+        <p:pic>
+          <p:nvPicPr>
+            <p:cNvPr id="69" name="그림 24">
+              <a:extLst>
+                <a:ext uri="{FF2B5EF4-FFF2-40B4-BE49-F238E27FC236}">
+                  <a16:creationId xmlns:a16="http://schemas.microsoft.com/office/drawing/2014/main" id="{3EED9992-E3CE-41BC-8BD9-999DA650C53F}"/>
+                </a:ext>
+              </a:extLst>
+            </p:cNvPr>
+            <p:cNvPicPr>
+              <a:picLocks noChangeAspect="1"/>
+            </p:cNvPicPr>
+            <p:nvPr/>
+          </p:nvPicPr>
+          <p:blipFill>
+            <a:blip r:embed="rId5" cstate="print">
+              <a:extLst>
+                <a:ext uri="{28A0092B-C50C-407E-A947-70E740481C1C}">
+                  <a14:useLocalDpi xmlns:a14="http://schemas.microsoft.com/office/drawing/2010/main" val="0"/>
+                </a:ext>
+              </a:extLst>
+            </a:blip>
+            <a:stretch>
+              <a:fillRect/>
+            </a:stretch>
+          </p:blipFill>
+          <p:spPr>
+            <a:xfrm>
+              <a:off x="1007944" y="731060"/>
+              <a:ext cx="314395" cy="314395"/>
+            </a:xfrm>
+            <a:prstGeom prst="rect">
+              <a:avLst/>
+            </a:prstGeom>
+          </p:spPr>
+        </p:pic>
+        <p:pic>
+          <p:nvPicPr>
+            <p:cNvPr id="70" name="그림 24">
+              <a:extLst>
+                <a:ext uri="{FF2B5EF4-FFF2-40B4-BE49-F238E27FC236}">
+                  <a16:creationId xmlns:a16="http://schemas.microsoft.com/office/drawing/2014/main" id="{29555639-58F3-4147-84FB-FE54C7B5DDFD}"/>
+                </a:ext>
+              </a:extLst>
+            </p:cNvPr>
+            <p:cNvPicPr>
+              <a:picLocks noChangeAspect="1"/>
+            </p:cNvPicPr>
+            <p:nvPr/>
+          </p:nvPicPr>
+          <p:blipFill>
+            <a:blip r:embed="rId5" cstate="print">
+              <a:extLst>
+                <a:ext uri="{28A0092B-C50C-407E-A947-70E740481C1C}">
+                  <a14:useLocalDpi xmlns:a14="http://schemas.microsoft.com/office/drawing/2010/main" val="0"/>
+                </a:ext>
+              </a:extLst>
+            </a:blip>
+            <a:stretch>
+              <a:fillRect/>
+            </a:stretch>
+          </p:blipFill>
+          <p:spPr>
+            <a:xfrm>
+              <a:off x="1420066" y="731060"/>
+              <a:ext cx="314395" cy="314395"/>
+            </a:xfrm>
+            <a:prstGeom prst="rect">
+              <a:avLst/>
+            </a:prstGeom>
+          </p:spPr>
+        </p:pic>
+      </p:grpSp>
+      <p:pic>
+        <p:nvPicPr>
+          <p:cNvPr id="71" name="Picture 70">
+            <a:extLst>
+              <a:ext uri="{FF2B5EF4-FFF2-40B4-BE49-F238E27FC236}">
+                <a16:creationId xmlns:a16="http://schemas.microsoft.com/office/drawing/2014/main" id="{AB84F24D-3773-4ED0-B2BB-05E259177272}"/>
+              </a:ext>
+            </a:extLst>
+          </p:cNvPr>
+          <p:cNvPicPr>
+            <a:picLocks noChangeAspect="1"/>
+          </p:cNvPicPr>
+          <p:nvPr/>
+        </p:nvPicPr>
+        <p:blipFill>
+          <a:blip r:embed="rId3" cstate="print">
+            <a:extLst>
+              <a:ext uri="{28A0092B-C50C-407E-A947-70E740481C1C}">
+                <a14:useLocalDpi xmlns:a14="http://schemas.microsoft.com/office/drawing/2010/main" val="0"/>
+              </a:ext>
+            </a:extLst>
+          </a:blip>
+          <a:stretch>
+            <a:fillRect/>
+          </a:stretch>
+        </p:blipFill>
+        <p:spPr>
+          <a:xfrm>
+            <a:off x="443421" y="5937962"/>
+            <a:ext cx="313200" cy="313200"/>
+          </a:xfrm>
+          <a:prstGeom prst="rect">
+            <a:avLst/>
+          </a:prstGeom>
+        </p:spPr>
+      </p:pic>
+    </p:spTree>
+    <p:extLst>
+      <p:ext uri="{BB962C8B-B14F-4D97-AF65-F5344CB8AC3E}">
+        <p14:creationId xmlns:p14="http://schemas.microsoft.com/office/powerpoint/2010/main" val="329780299"/>
+      </p:ext>
+    </p:extLst>
+  </p:cSld>
+  <p:clrMapOvr>
+    <a:masterClrMapping/>
+  </p:clrMapOvr>
+</p:sld>
+</file>
+
+<file path=ppt/slides/slide3.xml><?xml version="1.0" encoding="utf-8"?>
+<p:sld xmlns:a="http://schemas.openxmlformats.org/drawingml/2006/main" xmlns:r="http://schemas.openxmlformats.org/officeDocument/2006/relationships" xmlns:p="http://schemas.openxmlformats.org/presentationml/2006/main">
+  <p:cSld>
+    <p:spTree>
+      <p:nvGrpSpPr>
+        <p:cNvPr id="1" name=""/>
+        <p:cNvGrpSpPr/>
+        <p:nvPr/>
+      </p:nvGrpSpPr>
+      <p:grpSpPr>
+        <a:xfrm>
+          <a:off x="0" y="0"/>
+          <a:ext cx="0" cy="0"/>
+          <a:chOff x="0" y="0"/>
+          <a:chExt cx="0" cy="0"/>
+        </a:xfrm>
+      </p:grpSpPr>
+      <p:pic>
+        <p:nvPicPr>
+          <p:cNvPr id="3" name="그림 2"/>
+          <p:cNvPicPr>
+            <a:picLocks noChangeAspect="1"/>
+          </p:cNvPicPr>
+          <p:nvPr/>
+        </p:nvPicPr>
+        <p:blipFill>
+          <a:blip r:embed="rId2" cstate="print">
+            <a:extLst>
+              <a:ext uri="{28A0092B-C50C-407E-A947-70E740481C1C}">
+                <a14:useLocalDpi xmlns:a14="http://schemas.microsoft.com/office/drawing/2010/main" val="0"/>
+              </a:ext>
+            </a:extLst>
+          </a:blip>
+          <a:stretch>
+            <a:fillRect/>
+          </a:stretch>
+        </p:blipFill>
+        <p:spPr>
+          <a:xfrm>
+            <a:off x="3848975" y="4444650"/>
+            <a:ext cx="1207010" cy="1207010"/>
+          </a:xfrm>
+          <a:prstGeom prst="rect">
+            <a:avLst/>
+          </a:prstGeom>
+        </p:spPr>
+      </p:pic>
+      <p:pic>
+        <p:nvPicPr>
+          <p:cNvPr id="4" name="그림 3"/>
+          <p:cNvPicPr>
+            <a:picLocks noChangeAspect="1"/>
+          </p:cNvPicPr>
+          <p:nvPr/>
+        </p:nvPicPr>
+        <p:blipFill>
+          <a:blip r:embed="rId3" cstate="print">
+            <a:extLst>
+              <a:ext uri="{28A0092B-C50C-407E-A947-70E740481C1C}">
+                <a14:useLocalDpi xmlns:a14="http://schemas.microsoft.com/office/drawing/2010/main" val="0"/>
+              </a:ext>
+            </a:extLst>
+          </a:blip>
+          <a:stretch>
+            <a:fillRect/>
+          </a:stretch>
+        </p:blipFill>
+        <p:spPr>
+          <a:xfrm>
+            <a:off x="2303677" y="4444650"/>
+            <a:ext cx="1207010" cy="1207010"/>
+          </a:xfrm>
+          <a:prstGeom prst="rect">
+            <a:avLst/>
+          </a:prstGeom>
+        </p:spPr>
+      </p:pic>
+      <p:pic>
+        <p:nvPicPr>
+          <p:cNvPr id="5" name="그림 4"/>
+          <p:cNvPicPr>
+            <a:picLocks noChangeAspect="1"/>
+          </p:cNvPicPr>
+          <p:nvPr/>
+        </p:nvPicPr>
+        <p:blipFill>
+          <a:blip r:embed="rId4" cstate="print">
+            <a:extLst>
+              <a:ext uri="{28A0092B-C50C-407E-A947-70E740481C1C}">
+                <a14:useLocalDpi xmlns:a14="http://schemas.microsoft.com/office/drawing/2010/main" val="0"/>
+              </a:ext>
+            </a:extLst>
+          </a:blip>
+          <a:stretch>
+            <a:fillRect/>
+          </a:stretch>
+        </p:blipFill>
+        <p:spPr>
+          <a:xfrm>
+            <a:off x="230784" y="433535"/>
+            <a:ext cx="1207010" cy="1207010"/>
+          </a:xfrm>
+          <a:prstGeom prst="rect">
+            <a:avLst/>
+          </a:prstGeom>
+        </p:spPr>
+      </p:pic>
+      <p:sp>
+        <p:nvSpPr>
+          <p:cNvPr id="6" name="TextBox 5"/>
+          <p:cNvSpPr txBox="1"/>
+          <p:nvPr/>
+        </p:nvSpPr>
+        <p:spPr>
+          <a:xfrm>
+            <a:off x="1581131" y="285539"/>
+            <a:ext cx="10563224" cy="1508105"/>
+          </a:xfrm>
+          <a:prstGeom prst="rect">
+            <a:avLst/>
+          </a:prstGeom>
+          <a:noFill/>
+        </p:spPr>
+        <p:txBody>
+          <a:bodyPr wrap="square" rtlCol="0">
+            <a:spAutoFit/>
+          </a:bodyPr>
+          <a:lstStyle/>
+          <a:p>
+            <a:pPr marL="285750" indent="-285750">
+              <a:spcAft>
+                <a:spcPts val="1200"/>
+              </a:spcAft>
+              <a:buFontTx/>
+              <a:buChar char="-"/>
+            </a:pPr>
+            <a:r>
+              <a:rPr lang="en-US" dirty="0"/>
+              <a:t>There are three possible positions for the tilted bars (red circles)</a:t>
+            </a:r>
+          </a:p>
+          <a:p>
+            <a:pPr marL="285750" indent="-285750">
+              <a:spcAft>
+                <a:spcPts val="1200"/>
+              </a:spcAft>
+              <a:buFontTx/>
+              <a:buChar char="-"/>
+            </a:pPr>
+            <a:r>
+              <a:rPr lang="en-US" dirty="0"/>
+              <a:t>In the cue frame, the target bar (15</a:t>
+            </a:r>
+            <a:r>
+              <a:rPr lang="en-US" baseline="30000" dirty="0"/>
+              <a:t>◦</a:t>
+            </a:r>
+            <a:r>
+              <a:rPr lang="en-US" dirty="0"/>
+              <a:t>) and the distractor bar (45</a:t>
+            </a:r>
+            <a:r>
+              <a:rPr lang="en-US" baseline="30000" dirty="0"/>
+              <a:t>◦</a:t>
+            </a:r>
+            <a:r>
+              <a:rPr lang="en-US" dirty="0"/>
+              <a:t>) are presented in the two different positions</a:t>
+            </a:r>
+          </a:p>
+          <a:p>
+            <a:pPr marL="285750" indent="-285750">
+              <a:spcAft>
+                <a:spcPts val="1200"/>
+              </a:spcAft>
+              <a:buFontTx/>
+              <a:buChar char="-"/>
+            </a:pPr>
+            <a:r>
+              <a:rPr lang="en-US" dirty="0"/>
+              <a:t>In the probe frame, the target bar (15</a:t>
+            </a:r>
+            <a:r>
+              <a:rPr lang="en-US" baseline="30000" dirty="0"/>
+              <a:t>◦</a:t>
+            </a:r>
+            <a:r>
+              <a:rPr lang="en-US" dirty="0"/>
+              <a:t>) can be presented in any of three positions, therefore, it will be in the same position as cue-target position, cue-distractor position, or the third position</a:t>
+            </a:r>
+          </a:p>
+        </p:txBody>
+      </p:sp>
+      <p:sp>
+        <p:nvSpPr>
+          <p:cNvPr id="8" name="타원 7"/>
+          <p:cNvSpPr/>
+          <p:nvPr/>
+        </p:nvSpPr>
+        <p:spPr>
+          <a:xfrm>
+            <a:off x="712169" y="673930"/>
+            <a:ext cx="243997" cy="243997"/>
+          </a:xfrm>
+          <a:prstGeom prst="ellipse">
+            <a:avLst/>
+          </a:prstGeom>
+          <a:noFill/>
+          <a:ln w="57150">
+            <a:solidFill>
+              <a:srgbClr val="FF0000"/>
+            </a:solidFill>
+          </a:ln>
+        </p:spPr>
+        <p:style>
+          <a:lnRef idx="2">
+            <a:schemeClr val="accent1">
+              <a:shade val="50000"/>
+            </a:schemeClr>
+          </a:lnRef>
+          <a:fillRef idx="1">
+            <a:schemeClr val="accent1"/>
+          </a:fillRef>
+          <a:effectRef idx="0">
+            <a:schemeClr val="accent1"/>
+          </a:effectRef>
+          <a:fontRef idx="minor">
+            <a:schemeClr val="lt1"/>
+          </a:fontRef>
+        </p:style>
+        <p:txBody>
+          <a:bodyPr rtlCol="0" anchor="ctr"/>
+          <a:lstStyle/>
+          <a:p>
+            <a:pPr algn="ctr"/>
+            <a:endParaRPr lang="en-US"/>
+          </a:p>
+        </p:txBody>
+      </p:sp>
+      <p:sp>
+        <p:nvSpPr>
+          <p:cNvPr id="9" name="타원 8"/>
+          <p:cNvSpPr/>
+          <p:nvPr/>
+        </p:nvSpPr>
+        <p:spPr>
+          <a:xfrm>
+            <a:off x="941569" y="1038082"/>
+            <a:ext cx="243997" cy="243997"/>
+          </a:xfrm>
+          <a:prstGeom prst="ellipse">
+            <a:avLst/>
+          </a:prstGeom>
+          <a:noFill/>
+          <a:ln w="57150">
+            <a:solidFill>
+              <a:srgbClr val="FF0000"/>
+            </a:solidFill>
+          </a:ln>
+        </p:spPr>
+        <p:style>
+          <a:lnRef idx="2">
+            <a:schemeClr val="accent1">
+              <a:shade val="50000"/>
+            </a:schemeClr>
+          </a:lnRef>
+          <a:fillRef idx="1">
+            <a:schemeClr val="accent1"/>
+          </a:fillRef>
+          <a:effectRef idx="0">
+            <a:schemeClr val="accent1"/>
+          </a:effectRef>
+          <a:fontRef idx="minor">
+            <a:schemeClr val="lt1"/>
+          </a:fontRef>
+        </p:style>
+        <p:txBody>
+          <a:bodyPr rtlCol="0" anchor="ctr"/>
+          <a:lstStyle/>
+          <a:p>
+            <a:pPr algn="ctr"/>
+            <a:endParaRPr lang="en-US"/>
+          </a:p>
+        </p:txBody>
+      </p:sp>
+      <p:sp>
+        <p:nvSpPr>
+          <p:cNvPr id="10" name="타원 9"/>
+          <p:cNvSpPr/>
+          <p:nvPr/>
+        </p:nvSpPr>
+        <p:spPr>
+          <a:xfrm>
+            <a:off x="487576" y="1036473"/>
+            <a:ext cx="243997" cy="243997"/>
+          </a:xfrm>
+          <a:prstGeom prst="ellipse">
+            <a:avLst/>
+          </a:prstGeom>
+          <a:noFill/>
+          <a:ln w="57150">
+            <a:solidFill>
+              <a:srgbClr val="FF0000"/>
+            </a:solidFill>
+          </a:ln>
+        </p:spPr>
+        <p:style>
+          <a:lnRef idx="2">
+            <a:schemeClr val="accent1">
+              <a:shade val="50000"/>
+            </a:schemeClr>
+          </a:lnRef>
+          <a:fillRef idx="1">
+            <a:schemeClr val="accent1"/>
+          </a:fillRef>
+          <a:effectRef idx="0">
+            <a:schemeClr val="accent1"/>
+          </a:effectRef>
+          <a:fontRef idx="minor">
+            <a:schemeClr val="lt1"/>
+          </a:fontRef>
+        </p:style>
+        <p:txBody>
+          <a:bodyPr rtlCol="0" anchor="ctr"/>
+          <a:lstStyle/>
+          <a:p>
+            <a:pPr algn="ctr"/>
+            <a:endParaRPr lang="en-US"/>
+          </a:p>
+        </p:txBody>
+      </p:sp>
+      <p:sp>
+        <p:nvSpPr>
+          <p:cNvPr id="12" name="TextBox 11"/>
+          <p:cNvSpPr txBox="1"/>
+          <p:nvPr/>
+        </p:nvSpPr>
+        <p:spPr>
+          <a:xfrm>
+            <a:off x="758379" y="2126161"/>
+            <a:ext cx="3407343" cy="369332"/>
+          </a:xfrm>
+          <a:prstGeom prst="rect">
+            <a:avLst/>
+          </a:prstGeom>
+          <a:noFill/>
+        </p:spPr>
+        <p:txBody>
+          <a:bodyPr wrap="square" rtlCol="0">
+            <a:spAutoFit/>
+          </a:bodyPr>
+          <a:lstStyle/>
+          <a:p>
+            <a:r>
+              <a:rPr lang="en-US" dirty="0"/>
+              <a:t>ex. Cue frame and Probe frames</a:t>
+            </a:r>
+          </a:p>
+        </p:txBody>
+      </p:sp>
+      <p:pic>
+        <p:nvPicPr>
+          <p:cNvPr id="13" name="그림 12"/>
+          <p:cNvPicPr>
+            <a:picLocks noChangeAspect="1"/>
+          </p:cNvPicPr>
+          <p:nvPr/>
+        </p:nvPicPr>
+        <p:blipFill>
+          <a:blip r:embed="rId5" cstate="print">
+            <a:extLst>
+              <a:ext uri="{28A0092B-C50C-407E-A947-70E740481C1C}">
+                <a14:useLocalDpi xmlns:a14="http://schemas.microsoft.com/office/drawing/2010/main" val="0"/>
+              </a:ext>
+            </a:extLst>
+          </a:blip>
+          <a:stretch>
+            <a:fillRect/>
+          </a:stretch>
+        </p:blipFill>
+        <p:spPr>
+          <a:xfrm>
+            <a:off x="758379" y="4444650"/>
+            <a:ext cx="1207010" cy="1207010"/>
+          </a:xfrm>
+          <a:prstGeom prst="rect">
+            <a:avLst/>
+          </a:prstGeom>
+        </p:spPr>
+      </p:pic>
+      <p:grpSp>
+        <p:nvGrpSpPr>
+          <p:cNvPr id="17" name="그룹 16"/>
+          <p:cNvGrpSpPr/>
+          <p:nvPr/>
+        </p:nvGrpSpPr>
+        <p:grpSpPr>
+          <a:xfrm>
+            <a:off x="2118312" y="2729440"/>
+            <a:ext cx="2136644" cy="1207010"/>
+            <a:chOff x="2283832" y="2694728"/>
+            <a:chExt cx="2136644" cy="1207010"/>
+          </a:xfrm>
+        </p:grpSpPr>
+        <p:pic>
+          <p:nvPicPr>
+            <p:cNvPr id="11" name="그림 10"/>
+            <p:cNvPicPr>
+              <a:picLocks noChangeAspect="1"/>
+            </p:cNvPicPr>
+            <p:nvPr/>
+          </p:nvPicPr>
+          <p:blipFill>
+            <a:blip r:embed="rId4" cstate="print">
+              <a:extLst>
+                <a:ext uri="{28A0092B-C50C-407E-A947-70E740481C1C}">
+                  <a14:useLocalDpi xmlns:a14="http://schemas.microsoft.com/office/drawing/2010/main" val="0"/>
+                </a:ext>
+              </a:extLst>
+            </a:blip>
+            <a:stretch>
+              <a:fillRect/>
+            </a:stretch>
+          </p:blipFill>
+          <p:spPr>
+            <a:xfrm>
+              <a:off x="2469197" y="2694728"/>
+              <a:ext cx="1207010" cy="1207010"/>
+            </a:xfrm>
+            <a:prstGeom prst="rect">
+              <a:avLst/>
+            </a:prstGeom>
+          </p:spPr>
+        </p:pic>
+        <p:sp>
+          <p:nvSpPr>
+            <p:cNvPr id="14" name="TextBox 13"/>
+            <p:cNvSpPr txBox="1"/>
+            <p:nvPr/>
+          </p:nvSpPr>
+          <p:spPr>
+            <a:xfrm>
+              <a:off x="2283832" y="2885490"/>
+              <a:ext cx="859915" cy="307777"/>
+            </a:xfrm>
+            <a:prstGeom prst="rect">
+              <a:avLst/>
+            </a:prstGeom>
+            <a:noFill/>
+          </p:spPr>
+          <p:txBody>
+            <a:bodyPr wrap="none" rtlCol="0">
+              <a:spAutoFit/>
+            </a:bodyPr>
+            <a:lstStyle/>
+            <a:p>
+              <a:r>
+                <a:rPr lang="en-US" sz="1400" b="1" dirty="0">
+                  <a:solidFill>
+                    <a:srgbClr val="FF0000"/>
+                  </a:solidFill>
+                </a:rPr>
+                <a:t>Target </a:t>
+              </a:r>
+              <a:r>
+                <a:rPr lang="en-US" sz="1400" b="1" dirty="0">
+                  <a:solidFill>
+                    <a:srgbClr val="FF0000"/>
+                  </a:solidFill>
+                  <a:sym typeface="Wingdings" panose="05000000000000000000" pitchFamily="2" charset="2"/>
+                </a:rPr>
+                <a:t></a:t>
+              </a:r>
+              <a:endParaRPr lang="en-US" sz="1400" b="1" dirty="0">
+                <a:solidFill>
+                  <a:srgbClr val="FF0000"/>
+                </a:solidFill>
+              </a:endParaRPr>
+            </a:p>
+          </p:txBody>
+        </p:sp>
+        <p:sp>
+          <p:nvSpPr>
+            <p:cNvPr id="15" name="TextBox 14"/>
+            <p:cNvSpPr txBox="1"/>
+            <p:nvPr/>
+          </p:nvSpPr>
+          <p:spPr>
+            <a:xfrm>
+              <a:off x="3300939" y="3246168"/>
+              <a:ext cx="1119537" cy="307777"/>
+            </a:xfrm>
+            <a:prstGeom prst="rect">
+              <a:avLst/>
+            </a:prstGeom>
+            <a:noFill/>
+          </p:spPr>
+          <p:txBody>
+            <a:bodyPr wrap="none" rtlCol="0">
+              <a:spAutoFit/>
+            </a:bodyPr>
+            <a:lstStyle/>
+            <a:p>
+              <a:r>
+                <a:rPr lang="en-US" sz="1400" b="1" dirty="0">
+                  <a:solidFill>
+                    <a:srgbClr val="FF0000"/>
+                  </a:solidFill>
+                  <a:sym typeface="Wingdings" panose="05000000000000000000" pitchFamily="2" charset="2"/>
+                </a:rPr>
+                <a:t> </a:t>
+              </a:r>
+              <a:r>
+                <a:rPr lang="en-US" sz="1400" b="1" dirty="0">
+                  <a:solidFill>
+                    <a:srgbClr val="FF0000"/>
+                  </a:solidFill>
+                </a:rPr>
+                <a:t>distractor</a:t>
+              </a:r>
+            </a:p>
+          </p:txBody>
+        </p:sp>
+      </p:grpSp>
+      <p:sp>
+        <p:nvSpPr>
+          <p:cNvPr id="16" name="TextBox 15"/>
+          <p:cNvSpPr txBox="1"/>
+          <p:nvPr/>
+        </p:nvSpPr>
+        <p:spPr>
+          <a:xfrm>
+            <a:off x="2358702" y="2440925"/>
+            <a:ext cx="1096959" cy="338554"/>
+          </a:xfrm>
+          <a:prstGeom prst="rect">
+            <a:avLst/>
+          </a:prstGeom>
+          <a:noFill/>
+        </p:spPr>
+        <p:txBody>
+          <a:bodyPr wrap="square" rtlCol="0">
+            <a:spAutoFit/>
+          </a:bodyPr>
+          <a:lstStyle/>
+          <a:p>
+            <a:r>
+              <a:rPr lang="en-US" sz="1600" b="1" u="sng" dirty="0"/>
+              <a:t>Cue frame</a:t>
+            </a:r>
+          </a:p>
+        </p:txBody>
+      </p:sp>
+      <p:sp>
+        <p:nvSpPr>
+          <p:cNvPr id="18" name="TextBox 17"/>
+          <p:cNvSpPr txBox="1"/>
+          <p:nvPr/>
+        </p:nvSpPr>
+        <p:spPr>
+          <a:xfrm>
+            <a:off x="2303677" y="4127212"/>
+            <a:ext cx="1337351" cy="338554"/>
+          </a:xfrm>
+          <a:prstGeom prst="rect">
+            <a:avLst/>
+          </a:prstGeom>
+          <a:noFill/>
+        </p:spPr>
+        <p:txBody>
+          <a:bodyPr wrap="square" rtlCol="0">
+            <a:spAutoFit/>
+          </a:bodyPr>
+          <a:lstStyle/>
+          <a:p>
+            <a:pPr algn="ctr"/>
+            <a:r>
+              <a:rPr lang="en-US" sz="1600" b="1" u="sng" dirty="0"/>
+              <a:t>Probe frame</a:t>
+            </a:r>
+          </a:p>
+        </p:txBody>
+      </p:sp>
+      <p:sp>
+        <p:nvSpPr>
+          <p:cNvPr id="19" name="TextBox 18"/>
+          <p:cNvSpPr txBox="1"/>
+          <p:nvPr/>
+        </p:nvSpPr>
+        <p:spPr>
+          <a:xfrm>
+            <a:off x="1929353" y="4878878"/>
+            <a:ext cx="410361" cy="338554"/>
+          </a:xfrm>
+          <a:prstGeom prst="rect">
+            <a:avLst/>
+          </a:prstGeom>
+          <a:noFill/>
+        </p:spPr>
+        <p:txBody>
+          <a:bodyPr wrap="square" rtlCol="0">
+            <a:spAutoFit/>
+          </a:bodyPr>
+          <a:lstStyle/>
+          <a:p>
+            <a:pPr algn="ctr"/>
+            <a:r>
+              <a:rPr lang="en-US" sz="1600" b="1" dirty="0"/>
+              <a:t>or</a:t>
+            </a:r>
+          </a:p>
+        </p:txBody>
+      </p:sp>
+      <p:sp>
+        <p:nvSpPr>
+          <p:cNvPr id="20" name="TextBox 19"/>
+          <p:cNvSpPr txBox="1"/>
+          <p:nvPr/>
+        </p:nvSpPr>
+        <p:spPr>
+          <a:xfrm>
+            <a:off x="3491870" y="4878878"/>
+            <a:ext cx="410361" cy="338554"/>
+          </a:xfrm>
+          <a:prstGeom prst="rect">
+            <a:avLst/>
+          </a:prstGeom>
+          <a:noFill/>
+        </p:spPr>
+        <p:txBody>
+          <a:bodyPr wrap="square" rtlCol="0">
+            <a:spAutoFit/>
+          </a:bodyPr>
+          <a:lstStyle/>
+          <a:p>
+            <a:pPr algn="ctr"/>
+            <a:r>
+              <a:rPr lang="en-US" sz="1600" b="1" dirty="0"/>
+              <a:t>or</a:t>
+            </a:r>
+          </a:p>
+        </p:txBody>
+      </p:sp>
+      <p:sp>
+        <p:nvSpPr>
+          <p:cNvPr id="27" name="TextBox 26"/>
+          <p:cNvSpPr txBox="1"/>
+          <p:nvPr/>
+        </p:nvSpPr>
+        <p:spPr>
+          <a:xfrm>
+            <a:off x="5623162" y="2113649"/>
+            <a:ext cx="6343049" cy="2185214"/>
+          </a:xfrm>
+          <a:prstGeom prst="rect">
+            <a:avLst/>
+          </a:prstGeom>
+          <a:noFill/>
+        </p:spPr>
+        <p:txBody>
+          <a:bodyPr wrap="square" rtlCol="0">
+            <a:spAutoFit/>
+          </a:bodyPr>
+          <a:lstStyle/>
+          <a:p>
+            <a:pPr marL="285750" indent="-285750">
+              <a:spcAft>
+                <a:spcPts val="1200"/>
+              </a:spcAft>
+              <a:buFontTx/>
+              <a:buChar char="-"/>
+            </a:pPr>
+            <a:r>
+              <a:rPr lang="en-US" dirty="0"/>
+              <a:t>But the target positions are not important, your task is to detect whether target bars in cue and probe frames are tilted in a same direction or not</a:t>
+            </a:r>
+          </a:p>
+          <a:p>
+            <a:pPr marL="285750" indent="-285750">
+              <a:buFontTx/>
+              <a:buChar char="-"/>
+            </a:pPr>
+            <a:r>
+              <a:rPr lang="en-US" dirty="0"/>
+              <a:t>If both are tilted in a same direction (both clockwise or counter-clockwise) press the left button, the right button for the different directions</a:t>
+            </a:r>
+          </a:p>
+          <a:p>
+            <a:endParaRPr lang="en-US" dirty="0"/>
+          </a:p>
+        </p:txBody>
+      </p:sp>
+      <p:sp>
+        <p:nvSpPr>
+          <p:cNvPr id="28" name="TextBox 27"/>
+          <p:cNvSpPr txBox="1"/>
+          <p:nvPr/>
+        </p:nvSpPr>
+        <p:spPr>
+          <a:xfrm>
+            <a:off x="528236" y="5723246"/>
+            <a:ext cx="1667296" cy="523220"/>
+          </a:xfrm>
+          <a:prstGeom prst="rect">
+            <a:avLst/>
+          </a:prstGeom>
+          <a:noFill/>
+        </p:spPr>
+        <p:txBody>
+          <a:bodyPr wrap="square" rtlCol="0">
+            <a:spAutoFit/>
+          </a:bodyPr>
+          <a:lstStyle/>
+          <a:p>
+            <a:pPr algn="ctr"/>
+            <a:r>
+              <a:rPr lang="en-US" sz="1400" dirty="0"/>
+              <a:t>Same position as cue-target</a:t>
+            </a:r>
+          </a:p>
+        </p:txBody>
+      </p:sp>
+      <p:sp>
+        <p:nvSpPr>
+          <p:cNvPr id="29" name="TextBox 28"/>
+          <p:cNvSpPr txBox="1"/>
+          <p:nvPr/>
+        </p:nvSpPr>
+        <p:spPr>
+          <a:xfrm>
+            <a:off x="2073533" y="5723246"/>
+            <a:ext cx="1667296" cy="523220"/>
+          </a:xfrm>
+          <a:prstGeom prst="rect">
+            <a:avLst/>
+          </a:prstGeom>
+          <a:noFill/>
+        </p:spPr>
+        <p:txBody>
+          <a:bodyPr wrap="square" rtlCol="0">
+            <a:spAutoFit/>
+          </a:bodyPr>
+          <a:lstStyle/>
+          <a:p>
+            <a:pPr algn="ctr"/>
+            <a:r>
+              <a:rPr lang="en-US" sz="1400" dirty="0"/>
+              <a:t>Same position as cue-distractor</a:t>
+            </a:r>
+          </a:p>
+        </p:txBody>
+      </p:sp>
+      <p:sp>
+        <p:nvSpPr>
+          <p:cNvPr id="30" name="TextBox 29"/>
+          <p:cNvSpPr txBox="1"/>
+          <p:nvPr/>
+        </p:nvSpPr>
+        <p:spPr>
+          <a:xfrm>
+            <a:off x="3618832" y="5830967"/>
+            <a:ext cx="1667296" cy="307777"/>
+          </a:xfrm>
+          <a:prstGeom prst="rect">
+            <a:avLst/>
+          </a:prstGeom>
+          <a:noFill/>
+        </p:spPr>
+        <p:txBody>
+          <a:bodyPr wrap="square" rtlCol="0">
+            <a:spAutoFit/>
+          </a:bodyPr>
+          <a:lstStyle/>
+          <a:p>
+            <a:pPr algn="ctr"/>
+            <a:r>
+              <a:rPr lang="en-US" sz="1400" dirty="0"/>
+              <a:t>The third position</a:t>
+            </a:r>
+          </a:p>
+        </p:txBody>
+      </p:sp>
+      <p:sp>
+        <p:nvSpPr>
+          <p:cNvPr id="31" name="TextBox 30"/>
+          <p:cNvSpPr txBox="1"/>
+          <p:nvPr/>
+        </p:nvSpPr>
+        <p:spPr>
+          <a:xfrm>
+            <a:off x="537861" y="4673601"/>
+            <a:ext cx="859915" cy="307777"/>
+          </a:xfrm>
+          <a:prstGeom prst="rect">
+            <a:avLst/>
+          </a:prstGeom>
+          <a:noFill/>
+        </p:spPr>
+        <p:txBody>
+          <a:bodyPr wrap="none" rtlCol="0">
+            <a:spAutoFit/>
+          </a:bodyPr>
+          <a:lstStyle/>
+          <a:p>
+            <a:r>
+              <a:rPr lang="en-US" sz="1400" b="1" dirty="0">
+                <a:solidFill>
+                  <a:srgbClr val="FF0000"/>
+                </a:solidFill>
+              </a:rPr>
+              <a:t>Target </a:t>
+            </a:r>
+            <a:r>
+              <a:rPr lang="en-US" sz="1400" b="1" dirty="0">
+                <a:solidFill>
+                  <a:srgbClr val="FF0000"/>
+                </a:solidFill>
+                <a:sym typeface="Wingdings" panose="05000000000000000000" pitchFamily="2" charset="2"/>
+              </a:rPr>
+              <a:t></a:t>
+            </a:r>
+            <a:endParaRPr lang="en-US" sz="1400" b="1" dirty="0">
+              <a:solidFill>
+                <a:srgbClr val="FF0000"/>
+              </a:solidFill>
+            </a:endParaRPr>
+          </a:p>
+        </p:txBody>
+      </p:sp>
+      <p:sp>
+        <p:nvSpPr>
+          <p:cNvPr id="32" name="TextBox 31"/>
+          <p:cNvSpPr txBox="1"/>
+          <p:nvPr/>
+        </p:nvSpPr>
+        <p:spPr>
+          <a:xfrm>
+            <a:off x="2342119" y="5028298"/>
+            <a:ext cx="859915" cy="307777"/>
+          </a:xfrm>
+          <a:prstGeom prst="rect">
+            <a:avLst/>
+          </a:prstGeom>
+          <a:noFill/>
+        </p:spPr>
+        <p:txBody>
+          <a:bodyPr wrap="none" rtlCol="0">
+            <a:spAutoFit/>
+          </a:bodyPr>
+          <a:lstStyle/>
+          <a:p>
+            <a:r>
+              <a:rPr lang="en-US" sz="1400" b="1" dirty="0">
+                <a:solidFill>
+                  <a:srgbClr val="FF0000"/>
+                </a:solidFill>
+              </a:rPr>
+              <a:t>Target </a:t>
+            </a:r>
+            <a:r>
+              <a:rPr lang="en-US" sz="1400" b="1" dirty="0">
+                <a:solidFill>
+                  <a:srgbClr val="FF0000"/>
+                </a:solidFill>
+                <a:sym typeface="Wingdings" panose="05000000000000000000" pitchFamily="2" charset="2"/>
+              </a:rPr>
+              <a:t></a:t>
+            </a:r>
+            <a:endParaRPr lang="en-US" sz="1400" b="1" dirty="0">
+              <a:solidFill>
+                <a:srgbClr val="FF0000"/>
+              </a:solidFill>
+            </a:endParaRPr>
+          </a:p>
+        </p:txBody>
+      </p:sp>
+      <p:sp>
+        <p:nvSpPr>
+          <p:cNvPr id="33" name="TextBox 32"/>
+          <p:cNvSpPr txBox="1"/>
+          <p:nvPr/>
+        </p:nvSpPr>
+        <p:spPr>
+          <a:xfrm>
+            <a:off x="4194472" y="5028298"/>
+            <a:ext cx="859915" cy="307777"/>
+          </a:xfrm>
+          <a:prstGeom prst="rect">
+            <a:avLst/>
+          </a:prstGeom>
+          <a:noFill/>
+        </p:spPr>
+        <p:txBody>
+          <a:bodyPr wrap="none" rtlCol="0">
+            <a:spAutoFit/>
+          </a:bodyPr>
+          <a:lstStyle/>
+          <a:p>
+            <a:r>
+              <a:rPr lang="en-US" sz="1400" b="1" dirty="0">
+                <a:solidFill>
+                  <a:srgbClr val="FF0000"/>
+                </a:solidFill>
+                <a:sym typeface="Wingdings" panose="05000000000000000000" pitchFamily="2" charset="2"/>
+              </a:rPr>
+              <a:t> </a:t>
+            </a:r>
+            <a:r>
+              <a:rPr lang="en-US" sz="1400" b="1" dirty="0">
+                <a:solidFill>
+                  <a:srgbClr val="FF0000"/>
+                </a:solidFill>
+              </a:rPr>
+              <a:t>Target</a:t>
+            </a:r>
+          </a:p>
+        </p:txBody>
+      </p:sp>
+      <p:grpSp>
+        <p:nvGrpSpPr>
+          <p:cNvPr id="43" name="그룹 42"/>
+          <p:cNvGrpSpPr/>
+          <p:nvPr/>
+        </p:nvGrpSpPr>
+        <p:grpSpPr>
+          <a:xfrm>
+            <a:off x="5956243" y="4516236"/>
+            <a:ext cx="2667476" cy="1207010"/>
+            <a:chOff x="6200408" y="4444741"/>
+            <a:chExt cx="2667476" cy="1207010"/>
+          </a:xfrm>
+        </p:grpSpPr>
+        <p:pic>
+          <p:nvPicPr>
+            <p:cNvPr id="34" name="그림 33"/>
+            <p:cNvPicPr>
+              <a:picLocks noChangeAspect="1"/>
+            </p:cNvPicPr>
+            <p:nvPr/>
+          </p:nvPicPr>
+          <p:blipFill>
+            <a:blip r:embed="rId4" cstate="print">
+              <a:extLst>
+                <a:ext uri="{28A0092B-C50C-407E-A947-70E740481C1C}">
+                  <a14:useLocalDpi xmlns:a14="http://schemas.microsoft.com/office/drawing/2010/main" val="0"/>
+                </a:ext>
+              </a:extLst>
+            </a:blip>
+            <a:stretch>
+              <a:fillRect/>
+            </a:stretch>
+          </p:blipFill>
+          <p:spPr>
+            <a:xfrm>
+              <a:off x="6200408" y="4444741"/>
+              <a:ext cx="1207010" cy="1207010"/>
+            </a:xfrm>
+            <a:prstGeom prst="rect">
+              <a:avLst/>
+            </a:prstGeom>
+          </p:spPr>
+        </p:pic>
+        <p:pic>
+          <p:nvPicPr>
+            <p:cNvPr id="35" name="그림 34"/>
+            <p:cNvPicPr>
+              <a:picLocks noChangeAspect="1"/>
+            </p:cNvPicPr>
+            <p:nvPr/>
+          </p:nvPicPr>
+          <p:blipFill>
+            <a:blip r:embed="rId2" cstate="print">
+              <a:extLst>
+                <a:ext uri="{28A0092B-C50C-407E-A947-70E740481C1C}">
+                  <a14:useLocalDpi xmlns:a14="http://schemas.microsoft.com/office/drawing/2010/main" val="0"/>
+                </a:ext>
+              </a:extLst>
+            </a:blip>
+            <a:stretch>
+              <a:fillRect/>
+            </a:stretch>
+          </p:blipFill>
+          <p:spPr>
+            <a:xfrm>
+              <a:off x="7660874" y="4444741"/>
+              <a:ext cx="1207010" cy="1207010"/>
+            </a:xfrm>
+            <a:prstGeom prst="rect">
+              <a:avLst/>
+            </a:prstGeom>
+          </p:spPr>
+        </p:pic>
+        <p:sp>
+          <p:nvSpPr>
+            <p:cNvPr id="36" name="오른쪽 화살표 35"/>
+            <p:cNvSpPr/>
+            <p:nvPr/>
+          </p:nvSpPr>
+          <p:spPr>
+            <a:xfrm>
+              <a:off x="7442798" y="4947842"/>
+              <a:ext cx="182696" cy="200808"/>
+            </a:xfrm>
+            <a:prstGeom prst="rightArrow">
+              <a:avLst/>
+            </a:prstGeom>
+            <a:solidFill>
+              <a:schemeClr val="tx2">
+                <a:lumMod val="20000"/>
+                <a:lumOff val="80000"/>
+              </a:schemeClr>
+            </a:solidFill>
+            <a:ln>
+              <a:solidFill>
+                <a:schemeClr val="bg2">
+                  <a:lumMod val="10000"/>
+                </a:schemeClr>
+              </a:solidFill>
+            </a:ln>
+          </p:spPr>
+          <p:style>
+            <a:lnRef idx="2">
+              <a:schemeClr val="accent1">
+                <a:shade val="50000"/>
+              </a:schemeClr>
+            </a:lnRef>
+            <a:fillRef idx="1">
+              <a:schemeClr val="accent1"/>
+            </a:fillRef>
+            <a:effectRef idx="0">
+              <a:schemeClr val="accent1"/>
+            </a:effectRef>
+            <a:fontRef idx="minor">
+              <a:schemeClr val="lt1"/>
+            </a:fontRef>
+          </p:style>
+          <p:txBody>
+            <a:bodyPr rtlCol="0" anchor="ctr"/>
+            <a:lstStyle/>
+            <a:p>
+              <a:pPr algn="ctr"/>
+              <a:endParaRPr lang="en-US"/>
+            </a:p>
+          </p:txBody>
+        </p:sp>
+      </p:grpSp>
+      <p:sp>
+        <p:nvSpPr>
+          <p:cNvPr id="37" name="TextBox 36"/>
+          <p:cNvSpPr txBox="1"/>
+          <p:nvPr/>
+        </p:nvSpPr>
+        <p:spPr>
+          <a:xfrm>
+            <a:off x="6303392" y="5865904"/>
+            <a:ext cx="1973179" cy="646331"/>
+          </a:xfrm>
+          <a:prstGeom prst="rect">
+            <a:avLst/>
+          </a:prstGeom>
+          <a:noFill/>
+        </p:spPr>
+        <p:txBody>
+          <a:bodyPr wrap="square" rtlCol="0">
+            <a:spAutoFit/>
+          </a:bodyPr>
+          <a:lstStyle/>
+          <a:p>
+            <a:r>
+              <a:rPr lang="en-US" dirty="0"/>
+              <a:t>Same direction: left button (arrow)</a:t>
+            </a:r>
+          </a:p>
+        </p:txBody>
+      </p:sp>
+      <p:grpSp>
+        <p:nvGrpSpPr>
+          <p:cNvPr id="42" name="그룹 41"/>
+          <p:cNvGrpSpPr/>
+          <p:nvPr/>
+        </p:nvGrpSpPr>
+        <p:grpSpPr>
+          <a:xfrm>
+            <a:off x="9150417" y="4516236"/>
+            <a:ext cx="2648226" cy="1207010"/>
+            <a:chOff x="9394582" y="4444741"/>
+            <a:chExt cx="2648226" cy="1207010"/>
+          </a:xfrm>
+        </p:grpSpPr>
+        <p:pic>
+          <p:nvPicPr>
+            <p:cNvPr id="38" name="그림 37"/>
+            <p:cNvPicPr>
+              <a:picLocks noChangeAspect="1"/>
+            </p:cNvPicPr>
+            <p:nvPr/>
+          </p:nvPicPr>
+          <p:blipFill>
+            <a:blip r:embed="rId4" cstate="print">
+              <a:extLst>
+                <a:ext uri="{28A0092B-C50C-407E-A947-70E740481C1C}">
+                  <a14:useLocalDpi xmlns:a14="http://schemas.microsoft.com/office/drawing/2010/main" val="0"/>
+                </a:ext>
+              </a:extLst>
+            </a:blip>
+            <a:stretch>
+              <a:fillRect/>
+            </a:stretch>
+          </p:blipFill>
+          <p:spPr>
+            <a:xfrm>
+              <a:off x="9394582" y="4444741"/>
+              <a:ext cx="1207010" cy="1207010"/>
+            </a:xfrm>
+            <a:prstGeom prst="rect">
+              <a:avLst/>
+            </a:prstGeom>
+          </p:spPr>
+        </p:pic>
+        <p:pic>
+          <p:nvPicPr>
+            <p:cNvPr id="39" name="그림 38"/>
+            <p:cNvPicPr>
+              <a:picLocks noChangeAspect="1"/>
+            </p:cNvPicPr>
+            <p:nvPr/>
+          </p:nvPicPr>
+          <p:blipFill>
+            <a:blip r:embed="rId2" cstate="print">
+              <a:extLst>
+                <a:ext uri="{28A0092B-C50C-407E-A947-70E740481C1C}">
+                  <a14:useLocalDpi xmlns:a14="http://schemas.microsoft.com/office/drawing/2010/main" val="0"/>
+                </a:ext>
+              </a:extLst>
+            </a:blip>
+            <a:stretch>
+              <a:fillRect/>
+            </a:stretch>
+          </p:blipFill>
+          <p:spPr>
+            <a:xfrm flipH="1">
+              <a:off x="10835798" y="4444741"/>
+              <a:ext cx="1207010" cy="1207010"/>
+            </a:xfrm>
+            <a:prstGeom prst="rect">
+              <a:avLst/>
+            </a:prstGeom>
+          </p:spPr>
+        </p:pic>
+        <p:sp>
+          <p:nvSpPr>
+            <p:cNvPr id="40" name="오른쪽 화살표 39"/>
+            <p:cNvSpPr/>
+            <p:nvPr/>
+          </p:nvSpPr>
+          <p:spPr>
+            <a:xfrm>
+              <a:off x="10627347" y="4947842"/>
+              <a:ext cx="182696" cy="200808"/>
+            </a:xfrm>
+            <a:prstGeom prst="rightArrow">
+              <a:avLst/>
+            </a:prstGeom>
+            <a:solidFill>
+              <a:schemeClr val="tx2">
+                <a:lumMod val="20000"/>
+                <a:lumOff val="80000"/>
+              </a:schemeClr>
+            </a:solidFill>
+            <a:ln>
+              <a:solidFill>
+                <a:schemeClr val="bg2">
+                  <a:lumMod val="10000"/>
+                </a:schemeClr>
+              </a:solidFill>
+            </a:ln>
+          </p:spPr>
+          <p:style>
+            <a:lnRef idx="2">
+              <a:schemeClr val="accent1">
+                <a:shade val="50000"/>
+              </a:schemeClr>
+            </a:lnRef>
+            <a:fillRef idx="1">
+              <a:schemeClr val="accent1"/>
+            </a:fillRef>
+            <a:effectRef idx="0">
+              <a:schemeClr val="accent1"/>
+            </a:effectRef>
+            <a:fontRef idx="minor">
+              <a:schemeClr val="lt1"/>
+            </a:fontRef>
+          </p:style>
+          <p:txBody>
+            <a:bodyPr rtlCol="0" anchor="ctr"/>
+            <a:lstStyle/>
+            <a:p>
+              <a:pPr algn="ctr"/>
+              <a:endParaRPr lang="en-US"/>
+            </a:p>
+          </p:txBody>
+        </p:sp>
+      </p:grpSp>
+      <p:sp>
+        <p:nvSpPr>
+          <p:cNvPr id="41" name="TextBox 40"/>
+          <p:cNvSpPr txBox="1"/>
+          <p:nvPr/>
+        </p:nvSpPr>
+        <p:spPr>
+          <a:xfrm>
+            <a:off x="9435482" y="5865904"/>
+            <a:ext cx="2078097" cy="646331"/>
+          </a:xfrm>
+          <a:prstGeom prst="rect">
+            <a:avLst/>
+          </a:prstGeom>
+          <a:noFill/>
+        </p:spPr>
+        <p:txBody>
+          <a:bodyPr wrap="square" rtlCol="0">
+            <a:spAutoFit/>
+          </a:bodyPr>
+          <a:lstStyle/>
+          <a:p>
+            <a:r>
+              <a:rPr lang="en-US" dirty="0"/>
+              <a:t>Different direction: right button (arrow)</a:t>
+            </a:r>
+          </a:p>
+        </p:txBody>
+      </p:sp>
+      <p:sp>
+        <p:nvSpPr>
+          <p:cNvPr id="44" name="TextBox 43"/>
+          <p:cNvSpPr txBox="1"/>
+          <p:nvPr/>
+        </p:nvSpPr>
+        <p:spPr>
+          <a:xfrm>
+            <a:off x="6011268" y="4208227"/>
+            <a:ext cx="1096959" cy="338554"/>
+          </a:xfrm>
+          <a:prstGeom prst="rect">
+            <a:avLst/>
+          </a:prstGeom>
+          <a:noFill/>
+        </p:spPr>
+        <p:txBody>
+          <a:bodyPr wrap="square" rtlCol="0">
+            <a:spAutoFit/>
+          </a:bodyPr>
+          <a:lstStyle/>
+          <a:p>
+            <a:r>
+              <a:rPr lang="en-US" sz="1600" b="1" u="sng" dirty="0"/>
+              <a:t>Cue frame</a:t>
+            </a:r>
+          </a:p>
+        </p:txBody>
+      </p:sp>
+      <p:sp>
+        <p:nvSpPr>
+          <p:cNvPr id="45" name="TextBox 44"/>
+          <p:cNvSpPr txBox="1"/>
+          <p:nvPr/>
+        </p:nvSpPr>
+        <p:spPr>
+          <a:xfrm>
+            <a:off x="7350017" y="4204301"/>
+            <a:ext cx="1337351" cy="338554"/>
+          </a:xfrm>
+          <a:prstGeom prst="rect">
+            <a:avLst/>
+          </a:prstGeom>
+          <a:noFill/>
+        </p:spPr>
+        <p:txBody>
+          <a:bodyPr wrap="square" rtlCol="0">
+            <a:spAutoFit/>
+          </a:bodyPr>
+          <a:lstStyle/>
+          <a:p>
+            <a:pPr algn="ctr"/>
+            <a:r>
+              <a:rPr lang="en-US" sz="1600" b="1" u="sng" dirty="0"/>
+              <a:t>Probe frame</a:t>
+            </a:r>
+          </a:p>
+        </p:txBody>
+      </p:sp>
+      <p:sp>
+        <p:nvSpPr>
+          <p:cNvPr id="46" name="TextBox 45"/>
+          <p:cNvSpPr txBox="1"/>
+          <p:nvPr/>
+        </p:nvSpPr>
+        <p:spPr>
+          <a:xfrm>
+            <a:off x="9224237" y="4208227"/>
+            <a:ext cx="1096959" cy="338554"/>
+          </a:xfrm>
+          <a:prstGeom prst="rect">
+            <a:avLst/>
+          </a:prstGeom>
+          <a:noFill/>
+        </p:spPr>
+        <p:txBody>
+          <a:bodyPr wrap="square" rtlCol="0">
+            <a:spAutoFit/>
+          </a:bodyPr>
+          <a:lstStyle/>
+          <a:p>
+            <a:r>
+              <a:rPr lang="en-US" sz="1600" b="1" u="sng" dirty="0"/>
+              <a:t>Cue frame</a:t>
+            </a:r>
+          </a:p>
+        </p:txBody>
+      </p:sp>
+      <p:sp>
+        <p:nvSpPr>
+          <p:cNvPr id="47" name="TextBox 46"/>
+          <p:cNvSpPr txBox="1"/>
+          <p:nvPr/>
+        </p:nvSpPr>
+        <p:spPr>
+          <a:xfrm>
+            <a:off x="10562839" y="4204301"/>
+            <a:ext cx="1337351" cy="338554"/>
+          </a:xfrm>
+          <a:prstGeom prst="rect">
+            <a:avLst/>
+          </a:prstGeom>
+          <a:noFill/>
+        </p:spPr>
+        <p:txBody>
+          <a:bodyPr wrap="square" rtlCol="0">
+            <a:spAutoFit/>
+          </a:bodyPr>
+          <a:lstStyle/>
+          <a:p>
+            <a:pPr algn="ctr"/>
+            <a:r>
+              <a:rPr lang="en-US" sz="1600" b="1" u="sng" dirty="0"/>
+              <a:t>Probe frame</a:t>
+            </a:r>
+          </a:p>
+        </p:txBody>
+      </p:sp>
+    </p:spTree>
+    <p:extLst>
+      <p:ext uri="{BB962C8B-B14F-4D97-AF65-F5344CB8AC3E}">
+        <p14:creationId xmlns:p14="http://schemas.microsoft.com/office/powerpoint/2010/main" val="3986454209"/>
+      </p:ext>
+    </p:extLst>
+  </p:cSld>
+  <p:clrMapOvr>
+    <a:masterClrMapping/>
+  </p:clrMapOvr>
+</p:sld>
+</file>
+
+<file path=ppt/slides/slide4.xml><?xml version="1.0" encoding="utf-8"?>
+<p:sld xmlns:a="http://schemas.openxmlformats.org/drawingml/2006/main" xmlns:r="http://schemas.openxmlformats.org/officeDocument/2006/relationships" xmlns:p="http://schemas.openxmlformats.org/presentationml/2006/main">
+  <p:cSld>
+    <p:bg>
+      <p:bgPr>
+        <a:solidFill>
+          <a:srgbClr val="7F7F7F"/>
+        </a:solidFill>
+        <a:effectLst/>
+      </p:bgPr>
+    </p:bg>
+    <p:spTree>
+      <p:nvGrpSpPr>
+        <p:cNvPr id="1" name=""/>
+        <p:cNvGrpSpPr/>
+        <p:nvPr/>
+      </p:nvGrpSpPr>
+      <p:grpSpPr>
+        <a:xfrm>
+          <a:off x="0" y="0"/>
+          <a:ext cx="0" cy="0"/>
+          <a:chOff x="0" y="0"/>
+          <a:chExt cx="0" cy="0"/>
+        </a:xfrm>
+      </p:grpSpPr>
+      <p:sp>
+        <p:nvSpPr>
+          <p:cNvPr id="2" name="TextBox 1">
+            <a:extLst>
+              <a:ext uri="{FF2B5EF4-FFF2-40B4-BE49-F238E27FC236}">
+                <a16:creationId xmlns:a16="http://schemas.microsoft.com/office/drawing/2014/main" id="{111A9637-10FB-4F35-81B8-74F40C5B099B}"/>
+              </a:ext>
+            </a:extLst>
+          </p:cNvPr>
+          <p:cNvSpPr txBox="1"/>
+          <p:nvPr/>
+        </p:nvSpPr>
+        <p:spPr>
+          <a:xfrm>
+            <a:off x="458679" y="435005"/>
+            <a:ext cx="11274642" cy="923330"/>
+          </a:xfrm>
+          <a:prstGeom prst="rect">
+            <a:avLst/>
+          </a:prstGeom>
+          <a:noFill/>
+        </p:spPr>
+        <p:txBody>
+          <a:bodyPr wrap="square" rtlCol="0">
+            <a:spAutoFit/>
+          </a:bodyPr>
+          <a:lstStyle/>
+          <a:p>
+            <a:r>
+              <a:rPr lang="en-US" b="1" dirty="0"/>
+              <a:t>Example </a:t>
+            </a:r>
+          </a:p>
+          <a:p>
+            <a:endParaRPr lang="en-US" dirty="0"/>
+          </a:p>
+          <a:p>
+            <a:pPr algn="ctr"/>
+            <a:r>
+              <a:rPr lang="en-US" dirty="0"/>
+              <a:t>Task: Report the Same (left) / Opposite (right) tilt of the target bar (15</a:t>
+            </a:r>
+            <a:r>
+              <a:rPr lang="en-US" baseline="30000" dirty="0"/>
+              <a:t>◦</a:t>
+            </a:r>
+            <a:r>
+              <a:rPr lang="en-US" dirty="0"/>
+              <a:t>) in the middle disk</a:t>
+            </a:r>
+          </a:p>
+        </p:txBody>
+      </p:sp>
+      <p:sp>
+        <p:nvSpPr>
+          <p:cNvPr id="5" name="TextBox 4">
+            <a:extLst>
+              <a:ext uri="{FF2B5EF4-FFF2-40B4-BE49-F238E27FC236}">
+                <a16:creationId xmlns:a16="http://schemas.microsoft.com/office/drawing/2014/main" id="{D1F37F21-08E8-4D39-91A4-4F2B68DDE08F}"/>
+              </a:ext>
+            </a:extLst>
+          </p:cNvPr>
+          <p:cNvSpPr txBox="1"/>
+          <p:nvPr/>
+        </p:nvSpPr>
+        <p:spPr>
+          <a:xfrm>
+            <a:off x="2028708" y="527338"/>
+            <a:ext cx="8527191" cy="369332"/>
+          </a:xfrm>
+          <a:prstGeom prst="rect">
+            <a:avLst/>
+          </a:prstGeom>
+          <a:noFill/>
+        </p:spPr>
+        <p:txBody>
+          <a:bodyPr wrap="square" rtlCol="0">
+            <a:spAutoFit/>
+          </a:bodyPr>
+          <a:lstStyle/>
+          <a:p>
+            <a:pPr algn="ctr">
+              <a:spcAft>
+                <a:spcPts val="1200"/>
+              </a:spcAft>
+            </a:pPr>
+            <a:r>
+              <a:rPr lang="en-US" dirty="0"/>
+              <a:t>Please fixate your eyes on </a:t>
+            </a:r>
+            <a:r>
+              <a:rPr lang="en-US" b="1" dirty="0">
+                <a:solidFill>
+                  <a:srgbClr val="FF0000"/>
+                </a:solidFill>
+              </a:rPr>
+              <a:t>the red fixation dot</a:t>
+            </a:r>
+            <a:r>
+              <a:rPr lang="en-US" dirty="0"/>
+              <a:t> all the time</a:t>
+            </a:r>
+          </a:p>
+        </p:txBody>
+      </p:sp>
+      <p:pic>
+        <p:nvPicPr>
+          <p:cNvPr id="6" name="Picture 5">
+            <a:extLst>
+              <a:ext uri="{FF2B5EF4-FFF2-40B4-BE49-F238E27FC236}">
+                <a16:creationId xmlns:a16="http://schemas.microsoft.com/office/drawing/2014/main" id="{AF644A4F-27A3-459D-983D-62315885E8ED}"/>
+              </a:ext>
+            </a:extLst>
+          </p:cNvPr>
+          <p:cNvPicPr>
+            <a:picLocks noChangeAspect="1"/>
+          </p:cNvPicPr>
+          <p:nvPr/>
+        </p:nvPicPr>
+        <p:blipFill>
+          <a:blip r:embed="rId2">
+            <a:extLst>
+              <a:ext uri="{28A0092B-C50C-407E-A947-70E740481C1C}">
+                <a14:useLocalDpi xmlns:a14="http://schemas.microsoft.com/office/drawing/2010/main" val="0"/>
+              </a:ext>
+            </a:extLst>
+          </a:blip>
+          <a:stretch>
+            <a:fillRect/>
+          </a:stretch>
+        </p:blipFill>
+        <p:spPr>
+          <a:xfrm>
+            <a:off x="2286000" y="2476500"/>
+            <a:ext cx="7620000" cy="1905000"/>
+          </a:xfrm>
+          <a:prstGeom prst="rect">
+            <a:avLst/>
+          </a:prstGeom>
+        </p:spPr>
+      </p:pic>
+    </p:spTree>
+    <p:extLst>
+      <p:ext uri="{BB962C8B-B14F-4D97-AF65-F5344CB8AC3E}">
+        <p14:creationId xmlns:p14="http://schemas.microsoft.com/office/powerpoint/2010/main" val="1151703127"/>
+      </p:ext>
+    </p:extLst>
+  </p:cSld>
+  <p:clrMapOvr>
+    <a:masterClrMapping/>
+  </p:clrMapOvr>
+</p:sld>
+</file>
+
+<file path=ppt/slides/slide5.xml><?xml version="1.0" encoding="utf-8"?>
+<p:sld xmlns:a="http://schemas.openxmlformats.org/drawingml/2006/main" xmlns:r="http://schemas.openxmlformats.org/officeDocument/2006/relationships" xmlns:p="http://schemas.openxmlformats.org/presentationml/2006/main">
+  <p:cSld>
+    <p:spTree>
+      <p:nvGrpSpPr>
+        <p:cNvPr id="1" name=""/>
+        <p:cNvGrpSpPr/>
+        <p:nvPr/>
+      </p:nvGrpSpPr>
+      <p:grpSpPr>
+        <a:xfrm>
+          <a:off x="0" y="0"/>
+          <a:ext cx="0" cy="0"/>
+          <a:chOff x="0" y="0"/>
+          <a:chExt cx="0" cy="0"/>
+        </a:xfrm>
+      </p:grpSpPr>
+      <p:sp>
+        <p:nvSpPr>
           <p:cNvPr id="5" name="TextBox 4">
             <a:extLst>
               <a:ext uri="{FF2B5EF4-FFF2-40B4-BE49-F238E27FC236}">
@@ -9334,7 +9663,7 @@
 </p:sld>
 </file>
 
-<file path=ppt/slides/slide9.xml><?xml version="1.0" encoding="utf-8"?>
+<file path=ppt/slides/slide6.xml><?xml version="1.0" encoding="utf-8"?>
 <p:sld xmlns:a="http://schemas.openxmlformats.org/drawingml/2006/main" xmlns:r="http://schemas.openxmlformats.org/officeDocument/2006/relationships" xmlns:p="http://schemas.openxmlformats.org/presentationml/2006/main">
   <p:cSld>
     <p:spTree>
@@ -10835,6 +11164,1828 @@
     <p:extLst>
       <p:ext uri="{BB962C8B-B14F-4D97-AF65-F5344CB8AC3E}">
         <p14:creationId xmlns:p14="http://schemas.microsoft.com/office/powerpoint/2010/main" val="4203095224"/>
+      </p:ext>
+    </p:extLst>
+  </p:cSld>
+  <p:clrMapOvr>
+    <a:masterClrMapping/>
+  </p:clrMapOvr>
+</p:sld>
+</file>
+
+<file path=ppt/slides/slide7.xml><?xml version="1.0" encoding="utf-8"?>
+<p:sld xmlns:a="http://schemas.openxmlformats.org/drawingml/2006/main" xmlns:r="http://schemas.openxmlformats.org/officeDocument/2006/relationships" xmlns:p="http://schemas.openxmlformats.org/presentationml/2006/main">
+  <p:cSld>
+    <p:bg>
+      <p:bgPr>
+        <a:solidFill>
+          <a:srgbClr val="7F7F7F"/>
+        </a:solidFill>
+        <a:effectLst/>
+      </p:bgPr>
+    </p:bg>
+    <p:spTree>
+      <p:nvGrpSpPr>
+        <p:cNvPr id="1" name=""/>
+        <p:cNvGrpSpPr/>
+        <p:nvPr/>
+      </p:nvGrpSpPr>
+      <p:grpSpPr>
+        <a:xfrm>
+          <a:off x="0" y="0"/>
+          <a:ext cx="0" cy="0"/>
+          <a:chOff x="0" y="0"/>
+          <a:chExt cx="0" cy="0"/>
+        </a:xfrm>
+      </p:grpSpPr>
+      <p:sp>
+        <p:nvSpPr>
+          <p:cNvPr id="2" name="TextBox 1">
+            <a:extLst>
+              <a:ext uri="{FF2B5EF4-FFF2-40B4-BE49-F238E27FC236}">
+                <a16:creationId xmlns:a16="http://schemas.microsoft.com/office/drawing/2014/main" id="{111A9637-10FB-4F35-81B8-74F40C5B099B}"/>
+              </a:ext>
+            </a:extLst>
+          </p:cNvPr>
+          <p:cNvSpPr txBox="1"/>
+          <p:nvPr/>
+        </p:nvSpPr>
+        <p:spPr>
+          <a:xfrm>
+            <a:off x="458679" y="435005"/>
+            <a:ext cx="11274642" cy="923330"/>
+          </a:xfrm>
+          <a:prstGeom prst="rect">
+            <a:avLst/>
+          </a:prstGeom>
+          <a:noFill/>
+        </p:spPr>
+        <p:txBody>
+          <a:bodyPr wrap="square" rtlCol="0">
+            <a:spAutoFit/>
+          </a:bodyPr>
+          <a:lstStyle/>
+          <a:p>
+            <a:r>
+              <a:rPr lang="en-US" b="1" dirty="0"/>
+              <a:t>Example </a:t>
+            </a:r>
+          </a:p>
+          <a:p>
+            <a:endParaRPr lang="en-US" dirty="0"/>
+          </a:p>
+          <a:p>
+            <a:pPr algn="ctr"/>
+            <a:r>
+              <a:rPr lang="en-US" dirty="0"/>
+              <a:t>Task: Report the Same (left) / Opposite (right) tilt of the target bar (15</a:t>
+            </a:r>
+            <a:r>
+              <a:rPr lang="en-US" baseline="30000" dirty="0"/>
+              <a:t>◦</a:t>
+            </a:r>
+            <a:r>
+              <a:rPr lang="en-US" dirty="0"/>
+              <a:t>) in the middle disk</a:t>
+            </a:r>
+          </a:p>
+        </p:txBody>
+      </p:sp>
+      <p:pic>
+        <p:nvPicPr>
+          <p:cNvPr id="4" name="Picture 3">
+            <a:extLst>
+              <a:ext uri="{FF2B5EF4-FFF2-40B4-BE49-F238E27FC236}">
+                <a16:creationId xmlns:a16="http://schemas.microsoft.com/office/drawing/2014/main" id="{B088ADA7-E87C-4B4A-8AFD-761F11988A37}"/>
+              </a:ext>
+            </a:extLst>
+          </p:cNvPr>
+          <p:cNvPicPr>
+            <a:picLocks noChangeAspect="1"/>
+          </p:cNvPicPr>
+          <p:nvPr/>
+        </p:nvPicPr>
+        <p:blipFill>
+          <a:blip r:embed="rId2">
+            <a:extLst>
+              <a:ext uri="{28A0092B-C50C-407E-A947-70E740481C1C}">
+                <a14:useLocalDpi xmlns:a14="http://schemas.microsoft.com/office/drawing/2010/main" val="0"/>
+              </a:ext>
+            </a:extLst>
+          </a:blip>
+          <a:stretch>
+            <a:fillRect/>
+          </a:stretch>
+        </p:blipFill>
+        <p:spPr>
+          <a:xfrm>
+            <a:off x="2286000" y="2476500"/>
+            <a:ext cx="7620000" cy="1905000"/>
+          </a:xfrm>
+          <a:prstGeom prst="rect">
+            <a:avLst/>
+          </a:prstGeom>
+        </p:spPr>
+      </p:pic>
+      <p:sp>
+        <p:nvSpPr>
+          <p:cNvPr id="5" name="TextBox 4">
+            <a:extLst>
+              <a:ext uri="{FF2B5EF4-FFF2-40B4-BE49-F238E27FC236}">
+                <a16:creationId xmlns:a16="http://schemas.microsoft.com/office/drawing/2014/main" id="{5C73C051-EB8C-4A7F-ADB9-BB1123F78DCA}"/>
+              </a:ext>
+            </a:extLst>
+          </p:cNvPr>
+          <p:cNvSpPr txBox="1"/>
+          <p:nvPr/>
+        </p:nvSpPr>
+        <p:spPr>
+          <a:xfrm>
+            <a:off x="2028708" y="527338"/>
+            <a:ext cx="8527191" cy="369332"/>
+          </a:xfrm>
+          <a:prstGeom prst="rect">
+            <a:avLst/>
+          </a:prstGeom>
+          <a:noFill/>
+        </p:spPr>
+        <p:txBody>
+          <a:bodyPr wrap="square" rtlCol="0">
+            <a:spAutoFit/>
+          </a:bodyPr>
+          <a:lstStyle/>
+          <a:p>
+            <a:pPr algn="ctr">
+              <a:spcAft>
+                <a:spcPts val="1200"/>
+              </a:spcAft>
+            </a:pPr>
+            <a:r>
+              <a:rPr lang="en-US" dirty="0"/>
+              <a:t>Please fixate your eyes on </a:t>
+            </a:r>
+            <a:r>
+              <a:rPr lang="en-US" b="1" dirty="0">
+                <a:solidFill>
+                  <a:srgbClr val="FF0000"/>
+                </a:solidFill>
+              </a:rPr>
+              <a:t>the red fixation dot</a:t>
+            </a:r>
+            <a:r>
+              <a:rPr lang="en-US" dirty="0"/>
+              <a:t> all the time</a:t>
+            </a:r>
+          </a:p>
+        </p:txBody>
+      </p:sp>
+    </p:spTree>
+    <p:extLst>
+      <p:ext uri="{BB962C8B-B14F-4D97-AF65-F5344CB8AC3E}">
+        <p14:creationId xmlns:p14="http://schemas.microsoft.com/office/powerpoint/2010/main" val="3985348252"/>
+      </p:ext>
+    </p:extLst>
+  </p:cSld>
+  <p:clrMapOvr>
+    <a:masterClrMapping/>
+  </p:clrMapOvr>
+</p:sld>
+</file>
+
+<file path=ppt/slides/slide8.xml><?xml version="1.0" encoding="utf-8"?>
+<p:sld xmlns:a="http://schemas.openxmlformats.org/drawingml/2006/main" xmlns:r="http://schemas.openxmlformats.org/officeDocument/2006/relationships" xmlns:p="http://schemas.openxmlformats.org/presentationml/2006/main">
+  <p:cSld>
+    <p:spTree>
+      <p:nvGrpSpPr>
+        <p:cNvPr id="1" name=""/>
+        <p:cNvGrpSpPr/>
+        <p:nvPr/>
+      </p:nvGrpSpPr>
+      <p:grpSpPr>
+        <a:xfrm>
+          <a:off x="0" y="0"/>
+          <a:ext cx="0" cy="0"/>
+          <a:chOff x="0" y="0"/>
+          <a:chExt cx="0" cy="0"/>
+        </a:xfrm>
+      </p:grpSpPr>
+      <p:sp>
+        <p:nvSpPr>
+          <p:cNvPr id="5" name="TextBox 4">
+            <a:extLst>
+              <a:ext uri="{FF2B5EF4-FFF2-40B4-BE49-F238E27FC236}">
+                <a16:creationId xmlns:a16="http://schemas.microsoft.com/office/drawing/2014/main" id="{E13F2944-4F71-4E67-BE19-231CBC51675F}"/>
+              </a:ext>
+            </a:extLst>
+          </p:cNvPr>
+          <p:cNvSpPr txBox="1"/>
+          <p:nvPr/>
+        </p:nvSpPr>
+        <p:spPr>
+          <a:xfrm>
+            <a:off x="4035287" y="1431234"/>
+            <a:ext cx="4121426" cy="461665"/>
+          </a:xfrm>
+          <a:prstGeom prst="rect">
+            <a:avLst/>
+          </a:prstGeom>
+          <a:noFill/>
+        </p:spPr>
+        <p:txBody>
+          <a:bodyPr wrap="square" rtlCol="0">
+            <a:spAutoFit/>
+          </a:bodyPr>
+          <a:lstStyle/>
+          <a:p>
+            <a:pPr algn="ctr"/>
+            <a:r>
+              <a:rPr lang="en-US" sz="2400" b="1" dirty="0"/>
+              <a:t>3 DISK RET CONDITION</a:t>
+            </a:r>
+          </a:p>
+        </p:txBody>
+      </p:sp>
+      <p:pic>
+        <p:nvPicPr>
+          <p:cNvPr id="4" name="Picture 3">
+            <a:extLst>
+              <a:ext uri="{FF2B5EF4-FFF2-40B4-BE49-F238E27FC236}">
+                <a16:creationId xmlns:a16="http://schemas.microsoft.com/office/drawing/2014/main" id="{731984E8-B77D-4CE7-B541-46B7A2D864DC}"/>
+              </a:ext>
+            </a:extLst>
+          </p:cNvPr>
+          <p:cNvPicPr>
+            <a:picLocks noChangeAspect="1"/>
+          </p:cNvPicPr>
+          <p:nvPr/>
+        </p:nvPicPr>
+        <p:blipFill>
+          <a:blip r:embed="rId2">
+            <a:extLst>
+              <a:ext uri="{28A0092B-C50C-407E-A947-70E740481C1C}">
+                <a14:useLocalDpi xmlns:a14="http://schemas.microsoft.com/office/drawing/2010/main" val="0"/>
+              </a:ext>
+            </a:extLst>
+          </a:blip>
+          <a:stretch>
+            <a:fillRect/>
+          </a:stretch>
+        </p:blipFill>
+        <p:spPr>
+          <a:xfrm>
+            <a:off x="4206643" y="2196228"/>
+            <a:ext cx="3780000" cy="2835000"/>
+          </a:xfrm>
+          <a:prstGeom prst="rect">
+            <a:avLst/>
+          </a:prstGeom>
+          <a:ln w="38100">
+            <a:solidFill>
+              <a:schemeClr val="tx1"/>
+            </a:solidFill>
+          </a:ln>
+        </p:spPr>
+      </p:pic>
+    </p:spTree>
+    <p:extLst>
+      <p:ext uri="{BB962C8B-B14F-4D97-AF65-F5344CB8AC3E}">
+        <p14:creationId xmlns:p14="http://schemas.microsoft.com/office/powerpoint/2010/main" val="3525966069"/>
+      </p:ext>
+    </p:extLst>
+  </p:cSld>
+  <p:clrMapOvr>
+    <a:masterClrMapping/>
+  </p:clrMapOvr>
+</p:sld>
+</file>
+
+<file path=ppt/slides/slide9.xml><?xml version="1.0" encoding="utf-8"?>
+<p:sld xmlns:a="http://schemas.openxmlformats.org/drawingml/2006/main" xmlns:r="http://schemas.openxmlformats.org/officeDocument/2006/relationships" xmlns:p="http://schemas.openxmlformats.org/presentationml/2006/main">
+  <p:cSld>
+    <p:spTree>
+      <p:nvGrpSpPr>
+        <p:cNvPr id="1" name=""/>
+        <p:cNvGrpSpPr/>
+        <p:nvPr/>
+      </p:nvGrpSpPr>
+      <p:grpSpPr>
+        <a:xfrm>
+          <a:off x="0" y="0"/>
+          <a:ext cx="0" cy="0"/>
+          <a:chOff x="0" y="0"/>
+          <a:chExt cx="0" cy="0"/>
+        </a:xfrm>
+      </p:grpSpPr>
+      <p:sp>
+        <p:nvSpPr>
+          <p:cNvPr id="22" name="직사각형 13">
+            <a:extLst>
+              <a:ext uri="{FF2B5EF4-FFF2-40B4-BE49-F238E27FC236}">
+                <a16:creationId xmlns:a16="http://schemas.microsoft.com/office/drawing/2014/main" id="{75B78F1D-18FC-4690-B0FD-F4B366095DBC}"/>
+              </a:ext>
+            </a:extLst>
+          </p:cNvPr>
+          <p:cNvSpPr/>
+          <p:nvPr/>
+        </p:nvSpPr>
+        <p:spPr>
+          <a:xfrm>
+            <a:off x="279086" y="166598"/>
+            <a:ext cx="1879432" cy="1169020"/>
+          </a:xfrm>
+          <a:prstGeom prst="rect">
+            <a:avLst/>
+          </a:prstGeom>
+          <a:solidFill>
+            <a:schemeClr val="bg1">
+              <a:lumMod val="65000"/>
+            </a:schemeClr>
+          </a:solidFill>
+          <a:ln w="57150">
+            <a:solidFill>
+              <a:schemeClr val="tx1"/>
+            </a:solidFill>
+          </a:ln>
+        </p:spPr>
+        <p:style>
+          <a:lnRef idx="2">
+            <a:schemeClr val="accent1">
+              <a:shade val="50000"/>
+            </a:schemeClr>
+          </a:lnRef>
+          <a:fillRef idx="1">
+            <a:schemeClr val="accent1"/>
+          </a:fillRef>
+          <a:effectRef idx="0">
+            <a:schemeClr val="accent1"/>
+          </a:effectRef>
+          <a:fontRef idx="minor">
+            <a:schemeClr val="lt1"/>
+          </a:fontRef>
+        </p:style>
+        <p:txBody>
+          <a:bodyPr rtlCol="0" anchor="ctr"/>
+          <a:lstStyle/>
+          <a:p>
+            <a:pPr algn="ctr"/>
+            <a:endParaRPr lang="en-US" sz="1600"/>
+          </a:p>
+        </p:txBody>
+      </p:sp>
+      <p:sp>
+        <p:nvSpPr>
+          <p:cNvPr id="8" name="Oval 7">
+            <a:extLst>
+              <a:ext uri="{FF2B5EF4-FFF2-40B4-BE49-F238E27FC236}">
+                <a16:creationId xmlns:a16="http://schemas.microsoft.com/office/drawing/2014/main" id="{5BE6E4CF-9021-4B4E-B76D-DC2689E7151A}"/>
+              </a:ext>
+            </a:extLst>
+          </p:cNvPr>
+          <p:cNvSpPr/>
+          <p:nvPr/>
+        </p:nvSpPr>
+        <p:spPr>
+          <a:xfrm>
+            <a:off x="1203552" y="735858"/>
+            <a:ext cx="30499" cy="30499"/>
+          </a:xfrm>
+          <a:prstGeom prst="ellipse">
+            <a:avLst/>
+          </a:prstGeom>
+          <a:solidFill>
+            <a:srgbClr val="FF0000"/>
+          </a:solidFill>
+          <a:ln>
+            <a:noFill/>
+          </a:ln>
+        </p:spPr>
+        <p:style>
+          <a:lnRef idx="2">
+            <a:schemeClr val="accent1">
+              <a:shade val="50000"/>
+            </a:schemeClr>
+          </a:lnRef>
+          <a:fillRef idx="1">
+            <a:schemeClr val="accent1"/>
+          </a:fillRef>
+          <a:effectRef idx="0">
+            <a:schemeClr val="accent1"/>
+          </a:effectRef>
+          <a:fontRef idx="minor">
+            <a:schemeClr val="lt1"/>
+          </a:fontRef>
+        </p:style>
+        <p:txBody>
+          <a:bodyPr rtlCol="0" anchor="ctr"/>
+          <a:lstStyle/>
+          <a:p>
+            <a:pPr algn="ctr"/>
+            <a:endParaRPr lang="en-US"/>
+          </a:p>
+        </p:txBody>
+      </p:sp>
+      <p:cxnSp>
+        <p:nvCxnSpPr>
+          <p:cNvPr id="19" name="직선 화살표 연결선 19">
+            <a:extLst>
+              <a:ext uri="{FF2B5EF4-FFF2-40B4-BE49-F238E27FC236}">
+                <a16:creationId xmlns:a16="http://schemas.microsoft.com/office/drawing/2014/main" id="{D8A0B464-9B94-40E7-9BEB-DC9D862B73AA}"/>
+              </a:ext>
+            </a:extLst>
+          </p:cNvPr>
+          <p:cNvCxnSpPr>
+            <a:cxnSpLocks/>
+          </p:cNvCxnSpPr>
+          <p:nvPr/>
+        </p:nvCxnSpPr>
+        <p:spPr>
+          <a:xfrm>
+            <a:off x="2361462" y="194736"/>
+            <a:ext cx="0" cy="6484336"/>
+          </a:xfrm>
+          <a:prstGeom prst="straightConnector1">
+            <a:avLst/>
+          </a:prstGeom>
+          <a:ln w="38100">
+            <a:solidFill>
+              <a:schemeClr val="tx1"/>
+            </a:solidFill>
+            <a:tailEnd type="triangle"/>
+          </a:ln>
+        </p:spPr>
+        <p:style>
+          <a:lnRef idx="1">
+            <a:schemeClr val="accent1"/>
+          </a:lnRef>
+          <a:fillRef idx="0">
+            <a:schemeClr val="accent1"/>
+          </a:fillRef>
+          <a:effectRef idx="0">
+            <a:schemeClr val="accent1"/>
+          </a:effectRef>
+          <a:fontRef idx="minor">
+            <a:schemeClr val="tx1"/>
+          </a:fontRef>
+        </p:style>
+      </p:cxnSp>
+      <p:sp>
+        <p:nvSpPr>
+          <p:cNvPr id="20" name="TextBox 19">
+            <a:extLst>
+              <a:ext uri="{FF2B5EF4-FFF2-40B4-BE49-F238E27FC236}">
+                <a16:creationId xmlns:a16="http://schemas.microsoft.com/office/drawing/2014/main" id="{49BC803D-28FC-414A-94C1-6E70220B8F70}"/>
+              </a:ext>
+            </a:extLst>
+          </p:cNvPr>
+          <p:cNvSpPr txBox="1"/>
+          <p:nvPr/>
+        </p:nvSpPr>
+        <p:spPr>
+          <a:xfrm>
+            <a:off x="1857626" y="6267180"/>
+            <a:ext cx="804728" cy="338554"/>
+          </a:xfrm>
+          <a:prstGeom prst="rect">
+            <a:avLst/>
+          </a:prstGeom>
+          <a:noFill/>
+        </p:spPr>
+        <p:txBody>
+          <a:bodyPr wrap="square" rtlCol="0">
+            <a:spAutoFit/>
+          </a:bodyPr>
+          <a:lstStyle/>
+          <a:p>
+            <a:pPr algn="r"/>
+            <a:r>
+              <a:rPr lang="en-US" sz="1600" dirty="0"/>
+              <a:t>t</a:t>
+            </a:r>
+          </a:p>
+        </p:txBody>
+      </p:sp>
+      <p:sp>
+        <p:nvSpPr>
+          <p:cNvPr id="35" name="직사각형 13">
+            <a:extLst>
+              <a:ext uri="{FF2B5EF4-FFF2-40B4-BE49-F238E27FC236}">
+                <a16:creationId xmlns:a16="http://schemas.microsoft.com/office/drawing/2014/main" id="{D7F7242A-DCF5-42D6-9012-277A3DD96E64}"/>
+              </a:ext>
+            </a:extLst>
+          </p:cNvPr>
+          <p:cNvSpPr/>
+          <p:nvPr/>
+        </p:nvSpPr>
+        <p:spPr>
+          <a:xfrm>
+            <a:off x="279086" y="2838326"/>
+            <a:ext cx="1879432" cy="1169020"/>
+          </a:xfrm>
+          <a:prstGeom prst="rect">
+            <a:avLst/>
+          </a:prstGeom>
+          <a:solidFill>
+            <a:schemeClr val="bg1">
+              <a:lumMod val="65000"/>
+            </a:schemeClr>
+          </a:solidFill>
+          <a:ln w="57150">
+            <a:solidFill>
+              <a:schemeClr val="tx1"/>
+            </a:solidFill>
+          </a:ln>
+        </p:spPr>
+        <p:style>
+          <a:lnRef idx="2">
+            <a:schemeClr val="accent1">
+              <a:shade val="50000"/>
+            </a:schemeClr>
+          </a:lnRef>
+          <a:fillRef idx="1">
+            <a:schemeClr val="accent1"/>
+          </a:fillRef>
+          <a:effectRef idx="0">
+            <a:schemeClr val="accent1"/>
+          </a:effectRef>
+          <a:fontRef idx="minor">
+            <a:schemeClr val="lt1"/>
+          </a:fontRef>
+        </p:style>
+        <p:txBody>
+          <a:bodyPr rtlCol="0" anchor="ctr"/>
+          <a:lstStyle/>
+          <a:p>
+            <a:pPr algn="ctr"/>
+            <a:endParaRPr lang="en-US" sz="1600"/>
+          </a:p>
+        </p:txBody>
+      </p:sp>
+      <p:sp>
+        <p:nvSpPr>
+          <p:cNvPr id="38" name="Oval 37">
+            <a:extLst>
+              <a:ext uri="{FF2B5EF4-FFF2-40B4-BE49-F238E27FC236}">
+                <a16:creationId xmlns:a16="http://schemas.microsoft.com/office/drawing/2014/main" id="{2C6AAB42-C71D-4D93-9737-B7B3E848F24D}"/>
+              </a:ext>
+            </a:extLst>
+          </p:cNvPr>
+          <p:cNvSpPr/>
+          <p:nvPr/>
+        </p:nvSpPr>
+        <p:spPr>
+          <a:xfrm>
+            <a:off x="1203552" y="3407586"/>
+            <a:ext cx="30499" cy="30499"/>
+          </a:xfrm>
+          <a:prstGeom prst="ellipse">
+            <a:avLst/>
+          </a:prstGeom>
+          <a:solidFill>
+            <a:srgbClr val="FF0000"/>
+          </a:solidFill>
+          <a:ln>
+            <a:noFill/>
+          </a:ln>
+        </p:spPr>
+        <p:style>
+          <a:lnRef idx="2">
+            <a:schemeClr val="accent1">
+              <a:shade val="50000"/>
+            </a:schemeClr>
+          </a:lnRef>
+          <a:fillRef idx="1">
+            <a:schemeClr val="accent1"/>
+          </a:fillRef>
+          <a:effectRef idx="0">
+            <a:schemeClr val="accent1"/>
+          </a:effectRef>
+          <a:fontRef idx="minor">
+            <a:schemeClr val="lt1"/>
+          </a:fontRef>
+        </p:style>
+        <p:txBody>
+          <a:bodyPr rtlCol="0" anchor="ctr"/>
+          <a:lstStyle/>
+          <a:p>
+            <a:pPr algn="ctr"/>
+            <a:endParaRPr lang="en-US"/>
+          </a:p>
+        </p:txBody>
+      </p:sp>
+      <p:sp>
+        <p:nvSpPr>
+          <p:cNvPr id="39" name="직사각형 13">
+            <a:extLst>
+              <a:ext uri="{FF2B5EF4-FFF2-40B4-BE49-F238E27FC236}">
+                <a16:creationId xmlns:a16="http://schemas.microsoft.com/office/drawing/2014/main" id="{65458511-5A9D-4CEB-96CC-138660E7BFDE}"/>
+              </a:ext>
+            </a:extLst>
+          </p:cNvPr>
+          <p:cNvSpPr/>
+          <p:nvPr/>
+        </p:nvSpPr>
+        <p:spPr>
+          <a:xfrm>
+            <a:off x="279086" y="4174190"/>
+            <a:ext cx="1879432" cy="1169020"/>
+          </a:xfrm>
+          <a:prstGeom prst="rect">
+            <a:avLst/>
+          </a:prstGeom>
+          <a:solidFill>
+            <a:schemeClr val="bg1">
+              <a:lumMod val="65000"/>
+            </a:schemeClr>
+          </a:solidFill>
+          <a:ln w="57150">
+            <a:solidFill>
+              <a:schemeClr val="tx1"/>
+            </a:solidFill>
+          </a:ln>
+        </p:spPr>
+        <p:style>
+          <a:lnRef idx="2">
+            <a:schemeClr val="accent1">
+              <a:shade val="50000"/>
+            </a:schemeClr>
+          </a:lnRef>
+          <a:fillRef idx="1">
+            <a:schemeClr val="accent1"/>
+          </a:fillRef>
+          <a:effectRef idx="0">
+            <a:schemeClr val="accent1"/>
+          </a:effectRef>
+          <a:fontRef idx="minor">
+            <a:schemeClr val="lt1"/>
+          </a:fontRef>
+        </p:style>
+        <p:txBody>
+          <a:bodyPr rtlCol="0" anchor="ctr"/>
+          <a:lstStyle/>
+          <a:p>
+            <a:pPr algn="ctr"/>
+            <a:endParaRPr lang="en-US" sz="1600"/>
+          </a:p>
+        </p:txBody>
+      </p:sp>
+      <p:sp>
+        <p:nvSpPr>
+          <p:cNvPr id="42" name="Oval 41">
+            <a:extLst>
+              <a:ext uri="{FF2B5EF4-FFF2-40B4-BE49-F238E27FC236}">
+                <a16:creationId xmlns:a16="http://schemas.microsoft.com/office/drawing/2014/main" id="{333F7DF6-9BA0-46A7-AB8D-F4464856D712}"/>
+              </a:ext>
+            </a:extLst>
+          </p:cNvPr>
+          <p:cNvSpPr/>
+          <p:nvPr/>
+        </p:nvSpPr>
+        <p:spPr>
+          <a:xfrm>
+            <a:off x="1203552" y="4743450"/>
+            <a:ext cx="30499" cy="30499"/>
+          </a:xfrm>
+          <a:prstGeom prst="ellipse">
+            <a:avLst/>
+          </a:prstGeom>
+          <a:solidFill>
+            <a:srgbClr val="FF0000"/>
+          </a:solidFill>
+          <a:ln>
+            <a:noFill/>
+          </a:ln>
+        </p:spPr>
+        <p:style>
+          <a:lnRef idx="2">
+            <a:schemeClr val="accent1">
+              <a:shade val="50000"/>
+            </a:schemeClr>
+          </a:lnRef>
+          <a:fillRef idx="1">
+            <a:schemeClr val="accent1"/>
+          </a:fillRef>
+          <a:effectRef idx="0">
+            <a:schemeClr val="accent1"/>
+          </a:effectRef>
+          <a:fontRef idx="minor">
+            <a:schemeClr val="lt1"/>
+          </a:fontRef>
+        </p:style>
+        <p:txBody>
+          <a:bodyPr rtlCol="0" anchor="ctr"/>
+          <a:lstStyle/>
+          <a:p>
+            <a:pPr algn="ctr"/>
+            <a:endParaRPr lang="en-US"/>
+          </a:p>
+        </p:txBody>
+      </p:sp>
+      <p:sp>
+        <p:nvSpPr>
+          <p:cNvPr id="24" name="직사각형 14">
+            <a:extLst>
+              <a:ext uri="{FF2B5EF4-FFF2-40B4-BE49-F238E27FC236}">
+                <a16:creationId xmlns:a16="http://schemas.microsoft.com/office/drawing/2014/main" id="{39B8DE6B-3D95-4905-8F41-2F5EEB7A138F}"/>
+              </a:ext>
+            </a:extLst>
+          </p:cNvPr>
+          <p:cNvSpPr/>
+          <p:nvPr/>
+        </p:nvSpPr>
+        <p:spPr>
+          <a:xfrm>
+            <a:off x="279086" y="1502462"/>
+            <a:ext cx="1879432" cy="1169020"/>
+          </a:xfrm>
+          <a:prstGeom prst="rect">
+            <a:avLst/>
+          </a:prstGeom>
+          <a:solidFill>
+            <a:schemeClr val="bg1">
+              <a:lumMod val="65000"/>
+            </a:schemeClr>
+          </a:solidFill>
+          <a:ln w="57150">
+            <a:solidFill>
+              <a:schemeClr val="tx1"/>
+            </a:solidFill>
+          </a:ln>
+        </p:spPr>
+        <p:style>
+          <a:lnRef idx="2">
+            <a:schemeClr val="accent1">
+              <a:shade val="50000"/>
+            </a:schemeClr>
+          </a:lnRef>
+          <a:fillRef idx="1">
+            <a:schemeClr val="accent1"/>
+          </a:fillRef>
+          <a:effectRef idx="0">
+            <a:schemeClr val="accent1"/>
+          </a:effectRef>
+          <a:fontRef idx="minor">
+            <a:schemeClr val="lt1"/>
+          </a:fontRef>
+        </p:style>
+        <p:txBody>
+          <a:bodyPr rtlCol="0" anchor="ctr"/>
+          <a:lstStyle/>
+          <a:p>
+            <a:pPr algn="ctr"/>
+            <a:endParaRPr lang="en-US" sz="1600"/>
+          </a:p>
+        </p:txBody>
+      </p:sp>
+      <p:pic>
+        <p:nvPicPr>
+          <p:cNvPr id="55" name="그림 10">
+            <a:extLst>
+              <a:ext uri="{FF2B5EF4-FFF2-40B4-BE49-F238E27FC236}">
+                <a16:creationId xmlns:a16="http://schemas.microsoft.com/office/drawing/2014/main" id="{2AF5113E-DFCA-4319-802A-CEDF4E07468F}"/>
+              </a:ext>
+            </a:extLst>
+          </p:cNvPr>
+          <p:cNvPicPr>
+            <a:picLocks noChangeAspect="1"/>
+          </p:cNvPicPr>
+          <p:nvPr/>
+        </p:nvPicPr>
+        <p:blipFill>
+          <a:blip r:embed="rId2" cstate="print">
+            <a:extLst>
+              <a:ext uri="{28A0092B-C50C-407E-A947-70E740481C1C}">
+                <a14:useLocalDpi xmlns:a14="http://schemas.microsoft.com/office/drawing/2010/main" val="0"/>
+              </a:ext>
+            </a:extLst>
+          </a:blip>
+          <a:stretch>
+            <a:fillRect/>
+          </a:stretch>
+        </p:blipFill>
+        <p:spPr>
+          <a:xfrm>
+            <a:off x="856141" y="1930372"/>
+            <a:ext cx="313200" cy="313200"/>
+          </a:xfrm>
+          <a:prstGeom prst="rect">
+            <a:avLst/>
+          </a:prstGeom>
+        </p:spPr>
+      </p:pic>
+      <p:pic>
+        <p:nvPicPr>
+          <p:cNvPr id="33" name="Picture 32">
+            <a:extLst>
+              <a:ext uri="{FF2B5EF4-FFF2-40B4-BE49-F238E27FC236}">
+                <a16:creationId xmlns:a16="http://schemas.microsoft.com/office/drawing/2014/main" id="{F1AA9580-8694-4A70-A91B-DD306F179949}"/>
+              </a:ext>
+            </a:extLst>
+          </p:cNvPr>
+          <p:cNvPicPr>
+            <a:picLocks noChangeAspect="1"/>
+          </p:cNvPicPr>
+          <p:nvPr/>
+        </p:nvPicPr>
+        <p:blipFill>
+          <a:blip r:embed="rId3" cstate="print">
+            <a:extLst>
+              <a:ext uri="{28A0092B-C50C-407E-A947-70E740481C1C}">
+                <a14:useLocalDpi xmlns:a14="http://schemas.microsoft.com/office/drawing/2010/main" val="0"/>
+              </a:ext>
+            </a:extLst>
+          </a:blip>
+          <a:stretch>
+            <a:fillRect/>
+          </a:stretch>
+        </p:blipFill>
+        <p:spPr>
+          <a:xfrm>
+            <a:off x="1268861" y="1930372"/>
+            <a:ext cx="313200" cy="313200"/>
+          </a:xfrm>
+          <a:prstGeom prst="rect">
+            <a:avLst/>
+          </a:prstGeom>
+        </p:spPr>
+      </p:pic>
+      <p:sp>
+        <p:nvSpPr>
+          <p:cNvPr id="34" name="Oval 33">
+            <a:extLst>
+              <a:ext uri="{FF2B5EF4-FFF2-40B4-BE49-F238E27FC236}">
+                <a16:creationId xmlns:a16="http://schemas.microsoft.com/office/drawing/2014/main" id="{E15A8C35-7D13-40BF-9B18-B20090FC958D}"/>
+              </a:ext>
+            </a:extLst>
+          </p:cNvPr>
+          <p:cNvSpPr/>
+          <p:nvPr/>
+        </p:nvSpPr>
+        <p:spPr>
+          <a:xfrm>
+            <a:off x="1203552" y="2072137"/>
+            <a:ext cx="30499" cy="30499"/>
+          </a:xfrm>
+          <a:prstGeom prst="ellipse">
+            <a:avLst/>
+          </a:prstGeom>
+          <a:solidFill>
+            <a:srgbClr val="FF0000"/>
+          </a:solidFill>
+          <a:ln>
+            <a:noFill/>
+          </a:ln>
+        </p:spPr>
+        <p:style>
+          <a:lnRef idx="2">
+            <a:schemeClr val="accent1">
+              <a:shade val="50000"/>
+            </a:schemeClr>
+          </a:lnRef>
+          <a:fillRef idx="1">
+            <a:schemeClr val="accent1"/>
+          </a:fillRef>
+          <a:effectRef idx="0">
+            <a:schemeClr val="accent1"/>
+          </a:effectRef>
+          <a:fontRef idx="minor">
+            <a:schemeClr val="lt1"/>
+          </a:fontRef>
+        </p:style>
+        <p:txBody>
+          <a:bodyPr rtlCol="0" anchor="ctr"/>
+          <a:lstStyle/>
+          <a:p>
+            <a:pPr algn="ctr"/>
+            <a:endParaRPr lang="en-US"/>
+          </a:p>
+        </p:txBody>
+      </p:sp>
+      <p:pic>
+        <p:nvPicPr>
+          <p:cNvPr id="44" name="Picture 43">
+            <a:extLst>
+              <a:ext uri="{FF2B5EF4-FFF2-40B4-BE49-F238E27FC236}">
+                <a16:creationId xmlns:a16="http://schemas.microsoft.com/office/drawing/2014/main" id="{A33CECE6-ACD0-4A04-A2F3-15097E6922EB}"/>
+              </a:ext>
+            </a:extLst>
+          </p:cNvPr>
+          <p:cNvPicPr>
+            <a:picLocks noChangeAspect="1"/>
+          </p:cNvPicPr>
+          <p:nvPr/>
+        </p:nvPicPr>
+        <p:blipFill>
+          <a:blip r:embed="rId3" cstate="print">
+            <a:extLst>
+              <a:ext uri="{28A0092B-C50C-407E-A947-70E740481C1C}">
+                <a14:useLocalDpi xmlns:a14="http://schemas.microsoft.com/office/drawing/2010/main" val="0"/>
+              </a:ext>
+            </a:extLst>
+          </a:blip>
+          <a:stretch>
+            <a:fillRect/>
+          </a:stretch>
+        </p:blipFill>
+        <p:spPr>
+          <a:xfrm>
+            <a:off x="1679787" y="1929504"/>
+            <a:ext cx="313200" cy="313200"/>
+          </a:xfrm>
+          <a:prstGeom prst="rect">
+            <a:avLst/>
+          </a:prstGeom>
+        </p:spPr>
+      </p:pic>
+      <p:sp>
+        <p:nvSpPr>
+          <p:cNvPr id="45" name="Oval 44">
+            <a:extLst>
+              <a:ext uri="{FF2B5EF4-FFF2-40B4-BE49-F238E27FC236}">
+                <a16:creationId xmlns:a16="http://schemas.microsoft.com/office/drawing/2014/main" id="{13CC0D9D-C793-4312-8A7B-01ECF4BBDBA7}"/>
+              </a:ext>
+            </a:extLst>
+          </p:cNvPr>
+          <p:cNvSpPr/>
+          <p:nvPr/>
+        </p:nvSpPr>
+        <p:spPr>
+          <a:xfrm>
+            <a:off x="1203552" y="2072137"/>
+            <a:ext cx="30499" cy="30499"/>
+          </a:xfrm>
+          <a:prstGeom prst="ellipse">
+            <a:avLst/>
+          </a:prstGeom>
+          <a:solidFill>
+            <a:srgbClr val="FF0000"/>
+          </a:solidFill>
+          <a:ln>
+            <a:noFill/>
+          </a:ln>
+        </p:spPr>
+        <p:style>
+          <a:lnRef idx="2">
+            <a:schemeClr val="accent1">
+              <a:shade val="50000"/>
+            </a:schemeClr>
+          </a:lnRef>
+          <a:fillRef idx="1">
+            <a:schemeClr val="accent1"/>
+          </a:fillRef>
+          <a:effectRef idx="0">
+            <a:schemeClr val="accent1"/>
+          </a:effectRef>
+          <a:fontRef idx="minor">
+            <a:schemeClr val="lt1"/>
+          </a:fontRef>
+        </p:style>
+        <p:txBody>
+          <a:bodyPr rtlCol="0" anchor="ctr"/>
+          <a:lstStyle/>
+          <a:p>
+            <a:pPr algn="ctr"/>
+            <a:endParaRPr lang="en-US"/>
+          </a:p>
+        </p:txBody>
+      </p:sp>
+      <p:sp>
+        <p:nvSpPr>
+          <p:cNvPr id="46" name="직사각형 14">
+            <a:extLst>
+              <a:ext uri="{FF2B5EF4-FFF2-40B4-BE49-F238E27FC236}">
+                <a16:creationId xmlns:a16="http://schemas.microsoft.com/office/drawing/2014/main" id="{B7E04F9F-7715-444C-9A31-EE25368AEBBE}"/>
+              </a:ext>
+            </a:extLst>
+          </p:cNvPr>
+          <p:cNvSpPr/>
+          <p:nvPr/>
+        </p:nvSpPr>
+        <p:spPr>
+          <a:xfrm>
+            <a:off x="279086" y="5510052"/>
+            <a:ext cx="1879432" cy="1169020"/>
+          </a:xfrm>
+          <a:prstGeom prst="rect">
+            <a:avLst/>
+          </a:prstGeom>
+          <a:solidFill>
+            <a:schemeClr val="bg1">
+              <a:lumMod val="65000"/>
+            </a:schemeClr>
+          </a:solidFill>
+          <a:ln w="57150">
+            <a:solidFill>
+              <a:schemeClr val="tx1"/>
+            </a:solidFill>
+          </a:ln>
+        </p:spPr>
+        <p:style>
+          <a:lnRef idx="2">
+            <a:schemeClr val="accent1">
+              <a:shade val="50000"/>
+            </a:schemeClr>
+          </a:lnRef>
+          <a:fillRef idx="1">
+            <a:schemeClr val="accent1"/>
+          </a:fillRef>
+          <a:effectRef idx="0">
+            <a:schemeClr val="accent1"/>
+          </a:effectRef>
+          <a:fontRef idx="minor">
+            <a:schemeClr val="lt1"/>
+          </a:fontRef>
+        </p:style>
+        <p:txBody>
+          <a:bodyPr rtlCol="0" anchor="ctr"/>
+          <a:lstStyle/>
+          <a:p>
+            <a:pPr algn="ctr"/>
+            <a:endParaRPr lang="en-US" sz="1600"/>
+          </a:p>
+        </p:txBody>
+      </p:sp>
+      <p:pic>
+        <p:nvPicPr>
+          <p:cNvPr id="47" name="그림 22">
+            <a:extLst>
+              <a:ext uri="{FF2B5EF4-FFF2-40B4-BE49-F238E27FC236}">
+                <a16:creationId xmlns:a16="http://schemas.microsoft.com/office/drawing/2014/main" id="{CE5D51BA-3F4B-454B-ABB3-D39B97AF9D8C}"/>
+              </a:ext>
+            </a:extLst>
+          </p:cNvPr>
+          <p:cNvPicPr>
+            <a:picLocks noChangeAspect="1"/>
+          </p:cNvPicPr>
+          <p:nvPr/>
+        </p:nvPicPr>
+        <p:blipFill>
+          <a:blip r:embed="rId4" cstate="print">
+            <a:extLst>
+              <a:ext uri="{28A0092B-C50C-407E-A947-70E740481C1C}">
+                <a14:useLocalDpi xmlns:a14="http://schemas.microsoft.com/office/drawing/2010/main" val="0"/>
+              </a:ext>
+            </a:extLst>
+          </a:blip>
+          <a:stretch>
+            <a:fillRect/>
+          </a:stretch>
+        </p:blipFill>
+        <p:spPr>
+          <a:xfrm>
+            <a:off x="856141" y="5937962"/>
+            <a:ext cx="313200" cy="313200"/>
+          </a:xfrm>
+          <a:prstGeom prst="rect">
+            <a:avLst/>
+          </a:prstGeom>
+        </p:spPr>
+      </p:pic>
+      <p:pic>
+        <p:nvPicPr>
+          <p:cNvPr id="48" name="Picture 47">
+            <a:extLst>
+              <a:ext uri="{FF2B5EF4-FFF2-40B4-BE49-F238E27FC236}">
+                <a16:creationId xmlns:a16="http://schemas.microsoft.com/office/drawing/2014/main" id="{542257EB-9B78-4B9A-A59C-BF1A14143067}"/>
+              </a:ext>
+            </a:extLst>
+          </p:cNvPr>
+          <p:cNvPicPr>
+            <a:picLocks noChangeAspect="1"/>
+          </p:cNvPicPr>
+          <p:nvPr/>
+        </p:nvPicPr>
+        <p:blipFill>
+          <a:blip r:embed="rId3" cstate="print">
+            <a:extLst>
+              <a:ext uri="{28A0092B-C50C-407E-A947-70E740481C1C}">
+                <a14:useLocalDpi xmlns:a14="http://schemas.microsoft.com/office/drawing/2010/main" val="0"/>
+              </a:ext>
+            </a:extLst>
+          </a:blip>
+          <a:stretch>
+            <a:fillRect/>
+          </a:stretch>
+        </p:blipFill>
+        <p:spPr>
+          <a:xfrm>
+            <a:off x="1267665" y="5944020"/>
+            <a:ext cx="313200" cy="313200"/>
+          </a:xfrm>
+          <a:prstGeom prst="rect">
+            <a:avLst/>
+          </a:prstGeom>
+        </p:spPr>
+      </p:pic>
+      <p:sp>
+        <p:nvSpPr>
+          <p:cNvPr id="49" name="Oval 48">
+            <a:extLst>
+              <a:ext uri="{FF2B5EF4-FFF2-40B4-BE49-F238E27FC236}">
+                <a16:creationId xmlns:a16="http://schemas.microsoft.com/office/drawing/2014/main" id="{BDA042D7-7561-4285-A79D-AF1BA918A3D1}"/>
+              </a:ext>
+            </a:extLst>
+          </p:cNvPr>
+          <p:cNvSpPr/>
+          <p:nvPr/>
+        </p:nvSpPr>
+        <p:spPr>
+          <a:xfrm>
+            <a:off x="1203552" y="6079727"/>
+            <a:ext cx="30499" cy="30499"/>
+          </a:xfrm>
+          <a:prstGeom prst="ellipse">
+            <a:avLst/>
+          </a:prstGeom>
+          <a:solidFill>
+            <a:srgbClr val="FF0000"/>
+          </a:solidFill>
+          <a:ln>
+            <a:noFill/>
+          </a:ln>
+        </p:spPr>
+        <p:style>
+          <a:lnRef idx="2">
+            <a:schemeClr val="accent1">
+              <a:shade val="50000"/>
+            </a:schemeClr>
+          </a:lnRef>
+          <a:fillRef idx="1">
+            <a:schemeClr val="accent1"/>
+          </a:fillRef>
+          <a:effectRef idx="0">
+            <a:schemeClr val="accent1"/>
+          </a:effectRef>
+          <a:fontRef idx="minor">
+            <a:schemeClr val="lt1"/>
+          </a:fontRef>
+        </p:style>
+        <p:txBody>
+          <a:bodyPr rtlCol="0" anchor="ctr"/>
+          <a:lstStyle/>
+          <a:p>
+            <a:pPr algn="ctr"/>
+            <a:endParaRPr lang="en-US"/>
+          </a:p>
+        </p:txBody>
+      </p:sp>
+      <p:sp>
+        <p:nvSpPr>
+          <p:cNvPr id="13" name="TextBox 12">
+            <a:extLst>
+              <a:ext uri="{FF2B5EF4-FFF2-40B4-BE49-F238E27FC236}">
+                <a16:creationId xmlns:a16="http://schemas.microsoft.com/office/drawing/2014/main" id="{65ACDFFD-6C6C-41F5-AB08-F4BB062AD5E9}"/>
+              </a:ext>
+            </a:extLst>
+          </p:cNvPr>
+          <p:cNvSpPr txBox="1"/>
+          <p:nvPr/>
+        </p:nvSpPr>
+        <p:spPr>
+          <a:xfrm>
+            <a:off x="1780474" y="1523977"/>
+            <a:ext cx="1260000" cy="338554"/>
+          </a:xfrm>
+          <a:prstGeom prst="rect">
+            <a:avLst/>
+          </a:prstGeom>
+          <a:solidFill>
+            <a:schemeClr val="bg1"/>
+          </a:solidFill>
+          <a:ln w="19050">
+            <a:solidFill>
+              <a:schemeClr val="bg1">
+                <a:lumMod val="50000"/>
+              </a:schemeClr>
+            </a:solidFill>
+          </a:ln>
+          <a:effectLst>
+            <a:outerShdw blurRad="50800" dist="38100" dir="2700000" algn="tl" rotWithShape="0">
+              <a:prstClr val="black">
+                <a:alpha val="40000"/>
+              </a:prstClr>
+            </a:outerShdw>
+          </a:effectLst>
+        </p:spPr>
+        <p:txBody>
+          <a:bodyPr wrap="square" rtlCol="0">
+            <a:spAutoFit/>
+          </a:bodyPr>
+          <a:lstStyle/>
+          <a:p>
+            <a:pPr algn="ctr"/>
+            <a:r>
+              <a:rPr lang="en-US" sz="1600" b="1" dirty="0"/>
+              <a:t>cue frame</a:t>
+            </a:r>
+          </a:p>
+        </p:txBody>
+      </p:sp>
+      <p:sp>
+        <p:nvSpPr>
+          <p:cNvPr id="14" name="TextBox 13">
+            <a:extLst>
+              <a:ext uri="{FF2B5EF4-FFF2-40B4-BE49-F238E27FC236}">
+                <a16:creationId xmlns:a16="http://schemas.microsoft.com/office/drawing/2014/main" id="{4637171F-B00D-42D3-AA36-EC535880E451}"/>
+              </a:ext>
+            </a:extLst>
+          </p:cNvPr>
+          <p:cNvSpPr txBox="1"/>
+          <p:nvPr/>
+        </p:nvSpPr>
+        <p:spPr>
+          <a:xfrm>
+            <a:off x="1780474" y="5541191"/>
+            <a:ext cx="1260000" cy="338554"/>
+          </a:xfrm>
+          <a:prstGeom prst="rect">
+            <a:avLst/>
+          </a:prstGeom>
+          <a:solidFill>
+            <a:schemeClr val="bg1"/>
+          </a:solidFill>
+          <a:ln w="19050">
+            <a:solidFill>
+              <a:schemeClr val="bg1">
+                <a:lumMod val="50000"/>
+              </a:schemeClr>
+            </a:solidFill>
+          </a:ln>
+          <a:effectLst>
+            <a:outerShdw blurRad="50800" dist="38100" dir="2700000" algn="tl" rotWithShape="0">
+              <a:prstClr val="black">
+                <a:alpha val="40000"/>
+              </a:prstClr>
+            </a:outerShdw>
+          </a:effectLst>
+        </p:spPr>
+        <p:txBody>
+          <a:bodyPr wrap="square" rtlCol="0">
+            <a:spAutoFit/>
+          </a:bodyPr>
+          <a:lstStyle/>
+          <a:p>
+            <a:pPr algn="ctr"/>
+            <a:r>
+              <a:rPr lang="en-US" sz="1600" b="1" dirty="0"/>
+              <a:t>probe frame</a:t>
+            </a:r>
+          </a:p>
+        </p:txBody>
+      </p:sp>
+      <p:pic>
+        <p:nvPicPr>
+          <p:cNvPr id="23" name="그림 24">
+            <a:extLst>
+              <a:ext uri="{FF2B5EF4-FFF2-40B4-BE49-F238E27FC236}">
+                <a16:creationId xmlns:a16="http://schemas.microsoft.com/office/drawing/2014/main" id="{7B97E8BF-BE32-4CB4-89DF-B7720F39400E}"/>
+              </a:ext>
+            </a:extLst>
+          </p:cNvPr>
+          <p:cNvPicPr>
+            <a:picLocks noChangeAspect="1"/>
+          </p:cNvPicPr>
+          <p:nvPr/>
+        </p:nvPicPr>
+        <p:blipFill>
+          <a:blip r:embed="rId5" cstate="print">
+            <a:extLst>
+              <a:ext uri="{28A0092B-C50C-407E-A947-70E740481C1C}">
+                <a14:useLocalDpi xmlns:a14="http://schemas.microsoft.com/office/drawing/2010/main" val="0"/>
+              </a:ext>
+            </a:extLst>
+          </a:blip>
+          <a:stretch>
+            <a:fillRect/>
+          </a:stretch>
+        </p:blipFill>
+        <p:spPr>
+          <a:xfrm>
+            <a:off x="443422" y="578660"/>
+            <a:ext cx="314395" cy="314395"/>
+          </a:xfrm>
+          <a:prstGeom prst="rect">
+            <a:avLst/>
+          </a:prstGeom>
+        </p:spPr>
+      </p:pic>
+      <p:pic>
+        <p:nvPicPr>
+          <p:cNvPr id="32" name="그림 24">
+            <a:extLst>
+              <a:ext uri="{FF2B5EF4-FFF2-40B4-BE49-F238E27FC236}">
+                <a16:creationId xmlns:a16="http://schemas.microsoft.com/office/drawing/2014/main" id="{5BF9551C-C3B9-4FB0-8AA6-2B57142EA28E}"/>
+              </a:ext>
+            </a:extLst>
+          </p:cNvPr>
+          <p:cNvPicPr>
+            <a:picLocks noChangeAspect="1"/>
+          </p:cNvPicPr>
+          <p:nvPr/>
+        </p:nvPicPr>
+        <p:blipFill>
+          <a:blip r:embed="rId5" cstate="print">
+            <a:extLst>
+              <a:ext uri="{28A0092B-C50C-407E-A947-70E740481C1C}">
+                <a14:useLocalDpi xmlns:a14="http://schemas.microsoft.com/office/drawing/2010/main" val="0"/>
+              </a:ext>
+            </a:extLst>
+          </a:blip>
+          <a:stretch>
+            <a:fillRect/>
+          </a:stretch>
+        </p:blipFill>
+        <p:spPr>
+          <a:xfrm>
+            <a:off x="855544" y="578660"/>
+            <a:ext cx="314395" cy="314395"/>
+          </a:xfrm>
+          <a:prstGeom prst="rect">
+            <a:avLst/>
+          </a:prstGeom>
+        </p:spPr>
+      </p:pic>
+      <p:pic>
+        <p:nvPicPr>
+          <p:cNvPr id="43" name="그림 24">
+            <a:extLst>
+              <a:ext uri="{FF2B5EF4-FFF2-40B4-BE49-F238E27FC236}">
+                <a16:creationId xmlns:a16="http://schemas.microsoft.com/office/drawing/2014/main" id="{DD4D70E1-9EA6-43EB-810A-AEB26AC04620}"/>
+              </a:ext>
+            </a:extLst>
+          </p:cNvPr>
+          <p:cNvPicPr>
+            <a:picLocks noChangeAspect="1"/>
+          </p:cNvPicPr>
+          <p:nvPr/>
+        </p:nvPicPr>
+        <p:blipFill>
+          <a:blip r:embed="rId5" cstate="print">
+            <a:extLst>
+              <a:ext uri="{28A0092B-C50C-407E-A947-70E740481C1C}">
+                <a14:useLocalDpi xmlns:a14="http://schemas.microsoft.com/office/drawing/2010/main" val="0"/>
+              </a:ext>
+            </a:extLst>
+          </a:blip>
+          <a:stretch>
+            <a:fillRect/>
+          </a:stretch>
+        </p:blipFill>
+        <p:spPr>
+          <a:xfrm>
+            <a:off x="1267666" y="578660"/>
+            <a:ext cx="314395" cy="314395"/>
+          </a:xfrm>
+          <a:prstGeom prst="rect">
+            <a:avLst/>
+          </a:prstGeom>
+        </p:spPr>
+      </p:pic>
+      <p:grpSp>
+        <p:nvGrpSpPr>
+          <p:cNvPr id="6" name="Group 5">
+            <a:extLst>
+              <a:ext uri="{FF2B5EF4-FFF2-40B4-BE49-F238E27FC236}">
+                <a16:creationId xmlns:a16="http://schemas.microsoft.com/office/drawing/2014/main" id="{68A38A60-3CC7-4A5F-B308-D231E7A4F3D5}"/>
+              </a:ext>
+            </a:extLst>
+          </p:cNvPr>
+          <p:cNvGrpSpPr/>
+          <p:nvPr/>
+        </p:nvGrpSpPr>
+        <p:grpSpPr>
+          <a:xfrm>
+            <a:off x="443421" y="3265637"/>
+            <a:ext cx="1138639" cy="314395"/>
+            <a:chOff x="595822" y="731060"/>
+            <a:chExt cx="1138639" cy="314395"/>
+          </a:xfrm>
+        </p:grpSpPr>
+        <p:pic>
+          <p:nvPicPr>
+            <p:cNvPr id="56" name="그림 24">
+              <a:extLst>
+                <a:ext uri="{FF2B5EF4-FFF2-40B4-BE49-F238E27FC236}">
+                  <a16:creationId xmlns:a16="http://schemas.microsoft.com/office/drawing/2014/main" id="{08EFE96A-A956-45E2-8B8E-19739D9F32AB}"/>
+                </a:ext>
+              </a:extLst>
+            </p:cNvPr>
+            <p:cNvPicPr>
+              <a:picLocks noChangeAspect="1"/>
+            </p:cNvPicPr>
+            <p:nvPr/>
+          </p:nvPicPr>
+          <p:blipFill>
+            <a:blip r:embed="rId5" cstate="print">
+              <a:extLst>
+                <a:ext uri="{28A0092B-C50C-407E-A947-70E740481C1C}">
+                  <a14:useLocalDpi xmlns:a14="http://schemas.microsoft.com/office/drawing/2010/main" val="0"/>
+                </a:ext>
+              </a:extLst>
+            </a:blip>
+            <a:stretch>
+              <a:fillRect/>
+            </a:stretch>
+          </p:blipFill>
+          <p:spPr>
+            <a:xfrm>
+              <a:off x="595822" y="731060"/>
+              <a:ext cx="314395" cy="314395"/>
+            </a:xfrm>
+            <a:prstGeom prst="rect">
+              <a:avLst/>
+            </a:prstGeom>
+          </p:spPr>
+        </p:pic>
+        <p:pic>
+          <p:nvPicPr>
+            <p:cNvPr id="57" name="그림 24">
+              <a:extLst>
+                <a:ext uri="{FF2B5EF4-FFF2-40B4-BE49-F238E27FC236}">
+                  <a16:creationId xmlns:a16="http://schemas.microsoft.com/office/drawing/2014/main" id="{AB8BDD13-C67E-463F-B154-6EF71A90A5E6}"/>
+                </a:ext>
+              </a:extLst>
+            </p:cNvPr>
+            <p:cNvPicPr>
+              <a:picLocks noChangeAspect="1"/>
+            </p:cNvPicPr>
+            <p:nvPr/>
+          </p:nvPicPr>
+          <p:blipFill>
+            <a:blip r:embed="rId5" cstate="print">
+              <a:extLst>
+                <a:ext uri="{28A0092B-C50C-407E-A947-70E740481C1C}">
+                  <a14:useLocalDpi xmlns:a14="http://schemas.microsoft.com/office/drawing/2010/main" val="0"/>
+                </a:ext>
+              </a:extLst>
+            </a:blip>
+            <a:stretch>
+              <a:fillRect/>
+            </a:stretch>
+          </p:blipFill>
+          <p:spPr>
+            <a:xfrm>
+              <a:off x="1007944" y="731060"/>
+              <a:ext cx="314395" cy="314395"/>
+            </a:xfrm>
+            <a:prstGeom prst="rect">
+              <a:avLst/>
+            </a:prstGeom>
+          </p:spPr>
+        </p:pic>
+        <p:pic>
+          <p:nvPicPr>
+            <p:cNvPr id="58" name="그림 24">
+              <a:extLst>
+                <a:ext uri="{FF2B5EF4-FFF2-40B4-BE49-F238E27FC236}">
+                  <a16:creationId xmlns:a16="http://schemas.microsoft.com/office/drawing/2014/main" id="{BF19EEF4-FD6E-43EE-B9DC-3BC7ACC9FE28}"/>
+                </a:ext>
+              </a:extLst>
+            </p:cNvPr>
+            <p:cNvPicPr>
+              <a:picLocks noChangeAspect="1"/>
+            </p:cNvPicPr>
+            <p:nvPr/>
+          </p:nvPicPr>
+          <p:blipFill>
+            <a:blip r:embed="rId5" cstate="print">
+              <a:extLst>
+                <a:ext uri="{28A0092B-C50C-407E-A947-70E740481C1C}">
+                  <a14:useLocalDpi xmlns:a14="http://schemas.microsoft.com/office/drawing/2010/main" val="0"/>
+                </a:ext>
+              </a:extLst>
+            </a:blip>
+            <a:stretch>
+              <a:fillRect/>
+            </a:stretch>
+          </p:blipFill>
+          <p:spPr>
+            <a:xfrm>
+              <a:off x="1420066" y="731060"/>
+              <a:ext cx="314395" cy="314395"/>
+            </a:xfrm>
+            <a:prstGeom prst="rect">
+              <a:avLst/>
+            </a:prstGeom>
+          </p:spPr>
+        </p:pic>
+      </p:grpSp>
+      <p:grpSp>
+        <p:nvGrpSpPr>
+          <p:cNvPr id="7" name="Group 6">
+            <a:extLst>
+              <a:ext uri="{FF2B5EF4-FFF2-40B4-BE49-F238E27FC236}">
+                <a16:creationId xmlns:a16="http://schemas.microsoft.com/office/drawing/2014/main" id="{7A9862EA-C92B-4506-B2F6-B5677C265C96}"/>
+              </a:ext>
+            </a:extLst>
+          </p:cNvPr>
+          <p:cNvGrpSpPr/>
+          <p:nvPr/>
+        </p:nvGrpSpPr>
+        <p:grpSpPr>
+          <a:xfrm>
+            <a:off x="855543" y="4601501"/>
+            <a:ext cx="1138639" cy="314395"/>
+            <a:chOff x="595822" y="731060"/>
+            <a:chExt cx="1138639" cy="314395"/>
+          </a:xfrm>
+        </p:grpSpPr>
+        <p:pic>
+          <p:nvPicPr>
+            <p:cNvPr id="59" name="그림 24">
+              <a:extLst>
+                <a:ext uri="{FF2B5EF4-FFF2-40B4-BE49-F238E27FC236}">
+                  <a16:creationId xmlns:a16="http://schemas.microsoft.com/office/drawing/2014/main" id="{052B1C1F-601B-451F-80BD-E03108FA126A}"/>
+                </a:ext>
+              </a:extLst>
+            </p:cNvPr>
+            <p:cNvPicPr>
+              <a:picLocks noChangeAspect="1"/>
+            </p:cNvPicPr>
+            <p:nvPr/>
+          </p:nvPicPr>
+          <p:blipFill>
+            <a:blip r:embed="rId5" cstate="print">
+              <a:extLst>
+                <a:ext uri="{28A0092B-C50C-407E-A947-70E740481C1C}">
+                  <a14:useLocalDpi xmlns:a14="http://schemas.microsoft.com/office/drawing/2010/main" val="0"/>
+                </a:ext>
+              </a:extLst>
+            </a:blip>
+            <a:stretch>
+              <a:fillRect/>
+            </a:stretch>
+          </p:blipFill>
+          <p:spPr>
+            <a:xfrm>
+              <a:off x="595822" y="731060"/>
+              <a:ext cx="314395" cy="314395"/>
+            </a:xfrm>
+            <a:prstGeom prst="rect">
+              <a:avLst/>
+            </a:prstGeom>
+          </p:spPr>
+        </p:pic>
+        <p:pic>
+          <p:nvPicPr>
+            <p:cNvPr id="60" name="그림 24">
+              <a:extLst>
+                <a:ext uri="{FF2B5EF4-FFF2-40B4-BE49-F238E27FC236}">
+                  <a16:creationId xmlns:a16="http://schemas.microsoft.com/office/drawing/2014/main" id="{0AF2BE88-31E4-474A-895A-123D75E392ED}"/>
+                </a:ext>
+              </a:extLst>
+            </p:cNvPr>
+            <p:cNvPicPr>
+              <a:picLocks noChangeAspect="1"/>
+            </p:cNvPicPr>
+            <p:nvPr/>
+          </p:nvPicPr>
+          <p:blipFill>
+            <a:blip r:embed="rId5" cstate="print">
+              <a:extLst>
+                <a:ext uri="{28A0092B-C50C-407E-A947-70E740481C1C}">
+                  <a14:useLocalDpi xmlns:a14="http://schemas.microsoft.com/office/drawing/2010/main" val="0"/>
+                </a:ext>
+              </a:extLst>
+            </a:blip>
+            <a:stretch>
+              <a:fillRect/>
+            </a:stretch>
+          </p:blipFill>
+          <p:spPr>
+            <a:xfrm>
+              <a:off x="1007944" y="731060"/>
+              <a:ext cx="314395" cy="314395"/>
+            </a:xfrm>
+            <a:prstGeom prst="rect">
+              <a:avLst/>
+            </a:prstGeom>
+          </p:spPr>
+        </p:pic>
+        <p:pic>
+          <p:nvPicPr>
+            <p:cNvPr id="61" name="그림 24">
+              <a:extLst>
+                <a:ext uri="{FF2B5EF4-FFF2-40B4-BE49-F238E27FC236}">
+                  <a16:creationId xmlns:a16="http://schemas.microsoft.com/office/drawing/2014/main" id="{B23F39B2-1A92-47FF-95FB-01E21E9E0FC4}"/>
+                </a:ext>
+              </a:extLst>
+            </p:cNvPr>
+            <p:cNvPicPr>
+              <a:picLocks noChangeAspect="1"/>
+            </p:cNvPicPr>
+            <p:nvPr/>
+          </p:nvPicPr>
+          <p:blipFill>
+            <a:blip r:embed="rId5" cstate="print">
+              <a:extLst>
+                <a:ext uri="{28A0092B-C50C-407E-A947-70E740481C1C}">
+                  <a14:useLocalDpi xmlns:a14="http://schemas.microsoft.com/office/drawing/2010/main" val="0"/>
+                </a:ext>
+              </a:extLst>
+            </a:blip>
+            <a:stretch>
+              <a:fillRect/>
+            </a:stretch>
+          </p:blipFill>
+          <p:spPr>
+            <a:xfrm>
+              <a:off x="1420066" y="731060"/>
+              <a:ext cx="314395" cy="314395"/>
+            </a:xfrm>
+            <a:prstGeom prst="rect">
+              <a:avLst/>
+            </a:prstGeom>
+          </p:spPr>
+        </p:pic>
+      </p:grpSp>
+      <p:pic>
+        <p:nvPicPr>
+          <p:cNvPr id="62" name="Picture 61">
+            <a:extLst>
+              <a:ext uri="{FF2B5EF4-FFF2-40B4-BE49-F238E27FC236}">
+                <a16:creationId xmlns:a16="http://schemas.microsoft.com/office/drawing/2014/main" id="{98A52D0E-F4D2-4504-A569-17010E59CF00}"/>
+              </a:ext>
+            </a:extLst>
+          </p:cNvPr>
+          <p:cNvPicPr>
+            <a:picLocks noChangeAspect="1"/>
+          </p:cNvPicPr>
+          <p:nvPr/>
+        </p:nvPicPr>
+        <p:blipFill>
+          <a:blip r:embed="rId3" cstate="print">
+            <a:extLst>
+              <a:ext uri="{28A0092B-C50C-407E-A947-70E740481C1C}">
+                <a14:useLocalDpi xmlns:a14="http://schemas.microsoft.com/office/drawing/2010/main" val="0"/>
+              </a:ext>
+            </a:extLst>
+          </a:blip>
+          <a:stretch>
+            <a:fillRect/>
+          </a:stretch>
+        </p:blipFill>
+        <p:spPr>
+          <a:xfrm>
+            <a:off x="443421" y="5937962"/>
+            <a:ext cx="313200" cy="313200"/>
+          </a:xfrm>
+          <a:prstGeom prst="rect">
+            <a:avLst/>
+          </a:prstGeom>
+        </p:spPr>
+      </p:pic>
+      <p:sp>
+        <p:nvSpPr>
+          <p:cNvPr id="36" name="TextBox 35">
+            <a:extLst>
+              <a:ext uri="{FF2B5EF4-FFF2-40B4-BE49-F238E27FC236}">
+                <a16:creationId xmlns:a16="http://schemas.microsoft.com/office/drawing/2014/main" id="{E17D369A-DB03-4264-A486-D812C598B75A}"/>
+              </a:ext>
+            </a:extLst>
+          </p:cNvPr>
+          <p:cNvSpPr txBox="1"/>
+          <p:nvPr/>
+        </p:nvSpPr>
+        <p:spPr>
+          <a:xfrm>
+            <a:off x="3657206" y="1523977"/>
+            <a:ext cx="8091373" cy="3508653"/>
+          </a:xfrm>
+          <a:prstGeom prst="rect">
+            <a:avLst/>
+          </a:prstGeom>
+          <a:noFill/>
+        </p:spPr>
+        <p:txBody>
+          <a:bodyPr wrap="square" rtlCol="0">
+            <a:spAutoFit/>
+          </a:bodyPr>
+          <a:lstStyle/>
+          <a:p>
+            <a:pPr marL="285750" indent="-285750">
+              <a:spcAft>
+                <a:spcPts val="1200"/>
+              </a:spcAft>
+              <a:buFontTx/>
+              <a:buChar char="-"/>
+            </a:pPr>
+            <a:r>
+              <a:rPr lang="en-US" dirty="0"/>
+              <a:t>Please fixate your eyes on </a:t>
+            </a:r>
+            <a:r>
+              <a:rPr lang="en-US" b="1" dirty="0">
+                <a:solidFill>
+                  <a:srgbClr val="FF0000"/>
+                </a:solidFill>
+              </a:rPr>
+              <a:t>the red fixation dot</a:t>
+            </a:r>
+            <a:r>
+              <a:rPr lang="en-US" dirty="0"/>
+              <a:t> all the time</a:t>
+            </a:r>
+          </a:p>
+          <a:p>
+            <a:pPr marL="285750" indent="-285750">
+              <a:spcAft>
+                <a:spcPts val="1200"/>
+              </a:spcAft>
+              <a:buFontTx/>
+              <a:buChar char="-"/>
+            </a:pPr>
+            <a:r>
+              <a:rPr lang="en-US" dirty="0"/>
+              <a:t>Your task is the same, except the tilted bars will be presented in different disks</a:t>
+            </a:r>
+          </a:p>
+          <a:p>
+            <a:pPr marL="285750" indent="-285750">
+              <a:spcAft>
+                <a:spcPts val="1200"/>
+              </a:spcAft>
+              <a:buFontTx/>
+              <a:buChar char="-"/>
+            </a:pPr>
+            <a:r>
+              <a:rPr lang="en-US" dirty="0"/>
+              <a:t>In the cue frame, tilted bars will be presented in the left most disk</a:t>
+            </a:r>
+          </a:p>
+          <a:p>
+            <a:pPr marL="285750" indent="-285750">
+              <a:spcAft>
+                <a:spcPts val="1200"/>
+              </a:spcAft>
+              <a:buFontTx/>
+              <a:buChar char="-"/>
+            </a:pPr>
+            <a:r>
+              <a:rPr lang="en-US" dirty="0"/>
+              <a:t>In the probe frame, tilted bars will be presented in the middle disk</a:t>
+            </a:r>
+          </a:p>
+          <a:p>
+            <a:pPr marL="285750" indent="-285750">
+              <a:spcAft>
+                <a:spcPts val="1200"/>
+              </a:spcAft>
+              <a:buFontTx/>
+              <a:buChar char="-"/>
+            </a:pPr>
+            <a:r>
+              <a:rPr lang="en-US" dirty="0"/>
+              <a:t>Thus, the tilted bars are always presented in the disk on the left side of the fixation dot</a:t>
+            </a:r>
+          </a:p>
+          <a:p>
+            <a:pPr marL="285750" indent="-285750">
+              <a:spcAft>
+                <a:spcPts val="1200"/>
+              </a:spcAft>
+              <a:buFontTx/>
+              <a:buChar char="-"/>
+            </a:pPr>
+            <a:r>
+              <a:rPr lang="en-US" dirty="0"/>
+              <a:t>Your task is to detect either the target bars (15</a:t>
+            </a:r>
+            <a:r>
+              <a:rPr lang="en-US" baseline="30000" dirty="0"/>
+              <a:t>◦ </a:t>
+            </a:r>
+            <a:r>
+              <a:rPr lang="en-US" dirty="0"/>
+              <a:t>tilted bars) in cue and probe frames are tilted in the same direction (left button) or not (right button)</a:t>
+            </a:r>
+          </a:p>
+          <a:p>
+            <a:pPr marL="285750" indent="-285750">
+              <a:spcAft>
+                <a:spcPts val="1200"/>
+              </a:spcAft>
+              <a:buFontTx/>
+              <a:buChar char="-"/>
+            </a:pPr>
+            <a:r>
+              <a:rPr lang="en-US" dirty="0"/>
+              <a:t>Again, you have to ignore the 45</a:t>
+            </a:r>
+            <a:r>
+              <a:rPr lang="en-US" baseline="30000" dirty="0"/>
+              <a:t>◦</a:t>
+            </a:r>
+            <a:r>
+              <a:rPr lang="en-US" dirty="0"/>
+              <a:t>(distractor) bar in the cue frame</a:t>
+            </a:r>
+          </a:p>
+        </p:txBody>
+      </p:sp>
+    </p:spTree>
+    <p:extLst>
+      <p:ext uri="{BB962C8B-B14F-4D97-AF65-F5344CB8AC3E}">
+        <p14:creationId xmlns:p14="http://schemas.microsoft.com/office/powerpoint/2010/main" val="12927611"/>
       </p:ext>
     </p:extLst>
   </p:cSld>
